--- a/Documents for Maintenance/Aviation English.pptx
+++ b/Documents for Maintenance/Aviation English.pptx
@@ -1,42 +1,42 @@
 
 <file path=ppt/presentation.xml><?xml version="1.0" encoding="utf-8"?>
-<p:presentation xmlns:a="http://schemas.openxmlformats.org/drawingml/2006/main" xmlns:r="http://schemas.openxmlformats.org/officeDocument/2006/relationships" xmlns:mc="http://schemas.openxmlformats.org/markup-compatibility/2006" xmlns:mv="urn:schemas-microsoft-com:mac:vml" xmlns:p="http://schemas.openxmlformats.org/presentationml/2006/main" xmlns:c="http://schemas.openxmlformats.org/drawingml/2006/chart" xmlns:dgm="http://schemas.openxmlformats.org/drawingml/2006/diagram" xmlns:o="urn:schemas-microsoft-com:office:office" xmlns:v="urn:schemas-microsoft-com:vml" xmlns:pvml="urn:schemas-microsoft-com:office:powerpoint" xmlns:com="http://schemas.openxmlformats.org/drawingml/2006/compatibility" xmlns:p14="http://schemas.microsoft.com/office/powerpoint/2010/main" autoCompressPictures="0" strictFirstAndLastChars="0" saveSubsetFonts="1">
+<p:presentation xmlns:a="http://schemas.openxmlformats.org/drawingml/2006/main" xmlns:r="http://schemas.openxmlformats.org/officeDocument/2006/relationships" xmlns:p="http://schemas.openxmlformats.org/presentationml/2006/main" strictFirstAndLastChars="0" saveSubsetFonts="1" autoCompressPictures="0">
   <p:sldMasterIdLst>
-    <p:sldMasterId id="2147483659" r:id="rId3"/>
+    <p:sldMasterId id="2147483659" r:id="rId1"/>
   </p:sldMasterIdLst>
   <p:notesMasterIdLst>
-    <p:notesMasterId r:id="rId4"/>
+    <p:notesMasterId r:id="rId26"/>
   </p:notesMasterIdLst>
   <p:sldIdLst>
-    <p:sldId id="256" r:id="rId5"/>
-    <p:sldId id="257" r:id="rId6"/>
-    <p:sldId id="258" r:id="rId7"/>
-    <p:sldId id="259" r:id="rId8"/>
-    <p:sldId id="260" r:id="rId9"/>
-    <p:sldId id="261" r:id="rId10"/>
-    <p:sldId id="262" r:id="rId11"/>
-    <p:sldId id="263" r:id="rId12"/>
-    <p:sldId id="264" r:id="rId13"/>
-    <p:sldId id="265" r:id="rId14"/>
-    <p:sldId id="266" r:id="rId15"/>
-    <p:sldId id="267" r:id="rId16"/>
-    <p:sldId id="268" r:id="rId17"/>
-    <p:sldId id="269" r:id="rId18"/>
-    <p:sldId id="270" r:id="rId19"/>
-    <p:sldId id="271" r:id="rId20"/>
-    <p:sldId id="272" r:id="rId21"/>
-    <p:sldId id="273" r:id="rId22"/>
-    <p:sldId id="274" r:id="rId23"/>
-    <p:sldId id="275" r:id="rId24"/>
-    <p:sldId id="276" r:id="rId25"/>
-    <p:sldId id="277" r:id="rId26"/>
-    <p:sldId id="278" r:id="rId27"/>
-    <p:sldId id="279" r:id="rId28"/>
+    <p:sldId id="256" r:id="rId2"/>
+    <p:sldId id="257" r:id="rId3"/>
+    <p:sldId id="258" r:id="rId4"/>
+    <p:sldId id="259" r:id="rId5"/>
+    <p:sldId id="260" r:id="rId6"/>
+    <p:sldId id="261" r:id="rId7"/>
+    <p:sldId id="262" r:id="rId8"/>
+    <p:sldId id="263" r:id="rId9"/>
+    <p:sldId id="264" r:id="rId10"/>
+    <p:sldId id="265" r:id="rId11"/>
+    <p:sldId id="266" r:id="rId12"/>
+    <p:sldId id="267" r:id="rId13"/>
+    <p:sldId id="268" r:id="rId14"/>
+    <p:sldId id="269" r:id="rId15"/>
+    <p:sldId id="270" r:id="rId16"/>
+    <p:sldId id="271" r:id="rId17"/>
+    <p:sldId id="272" r:id="rId18"/>
+    <p:sldId id="273" r:id="rId19"/>
+    <p:sldId id="274" r:id="rId20"/>
+    <p:sldId id="275" r:id="rId21"/>
+    <p:sldId id="276" r:id="rId22"/>
+    <p:sldId id="277" r:id="rId23"/>
+    <p:sldId id="278" r:id="rId24"/>
+    <p:sldId id="279" r:id="rId25"/>
   </p:sldIdLst>
-  <p:sldSz cy="5143500" cx="9144000"/>
+  <p:sldSz cx="9144000" cy="5143500" type="screen16x9"/>
   <p:notesSz cx="6858000" cy="9144000"/>
   <p:defaultTextStyle>
-    <a:defPPr lvl="0" marR="0" rtl="0" algn="l">
+    <a:defPPr marR="0" lvl="0" algn="l" rtl="0">
       <a:lnSpc>
         <a:spcPct val="100000"/>
       </a:lnSpc>
@@ -47,7 +47,7 @@
         <a:spcPts val="0"/>
       </a:spcAft>
     </a:defPPr>
-    <a:lvl1pPr lvl="0" marR="0" rtl="0" algn="l">
+    <a:lvl1pPr marR="0" lvl="0" algn="l" rtl="0">
       <a:lnSpc>
         <a:spcPct val="100000"/>
       </a:lnSpc>
@@ -58,7 +58,7 @@
         <a:spcPts val="0"/>
       </a:spcAft>
       <a:buNone/>
-      <a:defRPr b="0" i="0" sz="1400" u="none" cap="none" strike="noStrike">
+      <a:defRPr sz="1400" b="0" i="0" u="none" strike="noStrike" cap="none">
         <a:solidFill>
           <a:srgbClr val="000000"/>
         </a:solidFill>
@@ -68,7 +68,7 @@
         <a:sym typeface="Arial"/>
       </a:defRPr>
     </a:lvl1pPr>
-    <a:lvl2pPr lvl="1" marR="0" rtl="0" algn="l">
+    <a:lvl2pPr marR="0" lvl="1" algn="l" rtl="0">
       <a:lnSpc>
         <a:spcPct val="100000"/>
       </a:lnSpc>
@@ -79,7 +79,7 @@
         <a:spcPts val="0"/>
       </a:spcAft>
       <a:buNone/>
-      <a:defRPr b="0" i="0" sz="1400" u="none" cap="none" strike="noStrike">
+      <a:defRPr sz="1400" b="0" i="0" u="none" strike="noStrike" cap="none">
         <a:solidFill>
           <a:srgbClr val="000000"/>
         </a:solidFill>
@@ -89,7 +89,7 @@
         <a:sym typeface="Arial"/>
       </a:defRPr>
     </a:lvl2pPr>
-    <a:lvl3pPr lvl="2" marR="0" rtl="0" algn="l">
+    <a:lvl3pPr marR="0" lvl="2" algn="l" rtl="0">
       <a:lnSpc>
         <a:spcPct val="100000"/>
       </a:lnSpc>
@@ -100,7 +100,7 @@
         <a:spcPts val="0"/>
       </a:spcAft>
       <a:buNone/>
-      <a:defRPr b="0" i="0" sz="1400" u="none" cap="none" strike="noStrike">
+      <a:defRPr sz="1400" b="0" i="0" u="none" strike="noStrike" cap="none">
         <a:solidFill>
           <a:srgbClr val="000000"/>
         </a:solidFill>
@@ -110,7 +110,7 @@
         <a:sym typeface="Arial"/>
       </a:defRPr>
     </a:lvl3pPr>
-    <a:lvl4pPr lvl="3" marR="0" rtl="0" algn="l">
+    <a:lvl4pPr marR="0" lvl="3" algn="l" rtl="0">
       <a:lnSpc>
         <a:spcPct val="100000"/>
       </a:lnSpc>
@@ -121,7 +121,7 @@
         <a:spcPts val="0"/>
       </a:spcAft>
       <a:buNone/>
-      <a:defRPr b="0" i="0" sz="1400" u="none" cap="none" strike="noStrike">
+      <a:defRPr sz="1400" b="0" i="0" u="none" strike="noStrike" cap="none">
         <a:solidFill>
           <a:srgbClr val="000000"/>
         </a:solidFill>
@@ -131,7 +131,7 @@
         <a:sym typeface="Arial"/>
       </a:defRPr>
     </a:lvl4pPr>
-    <a:lvl5pPr lvl="4" marR="0" rtl="0" algn="l">
+    <a:lvl5pPr marR="0" lvl="4" algn="l" rtl="0">
       <a:lnSpc>
         <a:spcPct val="100000"/>
       </a:lnSpc>
@@ -142,7 +142,7 @@
         <a:spcPts val="0"/>
       </a:spcAft>
       <a:buNone/>
-      <a:defRPr b="0" i="0" sz="1400" u="none" cap="none" strike="noStrike">
+      <a:defRPr sz="1400" b="0" i="0" u="none" strike="noStrike" cap="none">
         <a:solidFill>
           <a:srgbClr val="000000"/>
         </a:solidFill>
@@ -152,7 +152,7 @@
         <a:sym typeface="Arial"/>
       </a:defRPr>
     </a:lvl5pPr>
-    <a:lvl6pPr lvl="5" marR="0" rtl="0" algn="l">
+    <a:lvl6pPr marR="0" lvl="5" algn="l" rtl="0">
       <a:lnSpc>
         <a:spcPct val="100000"/>
       </a:lnSpc>
@@ -163,7 +163,7 @@
         <a:spcPts val="0"/>
       </a:spcAft>
       <a:buNone/>
-      <a:defRPr b="0" i="0" sz="1400" u="none" cap="none" strike="noStrike">
+      <a:defRPr sz="1400" b="0" i="0" u="none" strike="noStrike" cap="none">
         <a:solidFill>
           <a:srgbClr val="000000"/>
         </a:solidFill>
@@ -173,7 +173,7 @@
         <a:sym typeface="Arial"/>
       </a:defRPr>
     </a:lvl6pPr>
-    <a:lvl7pPr lvl="6" marR="0" rtl="0" algn="l">
+    <a:lvl7pPr marR="0" lvl="6" algn="l" rtl="0">
       <a:lnSpc>
         <a:spcPct val="100000"/>
       </a:lnSpc>
@@ -184,7 +184,7 @@
         <a:spcPts val="0"/>
       </a:spcAft>
       <a:buNone/>
-      <a:defRPr b="0" i="0" sz="1400" u="none" cap="none" strike="noStrike">
+      <a:defRPr sz="1400" b="0" i="0" u="none" strike="noStrike" cap="none">
         <a:solidFill>
           <a:srgbClr val="000000"/>
         </a:solidFill>
@@ -194,7 +194,7 @@
         <a:sym typeface="Arial"/>
       </a:defRPr>
     </a:lvl7pPr>
-    <a:lvl8pPr lvl="7" marR="0" rtl="0" algn="l">
+    <a:lvl8pPr marR="0" lvl="7" algn="l" rtl="0">
       <a:lnSpc>
         <a:spcPct val="100000"/>
       </a:lnSpc>
@@ -205,7 +205,7 @@
         <a:spcPts val="0"/>
       </a:spcAft>
       <a:buNone/>
-      <a:defRPr b="0" i="0" sz="1400" u="none" cap="none" strike="noStrike">
+      <a:defRPr sz="1400" b="0" i="0" u="none" strike="noStrike" cap="none">
         <a:solidFill>
           <a:srgbClr val="000000"/>
         </a:solidFill>
@@ -215,7 +215,7 @@
         <a:sym typeface="Arial"/>
       </a:defRPr>
     </a:lvl8pPr>
-    <a:lvl9pPr lvl="8" marR="0" rtl="0" algn="l">
+    <a:lvl9pPr marR="0" lvl="8" algn="l" rtl="0">
       <a:lnSpc>
         <a:spcPct val="100000"/>
       </a:lnSpc>
@@ -226,7 +226,7 @@
         <a:spcPts val="0"/>
       </a:spcAft>
       <a:buNone/>
-      <a:defRPr b="0" i="0" sz="1400" u="none" cap="none" strike="noStrike">
+      <a:defRPr sz="1400" b="0" i="0" u="none" strike="noStrike" cap="none">
         <a:solidFill>
           <a:srgbClr val="000000"/>
         </a:solidFill>
@@ -241,11 +241,16 @@
 </file>
 
 <file path=ppt/notesMasters/notesMaster1.xml><?xml version="1.0" encoding="utf-8"?>
-<p:notesMaster xmlns:a="http://schemas.openxmlformats.org/drawingml/2006/main" xmlns:r="http://schemas.openxmlformats.org/officeDocument/2006/relationships" xmlns:mc="http://schemas.openxmlformats.org/markup-compatibility/2006" xmlns:mv="urn:schemas-microsoft-com:mac:vml" xmlns:p="http://schemas.openxmlformats.org/presentationml/2006/main" xmlns:c="http://schemas.openxmlformats.org/drawingml/2006/chart" xmlns:dgm="http://schemas.openxmlformats.org/drawingml/2006/diagram" xmlns:o="urn:schemas-microsoft-com:office:office" xmlns:v="urn:schemas-microsoft-com:vml" xmlns:pvml="urn:schemas-microsoft-com:office:powerpoint" xmlns:com="http://schemas.openxmlformats.org/drawingml/2006/compatibility" xmlns:p14="http://schemas.microsoft.com/office/powerpoint/2010/main">
+<p:notesMaster xmlns:a="http://schemas.openxmlformats.org/drawingml/2006/main" xmlns:r="http://schemas.openxmlformats.org/officeDocument/2006/relationships" xmlns:p="http://schemas.openxmlformats.org/presentationml/2006/main">
   <p:cSld>
+    <p:bg>
+      <p:bgRef idx="1001">
+        <a:schemeClr val="bg1"/>
+      </p:bgRef>
+    </p:bg>
     <p:spTree>
       <p:nvGrpSpPr>
-        <p:cNvPr id="2" name="Shape 2"/>
+        <p:cNvPr id="1" name="Shape 2"/>
         <p:cNvGrpSpPr/>
         <p:nvPr/>
       </p:nvGrpSpPr>
@@ -260,9 +265,11 @@
       <p:sp>
         <p:nvSpPr>
           <p:cNvPr id="3" name="Shape 3"/>
-          <p:cNvSpPr/>
-          <p:nvPr>
-            <p:ph idx="2" type="sldImg"/>
+          <p:cNvSpPr>
+            <a:spLocks noGrp="1" noRot="1" noChangeAspect="1"/>
+          </p:cNvSpPr>
+          <p:nvPr>
+            <p:ph type="sldImg" idx="2"/>
           </p:nvPr>
         </p:nvSpPr>
         <p:spPr>
@@ -271,8 +278,13 @@
             <a:ext cx="6096075" cy="3429000"/>
           </a:xfrm>
           <a:custGeom>
+            <a:avLst/>
+            <a:gdLst/>
+            <a:ahLst/>
+            <a:cxnLst/>
+            <a:rect l="0" t="0" r="0" b="0"/>
             <a:pathLst>
-              <a:path extrusionOk="0" h="120000" w="120000">
+              <a:path w="120000" h="120000" extrusionOk="0">
                 <a:moveTo>
                   <a:pt x="0" y="0"/>
                 </a:moveTo>
@@ -290,23 +302,25 @@
             </a:pathLst>
           </a:custGeom>
           <a:noFill/>
-          <a:ln cap="flat" cmpd="sng" w="9525">
+          <a:ln w="9525" cap="flat" cmpd="sng">
             <a:solidFill>
               <a:srgbClr val="000000"/>
             </a:solidFill>
             <a:prstDash val="solid"/>
             <a:round/>
-            <a:headEnd len="med" w="med" type="none"/>
-            <a:tailEnd len="med" w="med" type="none"/>
+            <a:headEnd type="none" w="med" len="med"/>
+            <a:tailEnd type="none" w="med" len="med"/>
           </a:ln>
         </p:spPr>
       </p:sp>
       <p:sp>
         <p:nvSpPr>
           <p:cNvPr id="4" name="Shape 4"/>
-          <p:cNvSpPr txBox="1"/>
-          <p:nvPr>
-            <p:ph idx="1" type="body"/>
+          <p:cNvSpPr txBox="1">
+            <a:spLocks noGrp="1"/>
+          </p:cNvSpPr>
+          <p:nvPr>
+            <p:ph type="body" idx="1"/>
           </p:nvPr>
         </p:nvSpPr>
         <p:spPr>
@@ -323,7 +337,7 @@
           </a:ln>
         </p:spPr>
         <p:txBody>
-          <a:bodyPr anchorCtr="0" anchor="t" bIns="91425" lIns="91425" rIns="91425" tIns="91425"/>
+          <a:bodyPr lIns="91425" tIns="91425" rIns="91425" bIns="91425" anchor="t" anchorCtr="0"/>
           <a:lstStyle>
             <a:lvl1pPr lvl="0">
               <a:spcBef>
@@ -380,21 +394,115 @@
               <a:defRPr sz="1100"/>
             </a:lvl9pPr>
           </a:lstStyle>
-          <a:p/>
+          <a:p>
+            <a:endParaRPr/>
+          </a:p>
         </p:txBody>
       </p:sp>
     </p:spTree>
   </p:cSld>
-  <p:clrMap accent1="accent1" accent2="accent2" accent3="accent3" accent4="accent4" accent5="accent5" accent6="accent6" bg1="lt1" bg2="dk2" tx1="dk1" tx2="lt2" folHlink="folHlink" hlink="hlink"/>
+  <p:clrMap bg1="lt1" tx1="dk1" bg2="dk2" tx2="lt2" accent1="accent1" accent2="accent2" accent3="accent3" accent4="accent4" accent5="accent5" accent6="accent6" hlink="hlink" folHlink="folHlink"/>
+  <p:notesStyle>
+    <a:lvl1pPr marL="0" algn="l" defTabSz="914400" rtl="0" eaLnBrk="1" latinLnBrk="0" hangingPunct="1">
+      <a:defRPr sz="1200" kern="1200">
+        <a:solidFill>
+          <a:schemeClr val="tx1"/>
+        </a:solidFill>
+        <a:latin typeface="+mn-lt"/>
+        <a:ea typeface="+mn-ea"/>
+        <a:cs typeface="+mn-cs"/>
+      </a:defRPr>
+    </a:lvl1pPr>
+    <a:lvl2pPr marL="457200" algn="l" defTabSz="914400" rtl="0" eaLnBrk="1" latinLnBrk="0" hangingPunct="1">
+      <a:defRPr sz="1200" kern="1200">
+        <a:solidFill>
+          <a:schemeClr val="tx1"/>
+        </a:solidFill>
+        <a:latin typeface="+mn-lt"/>
+        <a:ea typeface="+mn-ea"/>
+        <a:cs typeface="+mn-cs"/>
+      </a:defRPr>
+    </a:lvl2pPr>
+    <a:lvl3pPr marL="914400" algn="l" defTabSz="914400" rtl="0" eaLnBrk="1" latinLnBrk="0" hangingPunct="1">
+      <a:defRPr sz="1200" kern="1200">
+        <a:solidFill>
+          <a:schemeClr val="tx1"/>
+        </a:solidFill>
+        <a:latin typeface="+mn-lt"/>
+        <a:ea typeface="+mn-ea"/>
+        <a:cs typeface="+mn-cs"/>
+      </a:defRPr>
+    </a:lvl3pPr>
+    <a:lvl4pPr marL="1371600" algn="l" defTabSz="914400" rtl="0" eaLnBrk="1" latinLnBrk="0" hangingPunct="1">
+      <a:defRPr sz="1200" kern="1200">
+        <a:solidFill>
+          <a:schemeClr val="tx1"/>
+        </a:solidFill>
+        <a:latin typeface="+mn-lt"/>
+        <a:ea typeface="+mn-ea"/>
+        <a:cs typeface="+mn-cs"/>
+      </a:defRPr>
+    </a:lvl4pPr>
+    <a:lvl5pPr marL="1828800" algn="l" defTabSz="914400" rtl="0" eaLnBrk="1" latinLnBrk="0" hangingPunct="1">
+      <a:defRPr sz="1200" kern="1200">
+        <a:solidFill>
+          <a:schemeClr val="tx1"/>
+        </a:solidFill>
+        <a:latin typeface="+mn-lt"/>
+        <a:ea typeface="+mn-ea"/>
+        <a:cs typeface="+mn-cs"/>
+      </a:defRPr>
+    </a:lvl5pPr>
+    <a:lvl6pPr marL="2286000" algn="l" defTabSz="914400" rtl="0" eaLnBrk="1" latinLnBrk="0" hangingPunct="1">
+      <a:defRPr sz="1200" kern="1200">
+        <a:solidFill>
+          <a:schemeClr val="tx1"/>
+        </a:solidFill>
+        <a:latin typeface="+mn-lt"/>
+        <a:ea typeface="+mn-ea"/>
+        <a:cs typeface="+mn-cs"/>
+      </a:defRPr>
+    </a:lvl6pPr>
+    <a:lvl7pPr marL="2743200" algn="l" defTabSz="914400" rtl="0" eaLnBrk="1" latinLnBrk="0" hangingPunct="1">
+      <a:defRPr sz="1200" kern="1200">
+        <a:solidFill>
+          <a:schemeClr val="tx1"/>
+        </a:solidFill>
+        <a:latin typeface="+mn-lt"/>
+        <a:ea typeface="+mn-ea"/>
+        <a:cs typeface="+mn-cs"/>
+      </a:defRPr>
+    </a:lvl7pPr>
+    <a:lvl8pPr marL="3200400" algn="l" defTabSz="914400" rtl="0" eaLnBrk="1" latinLnBrk="0" hangingPunct="1">
+      <a:defRPr sz="1200" kern="1200">
+        <a:solidFill>
+          <a:schemeClr val="tx1"/>
+        </a:solidFill>
+        <a:latin typeface="+mn-lt"/>
+        <a:ea typeface="+mn-ea"/>
+        <a:cs typeface="+mn-cs"/>
+      </a:defRPr>
+    </a:lvl8pPr>
+    <a:lvl9pPr marL="3657600" algn="l" defTabSz="914400" rtl="0" eaLnBrk="1" latinLnBrk="0" hangingPunct="1">
+      <a:defRPr sz="1200" kern="1200">
+        <a:solidFill>
+          <a:schemeClr val="tx1"/>
+        </a:solidFill>
+        <a:latin typeface="+mn-lt"/>
+        <a:ea typeface="+mn-ea"/>
+        <a:cs typeface="+mn-cs"/>
+      </a:defRPr>
+    </a:lvl9pPr>
+  </p:notesStyle>
 </p:notesMaster>
 </file>
 
 <file path=ppt/notesSlides/notesSlide1.xml><?xml version="1.0" encoding="utf-8"?>
-<p:notes xmlns:a="http://schemas.openxmlformats.org/drawingml/2006/main" xmlns:r="http://schemas.openxmlformats.org/officeDocument/2006/relationships" xmlns:mc="http://schemas.openxmlformats.org/markup-compatibility/2006" xmlns:mv="urn:schemas-microsoft-com:mac:vml" xmlns:p="http://schemas.openxmlformats.org/presentationml/2006/main" xmlns:c="http://schemas.openxmlformats.org/drawingml/2006/chart" xmlns:dgm="http://schemas.openxmlformats.org/drawingml/2006/diagram" xmlns:o="urn:schemas-microsoft-com:office:office" xmlns:v="urn:schemas-microsoft-com:vml" xmlns:pvml="urn:schemas-microsoft-com:office:powerpoint" xmlns:com="http://schemas.openxmlformats.org/drawingml/2006/compatibility" xmlns:p14="http://schemas.microsoft.com/office/powerpoint/2010/main" showMasterPhAnim="0" showMasterSp="0">
+<p:notes xmlns:a="http://schemas.openxmlformats.org/drawingml/2006/main" xmlns:r="http://schemas.openxmlformats.org/officeDocument/2006/relationships" xmlns:p="http://schemas.openxmlformats.org/presentationml/2006/main" showMasterSp="0" showMasterPhAnim="0">
   <p:cSld>
     <p:spTree>
       <p:nvGrpSpPr>
-        <p:cNvPr id="50" name="Shape 50"/>
+        <p:cNvPr id="1" name="Shape 50"/>
         <p:cNvGrpSpPr/>
         <p:nvPr/>
       </p:nvGrpSpPr>
@@ -409,19 +517,26 @@
       <p:sp>
         <p:nvSpPr>
           <p:cNvPr id="51" name="Shape 51"/>
-          <p:cNvSpPr/>
-          <p:nvPr>
-            <p:ph idx="2" type="sldImg"/>
-          </p:nvPr>
-        </p:nvSpPr>
-        <p:spPr>
-          <a:xfrm>
-            <a:off x="381300" y="685800"/>
-            <a:ext cx="6096075" cy="3429000"/>
+          <p:cNvSpPr>
+            <a:spLocks noGrp="1" noRot="1" noChangeAspect="1"/>
+          </p:cNvSpPr>
+          <p:nvPr>
+            <p:ph type="sldImg" idx="2"/>
+          </p:nvPr>
+        </p:nvSpPr>
+        <p:spPr>
+          <a:xfrm>
+            <a:off x="381000" y="685800"/>
+            <a:ext cx="6096000" cy="3429000"/>
           </a:xfrm>
           <a:custGeom>
+            <a:avLst/>
+            <a:gdLst/>
+            <a:ahLst/>
+            <a:cxnLst/>
+            <a:rect l="0" t="0" r="0" b="0"/>
             <a:pathLst>
-              <a:path extrusionOk="0" h="120000" w="120000">
+              <a:path w="120000" h="120000" extrusionOk="0">
                 <a:moveTo>
                   <a:pt x="0" y="0"/>
                 </a:moveTo>
@@ -443,9 +558,11 @@
       <p:sp>
         <p:nvSpPr>
           <p:cNvPr id="52" name="Shape 52"/>
-          <p:cNvSpPr txBox="1"/>
-          <p:nvPr>
-            <p:ph idx="1" type="body"/>
+          <p:cNvSpPr txBox="1">
+            <a:spLocks noGrp="1"/>
+          </p:cNvSpPr>
+          <p:nvPr>
+            <p:ph type="body" idx="1"/>
           </p:nvPr>
         </p:nvSpPr>
         <p:spPr>
@@ -458,7 +575,7 @@
           </a:prstGeom>
         </p:spPr>
         <p:txBody>
-          <a:bodyPr anchorCtr="0" anchor="t" bIns="91425" lIns="91425" rIns="91425" tIns="91425">
+          <a:bodyPr lIns="91425" tIns="91425" rIns="91425" bIns="91425" anchor="t" anchorCtr="0">
             <a:noAutofit/>
           </a:bodyPr>
           <a:lstStyle/>
@@ -469,9 +586,6 @@
               </a:spcBef>
               <a:buNone/>
             </a:pPr>
-            <a:r>
-              <a:t/>
-            </a:r>
             <a:endParaRPr/>
           </a:p>
         </p:txBody>
@@ -485,11 +599,11 @@
 </file>
 
 <file path=ppt/notesSlides/notesSlide10.xml><?xml version="1.0" encoding="utf-8"?>
-<p:notes xmlns:a="http://schemas.openxmlformats.org/drawingml/2006/main" xmlns:r="http://schemas.openxmlformats.org/officeDocument/2006/relationships" xmlns:mc="http://schemas.openxmlformats.org/markup-compatibility/2006" xmlns:mv="urn:schemas-microsoft-com:mac:vml" xmlns:p="http://schemas.openxmlformats.org/presentationml/2006/main" xmlns:c="http://schemas.openxmlformats.org/drawingml/2006/chart" xmlns:dgm="http://schemas.openxmlformats.org/drawingml/2006/diagram" xmlns:o="urn:schemas-microsoft-com:office:office" xmlns:v="urn:schemas-microsoft-com:vml" xmlns:pvml="urn:schemas-microsoft-com:office:powerpoint" xmlns:com="http://schemas.openxmlformats.org/drawingml/2006/compatibility" xmlns:p14="http://schemas.microsoft.com/office/powerpoint/2010/main" showMasterPhAnim="0" showMasterSp="0">
+<p:notes xmlns:a="http://schemas.openxmlformats.org/drawingml/2006/main" xmlns:r="http://schemas.openxmlformats.org/officeDocument/2006/relationships" xmlns:p="http://schemas.openxmlformats.org/presentationml/2006/main" showMasterSp="0" showMasterPhAnim="0">
   <p:cSld>
     <p:spTree>
       <p:nvGrpSpPr>
-        <p:cNvPr id="104" name="Shape 104"/>
+        <p:cNvPr id="1" name="Shape 104"/>
         <p:cNvGrpSpPr/>
         <p:nvPr/>
       </p:nvGrpSpPr>
@@ -504,9 +618,11 @@
       <p:sp>
         <p:nvSpPr>
           <p:cNvPr id="105" name="Shape 105"/>
-          <p:cNvSpPr/>
-          <p:nvPr>
-            <p:ph idx="2" type="sldImg"/>
+          <p:cNvSpPr>
+            <a:spLocks noGrp="1" noRot="1" noChangeAspect="1"/>
+          </p:cNvSpPr>
+          <p:nvPr>
+            <p:ph type="sldImg" idx="2"/>
           </p:nvPr>
         </p:nvSpPr>
         <p:spPr>
@@ -515,8 +631,13 @@
             <a:ext cx="6096000" cy="3429000"/>
           </a:xfrm>
           <a:custGeom>
+            <a:avLst/>
+            <a:gdLst/>
+            <a:ahLst/>
+            <a:cxnLst/>
+            <a:rect l="0" t="0" r="0" b="0"/>
             <a:pathLst>
-              <a:path extrusionOk="0" h="120000" w="120000">
+              <a:path w="120000" h="120000" extrusionOk="0">
                 <a:moveTo>
                   <a:pt x="0" y="0"/>
                 </a:moveTo>
@@ -538,9 +659,11 @@
       <p:sp>
         <p:nvSpPr>
           <p:cNvPr id="106" name="Shape 106"/>
-          <p:cNvSpPr txBox="1"/>
-          <p:nvPr>
-            <p:ph idx="1" type="body"/>
+          <p:cNvSpPr txBox="1">
+            <a:spLocks noGrp="1"/>
+          </p:cNvSpPr>
+          <p:nvPr>
+            <p:ph type="body" idx="1"/>
           </p:nvPr>
         </p:nvSpPr>
         <p:spPr>
@@ -553,7 +676,7 @@
           </a:prstGeom>
         </p:spPr>
         <p:txBody>
-          <a:bodyPr anchorCtr="0" anchor="t" bIns="91425" lIns="91425" rIns="91425" tIns="91425">
+          <a:bodyPr lIns="91425" tIns="91425" rIns="91425" bIns="91425" anchor="t" anchorCtr="0">
             <a:noAutofit/>
           </a:bodyPr>
           <a:lstStyle/>
@@ -564,9 +687,6 @@
               </a:spcBef>
               <a:buNone/>
             </a:pPr>
-            <a:r>
-              <a:t/>
-            </a:r>
             <a:endParaRPr/>
           </a:p>
         </p:txBody>
@@ -580,11 +700,11 @@
 </file>
 
 <file path=ppt/notesSlides/notesSlide11.xml><?xml version="1.0" encoding="utf-8"?>
-<p:notes xmlns:a="http://schemas.openxmlformats.org/drawingml/2006/main" xmlns:r="http://schemas.openxmlformats.org/officeDocument/2006/relationships" xmlns:mc="http://schemas.openxmlformats.org/markup-compatibility/2006" xmlns:mv="urn:schemas-microsoft-com:mac:vml" xmlns:p="http://schemas.openxmlformats.org/presentationml/2006/main" xmlns:c="http://schemas.openxmlformats.org/drawingml/2006/chart" xmlns:dgm="http://schemas.openxmlformats.org/drawingml/2006/diagram" xmlns:o="urn:schemas-microsoft-com:office:office" xmlns:v="urn:schemas-microsoft-com:vml" xmlns:pvml="urn:schemas-microsoft-com:office:powerpoint" xmlns:com="http://schemas.openxmlformats.org/drawingml/2006/compatibility" xmlns:p14="http://schemas.microsoft.com/office/powerpoint/2010/main" showMasterPhAnim="0" showMasterSp="0">
+<p:notes xmlns:a="http://schemas.openxmlformats.org/drawingml/2006/main" xmlns:r="http://schemas.openxmlformats.org/officeDocument/2006/relationships" xmlns:p="http://schemas.openxmlformats.org/presentationml/2006/main" showMasterSp="0" showMasterPhAnim="0">
   <p:cSld>
     <p:spTree>
       <p:nvGrpSpPr>
-        <p:cNvPr id="110" name="Shape 110"/>
+        <p:cNvPr id="1" name="Shape 110"/>
         <p:cNvGrpSpPr/>
         <p:nvPr/>
       </p:nvGrpSpPr>
@@ -599,9 +719,11 @@
       <p:sp>
         <p:nvSpPr>
           <p:cNvPr id="111" name="Shape 111"/>
-          <p:cNvSpPr/>
-          <p:nvPr>
-            <p:ph idx="2" type="sldImg"/>
+          <p:cNvSpPr>
+            <a:spLocks noGrp="1" noRot="1" noChangeAspect="1"/>
+          </p:cNvSpPr>
+          <p:nvPr>
+            <p:ph type="sldImg" idx="2"/>
           </p:nvPr>
         </p:nvSpPr>
         <p:spPr>
@@ -610,8 +732,13 @@
             <a:ext cx="6096000" cy="3429000"/>
           </a:xfrm>
           <a:custGeom>
+            <a:avLst/>
+            <a:gdLst/>
+            <a:ahLst/>
+            <a:cxnLst/>
+            <a:rect l="0" t="0" r="0" b="0"/>
             <a:pathLst>
-              <a:path extrusionOk="0" h="120000" w="120000">
+              <a:path w="120000" h="120000" extrusionOk="0">
                 <a:moveTo>
                   <a:pt x="0" y="0"/>
                 </a:moveTo>
@@ -633,9 +760,11 @@
       <p:sp>
         <p:nvSpPr>
           <p:cNvPr id="112" name="Shape 112"/>
-          <p:cNvSpPr txBox="1"/>
-          <p:nvPr>
-            <p:ph idx="1" type="body"/>
+          <p:cNvSpPr txBox="1">
+            <a:spLocks noGrp="1"/>
+          </p:cNvSpPr>
+          <p:nvPr>
+            <p:ph type="body" idx="1"/>
           </p:nvPr>
         </p:nvSpPr>
         <p:spPr>
@@ -648,7 +777,7 @@
           </a:prstGeom>
         </p:spPr>
         <p:txBody>
-          <a:bodyPr anchorCtr="0" anchor="t" bIns="91425" lIns="91425" rIns="91425" tIns="91425">
+          <a:bodyPr lIns="91425" tIns="91425" rIns="91425" bIns="91425" anchor="t" anchorCtr="0">
             <a:noAutofit/>
           </a:bodyPr>
           <a:lstStyle/>
@@ -659,9 +788,6 @@
               </a:spcBef>
               <a:buNone/>
             </a:pPr>
-            <a:r>
-              <a:t/>
-            </a:r>
             <a:endParaRPr/>
           </a:p>
         </p:txBody>
@@ -675,11 +801,11 @@
 </file>
 
 <file path=ppt/notesSlides/notesSlide12.xml><?xml version="1.0" encoding="utf-8"?>
-<p:notes xmlns:a="http://schemas.openxmlformats.org/drawingml/2006/main" xmlns:r="http://schemas.openxmlformats.org/officeDocument/2006/relationships" xmlns:mc="http://schemas.openxmlformats.org/markup-compatibility/2006" xmlns:mv="urn:schemas-microsoft-com:mac:vml" xmlns:p="http://schemas.openxmlformats.org/presentationml/2006/main" xmlns:c="http://schemas.openxmlformats.org/drawingml/2006/chart" xmlns:dgm="http://schemas.openxmlformats.org/drawingml/2006/diagram" xmlns:o="urn:schemas-microsoft-com:office:office" xmlns:v="urn:schemas-microsoft-com:vml" xmlns:pvml="urn:schemas-microsoft-com:office:powerpoint" xmlns:com="http://schemas.openxmlformats.org/drawingml/2006/compatibility" xmlns:p14="http://schemas.microsoft.com/office/powerpoint/2010/main" showMasterPhAnim="0" showMasterSp="0">
+<p:notes xmlns:a="http://schemas.openxmlformats.org/drawingml/2006/main" xmlns:r="http://schemas.openxmlformats.org/officeDocument/2006/relationships" xmlns:p="http://schemas.openxmlformats.org/presentationml/2006/main" showMasterSp="0" showMasterPhAnim="0">
   <p:cSld>
     <p:spTree>
       <p:nvGrpSpPr>
-        <p:cNvPr id="116" name="Shape 116"/>
+        <p:cNvPr id="1" name="Shape 116"/>
         <p:cNvGrpSpPr/>
         <p:nvPr/>
       </p:nvGrpSpPr>
@@ -694,9 +820,11 @@
       <p:sp>
         <p:nvSpPr>
           <p:cNvPr id="117" name="Shape 117"/>
-          <p:cNvSpPr/>
-          <p:nvPr>
-            <p:ph idx="2" type="sldImg"/>
+          <p:cNvSpPr>
+            <a:spLocks noGrp="1" noRot="1" noChangeAspect="1"/>
+          </p:cNvSpPr>
+          <p:nvPr>
+            <p:ph type="sldImg" idx="2"/>
           </p:nvPr>
         </p:nvSpPr>
         <p:spPr>
@@ -705,8 +833,13 @@
             <a:ext cx="6096000" cy="3429000"/>
           </a:xfrm>
           <a:custGeom>
+            <a:avLst/>
+            <a:gdLst/>
+            <a:ahLst/>
+            <a:cxnLst/>
+            <a:rect l="0" t="0" r="0" b="0"/>
             <a:pathLst>
-              <a:path extrusionOk="0" h="120000" w="120000">
+              <a:path w="120000" h="120000" extrusionOk="0">
                 <a:moveTo>
                   <a:pt x="0" y="0"/>
                 </a:moveTo>
@@ -728,9 +861,11 @@
       <p:sp>
         <p:nvSpPr>
           <p:cNvPr id="118" name="Shape 118"/>
-          <p:cNvSpPr txBox="1"/>
-          <p:nvPr>
-            <p:ph idx="1" type="body"/>
+          <p:cNvSpPr txBox="1">
+            <a:spLocks noGrp="1"/>
+          </p:cNvSpPr>
+          <p:nvPr>
+            <p:ph type="body" idx="1"/>
           </p:nvPr>
         </p:nvSpPr>
         <p:spPr>
@@ -743,7 +878,7 @@
           </a:prstGeom>
         </p:spPr>
         <p:txBody>
-          <a:bodyPr anchorCtr="0" anchor="t" bIns="91425" lIns="91425" rIns="91425" tIns="91425">
+          <a:bodyPr lIns="91425" tIns="91425" rIns="91425" bIns="91425" anchor="t" anchorCtr="0">
             <a:noAutofit/>
           </a:bodyPr>
           <a:lstStyle/>
@@ -754,9 +889,6 @@
               </a:spcBef>
               <a:buNone/>
             </a:pPr>
-            <a:r>
-              <a:t/>
-            </a:r>
             <a:endParaRPr/>
           </a:p>
         </p:txBody>
@@ -770,11 +902,11 @@
 </file>
 
 <file path=ppt/notesSlides/notesSlide13.xml><?xml version="1.0" encoding="utf-8"?>
-<p:notes xmlns:a="http://schemas.openxmlformats.org/drawingml/2006/main" xmlns:r="http://schemas.openxmlformats.org/officeDocument/2006/relationships" xmlns:mc="http://schemas.openxmlformats.org/markup-compatibility/2006" xmlns:mv="urn:schemas-microsoft-com:mac:vml" xmlns:p="http://schemas.openxmlformats.org/presentationml/2006/main" xmlns:c="http://schemas.openxmlformats.org/drawingml/2006/chart" xmlns:dgm="http://schemas.openxmlformats.org/drawingml/2006/diagram" xmlns:o="urn:schemas-microsoft-com:office:office" xmlns:v="urn:schemas-microsoft-com:vml" xmlns:pvml="urn:schemas-microsoft-com:office:powerpoint" xmlns:com="http://schemas.openxmlformats.org/drawingml/2006/compatibility" xmlns:p14="http://schemas.microsoft.com/office/powerpoint/2010/main" showMasterPhAnim="0" showMasterSp="0">
+<p:notes xmlns:a="http://schemas.openxmlformats.org/drawingml/2006/main" xmlns:r="http://schemas.openxmlformats.org/officeDocument/2006/relationships" xmlns:p="http://schemas.openxmlformats.org/presentationml/2006/main" showMasterSp="0" showMasterPhAnim="0">
   <p:cSld>
     <p:spTree>
       <p:nvGrpSpPr>
-        <p:cNvPr id="122" name="Shape 122"/>
+        <p:cNvPr id="1" name="Shape 122"/>
         <p:cNvGrpSpPr/>
         <p:nvPr/>
       </p:nvGrpSpPr>
@@ -789,9 +921,11 @@
       <p:sp>
         <p:nvSpPr>
           <p:cNvPr id="123" name="Shape 123"/>
-          <p:cNvSpPr/>
-          <p:nvPr>
-            <p:ph idx="2" type="sldImg"/>
+          <p:cNvSpPr>
+            <a:spLocks noGrp="1" noRot="1" noChangeAspect="1"/>
+          </p:cNvSpPr>
+          <p:nvPr>
+            <p:ph type="sldImg" idx="2"/>
           </p:nvPr>
         </p:nvSpPr>
         <p:spPr>
@@ -800,8 +934,13 @@
             <a:ext cx="6096000" cy="3429000"/>
           </a:xfrm>
           <a:custGeom>
+            <a:avLst/>
+            <a:gdLst/>
+            <a:ahLst/>
+            <a:cxnLst/>
+            <a:rect l="0" t="0" r="0" b="0"/>
             <a:pathLst>
-              <a:path extrusionOk="0" h="120000" w="120000">
+              <a:path w="120000" h="120000" extrusionOk="0">
                 <a:moveTo>
                   <a:pt x="0" y="0"/>
                 </a:moveTo>
@@ -823,9 +962,11 @@
       <p:sp>
         <p:nvSpPr>
           <p:cNvPr id="124" name="Shape 124"/>
-          <p:cNvSpPr txBox="1"/>
-          <p:nvPr>
-            <p:ph idx="1" type="body"/>
+          <p:cNvSpPr txBox="1">
+            <a:spLocks noGrp="1"/>
+          </p:cNvSpPr>
+          <p:nvPr>
+            <p:ph type="body" idx="1"/>
           </p:nvPr>
         </p:nvSpPr>
         <p:spPr>
@@ -838,7 +979,7 @@
           </a:prstGeom>
         </p:spPr>
         <p:txBody>
-          <a:bodyPr anchorCtr="0" anchor="t" bIns="91425" lIns="91425" rIns="91425" tIns="91425">
+          <a:bodyPr lIns="91425" tIns="91425" rIns="91425" bIns="91425" anchor="t" anchorCtr="0">
             <a:noAutofit/>
           </a:bodyPr>
           <a:lstStyle/>
@@ -849,9 +990,6 @@
               </a:spcBef>
               <a:buNone/>
             </a:pPr>
-            <a:r>
-              <a:t/>
-            </a:r>
             <a:endParaRPr/>
           </a:p>
         </p:txBody>
@@ -865,11 +1003,11 @@
 </file>
 
 <file path=ppt/notesSlides/notesSlide14.xml><?xml version="1.0" encoding="utf-8"?>
-<p:notes xmlns:a="http://schemas.openxmlformats.org/drawingml/2006/main" xmlns:r="http://schemas.openxmlformats.org/officeDocument/2006/relationships" xmlns:mc="http://schemas.openxmlformats.org/markup-compatibility/2006" xmlns:mv="urn:schemas-microsoft-com:mac:vml" xmlns:p="http://schemas.openxmlformats.org/presentationml/2006/main" xmlns:c="http://schemas.openxmlformats.org/drawingml/2006/chart" xmlns:dgm="http://schemas.openxmlformats.org/drawingml/2006/diagram" xmlns:o="urn:schemas-microsoft-com:office:office" xmlns:v="urn:schemas-microsoft-com:vml" xmlns:pvml="urn:schemas-microsoft-com:office:powerpoint" xmlns:com="http://schemas.openxmlformats.org/drawingml/2006/compatibility" xmlns:p14="http://schemas.microsoft.com/office/powerpoint/2010/main" showMasterPhAnim="0" showMasterSp="0">
+<p:notes xmlns:a="http://schemas.openxmlformats.org/drawingml/2006/main" xmlns:r="http://schemas.openxmlformats.org/officeDocument/2006/relationships" xmlns:p="http://schemas.openxmlformats.org/presentationml/2006/main" showMasterSp="0" showMasterPhAnim="0">
   <p:cSld>
     <p:spTree>
       <p:nvGrpSpPr>
-        <p:cNvPr id="128" name="Shape 128"/>
+        <p:cNvPr id="1" name="Shape 128"/>
         <p:cNvGrpSpPr/>
         <p:nvPr/>
       </p:nvGrpSpPr>
@@ -884,9 +1022,11 @@
       <p:sp>
         <p:nvSpPr>
           <p:cNvPr id="129" name="Shape 129"/>
-          <p:cNvSpPr/>
-          <p:nvPr>
-            <p:ph idx="2" type="sldImg"/>
+          <p:cNvSpPr>
+            <a:spLocks noGrp="1" noRot="1" noChangeAspect="1"/>
+          </p:cNvSpPr>
+          <p:nvPr>
+            <p:ph type="sldImg" idx="2"/>
           </p:nvPr>
         </p:nvSpPr>
         <p:spPr>
@@ -895,8 +1035,13 @@
             <a:ext cx="6096000" cy="3429000"/>
           </a:xfrm>
           <a:custGeom>
+            <a:avLst/>
+            <a:gdLst/>
+            <a:ahLst/>
+            <a:cxnLst/>
+            <a:rect l="0" t="0" r="0" b="0"/>
             <a:pathLst>
-              <a:path extrusionOk="0" h="120000" w="120000">
+              <a:path w="120000" h="120000" extrusionOk="0">
                 <a:moveTo>
                   <a:pt x="0" y="0"/>
                 </a:moveTo>
@@ -918,9 +1063,11 @@
       <p:sp>
         <p:nvSpPr>
           <p:cNvPr id="130" name="Shape 130"/>
-          <p:cNvSpPr txBox="1"/>
-          <p:nvPr>
-            <p:ph idx="1" type="body"/>
+          <p:cNvSpPr txBox="1">
+            <a:spLocks noGrp="1"/>
+          </p:cNvSpPr>
+          <p:nvPr>
+            <p:ph type="body" idx="1"/>
           </p:nvPr>
         </p:nvSpPr>
         <p:spPr>
@@ -933,7 +1080,7 @@
           </a:prstGeom>
         </p:spPr>
         <p:txBody>
-          <a:bodyPr anchorCtr="0" anchor="t" bIns="91425" lIns="91425" rIns="91425" tIns="91425">
+          <a:bodyPr lIns="91425" tIns="91425" rIns="91425" bIns="91425" anchor="t" anchorCtr="0">
             <a:noAutofit/>
           </a:bodyPr>
           <a:lstStyle/>
@@ -944,9 +1091,6 @@
               </a:spcBef>
               <a:buNone/>
             </a:pPr>
-            <a:r>
-              <a:t/>
-            </a:r>
             <a:endParaRPr/>
           </a:p>
         </p:txBody>
@@ -960,11 +1104,11 @@
 </file>
 
 <file path=ppt/notesSlides/notesSlide15.xml><?xml version="1.0" encoding="utf-8"?>
-<p:notes xmlns:a="http://schemas.openxmlformats.org/drawingml/2006/main" xmlns:r="http://schemas.openxmlformats.org/officeDocument/2006/relationships" xmlns:mc="http://schemas.openxmlformats.org/markup-compatibility/2006" xmlns:mv="urn:schemas-microsoft-com:mac:vml" xmlns:p="http://schemas.openxmlformats.org/presentationml/2006/main" xmlns:c="http://schemas.openxmlformats.org/drawingml/2006/chart" xmlns:dgm="http://schemas.openxmlformats.org/drawingml/2006/diagram" xmlns:o="urn:schemas-microsoft-com:office:office" xmlns:v="urn:schemas-microsoft-com:vml" xmlns:pvml="urn:schemas-microsoft-com:office:powerpoint" xmlns:com="http://schemas.openxmlformats.org/drawingml/2006/compatibility" xmlns:p14="http://schemas.microsoft.com/office/powerpoint/2010/main" showMasterPhAnim="0" showMasterSp="0">
+<p:notes xmlns:a="http://schemas.openxmlformats.org/drawingml/2006/main" xmlns:r="http://schemas.openxmlformats.org/officeDocument/2006/relationships" xmlns:p="http://schemas.openxmlformats.org/presentationml/2006/main" showMasterSp="0" showMasterPhAnim="0">
   <p:cSld>
     <p:spTree>
       <p:nvGrpSpPr>
-        <p:cNvPr id="134" name="Shape 134"/>
+        <p:cNvPr id="1" name="Shape 134"/>
         <p:cNvGrpSpPr/>
         <p:nvPr/>
       </p:nvGrpSpPr>
@@ -979,9 +1123,11 @@
       <p:sp>
         <p:nvSpPr>
           <p:cNvPr id="135" name="Shape 135"/>
-          <p:cNvSpPr/>
-          <p:nvPr>
-            <p:ph idx="2" type="sldImg"/>
+          <p:cNvSpPr>
+            <a:spLocks noGrp="1" noRot="1" noChangeAspect="1"/>
+          </p:cNvSpPr>
+          <p:nvPr>
+            <p:ph type="sldImg" idx="2"/>
           </p:nvPr>
         </p:nvSpPr>
         <p:spPr>
@@ -990,8 +1136,13 @@
             <a:ext cx="6096000" cy="3429000"/>
           </a:xfrm>
           <a:custGeom>
+            <a:avLst/>
+            <a:gdLst/>
+            <a:ahLst/>
+            <a:cxnLst/>
+            <a:rect l="0" t="0" r="0" b="0"/>
             <a:pathLst>
-              <a:path extrusionOk="0" h="120000" w="120000">
+              <a:path w="120000" h="120000" extrusionOk="0">
                 <a:moveTo>
                   <a:pt x="0" y="0"/>
                 </a:moveTo>
@@ -1013,9 +1164,11 @@
       <p:sp>
         <p:nvSpPr>
           <p:cNvPr id="136" name="Shape 136"/>
-          <p:cNvSpPr txBox="1"/>
-          <p:nvPr>
-            <p:ph idx="1" type="body"/>
+          <p:cNvSpPr txBox="1">
+            <a:spLocks noGrp="1"/>
+          </p:cNvSpPr>
+          <p:nvPr>
+            <p:ph type="body" idx="1"/>
           </p:nvPr>
         </p:nvSpPr>
         <p:spPr>
@@ -1028,7 +1181,7 @@
           </a:prstGeom>
         </p:spPr>
         <p:txBody>
-          <a:bodyPr anchorCtr="0" anchor="t" bIns="91425" lIns="91425" rIns="91425" tIns="91425">
+          <a:bodyPr lIns="91425" tIns="91425" rIns="91425" bIns="91425" anchor="t" anchorCtr="0">
             <a:noAutofit/>
           </a:bodyPr>
           <a:lstStyle/>
@@ -1039,9 +1192,6 @@
               </a:spcBef>
               <a:buNone/>
             </a:pPr>
-            <a:r>
-              <a:t/>
-            </a:r>
             <a:endParaRPr/>
           </a:p>
         </p:txBody>
@@ -1055,11 +1205,11 @@
 </file>
 
 <file path=ppt/notesSlides/notesSlide16.xml><?xml version="1.0" encoding="utf-8"?>
-<p:notes xmlns:a="http://schemas.openxmlformats.org/drawingml/2006/main" xmlns:r="http://schemas.openxmlformats.org/officeDocument/2006/relationships" xmlns:mc="http://schemas.openxmlformats.org/markup-compatibility/2006" xmlns:mv="urn:schemas-microsoft-com:mac:vml" xmlns:p="http://schemas.openxmlformats.org/presentationml/2006/main" xmlns:c="http://schemas.openxmlformats.org/drawingml/2006/chart" xmlns:dgm="http://schemas.openxmlformats.org/drawingml/2006/diagram" xmlns:o="urn:schemas-microsoft-com:office:office" xmlns:v="urn:schemas-microsoft-com:vml" xmlns:pvml="urn:schemas-microsoft-com:office:powerpoint" xmlns:com="http://schemas.openxmlformats.org/drawingml/2006/compatibility" xmlns:p14="http://schemas.microsoft.com/office/powerpoint/2010/main" showMasterPhAnim="0" showMasterSp="0">
+<p:notes xmlns:a="http://schemas.openxmlformats.org/drawingml/2006/main" xmlns:r="http://schemas.openxmlformats.org/officeDocument/2006/relationships" xmlns:p="http://schemas.openxmlformats.org/presentationml/2006/main" showMasterSp="0" showMasterPhAnim="0">
   <p:cSld>
     <p:spTree>
       <p:nvGrpSpPr>
-        <p:cNvPr id="140" name="Shape 140"/>
+        <p:cNvPr id="1" name="Shape 140"/>
         <p:cNvGrpSpPr/>
         <p:nvPr/>
       </p:nvGrpSpPr>
@@ -1074,9 +1224,11 @@
       <p:sp>
         <p:nvSpPr>
           <p:cNvPr id="141" name="Shape 141"/>
-          <p:cNvSpPr/>
-          <p:nvPr>
-            <p:ph idx="2" type="sldImg"/>
+          <p:cNvSpPr>
+            <a:spLocks noGrp="1" noRot="1" noChangeAspect="1"/>
+          </p:cNvSpPr>
+          <p:nvPr>
+            <p:ph type="sldImg" idx="2"/>
           </p:nvPr>
         </p:nvSpPr>
         <p:spPr>
@@ -1085,8 +1237,13 @@
             <a:ext cx="6096000" cy="3429000"/>
           </a:xfrm>
           <a:custGeom>
+            <a:avLst/>
+            <a:gdLst/>
+            <a:ahLst/>
+            <a:cxnLst/>
+            <a:rect l="0" t="0" r="0" b="0"/>
             <a:pathLst>
-              <a:path extrusionOk="0" h="120000" w="120000">
+              <a:path w="120000" h="120000" extrusionOk="0">
                 <a:moveTo>
                   <a:pt x="0" y="0"/>
                 </a:moveTo>
@@ -1108,9 +1265,11 @@
       <p:sp>
         <p:nvSpPr>
           <p:cNvPr id="142" name="Shape 142"/>
-          <p:cNvSpPr txBox="1"/>
-          <p:nvPr>
-            <p:ph idx="1" type="body"/>
+          <p:cNvSpPr txBox="1">
+            <a:spLocks noGrp="1"/>
+          </p:cNvSpPr>
+          <p:nvPr>
+            <p:ph type="body" idx="1"/>
           </p:nvPr>
         </p:nvSpPr>
         <p:spPr>
@@ -1123,7 +1282,7 @@
           </a:prstGeom>
         </p:spPr>
         <p:txBody>
-          <a:bodyPr anchorCtr="0" anchor="t" bIns="91425" lIns="91425" rIns="91425" tIns="91425">
+          <a:bodyPr lIns="91425" tIns="91425" rIns="91425" bIns="91425" anchor="t" anchorCtr="0">
             <a:noAutofit/>
           </a:bodyPr>
           <a:lstStyle/>
@@ -1134,9 +1293,6 @@
               </a:spcBef>
               <a:buNone/>
             </a:pPr>
-            <a:r>
-              <a:t/>
-            </a:r>
             <a:endParaRPr/>
           </a:p>
         </p:txBody>
@@ -1150,11 +1306,11 @@
 </file>
 
 <file path=ppt/notesSlides/notesSlide17.xml><?xml version="1.0" encoding="utf-8"?>
-<p:notes xmlns:a="http://schemas.openxmlformats.org/drawingml/2006/main" xmlns:r="http://schemas.openxmlformats.org/officeDocument/2006/relationships" xmlns:mc="http://schemas.openxmlformats.org/markup-compatibility/2006" xmlns:mv="urn:schemas-microsoft-com:mac:vml" xmlns:p="http://schemas.openxmlformats.org/presentationml/2006/main" xmlns:c="http://schemas.openxmlformats.org/drawingml/2006/chart" xmlns:dgm="http://schemas.openxmlformats.org/drawingml/2006/diagram" xmlns:o="urn:schemas-microsoft-com:office:office" xmlns:v="urn:schemas-microsoft-com:vml" xmlns:pvml="urn:schemas-microsoft-com:office:powerpoint" xmlns:com="http://schemas.openxmlformats.org/drawingml/2006/compatibility" xmlns:p14="http://schemas.microsoft.com/office/powerpoint/2010/main" showMasterPhAnim="0" showMasterSp="0">
+<p:notes xmlns:a="http://schemas.openxmlformats.org/drawingml/2006/main" xmlns:r="http://schemas.openxmlformats.org/officeDocument/2006/relationships" xmlns:p="http://schemas.openxmlformats.org/presentationml/2006/main" showMasterSp="0" showMasterPhAnim="0">
   <p:cSld>
     <p:spTree>
       <p:nvGrpSpPr>
-        <p:cNvPr id="145" name="Shape 145"/>
+        <p:cNvPr id="1" name="Shape 145"/>
         <p:cNvGrpSpPr/>
         <p:nvPr/>
       </p:nvGrpSpPr>
@@ -1169,9 +1325,11 @@
       <p:sp>
         <p:nvSpPr>
           <p:cNvPr id="146" name="Shape 146"/>
-          <p:cNvSpPr/>
-          <p:nvPr>
-            <p:ph idx="2" type="sldImg"/>
+          <p:cNvSpPr>
+            <a:spLocks noGrp="1" noRot="1" noChangeAspect="1"/>
+          </p:cNvSpPr>
+          <p:nvPr>
+            <p:ph type="sldImg" idx="2"/>
           </p:nvPr>
         </p:nvSpPr>
         <p:spPr>
@@ -1180,8 +1338,13 @@
             <a:ext cx="6096000" cy="3429000"/>
           </a:xfrm>
           <a:custGeom>
+            <a:avLst/>
+            <a:gdLst/>
+            <a:ahLst/>
+            <a:cxnLst/>
+            <a:rect l="0" t="0" r="0" b="0"/>
             <a:pathLst>
-              <a:path extrusionOk="0" h="120000" w="120000">
+              <a:path w="120000" h="120000" extrusionOk="0">
                 <a:moveTo>
                   <a:pt x="0" y="0"/>
                 </a:moveTo>
@@ -1203,9 +1366,11 @@
       <p:sp>
         <p:nvSpPr>
           <p:cNvPr id="147" name="Shape 147"/>
-          <p:cNvSpPr txBox="1"/>
-          <p:nvPr>
-            <p:ph idx="1" type="body"/>
+          <p:cNvSpPr txBox="1">
+            <a:spLocks noGrp="1"/>
+          </p:cNvSpPr>
+          <p:nvPr>
+            <p:ph type="body" idx="1"/>
           </p:nvPr>
         </p:nvSpPr>
         <p:spPr>
@@ -1218,7 +1383,7 @@
           </a:prstGeom>
         </p:spPr>
         <p:txBody>
-          <a:bodyPr anchorCtr="0" anchor="t" bIns="91425" lIns="91425" rIns="91425" tIns="91425">
+          <a:bodyPr lIns="91425" tIns="91425" rIns="91425" bIns="91425" anchor="t" anchorCtr="0">
             <a:noAutofit/>
           </a:bodyPr>
           <a:lstStyle/>
@@ -1229,9 +1394,6 @@
               </a:spcBef>
               <a:buNone/>
             </a:pPr>
-            <a:r>
-              <a:t/>
-            </a:r>
             <a:endParaRPr/>
           </a:p>
         </p:txBody>
@@ -1245,11 +1407,11 @@
 </file>
 
 <file path=ppt/notesSlides/notesSlide18.xml><?xml version="1.0" encoding="utf-8"?>
-<p:notes xmlns:a="http://schemas.openxmlformats.org/drawingml/2006/main" xmlns:r="http://schemas.openxmlformats.org/officeDocument/2006/relationships" xmlns:mc="http://schemas.openxmlformats.org/markup-compatibility/2006" xmlns:mv="urn:schemas-microsoft-com:mac:vml" xmlns:p="http://schemas.openxmlformats.org/presentationml/2006/main" xmlns:c="http://schemas.openxmlformats.org/drawingml/2006/chart" xmlns:dgm="http://schemas.openxmlformats.org/drawingml/2006/diagram" xmlns:o="urn:schemas-microsoft-com:office:office" xmlns:v="urn:schemas-microsoft-com:vml" xmlns:pvml="urn:schemas-microsoft-com:office:powerpoint" xmlns:com="http://schemas.openxmlformats.org/drawingml/2006/compatibility" xmlns:p14="http://schemas.microsoft.com/office/powerpoint/2010/main" showMasterPhAnim="0" showMasterSp="0">
+<p:notes xmlns:a="http://schemas.openxmlformats.org/drawingml/2006/main" xmlns:r="http://schemas.openxmlformats.org/officeDocument/2006/relationships" xmlns:p="http://schemas.openxmlformats.org/presentationml/2006/main" showMasterSp="0" showMasterPhAnim="0">
   <p:cSld>
     <p:spTree>
       <p:nvGrpSpPr>
-        <p:cNvPr id="164" name="Shape 164"/>
+        <p:cNvPr id="1" name="Shape 164"/>
         <p:cNvGrpSpPr/>
         <p:nvPr/>
       </p:nvGrpSpPr>
@@ -1264,9 +1426,11 @@
       <p:sp>
         <p:nvSpPr>
           <p:cNvPr id="165" name="Shape 165"/>
-          <p:cNvSpPr/>
-          <p:nvPr>
-            <p:ph idx="2" type="sldImg"/>
+          <p:cNvSpPr>
+            <a:spLocks noGrp="1" noRot="1" noChangeAspect="1"/>
+          </p:cNvSpPr>
+          <p:nvPr>
+            <p:ph type="sldImg" idx="2"/>
           </p:nvPr>
         </p:nvSpPr>
         <p:spPr>
@@ -1275,8 +1439,13 @@
             <a:ext cx="6096000" cy="3429000"/>
           </a:xfrm>
           <a:custGeom>
+            <a:avLst/>
+            <a:gdLst/>
+            <a:ahLst/>
+            <a:cxnLst/>
+            <a:rect l="0" t="0" r="0" b="0"/>
             <a:pathLst>
-              <a:path extrusionOk="0" h="120000" w="120000">
+              <a:path w="120000" h="120000" extrusionOk="0">
                 <a:moveTo>
                   <a:pt x="0" y="0"/>
                 </a:moveTo>
@@ -1298,9 +1467,11 @@
       <p:sp>
         <p:nvSpPr>
           <p:cNvPr id="166" name="Shape 166"/>
-          <p:cNvSpPr txBox="1"/>
-          <p:nvPr>
-            <p:ph idx="1" type="body"/>
+          <p:cNvSpPr txBox="1">
+            <a:spLocks noGrp="1"/>
+          </p:cNvSpPr>
+          <p:nvPr>
+            <p:ph type="body" idx="1"/>
           </p:nvPr>
         </p:nvSpPr>
         <p:spPr>
@@ -1313,7 +1484,7 @@
           </a:prstGeom>
         </p:spPr>
         <p:txBody>
-          <a:bodyPr anchorCtr="0" anchor="t" bIns="91425" lIns="91425" rIns="91425" tIns="91425">
+          <a:bodyPr lIns="91425" tIns="91425" rIns="91425" bIns="91425" anchor="t" anchorCtr="0">
             <a:noAutofit/>
           </a:bodyPr>
           <a:lstStyle/>
@@ -1324,9 +1495,6 @@
               </a:spcBef>
               <a:buNone/>
             </a:pPr>
-            <a:r>
-              <a:t/>
-            </a:r>
             <a:endParaRPr/>
           </a:p>
         </p:txBody>
@@ -1340,11 +1508,11 @@
 </file>
 
 <file path=ppt/notesSlides/notesSlide19.xml><?xml version="1.0" encoding="utf-8"?>
-<p:notes xmlns:a="http://schemas.openxmlformats.org/drawingml/2006/main" xmlns:r="http://schemas.openxmlformats.org/officeDocument/2006/relationships" xmlns:mc="http://schemas.openxmlformats.org/markup-compatibility/2006" xmlns:mv="urn:schemas-microsoft-com:mac:vml" xmlns:p="http://schemas.openxmlformats.org/presentationml/2006/main" xmlns:c="http://schemas.openxmlformats.org/drawingml/2006/chart" xmlns:dgm="http://schemas.openxmlformats.org/drawingml/2006/diagram" xmlns:o="urn:schemas-microsoft-com:office:office" xmlns:v="urn:schemas-microsoft-com:vml" xmlns:pvml="urn:schemas-microsoft-com:office:powerpoint" xmlns:com="http://schemas.openxmlformats.org/drawingml/2006/compatibility" xmlns:p14="http://schemas.microsoft.com/office/powerpoint/2010/main" showMasterPhAnim="0" showMasterSp="0">
+<p:notes xmlns:a="http://schemas.openxmlformats.org/drawingml/2006/main" xmlns:r="http://schemas.openxmlformats.org/officeDocument/2006/relationships" xmlns:p="http://schemas.openxmlformats.org/presentationml/2006/main" showMasterSp="0" showMasterPhAnim="0">
   <p:cSld>
     <p:spTree>
       <p:nvGrpSpPr>
-        <p:cNvPr id="171" name="Shape 171"/>
+        <p:cNvPr id="1" name="Shape 171"/>
         <p:cNvGrpSpPr/>
         <p:nvPr/>
       </p:nvGrpSpPr>
@@ -1359,9 +1527,11 @@
       <p:sp>
         <p:nvSpPr>
           <p:cNvPr id="172" name="Shape 172"/>
-          <p:cNvSpPr/>
-          <p:nvPr>
-            <p:ph idx="2" type="sldImg"/>
+          <p:cNvSpPr>
+            <a:spLocks noGrp="1" noRot="1" noChangeAspect="1"/>
+          </p:cNvSpPr>
+          <p:nvPr>
+            <p:ph type="sldImg" idx="2"/>
           </p:nvPr>
         </p:nvSpPr>
         <p:spPr>
@@ -1370,8 +1540,13 @@
             <a:ext cx="6096000" cy="3429000"/>
           </a:xfrm>
           <a:custGeom>
+            <a:avLst/>
+            <a:gdLst/>
+            <a:ahLst/>
+            <a:cxnLst/>
+            <a:rect l="0" t="0" r="0" b="0"/>
             <a:pathLst>
-              <a:path extrusionOk="0" h="120000" w="120000">
+              <a:path w="120000" h="120000" extrusionOk="0">
                 <a:moveTo>
                   <a:pt x="0" y="0"/>
                 </a:moveTo>
@@ -1393,9 +1568,11 @@
       <p:sp>
         <p:nvSpPr>
           <p:cNvPr id="173" name="Shape 173"/>
-          <p:cNvSpPr txBox="1"/>
-          <p:nvPr>
-            <p:ph idx="1" type="body"/>
+          <p:cNvSpPr txBox="1">
+            <a:spLocks noGrp="1"/>
+          </p:cNvSpPr>
+          <p:nvPr>
+            <p:ph type="body" idx="1"/>
           </p:nvPr>
         </p:nvSpPr>
         <p:spPr>
@@ -1408,7 +1585,7 @@
           </a:prstGeom>
         </p:spPr>
         <p:txBody>
-          <a:bodyPr anchorCtr="0" anchor="t" bIns="91425" lIns="91425" rIns="91425" tIns="91425">
+          <a:bodyPr lIns="91425" tIns="91425" rIns="91425" bIns="91425" anchor="t" anchorCtr="0">
             <a:noAutofit/>
           </a:bodyPr>
           <a:lstStyle/>
@@ -1419,9 +1596,6 @@
               </a:spcBef>
               <a:buNone/>
             </a:pPr>
-            <a:r>
-              <a:t/>
-            </a:r>
             <a:endParaRPr/>
           </a:p>
         </p:txBody>
@@ -1435,11 +1609,11 @@
 </file>
 
 <file path=ppt/notesSlides/notesSlide2.xml><?xml version="1.0" encoding="utf-8"?>
-<p:notes xmlns:a="http://schemas.openxmlformats.org/drawingml/2006/main" xmlns:r="http://schemas.openxmlformats.org/officeDocument/2006/relationships" xmlns:mc="http://schemas.openxmlformats.org/markup-compatibility/2006" xmlns:mv="urn:schemas-microsoft-com:mac:vml" xmlns:p="http://schemas.openxmlformats.org/presentationml/2006/main" xmlns:c="http://schemas.openxmlformats.org/drawingml/2006/chart" xmlns:dgm="http://schemas.openxmlformats.org/drawingml/2006/diagram" xmlns:o="urn:schemas-microsoft-com:office:office" xmlns:v="urn:schemas-microsoft-com:vml" xmlns:pvml="urn:schemas-microsoft-com:office:powerpoint" xmlns:com="http://schemas.openxmlformats.org/drawingml/2006/compatibility" xmlns:p14="http://schemas.microsoft.com/office/powerpoint/2010/main" showMasterPhAnim="0" showMasterSp="0">
+<p:notes xmlns:a="http://schemas.openxmlformats.org/drawingml/2006/main" xmlns:r="http://schemas.openxmlformats.org/officeDocument/2006/relationships" xmlns:p="http://schemas.openxmlformats.org/presentationml/2006/main" showMasterSp="0" showMasterPhAnim="0">
   <p:cSld>
     <p:spTree>
       <p:nvGrpSpPr>
-        <p:cNvPr id="56" name="Shape 56"/>
+        <p:cNvPr id="1" name="Shape 56"/>
         <p:cNvGrpSpPr/>
         <p:nvPr/>
       </p:nvGrpSpPr>
@@ -1454,9 +1628,11 @@
       <p:sp>
         <p:nvSpPr>
           <p:cNvPr id="57" name="Shape 57"/>
-          <p:cNvSpPr/>
-          <p:nvPr>
-            <p:ph idx="2" type="sldImg"/>
+          <p:cNvSpPr>
+            <a:spLocks noGrp="1" noRot="1" noChangeAspect="1"/>
+          </p:cNvSpPr>
+          <p:nvPr>
+            <p:ph type="sldImg" idx="2"/>
           </p:nvPr>
         </p:nvSpPr>
         <p:spPr>
@@ -1465,8 +1641,13 @@
             <a:ext cx="6096000" cy="3429000"/>
           </a:xfrm>
           <a:custGeom>
+            <a:avLst/>
+            <a:gdLst/>
+            <a:ahLst/>
+            <a:cxnLst/>
+            <a:rect l="0" t="0" r="0" b="0"/>
             <a:pathLst>
-              <a:path extrusionOk="0" h="120000" w="120000">
+              <a:path w="120000" h="120000" extrusionOk="0">
                 <a:moveTo>
                   <a:pt x="0" y="0"/>
                 </a:moveTo>
@@ -1488,9 +1669,11 @@
       <p:sp>
         <p:nvSpPr>
           <p:cNvPr id="58" name="Shape 58"/>
-          <p:cNvSpPr txBox="1"/>
-          <p:nvPr>
-            <p:ph idx="1" type="body"/>
+          <p:cNvSpPr txBox="1">
+            <a:spLocks noGrp="1"/>
+          </p:cNvSpPr>
+          <p:nvPr>
+            <p:ph type="body" idx="1"/>
           </p:nvPr>
         </p:nvSpPr>
         <p:spPr>
@@ -1503,7 +1686,7 @@
           </a:prstGeom>
         </p:spPr>
         <p:txBody>
-          <a:bodyPr anchorCtr="0" anchor="t" bIns="91425" lIns="91425" rIns="91425" tIns="91425">
+          <a:bodyPr lIns="91425" tIns="91425" rIns="91425" bIns="91425" anchor="t" anchorCtr="0">
             <a:noAutofit/>
           </a:bodyPr>
           <a:lstStyle/>
@@ -1514,9 +1697,6 @@
               </a:spcBef>
               <a:buNone/>
             </a:pPr>
-            <a:r>
-              <a:t/>
-            </a:r>
             <a:endParaRPr/>
           </a:p>
         </p:txBody>
@@ -1530,11 +1710,11 @@
 </file>
 
 <file path=ppt/notesSlides/notesSlide20.xml><?xml version="1.0" encoding="utf-8"?>
-<p:notes xmlns:a="http://schemas.openxmlformats.org/drawingml/2006/main" xmlns:r="http://schemas.openxmlformats.org/officeDocument/2006/relationships" xmlns:mc="http://schemas.openxmlformats.org/markup-compatibility/2006" xmlns:mv="urn:schemas-microsoft-com:mac:vml" xmlns:p="http://schemas.openxmlformats.org/presentationml/2006/main" xmlns:c="http://schemas.openxmlformats.org/drawingml/2006/chart" xmlns:dgm="http://schemas.openxmlformats.org/drawingml/2006/diagram" xmlns:o="urn:schemas-microsoft-com:office:office" xmlns:v="urn:schemas-microsoft-com:vml" xmlns:pvml="urn:schemas-microsoft-com:office:powerpoint" xmlns:com="http://schemas.openxmlformats.org/drawingml/2006/compatibility" xmlns:p14="http://schemas.microsoft.com/office/powerpoint/2010/main" showMasterPhAnim="0" showMasterSp="0">
+<p:notes xmlns:a="http://schemas.openxmlformats.org/drawingml/2006/main" xmlns:r="http://schemas.openxmlformats.org/officeDocument/2006/relationships" xmlns:p="http://schemas.openxmlformats.org/presentationml/2006/main" showMasterSp="0" showMasterPhAnim="0">
   <p:cSld>
     <p:spTree>
       <p:nvGrpSpPr>
-        <p:cNvPr id="177" name="Shape 177"/>
+        <p:cNvPr id="1" name="Shape 177"/>
         <p:cNvGrpSpPr/>
         <p:nvPr/>
       </p:nvGrpSpPr>
@@ -1549,9 +1729,11 @@
       <p:sp>
         <p:nvSpPr>
           <p:cNvPr id="178" name="Shape 178"/>
-          <p:cNvSpPr/>
-          <p:nvPr>
-            <p:ph idx="2" type="sldImg"/>
+          <p:cNvSpPr>
+            <a:spLocks noGrp="1" noRot="1" noChangeAspect="1"/>
+          </p:cNvSpPr>
+          <p:nvPr>
+            <p:ph type="sldImg" idx="2"/>
           </p:nvPr>
         </p:nvSpPr>
         <p:spPr>
@@ -1560,8 +1742,13 @@
             <a:ext cx="6096000" cy="3429000"/>
           </a:xfrm>
           <a:custGeom>
+            <a:avLst/>
+            <a:gdLst/>
+            <a:ahLst/>
+            <a:cxnLst/>
+            <a:rect l="0" t="0" r="0" b="0"/>
             <a:pathLst>
-              <a:path extrusionOk="0" h="120000" w="120000">
+              <a:path w="120000" h="120000" extrusionOk="0">
                 <a:moveTo>
                   <a:pt x="0" y="0"/>
                 </a:moveTo>
@@ -1583,9 +1770,11 @@
       <p:sp>
         <p:nvSpPr>
           <p:cNvPr id="179" name="Shape 179"/>
-          <p:cNvSpPr txBox="1"/>
-          <p:nvPr>
-            <p:ph idx="1" type="body"/>
+          <p:cNvSpPr txBox="1">
+            <a:spLocks noGrp="1"/>
+          </p:cNvSpPr>
+          <p:nvPr>
+            <p:ph type="body" idx="1"/>
           </p:nvPr>
         </p:nvSpPr>
         <p:spPr>
@@ -1598,7 +1787,7 @@
           </a:prstGeom>
         </p:spPr>
         <p:txBody>
-          <a:bodyPr anchorCtr="0" anchor="t" bIns="91425" lIns="91425" rIns="91425" tIns="91425">
+          <a:bodyPr lIns="91425" tIns="91425" rIns="91425" bIns="91425" anchor="t" anchorCtr="0">
             <a:noAutofit/>
           </a:bodyPr>
           <a:lstStyle/>
@@ -1609,9 +1798,6 @@
               </a:spcBef>
               <a:buNone/>
             </a:pPr>
-            <a:r>
-              <a:t/>
-            </a:r>
             <a:endParaRPr/>
           </a:p>
         </p:txBody>
@@ -1625,11 +1811,11 @@
 </file>
 
 <file path=ppt/notesSlides/notesSlide21.xml><?xml version="1.0" encoding="utf-8"?>
-<p:notes xmlns:a="http://schemas.openxmlformats.org/drawingml/2006/main" xmlns:r="http://schemas.openxmlformats.org/officeDocument/2006/relationships" xmlns:mc="http://schemas.openxmlformats.org/markup-compatibility/2006" xmlns:mv="urn:schemas-microsoft-com:mac:vml" xmlns:p="http://schemas.openxmlformats.org/presentationml/2006/main" xmlns:c="http://schemas.openxmlformats.org/drawingml/2006/chart" xmlns:dgm="http://schemas.openxmlformats.org/drawingml/2006/diagram" xmlns:o="urn:schemas-microsoft-com:office:office" xmlns:v="urn:schemas-microsoft-com:vml" xmlns:pvml="urn:schemas-microsoft-com:office:powerpoint" xmlns:com="http://schemas.openxmlformats.org/drawingml/2006/compatibility" xmlns:p14="http://schemas.microsoft.com/office/powerpoint/2010/main" showMasterPhAnim="0" showMasterSp="0">
+<p:notes xmlns:a="http://schemas.openxmlformats.org/drawingml/2006/main" xmlns:r="http://schemas.openxmlformats.org/officeDocument/2006/relationships" xmlns:p="http://schemas.openxmlformats.org/presentationml/2006/main" showMasterSp="0" showMasterPhAnim="0">
   <p:cSld>
     <p:spTree>
       <p:nvGrpSpPr>
-        <p:cNvPr id="183" name="Shape 183"/>
+        <p:cNvPr id="1" name="Shape 183"/>
         <p:cNvGrpSpPr/>
         <p:nvPr/>
       </p:nvGrpSpPr>
@@ -1644,9 +1830,11 @@
       <p:sp>
         <p:nvSpPr>
           <p:cNvPr id="184" name="Shape 184"/>
-          <p:cNvSpPr/>
-          <p:nvPr>
-            <p:ph idx="2" type="sldImg"/>
+          <p:cNvSpPr>
+            <a:spLocks noGrp="1" noRot="1" noChangeAspect="1"/>
+          </p:cNvSpPr>
+          <p:nvPr>
+            <p:ph type="sldImg" idx="2"/>
           </p:nvPr>
         </p:nvSpPr>
         <p:spPr>
@@ -1655,8 +1843,13 @@
             <a:ext cx="6096000" cy="3429000"/>
           </a:xfrm>
           <a:custGeom>
+            <a:avLst/>
+            <a:gdLst/>
+            <a:ahLst/>
+            <a:cxnLst/>
+            <a:rect l="0" t="0" r="0" b="0"/>
             <a:pathLst>
-              <a:path extrusionOk="0" h="120000" w="120000">
+              <a:path w="120000" h="120000" extrusionOk="0">
                 <a:moveTo>
                   <a:pt x="0" y="0"/>
                 </a:moveTo>
@@ -1678,9 +1871,11 @@
       <p:sp>
         <p:nvSpPr>
           <p:cNvPr id="185" name="Shape 185"/>
-          <p:cNvSpPr txBox="1"/>
-          <p:nvPr>
-            <p:ph idx="1" type="body"/>
+          <p:cNvSpPr txBox="1">
+            <a:spLocks noGrp="1"/>
+          </p:cNvSpPr>
+          <p:nvPr>
+            <p:ph type="body" idx="1"/>
           </p:nvPr>
         </p:nvSpPr>
         <p:spPr>
@@ -1693,7 +1888,7 @@
           </a:prstGeom>
         </p:spPr>
         <p:txBody>
-          <a:bodyPr anchorCtr="0" anchor="t" bIns="91425" lIns="91425" rIns="91425" tIns="91425">
+          <a:bodyPr lIns="91425" tIns="91425" rIns="91425" bIns="91425" anchor="t" anchorCtr="0">
             <a:noAutofit/>
           </a:bodyPr>
           <a:lstStyle/>
@@ -1704,9 +1899,6 @@
               </a:spcBef>
               <a:buNone/>
             </a:pPr>
-            <a:r>
-              <a:t/>
-            </a:r>
             <a:endParaRPr/>
           </a:p>
         </p:txBody>
@@ -1720,11 +1912,11 @@
 </file>
 
 <file path=ppt/notesSlides/notesSlide22.xml><?xml version="1.0" encoding="utf-8"?>
-<p:notes xmlns:a="http://schemas.openxmlformats.org/drawingml/2006/main" xmlns:r="http://schemas.openxmlformats.org/officeDocument/2006/relationships" xmlns:mc="http://schemas.openxmlformats.org/markup-compatibility/2006" xmlns:mv="urn:schemas-microsoft-com:mac:vml" xmlns:p="http://schemas.openxmlformats.org/presentationml/2006/main" xmlns:c="http://schemas.openxmlformats.org/drawingml/2006/chart" xmlns:dgm="http://schemas.openxmlformats.org/drawingml/2006/diagram" xmlns:o="urn:schemas-microsoft-com:office:office" xmlns:v="urn:schemas-microsoft-com:vml" xmlns:pvml="urn:schemas-microsoft-com:office:powerpoint" xmlns:com="http://schemas.openxmlformats.org/drawingml/2006/compatibility" xmlns:p14="http://schemas.microsoft.com/office/powerpoint/2010/main" showMasterPhAnim="0" showMasterSp="0">
+<p:notes xmlns:a="http://schemas.openxmlformats.org/drawingml/2006/main" xmlns:r="http://schemas.openxmlformats.org/officeDocument/2006/relationships" xmlns:p="http://schemas.openxmlformats.org/presentationml/2006/main" showMasterSp="0" showMasterPhAnim="0">
   <p:cSld>
     <p:spTree>
       <p:nvGrpSpPr>
-        <p:cNvPr id="189" name="Shape 189"/>
+        <p:cNvPr id="1" name="Shape 189"/>
         <p:cNvGrpSpPr/>
         <p:nvPr/>
       </p:nvGrpSpPr>
@@ -1739,9 +1931,11 @@
       <p:sp>
         <p:nvSpPr>
           <p:cNvPr id="190" name="Shape 190"/>
-          <p:cNvSpPr/>
-          <p:nvPr>
-            <p:ph idx="2" type="sldImg"/>
+          <p:cNvSpPr>
+            <a:spLocks noGrp="1" noRot="1" noChangeAspect="1"/>
+          </p:cNvSpPr>
+          <p:nvPr>
+            <p:ph type="sldImg" idx="2"/>
           </p:nvPr>
         </p:nvSpPr>
         <p:spPr>
@@ -1750,8 +1944,13 @@
             <a:ext cx="6096000" cy="3429000"/>
           </a:xfrm>
           <a:custGeom>
+            <a:avLst/>
+            <a:gdLst/>
+            <a:ahLst/>
+            <a:cxnLst/>
+            <a:rect l="0" t="0" r="0" b="0"/>
             <a:pathLst>
-              <a:path extrusionOk="0" h="120000" w="120000">
+              <a:path w="120000" h="120000" extrusionOk="0">
                 <a:moveTo>
                   <a:pt x="0" y="0"/>
                 </a:moveTo>
@@ -1773,9 +1972,11 @@
       <p:sp>
         <p:nvSpPr>
           <p:cNvPr id="191" name="Shape 191"/>
-          <p:cNvSpPr txBox="1"/>
-          <p:nvPr>
-            <p:ph idx="1" type="body"/>
+          <p:cNvSpPr txBox="1">
+            <a:spLocks noGrp="1"/>
+          </p:cNvSpPr>
+          <p:nvPr>
+            <p:ph type="body" idx="1"/>
           </p:nvPr>
         </p:nvSpPr>
         <p:spPr>
@@ -1788,7 +1989,7 @@
           </a:prstGeom>
         </p:spPr>
         <p:txBody>
-          <a:bodyPr anchorCtr="0" anchor="t" bIns="91425" lIns="91425" rIns="91425" tIns="91425">
+          <a:bodyPr lIns="91425" tIns="91425" rIns="91425" bIns="91425" anchor="t" anchorCtr="0">
             <a:noAutofit/>
           </a:bodyPr>
           <a:lstStyle/>
@@ -1799,9 +2000,6 @@
               </a:spcBef>
               <a:buNone/>
             </a:pPr>
-            <a:r>
-              <a:t/>
-            </a:r>
             <a:endParaRPr/>
           </a:p>
         </p:txBody>
@@ -1815,11 +2013,11 @@
 </file>
 
 <file path=ppt/notesSlides/notesSlide23.xml><?xml version="1.0" encoding="utf-8"?>
-<p:notes xmlns:a="http://schemas.openxmlformats.org/drawingml/2006/main" xmlns:r="http://schemas.openxmlformats.org/officeDocument/2006/relationships" xmlns:mc="http://schemas.openxmlformats.org/markup-compatibility/2006" xmlns:mv="urn:schemas-microsoft-com:mac:vml" xmlns:p="http://schemas.openxmlformats.org/presentationml/2006/main" xmlns:c="http://schemas.openxmlformats.org/drawingml/2006/chart" xmlns:dgm="http://schemas.openxmlformats.org/drawingml/2006/diagram" xmlns:o="urn:schemas-microsoft-com:office:office" xmlns:v="urn:schemas-microsoft-com:vml" xmlns:pvml="urn:schemas-microsoft-com:office:powerpoint" xmlns:com="http://schemas.openxmlformats.org/drawingml/2006/compatibility" xmlns:p14="http://schemas.microsoft.com/office/powerpoint/2010/main" showMasterPhAnim="0" showMasterSp="0">
+<p:notes xmlns:a="http://schemas.openxmlformats.org/drawingml/2006/main" xmlns:r="http://schemas.openxmlformats.org/officeDocument/2006/relationships" xmlns:p="http://schemas.openxmlformats.org/presentationml/2006/main" showMasterSp="0" showMasterPhAnim="0">
   <p:cSld>
     <p:spTree>
       <p:nvGrpSpPr>
-        <p:cNvPr id="195" name="Shape 195"/>
+        <p:cNvPr id="1" name="Shape 195"/>
         <p:cNvGrpSpPr/>
         <p:nvPr/>
       </p:nvGrpSpPr>
@@ -1834,9 +2032,11 @@
       <p:sp>
         <p:nvSpPr>
           <p:cNvPr id="196" name="Shape 196"/>
-          <p:cNvSpPr/>
-          <p:nvPr>
-            <p:ph idx="2" type="sldImg"/>
+          <p:cNvSpPr>
+            <a:spLocks noGrp="1" noRot="1" noChangeAspect="1"/>
+          </p:cNvSpPr>
+          <p:nvPr>
+            <p:ph type="sldImg" idx="2"/>
           </p:nvPr>
         </p:nvSpPr>
         <p:spPr>
@@ -1845,8 +2045,13 @@
             <a:ext cx="6096000" cy="3429000"/>
           </a:xfrm>
           <a:custGeom>
+            <a:avLst/>
+            <a:gdLst/>
+            <a:ahLst/>
+            <a:cxnLst/>
+            <a:rect l="0" t="0" r="0" b="0"/>
             <a:pathLst>
-              <a:path extrusionOk="0" h="120000" w="120000">
+              <a:path w="120000" h="120000" extrusionOk="0">
                 <a:moveTo>
                   <a:pt x="0" y="0"/>
                 </a:moveTo>
@@ -1868,9 +2073,11 @@
       <p:sp>
         <p:nvSpPr>
           <p:cNvPr id="197" name="Shape 197"/>
-          <p:cNvSpPr txBox="1"/>
-          <p:nvPr>
-            <p:ph idx="1" type="body"/>
+          <p:cNvSpPr txBox="1">
+            <a:spLocks noGrp="1"/>
+          </p:cNvSpPr>
+          <p:nvPr>
+            <p:ph type="body" idx="1"/>
           </p:nvPr>
         </p:nvSpPr>
         <p:spPr>
@@ -1883,7 +2090,7 @@
           </a:prstGeom>
         </p:spPr>
         <p:txBody>
-          <a:bodyPr anchorCtr="0" anchor="t" bIns="91425" lIns="91425" rIns="91425" tIns="91425">
+          <a:bodyPr lIns="91425" tIns="91425" rIns="91425" bIns="91425" anchor="t" anchorCtr="0">
             <a:noAutofit/>
           </a:bodyPr>
           <a:lstStyle/>
@@ -1894,9 +2101,6 @@
               </a:spcBef>
               <a:buNone/>
             </a:pPr>
-            <a:r>
-              <a:t/>
-            </a:r>
             <a:endParaRPr/>
           </a:p>
         </p:txBody>
@@ -1910,11 +2114,11 @@
 </file>
 
 <file path=ppt/notesSlides/notesSlide24.xml><?xml version="1.0" encoding="utf-8"?>
-<p:notes xmlns:a="http://schemas.openxmlformats.org/drawingml/2006/main" xmlns:r="http://schemas.openxmlformats.org/officeDocument/2006/relationships" xmlns:mc="http://schemas.openxmlformats.org/markup-compatibility/2006" xmlns:mv="urn:schemas-microsoft-com:mac:vml" xmlns:p="http://schemas.openxmlformats.org/presentationml/2006/main" xmlns:c="http://schemas.openxmlformats.org/drawingml/2006/chart" xmlns:dgm="http://schemas.openxmlformats.org/drawingml/2006/diagram" xmlns:o="urn:schemas-microsoft-com:office:office" xmlns:v="urn:schemas-microsoft-com:vml" xmlns:pvml="urn:schemas-microsoft-com:office:powerpoint" xmlns:com="http://schemas.openxmlformats.org/drawingml/2006/compatibility" xmlns:p14="http://schemas.microsoft.com/office/powerpoint/2010/main" showMasterPhAnim="0" showMasterSp="0">
+<p:notes xmlns:a="http://schemas.openxmlformats.org/drawingml/2006/main" xmlns:r="http://schemas.openxmlformats.org/officeDocument/2006/relationships" xmlns:p="http://schemas.openxmlformats.org/presentationml/2006/main" showMasterSp="0" showMasterPhAnim="0">
   <p:cSld>
     <p:spTree>
       <p:nvGrpSpPr>
-        <p:cNvPr id="201" name="Shape 201"/>
+        <p:cNvPr id="1" name="Shape 201"/>
         <p:cNvGrpSpPr/>
         <p:nvPr/>
       </p:nvGrpSpPr>
@@ -1929,9 +2133,11 @@
       <p:sp>
         <p:nvSpPr>
           <p:cNvPr id="202" name="Shape 202"/>
-          <p:cNvSpPr/>
-          <p:nvPr>
-            <p:ph idx="2" type="sldImg"/>
+          <p:cNvSpPr>
+            <a:spLocks noGrp="1" noRot="1" noChangeAspect="1"/>
+          </p:cNvSpPr>
+          <p:nvPr>
+            <p:ph type="sldImg" idx="2"/>
           </p:nvPr>
         </p:nvSpPr>
         <p:spPr>
@@ -1940,8 +2146,13 @@
             <a:ext cx="6096000" cy="3429000"/>
           </a:xfrm>
           <a:custGeom>
+            <a:avLst/>
+            <a:gdLst/>
+            <a:ahLst/>
+            <a:cxnLst/>
+            <a:rect l="0" t="0" r="0" b="0"/>
             <a:pathLst>
-              <a:path extrusionOk="0" h="120000" w="120000">
+              <a:path w="120000" h="120000" extrusionOk="0">
                 <a:moveTo>
                   <a:pt x="0" y="0"/>
                 </a:moveTo>
@@ -1963,9 +2174,11 @@
       <p:sp>
         <p:nvSpPr>
           <p:cNvPr id="203" name="Shape 203"/>
-          <p:cNvSpPr txBox="1"/>
-          <p:nvPr>
-            <p:ph idx="1" type="body"/>
+          <p:cNvSpPr txBox="1">
+            <a:spLocks noGrp="1"/>
+          </p:cNvSpPr>
+          <p:nvPr>
+            <p:ph type="body" idx="1"/>
           </p:nvPr>
         </p:nvSpPr>
         <p:spPr>
@@ -1978,7 +2191,7 @@
           </a:prstGeom>
         </p:spPr>
         <p:txBody>
-          <a:bodyPr anchorCtr="0" anchor="t" bIns="91425" lIns="91425" rIns="91425" tIns="91425">
+          <a:bodyPr lIns="91425" tIns="91425" rIns="91425" bIns="91425" anchor="t" anchorCtr="0">
             <a:noAutofit/>
           </a:bodyPr>
           <a:lstStyle/>
@@ -1989,9 +2202,6 @@
               </a:spcBef>
               <a:buNone/>
             </a:pPr>
-            <a:r>
-              <a:t/>
-            </a:r>
             <a:endParaRPr/>
           </a:p>
         </p:txBody>
@@ -2005,11 +2215,11 @@
 </file>
 
 <file path=ppt/notesSlides/notesSlide3.xml><?xml version="1.0" encoding="utf-8"?>
-<p:notes xmlns:a="http://schemas.openxmlformats.org/drawingml/2006/main" xmlns:r="http://schemas.openxmlformats.org/officeDocument/2006/relationships" xmlns:mc="http://schemas.openxmlformats.org/markup-compatibility/2006" xmlns:mv="urn:schemas-microsoft-com:mac:vml" xmlns:p="http://schemas.openxmlformats.org/presentationml/2006/main" xmlns:c="http://schemas.openxmlformats.org/drawingml/2006/chart" xmlns:dgm="http://schemas.openxmlformats.org/drawingml/2006/diagram" xmlns:o="urn:schemas-microsoft-com:office:office" xmlns:v="urn:schemas-microsoft-com:vml" xmlns:pvml="urn:schemas-microsoft-com:office:powerpoint" xmlns:com="http://schemas.openxmlformats.org/drawingml/2006/compatibility" xmlns:p14="http://schemas.microsoft.com/office/powerpoint/2010/main" showMasterPhAnim="0" showMasterSp="0">
+<p:notes xmlns:a="http://schemas.openxmlformats.org/drawingml/2006/main" xmlns:r="http://schemas.openxmlformats.org/officeDocument/2006/relationships" xmlns:p="http://schemas.openxmlformats.org/presentationml/2006/main" showMasterSp="0" showMasterPhAnim="0">
   <p:cSld>
     <p:spTree>
       <p:nvGrpSpPr>
-        <p:cNvPr id="62" name="Shape 62"/>
+        <p:cNvPr id="1" name="Shape 62"/>
         <p:cNvGrpSpPr/>
         <p:nvPr/>
       </p:nvGrpSpPr>
@@ -2024,9 +2234,11 @@
       <p:sp>
         <p:nvSpPr>
           <p:cNvPr id="63" name="Shape 63"/>
-          <p:cNvSpPr/>
-          <p:nvPr>
-            <p:ph idx="2" type="sldImg"/>
+          <p:cNvSpPr>
+            <a:spLocks noGrp="1" noRot="1" noChangeAspect="1"/>
+          </p:cNvSpPr>
+          <p:nvPr>
+            <p:ph type="sldImg" idx="2"/>
           </p:nvPr>
         </p:nvSpPr>
         <p:spPr>
@@ -2035,8 +2247,13 @@
             <a:ext cx="6096000" cy="3429000"/>
           </a:xfrm>
           <a:custGeom>
+            <a:avLst/>
+            <a:gdLst/>
+            <a:ahLst/>
+            <a:cxnLst/>
+            <a:rect l="0" t="0" r="0" b="0"/>
             <a:pathLst>
-              <a:path extrusionOk="0" h="120000" w="120000">
+              <a:path w="120000" h="120000" extrusionOk="0">
                 <a:moveTo>
                   <a:pt x="0" y="0"/>
                 </a:moveTo>
@@ -2058,9 +2275,11 @@
       <p:sp>
         <p:nvSpPr>
           <p:cNvPr id="64" name="Shape 64"/>
-          <p:cNvSpPr txBox="1"/>
-          <p:nvPr>
-            <p:ph idx="1" type="body"/>
+          <p:cNvSpPr txBox="1">
+            <a:spLocks noGrp="1"/>
+          </p:cNvSpPr>
+          <p:nvPr>
+            <p:ph type="body" idx="1"/>
           </p:nvPr>
         </p:nvSpPr>
         <p:spPr>
@@ -2073,7 +2292,7 @@
           </a:prstGeom>
         </p:spPr>
         <p:txBody>
-          <a:bodyPr anchorCtr="0" anchor="t" bIns="91425" lIns="91425" rIns="91425" tIns="91425">
+          <a:bodyPr lIns="91425" tIns="91425" rIns="91425" bIns="91425" anchor="t" anchorCtr="0">
             <a:noAutofit/>
           </a:bodyPr>
           <a:lstStyle/>
@@ -2084,9 +2303,6 @@
               </a:spcBef>
               <a:buNone/>
             </a:pPr>
-            <a:r>
-              <a:t/>
-            </a:r>
             <a:endParaRPr/>
           </a:p>
         </p:txBody>
@@ -2100,11 +2316,11 @@
 </file>
 
 <file path=ppt/notesSlides/notesSlide4.xml><?xml version="1.0" encoding="utf-8"?>
-<p:notes xmlns:a="http://schemas.openxmlformats.org/drawingml/2006/main" xmlns:r="http://schemas.openxmlformats.org/officeDocument/2006/relationships" xmlns:mc="http://schemas.openxmlformats.org/markup-compatibility/2006" xmlns:mv="urn:schemas-microsoft-com:mac:vml" xmlns:p="http://schemas.openxmlformats.org/presentationml/2006/main" xmlns:c="http://schemas.openxmlformats.org/drawingml/2006/chart" xmlns:dgm="http://schemas.openxmlformats.org/drawingml/2006/diagram" xmlns:o="urn:schemas-microsoft-com:office:office" xmlns:v="urn:schemas-microsoft-com:vml" xmlns:pvml="urn:schemas-microsoft-com:office:powerpoint" xmlns:com="http://schemas.openxmlformats.org/drawingml/2006/compatibility" xmlns:p14="http://schemas.microsoft.com/office/powerpoint/2010/main" showMasterPhAnim="0" showMasterSp="0">
+<p:notes xmlns:a="http://schemas.openxmlformats.org/drawingml/2006/main" xmlns:r="http://schemas.openxmlformats.org/officeDocument/2006/relationships" xmlns:p="http://schemas.openxmlformats.org/presentationml/2006/main" showMasterSp="0" showMasterPhAnim="0">
   <p:cSld>
     <p:spTree>
       <p:nvGrpSpPr>
-        <p:cNvPr id="68" name="Shape 68"/>
+        <p:cNvPr id="1" name="Shape 68"/>
         <p:cNvGrpSpPr/>
         <p:nvPr/>
       </p:nvGrpSpPr>
@@ -2119,9 +2335,11 @@
       <p:sp>
         <p:nvSpPr>
           <p:cNvPr id="69" name="Shape 69"/>
-          <p:cNvSpPr/>
-          <p:nvPr>
-            <p:ph idx="2" type="sldImg"/>
+          <p:cNvSpPr>
+            <a:spLocks noGrp="1" noRot="1" noChangeAspect="1"/>
+          </p:cNvSpPr>
+          <p:nvPr>
+            <p:ph type="sldImg" idx="2"/>
           </p:nvPr>
         </p:nvSpPr>
         <p:spPr>
@@ -2130,8 +2348,13 @@
             <a:ext cx="6096000" cy="3429000"/>
           </a:xfrm>
           <a:custGeom>
+            <a:avLst/>
+            <a:gdLst/>
+            <a:ahLst/>
+            <a:cxnLst/>
+            <a:rect l="0" t="0" r="0" b="0"/>
             <a:pathLst>
-              <a:path extrusionOk="0" h="120000" w="120000">
+              <a:path w="120000" h="120000" extrusionOk="0">
                 <a:moveTo>
                   <a:pt x="0" y="0"/>
                 </a:moveTo>
@@ -2153,9 +2376,11 @@
       <p:sp>
         <p:nvSpPr>
           <p:cNvPr id="70" name="Shape 70"/>
-          <p:cNvSpPr txBox="1"/>
-          <p:nvPr>
-            <p:ph idx="1" type="body"/>
+          <p:cNvSpPr txBox="1">
+            <a:spLocks noGrp="1"/>
+          </p:cNvSpPr>
+          <p:nvPr>
+            <p:ph type="body" idx="1"/>
           </p:nvPr>
         </p:nvSpPr>
         <p:spPr>
@@ -2168,7 +2393,7 @@
           </a:prstGeom>
         </p:spPr>
         <p:txBody>
-          <a:bodyPr anchorCtr="0" anchor="t" bIns="91425" lIns="91425" rIns="91425" tIns="91425">
+          <a:bodyPr lIns="91425" tIns="91425" rIns="91425" bIns="91425" anchor="t" anchorCtr="0">
             <a:noAutofit/>
           </a:bodyPr>
           <a:lstStyle/>
@@ -2179,9 +2404,6 @@
               </a:spcBef>
               <a:buNone/>
             </a:pPr>
-            <a:r>
-              <a:t/>
-            </a:r>
             <a:endParaRPr/>
           </a:p>
         </p:txBody>
@@ -2195,11 +2417,11 @@
 </file>
 
 <file path=ppt/notesSlides/notesSlide5.xml><?xml version="1.0" encoding="utf-8"?>
-<p:notes xmlns:a="http://schemas.openxmlformats.org/drawingml/2006/main" xmlns:r="http://schemas.openxmlformats.org/officeDocument/2006/relationships" xmlns:mc="http://schemas.openxmlformats.org/markup-compatibility/2006" xmlns:mv="urn:schemas-microsoft-com:mac:vml" xmlns:p="http://schemas.openxmlformats.org/presentationml/2006/main" xmlns:c="http://schemas.openxmlformats.org/drawingml/2006/chart" xmlns:dgm="http://schemas.openxmlformats.org/drawingml/2006/diagram" xmlns:o="urn:schemas-microsoft-com:office:office" xmlns:v="urn:schemas-microsoft-com:vml" xmlns:pvml="urn:schemas-microsoft-com:office:powerpoint" xmlns:com="http://schemas.openxmlformats.org/drawingml/2006/compatibility" xmlns:p14="http://schemas.microsoft.com/office/powerpoint/2010/main" showMasterPhAnim="0" showMasterSp="0">
+<p:notes xmlns:a="http://schemas.openxmlformats.org/drawingml/2006/main" xmlns:r="http://schemas.openxmlformats.org/officeDocument/2006/relationships" xmlns:p="http://schemas.openxmlformats.org/presentationml/2006/main" showMasterSp="0" showMasterPhAnim="0">
   <p:cSld>
     <p:spTree>
       <p:nvGrpSpPr>
-        <p:cNvPr id="74" name="Shape 74"/>
+        <p:cNvPr id="1" name="Shape 74"/>
         <p:cNvGrpSpPr/>
         <p:nvPr/>
       </p:nvGrpSpPr>
@@ -2214,9 +2436,11 @@
       <p:sp>
         <p:nvSpPr>
           <p:cNvPr id="75" name="Shape 75"/>
-          <p:cNvSpPr/>
-          <p:nvPr>
-            <p:ph idx="2" type="sldImg"/>
+          <p:cNvSpPr>
+            <a:spLocks noGrp="1" noRot="1" noChangeAspect="1"/>
+          </p:cNvSpPr>
+          <p:nvPr>
+            <p:ph type="sldImg" idx="2"/>
           </p:nvPr>
         </p:nvSpPr>
         <p:spPr>
@@ -2225,8 +2449,13 @@
             <a:ext cx="6096000" cy="3429000"/>
           </a:xfrm>
           <a:custGeom>
+            <a:avLst/>
+            <a:gdLst/>
+            <a:ahLst/>
+            <a:cxnLst/>
+            <a:rect l="0" t="0" r="0" b="0"/>
             <a:pathLst>
-              <a:path extrusionOk="0" h="120000" w="120000">
+              <a:path w="120000" h="120000" extrusionOk="0">
                 <a:moveTo>
                   <a:pt x="0" y="0"/>
                 </a:moveTo>
@@ -2248,9 +2477,11 @@
       <p:sp>
         <p:nvSpPr>
           <p:cNvPr id="76" name="Shape 76"/>
-          <p:cNvSpPr txBox="1"/>
-          <p:nvPr>
-            <p:ph idx="1" type="body"/>
+          <p:cNvSpPr txBox="1">
+            <a:spLocks noGrp="1"/>
+          </p:cNvSpPr>
+          <p:nvPr>
+            <p:ph type="body" idx="1"/>
           </p:nvPr>
         </p:nvSpPr>
         <p:spPr>
@@ -2263,7 +2494,7 @@
           </a:prstGeom>
         </p:spPr>
         <p:txBody>
-          <a:bodyPr anchorCtr="0" anchor="t" bIns="91425" lIns="91425" rIns="91425" tIns="91425">
+          <a:bodyPr lIns="91425" tIns="91425" rIns="91425" bIns="91425" anchor="t" anchorCtr="0">
             <a:noAutofit/>
           </a:bodyPr>
           <a:lstStyle/>
@@ -2274,9 +2505,6 @@
               </a:spcBef>
               <a:buNone/>
             </a:pPr>
-            <a:r>
-              <a:t/>
-            </a:r>
             <a:endParaRPr/>
           </a:p>
         </p:txBody>
@@ -2290,11 +2518,11 @@
 </file>
 
 <file path=ppt/notesSlides/notesSlide6.xml><?xml version="1.0" encoding="utf-8"?>
-<p:notes xmlns:a="http://schemas.openxmlformats.org/drawingml/2006/main" xmlns:r="http://schemas.openxmlformats.org/officeDocument/2006/relationships" xmlns:mc="http://schemas.openxmlformats.org/markup-compatibility/2006" xmlns:mv="urn:schemas-microsoft-com:mac:vml" xmlns:p="http://schemas.openxmlformats.org/presentationml/2006/main" xmlns:c="http://schemas.openxmlformats.org/drawingml/2006/chart" xmlns:dgm="http://schemas.openxmlformats.org/drawingml/2006/diagram" xmlns:o="urn:schemas-microsoft-com:office:office" xmlns:v="urn:schemas-microsoft-com:vml" xmlns:pvml="urn:schemas-microsoft-com:office:powerpoint" xmlns:com="http://schemas.openxmlformats.org/drawingml/2006/compatibility" xmlns:p14="http://schemas.microsoft.com/office/powerpoint/2010/main" showMasterPhAnim="0" showMasterSp="0">
+<p:notes xmlns:a="http://schemas.openxmlformats.org/drawingml/2006/main" xmlns:r="http://schemas.openxmlformats.org/officeDocument/2006/relationships" xmlns:p="http://schemas.openxmlformats.org/presentationml/2006/main" showMasterSp="0" showMasterPhAnim="0">
   <p:cSld>
     <p:spTree>
       <p:nvGrpSpPr>
-        <p:cNvPr id="80" name="Shape 80"/>
+        <p:cNvPr id="1" name="Shape 80"/>
         <p:cNvGrpSpPr/>
         <p:nvPr/>
       </p:nvGrpSpPr>
@@ -2309,9 +2537,11 @@
       <p:sp>
         <p:nvSpPr>
           <p:cNvPr id="81" name="Shape 81"/>
-          <p:cNvSpPr/>
-          <p:nvPr>
-            <p:ph idx="2" type="sldImg"/>
+          <p:cNvSpPr>
+            <a:spLocks noGrp="1" noRot="1" noChangeAspect="1"/>
+          </p:cNvSpPr>
+          <p:nvPr>
+            <p:ph type="sldImg" idx="2"/>
           </p:nvPr>
         </p:nvSpPr>
         <p:spPr>
@@ -2320,8 +2550,13 @@
             <a:ext cx="6096000" cy="3429000"/>
           </a:xfrm>
           <a:custGeom>
+            <a:avLst/>
+            <a:gdLst/>
+            <a:ahLst/>
+            <a:cxnLst/>
+            <a:rect l="0" t="0" r="0" b="0"/>
             <a:pathLst>
-              <a:path extrusionOk="0" h="120000" w="120000">
+              <a:path w="120000" h="120000" extrusionOk="0">
                 <a:moveTo>
                   <a:pt x="0" y="0"/>
                 </a:moveTo>
@@ -2343,9 +2578,11 @@
       <p:sp>
         <p:nvSpPr>
           <p:cNvPr id="82" name="Shape 82"/>
-          <p:cNvSpPr txBox="1"/>
-          <p:nvPr>
-            <p:ph idx="1" type="body"/>
+          <p:cNvSpPr txBox="1">
+            <a:spLocks noGrp="1"/>
+          </p:cNvSpPr>
+          <p:nvPr>
+            <p:ph type="body" idx="1"/>
           </p:nvPr>
         </p:nvSpPr>
         <p:spPr>
@@ -2358,7 +2595,7 @@
           </a:prstGeom>
         </p:spPr>
         <p:txBody>
-          <a:bodyPr anchorCtr="0" anchor="t" bIns="91425" lIns="91425" rIns="91425" tIns="91425">
+          <a:bodyPr lIns="91425" tIns="91425" rIns="91425" bIns="91425" anchor="t" anchorCtr="0">
             <a:noAutofit/>
           </a:bodyPr>
           <a:lstStyle/>
@@ -2369,9 +2606,6 @@
               </a:spcBef>
               <a:buNone/>
             </a:pPr>
-            <a:r>
-              <a:t/>
-            </a:r>
             <a:endParaRPr/>
           </a:p>
         </p:txBody>
@@ -2385,11 +2619,11 @@
 </file>
 
 <file path=ppt/notesSlides/notesSlide7.xml><?xml version="1.0" encoding="utf-8"?>
-<p:notes xmlns:a="http://schemas.openxmlformats.org/drawingml/2006/main" xmlns:r="http://schemas.openxmlformats.org/officeDocument/2006/relationships" xmlns:mc="http://schemas.openxmlformats.org/markup-compatibility/2006" xmlns:mv="urn:schemas-microsoft-com:mac:vml" xmlns:p="http://schemas.openxmlformats.org/presentationml/2006/main" xmlns:c="http://schemas.openxmlformats.org/drawingml/2006/chart" xmlns:dgm="http://schemas.openxmlformats.org/drawingml/2006/diagram" xmlns:o="urn:schemas-microsoft-com:office:office" xmlns:v="urn:schemas-microsoft-com:vml" xmlns:pvml="urn:schemas-microsoft-com:office:powerpoint" xmlns:com="http://schemas.openxmlformats.org/drawingml/2006/compatibility" xmlns:p14="http://schemas.microsoft.com/office/powerpoint/2010/main" showMasterPhAnim="0" showMasterSp="0">
+<p:notes xmlns:a="http://schemas.openxmlformats.org/drawingml/2006/main" xmlns:r="http://schemas.openxmlformats.org/officeDocument/2006/relationships" xmlns:p="http://schemas.openxmlformats.org/presentationml/2006/main" showMasterSp="0" showMasterPhAnim="0">
   <p:cSld>
     <p:spTree>
       <p:nvGrpSpPr>
-        <p:cNvPr id="86" name="Shape 86"/>
+        <p:cNvPr id="1" name="Shape 86"/>
         <p:cNvGrpSpPr/>
         <p:nvPr/>
       </p:nvGrpSpPr>
@@ -2404,9 +2638,11 @@
       <p:sp>
         <p:nvSpPr>
           <p:cNvPr id="87" name="Shape 87"/>
-          <p:cNvSpPr/>
-          <p:nvPr>
-            <p:ph idx="2" type="sldImg"/>
+          <p:cNvSpPr>
+            <a:spLocks noGrp="1" noRot="1" noChangeAspect="1"/>
+          </p:cNvSpPr>
+          <p:nvPr>
+            <p:ph type="sldImg" idx="2"/>
           </p:nvPr>
         </p:nvSpPr>
         <p:spPr>
@@ -2415,8 +2651,13 @@
             <a:ext cx="6096000" cy="3429000"/>
           </a:xfrm>
           <a:custGeom>
+            <a:avLst/>
+            <a:gdLst/>
+            <a:ahLst/>
+            <a:cxnLst/>
+            <a:rect l="0" t="0" r="0" b="0"/>
             <a:pathLst>
-              <a:path extrusionOk="0" h="120000" w="120000">
+              <a:path w="120000" h="120000" extrusionOk="0">
                 <a:moveTo>
                   <a:pt x="0" y="0"/>
                 </a:moveTo>
@@ -2438,9 +2679,11 @@
       <p:sp>
         <p:nvSpPr>
           <p:cNvPr id="88" name="Shape 88"/>
-          <p:cNvSpPr txBox="1"/>
-          <p:nvPr>
-            <p:ph idx="1" type="body"/>
+          <p:cNvSpPr txBox="1">
+            <a:spLocks noGrp="1"/>
+          </p:cNvSpPr>
+          <p:nvPr>
+            <p:ph type="body" idx="1"/>
           </p:nvPr>
         </p:nvSpPr>
         <p:spPr>
@@ -2453,7 +2696,7 @@
           </a:prstGeom>
         </p:spPr>
         <p:txBody>
-          <a:bodyPr anchorCtr="0" anchor="t" bIns="91425" lIns="91425" rIns="91425" tIns="91425">
+          <a:bodyPr lIns="91425" tIns="91425" rIns="91425" bIns="91425" anchor="t" anchorCtr="0">
             <a:noAutofit/>
           </a:bodyPr>
           <a:lstStyle/>
@@ -2464,9 +2707,6 @@
               </a:spcBef>
               <a:buNone/>
             </a:pPr>
-            <a:r>
-              <a:t/>
-            </a:r>
             <a:endParaRPr/>
           </a:p>
         </p:txBody>
@@ -2480,11 +2720,11 @@
 </file>
 
 <file path=ppt/notesSlides/notesSlide8.xml><?xml version="1.0" encoding="utf-8"?>
-<p:notes xmlns:a="http://schemas.openxmlformats.org/drawingml/2006/main" xmlns:r="http://schemas.openxmlformats.org/officeDocument/2006/relationships" xmlns:mc="http://schemas.openxmlformats.org/markup-compatibility/2006" xmlns:mv="urn:schemas-microsoft-com:mac:vml" xmlns:p="http://schemas.openxmlformats.org/presentationml/2006/main" xmlns:c="http://schemas.openxmlformats.org/drawingml/2006/chart" xmlns:dgm="http://schemas.openxmlformats.org/drawingml/2006/diagram" xmlns:o="urn:schemas-microsoft-com:office:office" xmlns:v="urn:schemas-microsoft-com:vml" xmlns:pvml="urn:schemas-microsoft-com:office:powerpoint" xmlns:com="http://schemas.openxmlformats.org/drawingml/2006/compatibility" xmlns:p14="http://schemas.microsoft.com/office/powerpoint/2010/main" showMasterPhAnim="0" showMasterSp="0">
+<p:notes xmlns:a="http://schemas.openxmlformats.org/drawingml/2006/main" xmlns:r="http://schemas.openxmlformats.org/officeDocument/2006/relationships" xmlns:p="http://schemas.openxmlformats.org/presentationml/2006/main" showMasterSp="0" showMasterPhAnim="0">
   <p:cSld>
     <p:spTree>
       <p:nvGrpSpPr>
-        <p:cNvPr id="92" name="Shape 92"/>
+        <p:cNvPr id="1" name="Shape 92"/>
         <p:cNvGrpSpPr/>
         <p:nvPr/>
       </p:nvGrpSpPr>
@@ -2499,9 +2739,11 @@
       <p:sp>
         <p:nvSpPr>
           <p:cNvPr id="93" name="Shape 93"/>
-          <p:cNvSpPr/>
-          <p:nvPr>
-            <p:ph idx="2" type="sldImg"/>
+          <p:cNvSpPr>
+            <a:spLocks noGrp="1" noRot="1" noChangeAspect="1"/>
+          </p:cNvSpPr>
+          <p:nvPr>
+            <p:ph type="sldImg" idx="2"/>
           </p:nvPr>
         </p:nvSpPr>
         <p:spPr>
@@ -2510,8 +2752,13 @@
             <a:ext cx="6096000" cy="3429000"/>
           </a:xfrm>
           <a:custGeom>
+            <a:avLst/>
+            <a:gdLst/>
+            <a:ahLst/>
+            <a:cxnLst/>
+            <a:rect l="0" t="0" r="0" b="0"/>
             <a:pathLst>
-              <a:path extrusionOk="0" h="120000" w="120000">
+              <a:path w="120000" h="120000" extrusionOk="0">
                 <a:moveTo>
                   <a:pt x="0" y="0"/>
                 </a:moveTo>
@@ -2533,9 +2780,11 @@
       <p:sp>
         <p:nvSpPr>
           <p:cNvPr id="94" name="Shape 94"/>
-          <p:cNvSpPr txBox="1"/>
-          <p:nvPr>
-            <p:ph idx="1" type="body"/>
+          <p:cNvSpPr txBox="1">
+            <a:spLocks noGrp="1"/>
+          </p:cNvSpPr>
+          <p:nvPr>
+            <p:ph type="body" idx="1"/>
           </p:nvPr>
         </p:nvSpPr>
         <p:spPr>
@@ -2548,7 +2797,7 @@
           </a:prstGeom>
         </p:spPr>
         <p:txBody>
-          <a:bodyPr anchorCtr="0" anchor="t" bIns="91425" lIns="91425" rIns="91425" tIns="91425">
+          <a:bodyPr lIns="91425" tIns="91425" rIns="91425" bIns="91425" anchor="t" anchorCtr="0">
             <a:noAutofit/>
           </a:bodyPr>
           <a:lstStyle/>
@@ -2559,9 +2808,6 @@
               </a:spcBef>
               <a:buNone/>
             </a:pPr>
-            <a:r>
-              <a:t/>
-            </a:r>
             <a:endParaRPr/>
           </a:p>
         </p:txBody>
@@ -2575,11 +2821,11 @@
 </file>
 
 <file path=ppt/notesSlides/notesSlide9.xml><?xml version="1.0" encoding="utf-8"?>
-<p:notes xmlns:a="http://schemas.openxmlformats.org/drawingml/2006/main" xmlns:r="http://schemas.openxmlformats.org/officeDocument/2006/relationships" xmlns:mc="http://schemas.openxmlformats.org/markup-compatibility/2006" xmlns:mv="urn:schemas-microsoft-com:mac:vml" xmlns:p="http://schemas.openxmlformats.org/presentationml/2006/main" xmlns:c="http://schemas.openxmlformats.org/drawingml/2006/chart" xmlns:dgm="http://schemas.openxmlformats.org/drawingml/2006/diagram" xmlns:o="urn:schemas-microsoft-com:office:office" xmlns:v="urn:schemas-microsoft-com:vml" xmlns:pvml="urn:schemas-microsoft-com:office:powerpoint" xmlns:com="http://schemas.openxmlformats.org/drawingml/2006/compatibility" xmlns:p14="http://schemas.microsoft.com/office/powerpoint/2010/main" showMasterPhAnim="0" showMasterSp="0">
+<p:notes xmlns:a="http://schemas.openxmlformats.org/drawingml/2006/main" xmlns:r="http://schemas.openxmlformats.org/officeDocument/2006/relationships" xmlns:p="http://schemas.openxmlformats.org/presentationml/2006/main" showMasterSp="0" showMasterPhAnim="0">
   <p:cSld>
     <p:spTree>
       <p:nvGrpSpPr>
-        <p:cNvPr id="98" name="Shape 98"/>
+        <p:cNvPr id="1" name="Shape 98"/>
         <p:cNvGrpSpPr/>
         <p:nvPr/>
       </p:nvGrpSpPr>
@@ -2594,9 +2840,11 @@
       <p:sp>
         <p:nvSpPr>
           <p:cNvPr id="99" name="Shape 99"/>
-          <p:cNvSpPr/>
-          <p:nvPr>
-            <p:ph idx="2" type="sldImg"/>
+          <p:cNvSpPr>
+            <a:spLocks noGrp="1" noRot="1" noChangeAspect="1"/>
+          </p:cNvSpPr>
+          <p:nvPr>
+            <p:ph type="sldImg" idx="2"/>
           </p:nvPr>
         </p:nvSpPr>
         <p:spPr>
@@ -2605,8 +2853,13 @@
             <a:ext cx="6096000" cy="3429000"/>
           </a:xfrm>
           <a:custGeom>
+            <a:avLst/>
+            <a:gdLst/>
+            <a:ahLst/>
+            <a:cxnLst/>
+            <a:rect l="0" t="0" r="0" b="0"/>
             <a:pathLst>
-              <a:path extrusionOk="0" h="120000" w="120000">
+              <a:path w="120000" h="120000" extrusionOk="0">
                 <a:moveTo>
                   <a:pt x="0" y="0"/>
                 </a:moveTo>
@@ -2628,9 +2881,11 @@
       <p:sp>
         <p:nvSpPr>
           <p:cNvPr id="100" name="Shape 100"/>
-          <p:cNvSpPr txBox="1"/>
-          <p:nvPr>
-            <p:ph idx="1" type="body"/>
+          <p:cNvSpPr txBox="1">
+            <a:spLocks noGrp="1"/>
+          </p:cNvSpPr>
+          <p:nvPr>
+            <p:ph type="body" idx="1"/>
           </p:nvPr>
         </p:nvSpPr>
         <p:spPr>
@@ -2643,7 +2898,7 @@
           </a:prstGeom>
         </p:spPr>
         <p:txBody>
-          <a:bodyPr anchorCtr="0" anchor="t" bIns="91425" lIns="91425" rIns="91425" tIns="91425">
+          <a:bodyPr lIns="91425" tIns="91425" rIns="91425" bIns="91425" anchor="t" anchorCtr="0">
             <a:noAutofit/>
           </a:bodyPr>
           <a:lstStyle/>
@@ -2654,9 +2909,6 @@
               </a:spcBef>
               <a:buNone/>
             </a:pPr>
-            <a:r>
-              <a:t/>
-            </a:r>
             <a:endParaRPr/>
           </a:p>
         </p:txBody>
@@ -2670,11 +2922,11 @@
 </file>
 
 <file path=ppt/slideLayouts/slideLayout1.xml><?xml version="1.0" encoding="utf-8"?>
-<p:sldLayout xmlns:a="http://schemas.openxmlformats.org/drawingml/2006/main" xmlns:r="http://schemas.openxmlformats.org/officeDocument/2006/relationships" xmlns:mc="http://schemas.openxmlformats.org/markup-compatibility/2006" xmlns:mv="urn:schemas-microsoft-com:mac:vml" xmlns:p="http://schemas.openxmlformats.org/presentationml/2006/main" xmlns:c="http://schemas.openxmlformats.org/drawingml/2006/chart" xmlns:dgm="http://schemas.openxmlformats.org/drawingml/2006/diagram" xmlns:o="urn:schemas-microsoft-com:office:office" xmlns:v="urn:schemas-microsoft-com:vml" xmlns:pvml="urn:schemas-microsoft-com:office:powerpoint" xmlns:com="http://schemas.openxmlformats.org/drawingml/2006/compatibility" xmlns:p14="http://schemas.microsoft.com/office/powerpoint/2010/main" type="title">
+<p:sldLayout xmlns:a="http://schemas.openxmlformats.org/drawingml/2006/main" xmlns:r="http://schemas.openxmlformats.org/officeDocument/2006/relationships" xmlns:p="http://schemas.openxmlformats.org/presentationml/2006/main" type="title">
   <p:cSld name="Title slide">
     <p:spTree>
       <p:nvGrpSpPr>
-        <p:cNvPr id="9" name="Shape 9"/>
+        <p:cNvPr id="1" name="Shape 9"/>
         <p:cNvGrpSpPr/>
         <p:nvPr/>
       </p:nvGrpSpPr>
@@ -2689,7 +2941,9 @@
       <p:sp>
         <p:nvSpPr>
           <p:cNvPr id="10" name="Shape 10"/>
-          <p:cNvSpPr txBox="1"/>
+          <p:cNvSpPr txBox="1">
+            <a:spLocks noGrp="1"/>
+          </p:cNvSpPr>
           <p:nvPr>
             <p:ph type="ctrTitle"/>
           </p:nvPr>
@@ -2704,7 +2958,7 @@
           </a:prstGeom>
         </p:spPr>
         <p:txBody>
-          <a:bodyPr anchorCtr="0" anchor="b" bIns="91425" lIns="91425" rIns="91425" tIns="91425"/>
+          <a:bodyPr lIns="91425" tIns="91425" rIns="91425" bIns="91425" anchor="b" anchorCtr="0"/>
           <a:lstStyle>
             <a:lvl1pPr lvl="0" algn="ctr">
               <a:spcBef>
@@ -2770,15 +3024,19 @@
               <a:defRPr sz="5200"/>
             </a:lvl9pPr>
           </a:lstStyle>
-          <a:p/>
+          <a:p>
+            <a:endParaRPr/>
+          </a:p>
         </p:txBody>
       </p:sp>
       <p:sp>
         <p:nvSpPr>
           <p:cNvPr id="11" name="Shape 11"/>
-          <p:cNvSpPr txBox="1"/>
-          <p:nvPr>
-            <p:ph idx="1" type="subTitle"/>
+          <p:cNvSpPr txBox="1">
+            <a:spLocks noGrp="1"/>
+          </p:cNvSpPr>
+          <p:nvPr>
+            <p:ph type="subTitle" idx="1"/>
           </p:nvPr>
         </p:nvSpPr>
         <p:spPr>
@@ -2791,7 +3049,7 @@
           </a:prstGeom>
         </p:spPr>
         <p:txBody>
-          <a:bodyPr anchorCtr="0" anchor="t" bIns="91425" lIns="91425" rIns="91425" tIns="91425"/>
+          <a:bodyPr lIns="91425" tIns="91425" rIns="91425" bIns="91425" anchor="t" anchorCtr="0"/>
           <a:lstStyle>
             <a:lvl1pPr lvl="0" algn="ctr">
               <a:lnSpc>
@@ -2920,15 +3178,19 @@
               <a:defRPr sz="2800"/>
             </a:lvl9pPr>
           </a:lstStyle>
-          <a:p/>
+          <a:p>
+            <a:endParaRPr/>
+          </a:p>
         </p:txBody>
       </p:sp>
       <p:sp>
         <p:nvSpPr>
           <p:cNvPr id="12" name="Shape 12"/>
-          <p:cNvSpPr txBox="1"/>
-          <p:nvPr>
-            <p:ph idx="12" type="sldNum"/>
+          <p:cNvSpPr txBox="1">
+            <a:spLocks noGrp="1"/>
+          </p:cNvSpPr>
+          <p:nvPr>
+            <p:ph type="sldNum" idx="12"/>
           </p:nvPr>
         </p:nvSpPr>
         <p:spPr>
@@ -2941,7 +3203,7 @@
           </a:prstGeom>
         </p:spPr>
         <p:txBody>
-          <a:bodyPr anchorCtr="0" anchor="ctr" bIns="91425" lIns="91425" rIns="91425" tIns="91425">
+          <a:bodyPr lIns="91425" tIns="91425" rIns="91425" bIns="91425" anchor="ctr" anchorCtr="0">
             <a:noAutofit/>
           </a:bodyPr>
           <a:lstStyle/>
@@ -2956,6 +3218,7 @@
               <a:rPr lang="en"/>
               <a:t>‹#›</a:t>
             </a:fld>
+            <a:endParaRPr lang="en"/>
           </a:p>
         </p:txBody>
       </p:sp>
@@ -2968,11 +3231,11 @@
 </file>
 
 <file path=ppt/slideLayouts/slideLayout10.xml><?xml version="1.0" encoding="utf-8"?>
-<p:sldLayout xmlns:a="http://schemas.openxmlformats.org/drawingml/2006/main" xmlns:r="http://schemas.openxmlformats.org/officeDocument/2006/relationships" xmlns:mc="http://schemas.openxmlformats.org/markup-compatibility/2006" xmlns:mv="urn:schemas-microsoft-com:mac:vml" xmlns:p="http://schemas.openxmlformats.org/presentationml/2006/main" xmlns:c="http://schemas.openxmlformats.org/drawingml/2006/chart" xmlns:dgm="http://schemas.openxmlformats.org/drawingml/2006/diagram" xmlns:o="urn:schemas-microsoft-com:office:office" xmlns:v="urn:schemas-microsoft-com:vml" xmlns:pvml="urn:schemas-microsoft-com:office:powerpoint" xmlns:com="http://schemas.openxmlformats.org/drawingml/2006/compatibility" xmlns:p14="http://schemas.microsoft.com/office/powerpoint/2010/main">
+<p:sldLayout xmlns:a="http://schemas.openxmlformats.org/drawingml/2006/main" xmlns:r="http://schemas.openxmlformats.org/officeDocument/2006/relationships" xmlns:p="http://schemas.openxmlformats.org/presentationml/2006/main">
   <p:cSld name="Big number">
     <p:spTree>
       <p:nvGrpSpPr>
-        <p:cNvPr id="44" name="Shape 44"/>
+        <p:cNvPr id="1" name="Shape 44"/>
         <p:cNvGrpSpPr/>
         <p:nvPr/>
       </p:nvGrpSpPr>
@@ -2987,7 +3250,9 @@
       <p:sp>
         <p:nvSpPr>
           <p:cNvPr id="45" name="Shape 45"/>
-          <p:cNvSpPr txBox="1"/>
+          <p:cNvSpPr txBox="1">
+            <a:spLocks noGrp="1"/>
+          </p:cNvSpPr>
           <p:nvPr>
             <p:ph type="title"/>
           </p:nvPr>
@@ -3002,7 +3267,7 @@
           </a:prstGeom>
         </p:spPr>
         <p:txBody>
-          <a:bodyPr anchorCtr="0" anchor="b" bIns="91425" lIns="91425" rIns="91425" tIns="91425"/>
+          <a:bodyPr lIns="91425" tIns="91425" rIns="91425" bIns="91425" anchor="b" anchorCtr="0"/>
           <a:lstStyle>
             <a:lvl1pPr lvl="0" algn="ctr">
               <a:spcBef>
@@ -3068,15 +3333,19 @@
               <a:defRPr sz="12000"/>
             </a:lvl9pPr>
           </a:lstStyle>
-          <a:p/>
+          <a:p>
+            <a:endParaRPr/>
+          </a:p>
         </p:txBody>
       </p:sp>
       <p:sp>
         <p:nvSpPr>
           <p:cNvPr id="46" name="Shape 46"/>
-          <p:cNvSpPr txBox="1"/>
-          <p:nvPr>
-            <p:ph idx="1" type="body"/>
+          <p:cNvSpPr txBox="1">
+            <a:spLocks noGrp="1"/>
+          </p:cNvSpPr>
+          <p:nvPr>
+            <p:ph type="body" idx="1"/>
           </p:nvPr>
         </p:nvSpPr>
         <p:spPr>
@@ -3089,7 +3358,7 @@
           </a:prstGeom>
         </p:spPr>
         <p:txBody>
-          <a:bodyPr anchorCtr="0" anchor="t" bIns="91425" lIns="91425" rIns="91425" tIns="91425"/>
+          <a:bodyPr lIns="91425" tIns="91425" rIns="91425" bIns="91425" anchor="t" anchorCtr="0"/>
           <a:lstStyle>
             <a:lvl1pPr lvl="0" algn="ctr">
               <a:spcBef>
@@ -3146,15 +3415,19 @@
               <a:defRPr/>
             </a:lvl9pPr>
           </a:lstStyle>
-          <a:p/>
+          <a:p>
+            <a:endParaRPr/>
+          </a:p>
         </p:txBody>
       </p:sp>
       <p:sp>
         <p:nvSpPr>
           <p:cNvPr id="47" name="Shape 47"/>
-          <p:cNvSpPr txBox="1"/>
-          <p:nvPr>
-            <p:ph idx="12" type="sldNum"/>
+          <p:cNvSpPr txBox="1">
+            <a:spLocks noGrp="1"/>
+          </p:cNvSpPr>
+          <p:nvPr>
+            <p:ph type="sldNum" idx="12"/>
           </p:nvPr>
         </p:nvSpPr>
         <p:spPr>
@@ -3167,7 +3440,7 @@
           </a:prstGeom>
         </p:spPr>
         <p:txBody>
-          <a:bodyPr anchorCtr="0" anchor="ctr" bIns="91425" lIns="91425" rIns="91425" tIns="91425">
+          <a:bodyPr lIns="91425" tIns="91425" rIns="91425" bIns="91425" anchor="ctr" anchorCtr="0">
             <a:noAutofit/>
           </a:bodyPr>
           <a:lstStyle/>
@@ -3182,6 +3455,7 @@
               <a:rPr lang="en"/>
               <a:t>‹#›</a:t>
             </a:fld>
+            <a:endParaRPr lang="en"/>
           </a:p>
         </p:txBody>
       </p:sp>
@@ -3194,11 +3468,11 @@
 </file>
 
 <file path=ppt/slideLayouts/slideLayout11.xml><?xml version="1.0" encoding="utf-8"?>
-<p:sldLayout xmlns:a="http://schemas.openxmlformats.org/drawingml/2006/main" xmlns:r="http://schemas.openxmlformats.org/officeDocument/2006/relationships" xmlns:mc="http://schemas.openxmlformats.org/markup-compatibility/2006" xmlns:mv="urn:schemas-microsoft-com:mac:vml" xmlns:p="http://schemas.openxmlformats.org/presentationml/2006/main" xmlns:c="http://schemas.openxmlformats.org/drawingml/2006/chart" xmlns:dgm="http://schemas.openxmlformats.org/drawingml/2006/diagram" xmlns:o="urn:schemas-microsoft-com:office:office" xmlns:v="urn:schemas-microsoft-com:vml" xmlns:pvml="urn:schemas-microsoft-com:office:powerpoint" xmlns:com="http://schemas.openxmlformats.org/drawingml/2006/compatibility" xmlns:p14="http://schemas.microsoft.com/office/powerpoint/2010/main" type="blank">
+<p:sldLayout xmlns:a="http://schemas.openxmlformats.org/drawingml/2006/main" xmlns:r="http://schemas.openxmlformats.org/officeDocument/2006/relationships" xmlns:p="http://schemas.openxmlformats.org/presentationml/2006/main" type="blank">
   <p:cSld name="Blank">
     <p:spTree>
       <p:nvGrpSpPr>
-        <p:cNvPr id="48" name="Shape 48"/>
+        <p:cNvPr id="1" name="Shape 48"/>
         <p:cNvGrpSpPr/>
         <p:nvPr/>
       </p:nvGrpSpPr>
@@ -3213,9 +3487,11 @@
       <p:sp>
         <p:nvSpPr>
           <p:cNvPr id="49" name="Shape 49"/>
-          <p:cNvSpPr txBox="1"/>
-          <p:nvPr>
-            <p:ph idx="12" type="sldNum"/>
+          <p:cNvSpPr txBox="1">
+            <a:spLocks noGrp="1"/>
+          </p:cNvSpPr>
+          <p:nvPr>
+            <p:ph type="sldNum" idx="12"/>
           </p:nvPr>
         </p:nvSpPr>
         <p:spPr>
@@ -3228,7 +3504,7 @@
           </a:prstGeom>
         </p:spPr>
         <p:txBody>
-          <a:bodyPr anchorCtr="0" anchor="ctr" bIns="91425" lIns="91425" rIns="91425" tIns="91425">
+          <a:bodyPr lIns="91425" tIns="91425" rIns="91425" bIns="91425" anchor="ctr" anchorCtr="0">
             <a:noAutofit/>
           </a:bodyPr>
           <a:lstStyle/>
@@ -3243,6 +3519,7 @@
               <a:rPr lang="en"/>
               <a:t>‹#›</a:t>
             </a:fld>
+            <a:endParaRPr lang="en"/>
           </a:p>
         </p:txBody>
       </p:sp>
@@ -3255,11 +3532,11 @@
 </file>
 
 <file path=ppt/slideLayouts/slideLayout2.xml><?xml version="1.0" encoding="utf-8"?>
-<p:sldLayout xmlns:a="http://schemas.openxmlformats.org/drawingml/2006/main" xmlns:r="http://schemas.openxmlformats.org/officeDocument/2006/relationships" xmlns:mc="http://schemas.openxmlformats.org/markup-compatibility/2006" xmlns:mv="urn:schemas-microsoft-com:mac:vml" xmlns:p="http://schemas.openxmlformats.org/presentationml/2006/main" xmlns:c="http://schemas.openxmlformats.org/drawingml/2006/chart" xmlns:dgm="http://schemas.openxmlformats.org/drawingml/2006/diagram" xmlns:o="urn:schemas-microsoft-com:office:office" xmlns:v="urn:schemas-microsoft-com:vml" xmlns:pvml="urn:schemas-microsoft-com:office:powerpoint" xmlns:com="http://schemas.openxmlformats.org/drawingml/2006/compatibility" xmlns:p14="http://schemas.microsoft.com/office/powerpoint/2010/main" type="secHead">
+<p:sldLayout xmlns:a="http://schemas.openxmlformats.org/drawingml/2006/main" xmlns:r="http://schemas.openxmlformats.org/officeDocument/2006/relationships" xmlns:p="http://schemas.openxmlformats.org/presentationml/2006/main" type="secHead">
   <p:cSld name="Section header">
     <p:spTree>
       <p:nvGrpSpPr>
-        <p:cNvPr id="13" name="Shape 13"/>
+        <p:cNvPr id="1" name="Shape 13"/>
         <p:cNvGrpSpPr/>
         <p:nvPr/>
       </p:nvGrpSpPr>
@@ -3274,7 +3551,9 @@
       <p:sp>
         <p:nvSpPr>
           <p:cNvPr id="14" name="Shape 14"/>
-          <p:cNvSpPr txBox="1"/>
+          <p:cNvSpPr txBox="1">
+            <a:spLocks noGrp="1"/>
+          </p:cNvSpPr>
           <p:nvPr>
             <p:ph type="title"/>
           </p:nvPr>
@@ -3289,7 +3568,7 @@
           </a:prstGeom>
         </p:spPr>
         <p:txBody>
-          <a:bodyPr anchorCtr="0" anchor="ctr" bIns="91425" lIns="91425" rIns="91425" tIns="91425"/>
+          <a:bodyPr lIns="91425" tIns="91425" rIns="91425" bIns="91425" anchor="ctr" anchorCtr="0"/>
           <a:lstStyle>
             <a:lvl1pPr lvl="0" algn="ctr">
               <a:spcBef>
@@ -3355,15 +3634,19 @@
               <a:defRPr sz="3600"/>
             </a:lvl9pPr>
           </a:lstStyle>
-          <a:p/>
+          <a:p>
+            <a:endParaRPr/>
+          </a:p>
         </p:txBody>
       </p:sp>
       <p:sp>
         <p:nvSpPr>
           <p:cNvPr id="15" name="Shape 15"/>
-          <p:cNvSpPr txBox="1"/>
-          <p:nvPr>
-            <p:ph idx="12" type="sldNum"/>
+          <p:cNvSpPr txBox="1">
+            <a:spLocks noGrp="1"/>
+          </p:cNvSpPr>
+          <p:nvPr>
+            <p:ph type="sldNum" idx="12"/>
           </p:nvPr>
         </p:nvSpPr>
         <p:spPr>
@@ -3376,7 +3659,7 @@
           </a:prstGeom>
         </p:spPr>
         <p:txBody>
-          <a:bodyPr anchorCtr="0" anchor="ctr" bIns="91425" lIns="91425" rIns="91425" tIns="91425">
+          <a:bodyPr lIns="91425" tIns="91425" rIns="91425" bIns="91425" anchor="ctr" anchorCtr="0">
             <a:noAutofit/>
           </a:bodyPr>
           <a:lstStyle/>
@@ -3391,6 +3674,7 @@
               <a:rPr lang="en"/>
               <a:t>‹#›</a:t>
             </a:fld>
+            <a:endParaRPr lang="en"/>
           </a:p>
         </p:txBody>
       </p:sp>
@@ -3403,11 +3687,11 @@
 </file>
 
 <file path=ppt/slideLayouts/slideLayout3.xml><?xml version="1.0" encoding="utf-8"?>
-<p:sldLayout xmlns:a="http://schemas.openxmlformats.org/drawingml/2006/main" xmlns:r="http://schemas.openxmlformats.org/officeDocument/2006/relationships" xmlns:mc="http://schemas.openxmlformats.org/markup-compatibility/2006" xmlns:mv="urn:schemas-microsoft-com:mac:vml" xmlns:p="http://schemas.openxmlformats.org/presentationml/2006/main" xmlns:c="http://schemas.openxmlformats.org/drawingml/2006/chart" xmlns:dgm="http://schemas.openxmlformats.org/drawingml/2006/diagram" xmlns:o="urn:schemas-microsoft-com:office:office" xmlns:v="urn:schemas-microsoft-com:vml" xmlns:pvml="urn:schemas-microsoft-com:office:powerpoint" xmlns:com="http://schemas.openxmlformats.org/drawingml/2006/compatibility" xmlns:p14="http://schemas.microsoft.com/office/powerpoint/2010/main" type="tx">
+<p:sldLayout xmlns:a="http://schemas.openxmlformats.org/drawingml/2006/main" xmlns:r="http://schemas.openxmlformats.org/officeDocument/2006/relationships" xmlns:p="http://schemas.openxmlformats.org/presentationml/2006/main" type="tx">
   <p:cSld name="Title and body">
     <p:spTree>
       <p:nvGrpSpPr>
-        <p:cNvPr id="16" name="Shape 16"/>
+        <p:cNvPr id="1" name="Shape 16"/>
         <p:cNvGrpSpPr/>
         <p:nvPr/>
       </p:nvGrpSpPr>
@@ -3422,7 +3706,9 @@
       <p:sp>
         <p:nvSpPr>
           <p:cNvPr id="17" name="Shape 17"/>
-          <p:cNvSpPr txBox="1"/>
+          <p:cNvSpPr txBox="1">
+            <a:spLocks noGrp="1"/>
+          </p:cNvSpPr>
           <p:nvPr>
             <p:ph type="title"/>
           </p:nvPr>
@@ -3437,7 +3723,7 @@
           </a:prstGeom>
         </p:spPr>
         <p:txBody>
-          <a:bodyPr anchorCtr="0" anchor="t" bIns="91425" lIns="91425" rIns="91425" tIns="91425"/>
+          <a:bodyPr lIns="91425" tIns="91425" rIns="91425" bIns="91425" anchor="t" anchorCtr="0"/>
           <a:lstStyle>
             <a:lvl1pPr lvl="0">
               <a:spcBef>
@@ -3494,15 +3780,19 @@
               <a:defRPr/>
             </a:lvl9pPr>
           </a:lstStyle>
-          <a:p/>
+          <a:p>
+            <a:endParaRPr/>
+          </a:p>
         </p:txBody>
       </p:sp>
       <p:sp>
         <p:nvSpPr>
           <p:cNvPr id="18" name="Shape 18"/>
-          <p:cNvSpPr txBox="1"/>
-          <p:nvPr>
-            <p:ph idx="1" type="body"/>
+          <p:cNvSpPr txBox="1">
+            <a:spLocks noGrp="1"/>
+          </p:cNvSpPr>
+          <p:nvPr>
+            <p:ph type="body" idx="1"/>
           </p:nvPr>
         </p:nvSpPr>
         <p:spPr>
@@ -3515,7 +3805,7 @@
           </a:prstGeom>
         </p:spPr>
         <p:txBody>
-          <a:bodyPr anchorCtr="0" anchor="t" bIns="91425" lIns="91425" rIns="91425" tIns="91425"/>
+          <a:bodyPr lIns="91425" tIns="91425" rIns="91425" bIns="91425" anchor="t" anchorCtr="0"/>
           <a:lstStyle>
             <a:lvl1pPr lvl="0">
               <a:spcBef>
@@ -3572,15 +3862,19 @@
               <a:defRPr/>
             </a:lvl9pPr>
           </a:lstStyle>
-          <a:p/>
+          <a:p>
+            <a:endParaRPr/>
+          </a:p>
         </p:txBody>
       </p:sp>
       <p:sp>
         <p:nvSpPr>
           <p:cNvPr id="19" name="Shape 19"/>
-          <p:cNvSpPr txBox="1"/>
-          <p:nvPr>
-            <p:ph idx="12" type="sldNum"/>
+          <p:cNvSpPr txBox="1">
+            <a:spLocks noGrp="1"/>
+          </p:cNvSpPr>
+          <p:nvPr>
+            <p:ph type="sldNum" idx="12"/>
           </p:nvPr>
         </p:nvSpPr>
         <p:spPr>
@@ -3593,7 +3887,7 @@
           </a:prstGeom>
         </p:spPr>
         <p:txBody>
-          <a:bodyPr anchorCtr="0" anchor="ctr" bIns="91425" lIns="91425" rIns="91425" tIns="91425">
+          <a:bodyPr lIns="91425" tIns="91425" rIns="91425" bIns="91425" anchor="ctr" anchorCtr="0">
             <a:noAutofit/>
           </a:bodyPr>
           <a:lstStyle/>
@@ -3608,6 +3902,7 @@
               <a:rPr lang="en"/>
               <a:t>‹#›</a:t>
             </a:fld>
+            <a:endParaRPr lang="en"/>
           </a:p>
         </p:txBody>
       </p:sp>
@@ -3620,11 +3915,11 @@
 </file>
 
 <file path=ppt/slideLayouts/slideLayout4.xml><?xml version="1.0" encoding="utf-8"?>
-<p:sldLayout xmlns:a="http://schemas.openxmlformats.org/drawingml/2006/main" xmlns:r="http://schemas.openxmlformats.org/officeDocument/2006/relationships" xmlns:mc="http://schemas.openxmlformats.org/markup-compatibility/2006" xmlns:mv="urn:schemas-microsoft-com:mac:vml" xmlns:p="http://schemas.openxmlformats.org/presentationml/2006/main" xmlns:c="http://schemas.openxmlformats.org/drawingml/2006/chart" xmlns:dgm="http://schemas.openxmlformats.org/drawingml/2006/diagram" xmlns:o="urn:schemas-microsoft-com:office:office" xmlns:v="urn:schemas-microsoft-com:vml" xmlns:pvml="urn:schemas-microsoft-com:office:powerpoint" xmlns:com="http://schemas.openxmlformats.org/drawingml/2006/compatibility" xmlns:p14="http://schemas.microsoft.com/office/powerpoint/2010/main" type="twoColTx">
+<p:sldLayout xmlns:a="http://schemas.openxmlformats.org/drawingml/2006/main" xmlns:r="http://schemas.openxmlformats.org/officeDocument/2006/relationships" xmlns:p="http://schemas.openxmlformats.org/presentationml/2006/main" type="twoColTx">
   <p:cSld name="Title and two columns">
     <p:spTree>
       <p:nvGrpSpPr>
-        <p:cNvPr id="20" name="Shape 20"/>
+        <p:cNvPr id="1" name="Shape 20"/>
         <p:cNvGrpSpPr/>
         <p:nvPr/>
       </p:nvGrpSpPr>
@@ -3639,7 +3934,9 @@
       <p:sp>
         <p:nvSpPr>
           <p:cNvPr id="21" name="Shape 21"/>
-          <p:cNvSpPr txBox="1"/>
+          <p:cNvSpPr txBox="1">
+            <a:spLocks noGrp="1"/>
+          </p:cNvSpPr>
           <p:nvPr>
             <p:ph type="title"/>
           </p:nvPr>
@@ -3654,7 +3951,7 @@
           </a:prstGeom>
         </p:spPr>
         <p:txBody>
-          <a:bodyPr anchorCtr="0" anchor="t" bIns="91425" lIns="91425" rIns="91425" tIns="91425"/>
+          <a:bodyPr lIns="91425" tIns="91425" rIns="91425" bIns="91425" anchor="t" anchorCtr="0"/>
           <a:lstStyle>
             <a:lvl1pPr lvl="0">
               <a:spcBef>
@@ -3711,15 +4008,19 @@
               <a:defRPr/>
             </a:lvl9pPr>
           </a:lstStyle>
-          <a:p/>
+          <a:p>
+            <a:endParaRPr/>
+          </a:p>
         </p:txBody>
       </p:sp>
       <p:sp>
         <p:nvSpPr>
           <p:cNvPr id="22" name="Shape 22"/>
-          <p:cNvSpPr txBox="1"/>
-          <p:nvPr>
-            <p:ph idx="1" type="body"/>
+          <p:cNvSpPr txBox="1">
+            <a:spLocks noGrp="1"/>
+          </p:cNvSpPr>
+          <p:nvPr>
+            <p:ph type="body" idx="1"/>
           </p:nvPr>
         </p:nvSpPr>
         <p:spPr>
@@ -3732,7 +4033,7 @@
           </a:prstGeom>
         </p:spPr>
         <p:txBody>
-          <a:bodyPr anchorCtr="0" anchor="t" bIns="91425" lIns="91425" rIns="91425" tIns="91425"/>
+          <a:bodyPr lIns="91425" tIns="91425" rIns="91425" bIns="91425" anchor="t" anchorCtr="0"/>
           <a:lstStyle>
             <a:lvl1pPr lvl="0">
               <a:spcBef>
@@ -3798,15 +4099,19 @@
               <a:defRPr sz="1200"/>
             </a:lvl9pPr>
           </a:lstStyle>
-          <a:p/>
+          <a:p>
+            <a:endParaRPr/>
+          </a:p>
         </p:txBody>
       </p:sp>
       <p:sp>
         <p:nvSpPr>
           <p:cNvPr id="23" name="Shape 23"/>
-          <p:cNvSpPr txBox="1"/>
-          <p:nvPr>
-            <p:ph idx="2" type="body"/>
+          <p:cNvSpPr txBox="1">
+            <a:spLocks noGrp="1"/>
+          </p:cNvSpPr>
+          <p:nvPr>
+            <p:ph type="body" idx="2"/>
           </p:nvPr>
         </p:nvSpPr>
         <p:spPr>
@@ -3819,7 +4124,7 @@
           </a:prstGeom>
         </p:spPr>
         <p:txBody>
-          <a:bodyPr anchorCtr="0" anchor="t" bIns="91425" lIns="91425" rIns="91425" tIns="91425"/>
+          <a:bodyPr lIns="91425" tIns="91425" rIns="91425" bIns="91425" anchor="t" anchorCtr="0"/>
           <a:lstStyle>
             <a:lvl1pPr lvl="0">
               <a:spcBef>
@@ -3885,15 +4190,19 @@
               <a:defRPr sz="1200"/>
             </a:lvl9pPr>
           </a:lstStyle>
-          <a:p/>
+          <a:p>
+            <a:endParaRPr/>
+          </a:p>
         </p:txBody>
       </p:sp>
       <p:sp>
         <p:nvSpPr>
           <p:cNvPr id="24" name="Shape 24"/>
-          <p:cNvSpPr txBox="1"/>
-          <p:nvPr>
-            <p:ph idx="12" type="sldNum"/>
+          <p:cNvSpPr txBox="1">
+            <a:spLocks noGrp="1"/>
+          </p:cNvSpPr>
+          <p:nvPr>
+            <p:ph type="sldNum" idx="12"/>
           </p:nvPr>
         </p:nvSpPr>
         <p:spPr>
@@ -3906,7 +4215,7 @@
           </a:prstGeom>
         </p:spPr>
         <p:txBody>
-          <a:bodyPr anchorCtr="0" anchor="ctr" bIns="91425" lIns="91425" rIns="91425" tIns="91425">
+          <a:bodyPr lIns="91425" tIns="91425" rIns="91425" bIns="91425" anchor="ctr" anchorCtr="0">
             <a:noAutofit/>
           </a:bodyPr>
           <a:lstStyle/>
@@ -3921,6 +4230,7 @@
               <a:rPr lang="en"/>
               <a:t>‹#›</a:t>
             </a:fld>
+            <a:endParaRPr lang="en"/>
           </a:p>
         </p:txBody>
       </p:sp>
@@ -3933,11 +4243,11 @@
 </file>
 
 <file path=ppt/slideLayouts/slideLayout5.xml><?xml version="1.0" encoding="utf-8"?>
-<p:sldLayout xmlns:a="http://schemas.openxmlformats.org/drawingml/2006/main" xmlns:r="http://schemas.openxmlformats.org/officeDocument/2006/relationships" xmlns:mc="http://schemas.openxmlformats.org/markup-compatibility/2006" xmlns:mv="urn:schemas-microsoft-com:mac:vml" xmlns:p="http://schemas.openxmlformats.org/presentationml/2006/main" xmlns:c="http://schemas.openxmlformats.org/drawingml/2006/chart" xmlns:dgm="http://schemas.openxmlformats.org/drawingml/2006/diagram" xmlns:o="urn:schemas-microsoft-com:office:office" xmlns:v="urn:schemas-microsoft-com:vml" xmlns:pvml="urn:schemas-microsoft-com:office:powerpoint" xmlns:com="http://schemas.openxmlformats.org/drawingml/2006/compatibility" xmlns:p14="http://schemas.microsoft.com/office/powerpoint/2010/main" type="titleOnly">
+<p:sldLayout xmlns:a="http://schemas.openxmlformats.org/drawingml/2006/main" xmlns:r="http://schemas.openxmlformats.org/officeDocument/2006/relationships" xmlns:p="http://schemas.openxmlformats.org/presentationml/2006/main" type="titleOnly">
   <p:cSld name="Title only">
     <p:spTree>
       <p:nvGrpSpPr>
-        <p:cNvPr id="25" name="Shape 25"/>
+        <p:cNvPr id="1" name="Shape 25"/>
         <p:cNvGrpSpPr/>
         <p:nvPr/>
       </p:nvGrpSpPr>
@@ -3952,7 +4262,9 @@
       <p:sp>
         <p:nvSpPr>
           <p:cNvPr id="26" name="Shape 26"/>
-          <p:cNvSpPr txBox="1"/>
+          <p:cNvSpPr txBox="1">
+            <a:spLocks noGrp="1"/>
+          </p:cNvSpPr>
           <p:nvPr>
             <p:ph type="title"/>
           </p:nvPr>
@@ -3967,7 +4279,7 @@
           </a:prstGeom>
         </p:spPr>
         <p:txBody>
-          <a:bodyPr anchorCtr="0" anchor="t" bIns="91425" lIns="91425" rIns="91425" tIns="91425"/>
+          <a:bodyPr lIns="91425" tIns="91425" rIns="91425" bIns="91425" anchor="t" anchorCtr="0"/>
           <a:lstStyle>
             <a:lvl1pPr lvl="0">
               <a:spcBef>
@@ -4024,15 +4336,19 @@
               <a:defRPr/>
             </a:lvl9pPr>
           </a:lstStyle>
-          <a:p/>
+          <a:p>
+            <a:endParaRPr/>
+          </a:p>
         </p:txBody>
       </p:sp>
       <p:sp>
         <p:nvSpPr>
           <p:cNvPr id="27" name="Shape 27"/>
-          <p:cNvSpPr txBox="1"/>
-          <p:nvPr>
-            <p:ph idx="12" type="sldNum"/>
+          <p:cNvSpPr txBox="1">
+            <a:spLocks noGrp="1"/>
+          </p:cNvSpPr>
+          <p:nvPr>
+            <p:ph type="sldNum" idx="12"/>
           </p:nvPr>
         </p:nvSpPr>
         <p:spPr>
@@ -4045,7 +4361,7 @@
           </a:prstGeom>
         </p:spPr>
         <p:txBody>
-          <a:bodyPr anchorCtr="0" anchor="ctr" bIns="91425" lIns="91425" rIns="91425" tIns="91425">
+          <a:bodyPr lIns="91425" tIns="91425" rIns="91425" bIns="91425" anchor="ctr" anchorCtr="0">
             <a:noAutofit/>
           </a:bodyPr>
           <a:lstStyle/>
@@ -4060,6 +4376,7 @@
               <a:rPr lang="en"/>
               <a:t>‹#›</a:t>
             </a:fld>
+            <a:endParaRPr lang="en"/>
           </a:p>
         </p:txBody>
       </p:sp>
@@ -4072,11 +4389,11 @@
 </file>
 
 <file path=ppt/slideLayouts/slideLayout6.xml><?xml version="1.0" encoding="utf-8"?>
-<p:sldLayout xmlns:a="http://schemas.openxmlformats.org/drawingml/2006/main" xmlns:r="http://schemas.openxmlformats.org/officeDocument/2006/relationships" xmlns:mc="http://schemas.openxmlformats.org/markup-compatibility/2006" xmlns:mv="urn:schemas-microsoft-com:mac:vml" xmlns:p="http://schemas.openxmlformats.org/presentationml/2006/main" xmlns:c="http://schemas.openxmlformats.org/drawingml/2006/chart" xmlns:dgm="http://schemas.openxmlformats.org/drawingml/2006/diagram" xmlns:o="urn:schemas-microsoft-com:office:office" xmlns:v="urn:schemas-microsoft-com:vml" xmlns:pvml="urn:schemas-microsoft-com:office:powerpoint" xmlns:com="http://schemas.openxmlformats.org/drawingml/2006/compatibility" xmlns:p14="http://schemas.microsoft.com/office/powerpoint/2010/main">
+<p:sldLayout xmlns:a="http://schemas.openxmlformats.org/drawingml/2006/main" xmlns:r="http://schemas.openxmlformats.org/officeDocument/2006/relationships" xmlns:p="http://schemas.openxmlformats.org/presentationml/2006/main">
   <p:cSld name="One column text">
     <p:spTree>
       <p:nvGrpSpPr>
-        <p:cNvPr id="28" name="Shape 28"/>
+        <p:cNvPr id="1" name="Shape 28"/>
         <p:cNvGrpSpPr/>
         <p:nvPr/>
       </p:nvGrpSpPr>
@@ -4091,7 +4408,9 @@
       <p:sp>
         <p:nvSpPr>
           <p:cNvPr id="29" name="Shape 29"/>
-          <p:cNvSpPr txBox="1"/>
+          <p:cNvSpPr txBox="1">
+            <a:spLocks noGrp="1"/>
+          </p:cNvSpPr>
           <p:nvPr>
             <p:ph type="title"/>
           </p:nvPr>
@@ -4106,7 +4425,7 @@
           </a:prstGeom>
         </p:spPr>
         <p:txBody>
-          <a:bodyPr anchorCtr="0" anchor="b" bIns="91425" lIns="91425" rIns="91425" tIns="91425"/>
+          <a:bodyPr lIns="91425" tIns="91425" rIns="91425" bIns="91425" anchor="b" anchorCtr="0"/>
           <a:lstStyle>
             <a:lvl1pPr lvl="0">
               <a:spcBef>
@@ -4172,15 +4491,19 @@
               <a:defRPr sz="2400"/>
             </a:lvl9pPr>
           </a:lstStyle>
-          <a:p/>
+          <a:p>
+            <a:endParaRPr/>
+          </a:p>
         </p:txBody>
       </p:sp>
       <p:sp>
         <p:nvSpPr>
           <p:cNvPr id="30" name="Shape 30"/>
-          <p:cNvSpPr txBox="1"/>
-          <p:nvPr>
-            <p:ph idx="1" type="body"/>
+          <p:cNvSpPr txBox="1">
+            <a:spLocks noGrp="1"/>
+          </p:cNvSpPr>
+          <p:nvPr>
+            <p:ph type="body" idx="1"/>
           </p:nvPr>
         </p:nvSpPr>
         <p:spPr>
@@ -4193,7 +4516,7 @@
           </a:prstGeom>
         </p:spPr>
         <p:txBody>
-          <a:bodyPr anchorCtr="0" anchor="t" bIns="91425" lIns="91425" rIns="91425" tIns="91425"/>
+          <a:bodyPr lIns="91425" tIns="91425" rIns="91425" bIns="91425" anchor="t" anchorCtr="0"/>
           <a:lstStyle>
             <a:lvl1pPr lvl="0">
               <a:spcBef>
@@ -4259,15 +4582,19 @@
               <a:defRPr sz="1200"/>
             </a:lvl9pPr>
           </a:lstStyle>
-          <a:p/>
+          <a:p>
+            <a:endParaRPr/>
+          </a:p>
         </p:txBody>
       </p:sp>
       <p:sp>
         <p:nvSpPr>
           <p:cNvPr id="31" name="Shape 31"/>
-          <p:cNvSpPr txBox="1"/>
-          <p:nvPr>
-            <p:ph idx="12" type="sldNum"/>
+          <p:cNvSpPr txBox="1">
+            <a:spLocks noGrp="1"/>
+          </p:cNvSpPr>
+          <p:nvPr>
+            <p:ph type="sldNum" idx="12"/>
           </p:nvPr>
         </p:nvSpPr>
         <p:spPr>
@@ -4280,7 +4607,7 @@
           </a:prstGeom>
         </p:spPr>
         <p:txBody>
-          <a:bodyPr anchorCtr="0" anchor="ctr" bIns="91425" lIns="91425" rIns="91425" tIns="91425">
+          <a:bodyPr lIns="91425" tIns="91425" rIns="91425" bIns="91425" anchor="ctr" anchorCtr="0">
             <a:noAutofit/>
           </a:bodyPr>
           <a:lstStyle/>
@@ -4295,6 +4622,7 @@
               <a:rPr lang="en"/>
               <a:t>‹#›</a:t>
             </a:fld>
+            <a:endParaRPr lang="en"/>
           </a:p>
         </p:txBody>
       </p:sp>
@@ -4307,11 +4635,11 @@
 </file>
 
 <file path=ppt/slideLayouts/slideLayout7.xml><?xml version="1.0" encoding="utf-8"?>
-<p:sldLayout xmlns:a="http://schemas.openxmlformats.org/drawingml/2006/main" xmlns:r="http://schemas.openxmlformats.org/officeDocument/2006/relationships" xmlns:mc="http://schemas.openxmlformats.org/markup-compatibility/2006" xmlns:mv="urn:schemas-microsoft-com:mac:vml" xmlns:p="http://schemas.openxmlformats.org/presentationml/2006/main" xmlns:c="http://schemas.openxmlformats.org/drawingml/2006/chart" xmlns:dgm="http://schemas.openxmlformats.org/drawingml/2006/diagram" xmlns:o="urn:schemas-microsoft-com:office:office" xmlns:v="urn:schemas-microsoft-com:vml" xmlns:pvml="urn:schemas-microsoft-com:office:powerpoint" xmlns:com="http://schemas.openxmlformats.org/drawingml/2006/compatibility" xmlns:p14="http://schemas.microsoft.com/office/powerpoint/2010/main">
+<p:sldLayout xmlns:a="http://schemas.openxmlformats.org/drawingml/2006/main" xmlns:r="http://schemas.openxmlformats.org/officeDocument/2006/relationships" xmlns:p="http://schemas.openxmlformats.org/presentationml/2006/main">
   <p:cSld name="Main point">
     <p:spTree>
       <p:nvGrpSpPr>
-        <p:cNvPr id="32" name="Shape 32"/>
+        <p:cNvPr id="1" name="Shape 32"/>
         <p:cNvGrpSpPr/>
         <p:nvPr/>
       </p:nvGrpSpPr>
@@ -4326,7 +4654,9 @@
       <p:sp>
         <p:nvSpPr>
           <p:cNvPr id="33" name="Shape 33"/>
-          <p:cNvSpPr txBox="1"/>
+          <p:cNvSpPr txBox="1">
+            <a:spLocks noGrp="1"/>
+          </p:cNvSpPr>
           <p:nvPr>
             <p:ph type="title"/>
           </p:nvPr>
@@ -4341,7 +4671,7 @@
           </a:prstGeom>
         </p:spPr>
         <p:txBody>
-          <a:bodyPr anchorCtr="0" anchor="ctr" bIns="91425" lIns="91425" rIns="91425" tIns="91425"/>
+          <a:bodyPr lIns="91425" tIns="91425" rIns="91425" bIns="91425" anchor="ctr" anchorCtr="0"/>
           <a:lstStyle>
             <a:lvl1pPr lvl="0">
               <a:spcBef>
@@ -4407,15 +4737,19 @@
               <a:defRPr sz="4800"/>
             </a:lvl9pPr>
           </a:lstStyle>
-          <a:p/>
+          <a:p>
+            <a:endParaRPr/>
+          </a:p>
         </p:txBody>
       </p:sp>
       <p:sp>
         <p:nvSpPr>
           <p:cNvPr id="34" name="Shape 34"/>
-          <p:cNvSpPr txBox="1"/>
-          <p:nvPr>
-            <p:ph idx="12" type="sldNum"/>
+          <p:cNvSpPr txBox="1">
+            <a:spLocks noGrp="1"/>
+          </p:cNvSpPr>
+          <p:nvPr>
+            <p:ph type="sldNum" idx="12"/>
           </p:nvPr>
         </p:nvSpPr>
         <p:spPr>
@@ -4428,7 +4762,7 @@
           </a:prstGeom>
         </p:spPr>
         <p:txBody>
-          <a:bodyPr anchorCtr="0" anchor="ctr" bIns="91425" lIns="91425" rIns="91425" tIns="91425">
+          <a:bodyPr lIns="91425" tIns="91425" rIns="91425" bIns="91425" anchor="ctr" anchorCtr="0">
             <a:noAutofit/>
           </a:bodyPr>
           <a:lstStyle/>
@@ -4443,6 +4777,7 @@
               <a:rPr lang="en"/>
               <a:t>‹#›</a:t>
             </a:fld>
+            <a:endParaRPr lang="en"/>
           </a:p>
         </p:txBody>
       </p:sp>
@@ -4455,11 +4790,11 @@
 </file>
 
 <file path=ppt/slideLayouts/slideLayout8.xml><?xml version="1.0" encoding="utf-8"?>
-<p:sldLayout xmlns:a="http://schemas.openxmlformats.org/drawingml/2006/main" xmlns:r="http://schemas.openxmlformats.org/officeDocument/2006/relationships" xmlns:mc="http://schemas.openxmlformats.org/markup-compatibility/2006" xmlns:mv="urn:schemas-microsoft-com:mac:vml" xmlns:p="http://schemas.openxmlformats.org/presentationml/2006/main" xmlns:c="http://schemas.openxmlformats.org/drawingml/2006/chart" xmlns:dgm="http://schemas.openxmlformats.org/drawingml/2006/diagram" xmlns:o="urn:schemas-microsoft-com:office:office" xmlns:v="urn:schemas-microsoft-com:vml" xmlns:pvml="urn:schemas-microsoft-com:office:powerpoint" xmlns:com="http://schemas.openxmlformats.org/drawingml/2006/compatibility" xmlns:p14="http://schemas.microsoft.com/office/powerpoint/2010/main">
+<p:sldLayout xmlns:a="http://schemas.openxmlformats.org/drawingml/2006/main" xmlns:r="http://schemas.openxmlformats.org/officeDocument/2006/relationships" xmlns:p="http://schemas.openxmlformats.org/presentationml/2006/main">
   <p:cSld name="Section title and description">
     <p:spTree>
       <p:nvGrpSpPr>
-        <p:cNvPr id="35" name="Shape 35"/>
+        <p:cNvPr id="1" name="Shape 35"/>
         <p:cNvGrpSpPr/>
         <p:nvPr/>
       </p:nvGrpSpPr>
@@ -4493,7 +4828,7 @@
           </a:ln>
         </p:spPr>
         <p:txBody>
-          <a:bodyPr anchorCtr="0" anchor="ctr" bIns="91425" lIns="91425" rIns="91425" tIns="91425">
+          <a:bodyPr lIns="91425" tIns="91425" rIns="91425" bIns="91425" anchor="ctr" anchorCtr="0">
             <a:noAutofit/>
           </a:bodyPr>
           <a:lstStyle/>
@@ -4504,9 +4839,6 @@
               </a:spcBef>
               <a:buNone/>
             </a:pPr>
-            <a:r>
-              <a:t/>
-            </a:r>
             <a:endParaRPr/>
           </a:p>
         </p:txBody>
@@ -4514,7 +4846,9 @@
       <p:sp>
         <p:nvSpPr>
           <p:cNvPr id="37" name="Shape 37"/>
-          <p:cNvSpPr txBox="1"/>
+          <p:cNvSpPr txBox="1">
+            <a:spLocks noGrp="1"/>
+          </p:cNvSpPr>
           <p:nvPr>
             <p:ph type="title"/>
           </p:nvPr>
@@ -4529,7 +4863,7 @@
           </a:prstGeom>
         </p:spPr>
         <p:txBody>
-          <a:bodyPr anchorCtr="0" anchor="b" bIns="91425" lIns="91425" rIns="91425" tIns="91425"/>
+          <a:bodyPr lIns="91425" tIns="91425" rIns="91425" bIns="91425" anchor="b" anchorCtr="0"/>
           <a:lstStyle>
             <a:lvl1pPr lvl="0" algn="ctr">
               <a:spcBef>
@@ -4595,15 +4929,19 @@
               <a:defRPr sz="4200"/>
             </a:lvl9pPr>
           </a:lstStyle>
-          <a:p/>
+          <a:p>
+            <a:endParaRPr/>
+          </a:p>
         </p:txBody>
       </p:sp>
       <p:sp>
         <p:nvSpPr>
           <p:cNvPr id="38" name="Shape 38"/>
-          <p:cNvSpPr txBox="1"/>
-          <p:nvPr>
-            <p:ph idx="1" type="subTitle"/>
+          <p:cNvSpPr txBox="1">
+            <a:spLocks noGrp="1"/>
+          </p:cNvSpPr>
+          <p:nvPr>
+            <p:ph type="subTitle" idx="1"/>
           </p:nvPr>
         </p:nvSpPr>
         <p:spPr>
@@ -4616,7 +4954,7 @@
           </a:prstGeom>
         </p:spPr>
         <p:txBody>
-          <a:bodyPr anchorCtr="0" anchor="t" bIns="91425" lIns="91425" rIns="91425" tIns="91425"/>
+          <a:bodyPr lIns="91425" tIns="91425" rIns="91425" bIns="91425" anchor="t" anchorCtr="0"/>
           <a:lstStyle>
             <a:lvl1pPr lvl="0" algn="ctr">
               <a:lnSpc>
@@ -4745,15 +5083,19 @@
               <a:defRPr sz="2100"/>
             </a:lvl9pPr>
           </a:lstStyle>
-          <a:p/>
+          <a:p>
+            <a:endParaRPr/>
+          </a:p>
         </p:txBody>
       </p:sp>
       <p:sp>
         <p:nvSpPr>
           <p:cNvPr id="39" name="Shape 39"/>
-          <p:cNvSpPr txBox="1"/>
-          <p:nvPr>
-            <p:ph idx="2" type="body"/>
+          <p:cNvSpPr txBox="1">
+            <a:spLocks noGrp="1"/>
+          </p:cNvSpPr>
+          <p:nvPr>
+            <p:ph type="body" idx="2"/>
           </p:nvPr>
         </p:nvSpPr>
         <p:spPr>
@@ -4766,7 +5108,7 @@
           </a:prstGeom>
         </p:spPr>
         <p:txBody>
-          <a:bodyPr anchorCtr="0" anchor="ctr" bIns="91425" lIns="91425" rIns="91425" tIns="91425"/>
+          <a:bodyPr lIns="91425" tIns="91425" rIns="91425" bIns="91425" anchor="ctr" anchorCtr="0"/>
           <a:lstStyle>
             <a:lvl1pPr lvl="0">
               <a:spcBef>
@@ -4823,15 +5165,19 @@
               <a:defRPr/>
             </a:lvl9pPr>
           </a:lstStyle>
-          <a:p/>
+          <a:p>
+            <a:endParaRPr/>
+          </a:p>
         </p:txBody>
       </p:sp>
       <p:sp>
         <p:nvSpPr>
           <p:cNvPr id="40" name="Shape 40"/>
-          <p:cNvSpPr txBox="1"/>
-          <p:nvPr>
-            <p:ph idx="12" type="sldNum"/>
+          <p:cNvSpPr txBox="1">
+            <a:spLocks noGrp="1"/>
+          </p:cNvSpPr>
+          <p:nvPr>
+            <p:ph type="sldNum" idx="12"/>
           </p:nvPr>
         </p:nvSpPr>
         <p:spPr>
@@ -4844,7 +5190,7 @@
           </a:prstGeom>
         </p:spPr>
         <p:txBody>
-          <a:bodyPr anchorCtr="0" anchor="ctr" bIns="91425" lIns="91425" rIns="91425" tIns="91425">
+          <a:bodyPr lIns="91425" tIns="91425" rIns="91425" bIns="91425" anchor="ctr" anchorCtr="0">
             <a:noAutofit/>
           </a:bodyPr>
           <a:lstStyle/>
@@ -4859,6 +5205,7 @@
               <a:rPr lang="en"/>
               <a:t>‹#›</a:t>
             </a:fld>
+            <a:endParaRPr lang="en"/>
           </a:p>
         </p:txBody>
       </p:sp>
@@ -4871,11 +5218,11 @@
 </file>
 
 <file path=ppt/slideLayouts/slideLayout9.xml><?xml version="1.0" encoding="utf-8"?>
-<p:sldLayout xmlns:a="http://schemas.openxmlformats.org/drawingml/2006/main" xmlns:r="http://schemas.openxmlformats.org/officeDocument/2006/relationships" xmlns:mc="http://schemas.openxmlformats.org/markup-compatibility/2006" xmlns:mv="urn:schemas-microsoft-com:mac:vml" xmlns:p="http://schemas.openxmlformats.org/presentationml/2006/main" xmlns:c="http://schemas.openxmlformats.org/drawingml/2006/chart" xmlns:dgm="http://schemas.openxmlformats.org/drawingml/2006/diagram" xmlns:o="urn:schemas-microsoft-com:office:office" xmlns:v="urn:schemas-microsoft-com:vml" xmlns:pvml="urn:schemas-microsoft-com:office:powerpoint" xmlns:com="http://schemas.openxmlformats.org/drawingml/2006/compatibility" xmlns:p14="http://schemas.microsoft.com/office/powerpoint/2010/main">
+<p:sldLayout xmlns:a="http://schemas.openxmlformats.org/drawingml/2006/main" xmlns:r="http://schemas.openxmlformats.org/officeDocument/2006/relationships" xmlns:p="http://schemas.openxmlformats.org/presentationml/2006/main">
   <p:cSld name="Caption">
     <p:spTree>
       <p:nvGrpSpPr>
-        <p:cNvPr id="41" name="Shape 41"/>
+        <p:cNvPr id="1" name="Shape 41"/>
         <p:cNvGrpSpPr/>
         <p:nvPr/>
       </p:nvGrpSpPr>
@@ -4890,9 +5237,11 @@
       <p:sp>
         <p:nvSpPr>
           <p:cNvPr id="42" name="Shape 42"/>
-          <p:cNvSpPr txBox="1"/>
-          <p:nvPr>
-            <p:ph idx="1" type="body"/>
+          <p:cNvSpPr txBox="1">
+            <a:spLocks noGrp="1"/>
+          </p:cNvSpPr>
+          <p:nvPr>
+            <p:ph type="body" idx="1"/>
           </p:nvPr>
         </p:nvSpPr>
         <p:spPr>
@@ -4905,7 +5254,7 @@
           </a:prstGeom>
         </p:spPr>
         <p:txBody>
-          <a:bodyPr anchorCtr="0" anchor="ctr" bIns="91425" lIns="91425" rIns="91425" tIns="91425"/>
+          <a:bodyPr lIns="91425" tIns="91425" rIns="91425" bIns="91425" anchor="ctr" anchorCtr="0"/>
           <a:lstStyle>
             <a:lvl1pPr lvl="0">
               <a:lnSpc>
@@ -4921,15 +5270,19 @@
               <a:defRPr/>
             </a:lvl1pPr>
           </a:lstStyle>
-          <a:p/>
+          <a:p>
+            <a:endParaRPr/>
+          </a:p>
         </p:txBody>
       </p:sp>
       <p:sp>
         <p:nvSpPr>
           <p:cNvPr id="43" name="Shape 43"/>
-          <p:cNvSpPr txBox="1"/>
-          <p:nvPr>
-            <p:ph idx="12" type="sldNum"/>
+          <p:cNvSpPr txBox="1">
+            <a:spLocks noGrp="1"/>
+          </p:cNvSpPr>
+          <p:nvPr>
+            <p:ph type="sldNum" idx="12"/>
           </p:nvPr>
         </p:nvSpPr>
         <p:spPr>
@@ -4942,7 +5295,7 @@
           </a:prstGeom>
         </p:spPr>
         <p:txBody>
-          <a:bodyPr anchorCtr="0" anchor="ctr" bIns="91425" lIns="91425" rIns="91425" tIns="91425">
+          <a:bodyPr lIns="91425" tIns="91425" rIns="91425" bIns="91425" anchor="ctr" anchorCtr="0">
             <a:noAutofit/>
           </a:bodyPr>
           <a:lstStyle/>
@@ -4957,6 +5310,7 @@
               <a:rPr lang="en"/>
               <a:t>‹#›</a:t>
             </a:fld>
+            <a:endParaRPr lang="en"/>
           </a:p>
         </p:txBody>
       </p:sp>
@@ -4969,18 +5323,19 @@
 </file>
 
 <file path=ppt/slideMasters/slideMaster1.xml><?xml version="1.0" encoding="utf-8"?>
-<p:sldMaster xmlns:a="http://schemas.openxmlformats.org/drawingml/2006/main" xmlns:r="http://schemas.openxmlformats.org/officeDocument/2006/relationships" xmlns:mc="http://schemas.openxmlformats.org/markup-compatibility/2006" xmlns:mv="urn:schemas-microsoft-com:mac:vml" xmlns:p="http://schemas.openxmlformats.org/presentationml/2006/main" xmlns:c="http://schemas.openxmlformats.org/drawingml/2006/chart" xmlns:dgm="http://schemas.openxmlformats.org/drawingml/2006/diagram" xmlns:o="urn:schemas-microsoft-com:office:office" xmlns:v="urn:schemas-microsoft-com:vml" xmlns:pvml="urn:schemas-microsoft-com:office:powerpoint" xmlns:com="http://schemas.openxmlformats.org/drawingml/2006/compatibility" xmlns:p14="http://schemas.microsoft.com/office/powerpoint/2010/main">
+<p:sldMaster xmlns:a="http://schemas.openxmlformats.org/drawingml/2006/main" xmlns:r="http://schemas.openxmlformats.org/officeDocument/2006/relationships" xmlns:p="http://schemas.openxmlformats.org/presentationml/2006/main">
   <p:cSld>
     <p:bg>
       <p:bgPr>
         <a:solidFill>
           <a:schemeClr val="lt1"/>
         </a:solidFill>
+        <a:effectLst/>
       </p:bgPr>
     </p:bg>
     <p:spTree>
       <p:nvGrpSpPr>
-        <p:cNvPr id="5" name="Shape 5"/>
+        <p:cNvPr id="1" name="Shape 5"/>
         <p:cNvGrpSpPr/>
         <p:nvPr/>
       </p:nvGrpSpPr>
@@ -4995,7 +5350,9 @@
       <p:sp>
         <p:nvSpPr>
           <p:cNvPr id="6" name="Shape 6"/>
-          <p:cNvSpPr txBox="1"/>
+          <p:cNvSpPr txBox="1">
+            <a:spLocks noGrp="1"/>
+          </p:cNvSpPr>
           <p:nvPr>
             <p:ph type="title"/>
           </p:nvPr>
@@ -5014,7 +5371,7 @@
           </a:ln>
         </p:spPr>
         <p:txBody>
-          <a:bodyPr anchorCtr="0" anchor="t" bIns="91425" lIns="91425" rIns="91425" tIns="91425"/>
+          <a:bodyPr lIns="91425" tIns="91425" rIns="91425" bIns="91425" anchor="t" anchorCtr="0"/>
           <a:lstStyle>
             <a:lvl1pPr lvl="0">
               <a:spcBef>
@@ -5152,15 +5509,19 @@
               </a:defRPr>
             </a:lvl9pPr>
           </a:lstStyle>
-          <a:p/>
+          <a:p>
+            <a:endParaRPr/>
+          </a:p>
         </p:txBody>
       </p:sp>
       <p:sp>
         <p:nvSpPr>
           <p:cNvPr id="7" name="Shape 7"/>
-          <p:cNvSpPr txBox="1"/>
-          <p:nvPr>
-            <p:ph idx="1" type="body"/>
+          <p:cNvSpPr txBox="1">
+            <a:spLocks noGrp="1"/>
+          </p:cNvSpPr>
+          <p:nvPr>
+            <p:ph type="body" idx="1"/>
           </p:nvPr>
         </p:nvSpPr>
         <p:spPr>
@@ -5177,7 +5538,7 @@
           </a:ln>
         </p:spPr>
         <p:txBody>
-          <a:bodyPr anchorCtr="0" anchor="t" bIns="91425" lIns="91425" rIns="91425" tIns="91425"/>
+          <a:bodyPr lIns="91425" tIns="91425" rIns="91425" bIns="91425" anchor="t" anchorCtr="0"/>
           <a:lstStyle>
             <a:lvl1pPr lvl="0">
               <a:lnSpc>
@@ -5352,15 +5713,19 @@
               </a:defRPr>
             </a:lvl9pPr>
           </a:lstStyle>
-          <a:p/>
+          <a:p>
+            <a:endParaRPr/>
+          </a:p>
         </p:txBody>
       </p:sp>
       <p:sp>
         <p:nvSpPr>
           <p:cNvPr id="8" name="Shape 8"/>
-          <p:cNvSpPr txBox="1"/>
-          <p:nvPr>
-            <p:ph idx="12" type="sldNum"/>
+          <p:cNvSpPr txBox="1">
+            <a:spLocks noGrp="1"/>
+          </p:cNvSpPr>
+          <p:nvPr>
+            <p:ph type="sldNum" idx="12"/>
           </p:nvPr>
         </p:nvSpPr>
         <p:spPr>
@@ -5377,7 +5742,7 @@
           </a:ln>
         </p:spPr>
         <p:txBody>
-          <a:bodyPr anchorCtr="0" anchor="ctr" bIns="91425" lIns="91425" rIns="91425" tIns="91425">
+          <a:bodyPr lIns="91425" tIns="91425" rIns="91425" bIns="91425" anchor="ctr" anchorCtr="0">
             <a:noAutofit/>
           </a:bodyPr>
           <a:lstStyle/>
@@ -5396,12 +5761,17 @@
               </a:rPr>
               <a:t>‹#›</a:t>
             </a:fld>
+            <a:endParaRPr lang="en" sz="1000">
+              <a:solidFill>
+                <a:schemeClr val="dk2"/>
+              </a:solidFill>
+            </a:endParaRPr>
           </a:p>
         </p:txBody>
       </p:sp>
     </p:spTree>
   </p:cSld>
-  <p:clrMap accent1="accent1" accent2="accent2" accent3="accent3" accent4="accent4" accent5="accent5" accent6="accent6" bg1="lt1" bg2="dk2" tx1="dk1" tx2="lt2" folHlink="folHlink" hlink="hlink"/>
+  <p:clrMap bg1="lt1" tx1="dk1" bg2="dk2" tx2="lt2" accent1="accent1" accent2="accent2" accent3="accent3" accent4="accent4" accent5="accent5" accent6="accent6" hlink="hlink" folHlink="folHlink"/>
   <p:sldLayoutIdLst>
     <p:sldLayoutId id="2147483648" r:id="rId1"/>
     <p:sldLayoutId id="2147483649" r:id="rId2"/>
@@ -5415,10 +5785,10 @@
     <p:sldLayoutId id="2147483657" r:id="rId10"/>
     <p:sldLayoutId id="2147483658" r:id="rId11"/>
   </p:sldLayoutIdLst>
-  <p:hf dt="0" ftr="0" hdr="0" sldNum="0"/>
+  <p:hf sldNum="0" hdr="0" ftr="0" dt="0"/>
   <p:txStyles>
     <p:titleStyle>
-      <a:defPPr lvl="0" marR="0" rtl="0" algn="l">
+      <a:defPPr marR="0" lvl="0" algn="l" rtl="0">
         <a:lnSpc>
           <a:spcPct val="100000"/>
         </a:lnSpc>
@@ -5429,7 +5799,7 @@
           <a:spcPts val="0"/>
         </a:spcAft>
       </a:defPPr>
-      <a:lvl1pPr lvl="0" marR="0" rtl="0" algn="l">
+      <a:lvl1pPr marR="0" lvl="0" algn="l" rtl="0">
         <a:lnSpc>
           <a:spcPct val="100000"/>
         </a:lnSpc>
@@ -5440,7 +5810,7 @@
           <a:spcPts val="0"/>
         </a:spcAft>
         <a:buNone/>
-        <a:defRPr b="0" i="0" sz="1400" u="none" cap="none" strike="noStrike">
+        <a:defRPr sz="1400" b="0" i="0" u="none" strike="noStrike" cap="none">
           <a:solidFill>
             <a:srgbClr val="000000"/>
           </a:solidFill>
@@ -5452,7 +5822,7 @@
       </a:lvl1pPr>
     </p:titleStyle>
     <p:bodyStyle>
-      <a:defPPr lvl="0" marR="0" rtl="0" algn="l">
+      <a:defPPr marR="0" lvl="0" algn="l" rtl="0">
         <a:lnSpc>
           <a:spcPct val="100000"/>
         </a:lnSpc>
@@ -5463,7 +5833,7 @@
           <a:spcPts val="0"/>
         </a:spcAft>
       </a:defPPr>
-      <a:lvl1pPr lvl="0" marR="0" rtl="0" algn="l">
+      <a:lvl1pPr marR="0" lvl="0" algn="l" rtl="0">
         <a:lnSpc>
           <a:spcPct val="100000"/>
         </a:lnSpc>
@@ -5474,7 +5844,7 @@
           <a:spcPts val="0"/>
         </a:spcAft>
         <a:buNone/>
-        <a:defRPr b="0" i="0" sz="1400" u="none" cap="none" strike="noStrike">
+        <a:defRPr sz="1400" b="0" i="0" u="none" strike="noStrike" cap="none">
           <a:solidFill>
             <a:srgbClr val="000000"/>
           </a:solidFill>
@@ -5484,7 +5854,7 @@
           <a:sym typeface="Arial"/>
         </a:defRPr>
       </a:lvl1pPr>
-      <a:lvl2pPr lvl="1" marR="0" rtl="0" algn="l">
+      <a:lvl2pPr marR="0" lvl="1" algn="l" rtl="0">
         <a:lnSpc>
           <a:spcPct val="100000"/>
         </a:lnSpc>
@@ -5495,7 +5865,7 @@
           <a:spcPts val="0"/>
         </a:spcAft>
         <a:buNone/>
-        <a:defRPr b="0" i="0" sz="1400" u="none" cap="none" strike="noStrike">
+        <a:defRPr sz="1400" b="0" i="0" u="none" strike="noStrike" cap="none">
           <a:solidFill>
             <a:srgbClr val="000000"/>
           </a:solidFill>
@@ -5505,7 +5875,7 @@
           <a:sym typeface="Arial"/>
         </a:defRPr>
       </a:lvl2pPr>
-      <a:lvl3pPr lvl="2" marR="0" rtl="0" algn="l">
+      <a:lvl3pPr marR="0" lvl="2" algn="l" rtl="0">
         <a:lnSpc>
           <a:spcPct val="100000"/>
         </a:lnSpc>
@@ -5516,7 +5886,7 @@
           <a:spcPts val="0"/>
         </a:spcAft>
         <a:buNone/>
-        <a:defRPr b="0" i="0" sz="1400" u="none" cap="none" strike="noStrike">
+        <a:defRPr sz="1400" b="0" i="0" u="none" strike="noStrike" cap="none">
           <a:solidFill>
             <a:srgbClr val="000000"/>
           </a:solidFill>
@@ -5526,7 +5896,7 @@
           <a:sym typeface="Arial"/>
         </a:defRPr>
       </a:lvl3pPr>
-      <a:lvl4pPr lvl="3" marR="0" rtl="0" algn="l">
+      <a:lvl4pPr marR="0" lvl="3" algn="l" rtl="0">
         <a:lnSpc>
           <a:spcPct val="100000"/>
         </a:lnSpc>
@@ -5537,7 +5907,7 @@
           <a:spcPts val="0"/>
         </a:spcAft>
         <a:buNone/>
-        <a:defRPr b="0" i="0" sz="1400" u="none" cap="none" strike="noStrike">
+        <a:defRPr sz="1400" b="0" i="0" u="none" strike="noStrike" cap="none">
           <a:solidFill>
             <a:srgbClr val="000000"/>
           </a:solidFill>
@@ -5547,7 +5917,7 @@
           <a:sym typeface="Arial"/>
         </a:defRPr>
       </a:lvl4pPr>
-      <a:lvl5pPr lvl="4" marR="0" rtl="0" algn="l">
+      <a:lvl5pPr marR="0" lvl="4" algn="l" rtl="0">
         <a:lnSpc>
           <a:spcPct val="100000"/>
         </a:lnSpc>
@@ -5558,7 +5928,7 @@
           <a:spcPts val="0"/>
         </a:spcAft>
         <a:buNone/>
-        <a:defRPr b="0" i="0" sz="1400" u="none" cap="none" strike="noStrike">
+        <a:defRPr sz="1400" b="0" i="0" u="none" strike="noStrike" cap="none">
           <a:solidFill>
             <a:srgbClr val="000000"/>
           </a:solidFill>
@@ -5568,7 +5938,7 @@
           <a:sym typeface="Arial"/>
         </a:defRPr>
       </a:lvl5pPr>
-      <a:lvl6pPr lvl="5" marR="0" rtl="0" algn="l">
+      <a:lvl6pPr marR="0" lvl="5" algn="l" rtl="0">
         <a:lnSpc>
           <a:spcPct val="100000"/>
         </a:lnSpc>
@@ -5579,7 +5949,7 @@
           <a:spcPts val="0"/>
         </a:spcAft>
         <a:buNone/>
-        <a:defRPr b="0" i="0" sz="1400" u="none" cap="none" strike="noStrike">
+        <a:defRPr sz="1400" b="0" i="0" u="none" strike="noStrike" cap="none">
           <a:solidFill>
             <a:srgbClr val="000000"/>
           </a:solidFill>
@@ -5589,7 +5959,7 @@
           <a:sym typeface="Arial"/>
         </a:defRPr>
       </a:lvl6pPr>
-      <a:lvl7pPr lvl="6" marR="0" rtl="0" algn="l">
+      <a:lvl7pPr marR="0" lvl="6" algn="l" rtl="0">
         <a:lnSpc>
           <a:spcPct val="100000"/>
         </a:lnSpc>
@@ -5600,7 +5970,7 @@
           <a:spcPts val="0"/>
         </a:spcAft>
         <a:buNone/>
-        <a:defRPr b="0" i="0" sz="1400" u="none" cap="none" strike="noStrike">
+        <a:defRPr sz="1400" b="0" i="0" u="none" strike="noStrike" cap="none">
           <a:solidFill>
             <a:srgbClr val="000000"/>
           </a:solidFill>
@@ -5610,7 +5980,7 @@
           <a:sym typeface="Arial"/>
         </a:defRPr>
       </a:lvl7pPr>
-      <a:lvl8pPr lvl="7" marR="0" rtl="0" algn="l">
+      <a:lvl8pPr marR="0" lvl="7" algn="l" rtl="0">
         <a:lnSpc>
           <a:spcPct val="100000"/>
         </a:lnSpc>
@@ -5621,7 +5991,7 @@
           <a:spcPts val="0"/>
         </a:spcAft>
         <a:buNone/>
-        <a:defRPr b="0" i="0" sz="1400" u="none" cap="none" strike="noStrike">
+        <a:defRPr sz="1400" b="0" i="0" u="none" strike="noStrike" cap="none">
           <a:solidFill>
             <a:srgbClr val="000000"/>
           </a:solidFill>
@@ -5631,7 +6001,7 @@
           <a:sym typeface="Arial"/>
         </a:defRPr>
       </a:lvl8pPr>
-      <a:lvl9pPr lvl="8" marR="0" rtl="0" algn="l">
+      <a:lvl9pPr marR="0" lvl="8" algn="l" rtl="0">
         <a:lnSpc>
           <a:spcPct val="100000"/>
         </a:lnSpc>
@@ -5642,7 +6012,7 @@
           <a:spcPts val="0"/>
         </a:spcAft>
         <a:buNone/>
-        <a:defRPr b="0" i="0" sz="1400" u="none" cap="none" strike="noStrike">
+        <a:defRPr sz="1400" b="0" i="0" u="none" strike="noStrike" cap="none">
           <a:solidFill>
             <a:srgbClr val="000000"/>
           </a:solidFill>
@@ -5654,7 +6024,7 @@
       </a:lvl9pPr>
     </p:bodyStyle>
     <p:otherStyle>
-      <a:defPPr lvl="0" marR="0" rtl="0" algn="l">
+      <a:defPPr marR="0" lvl="0" algn="l" rtl="0">
         <a:lnSpc>
           <a:spcPct val="100000"/>
         </a:lnSpc>
@@ -5665,7 +6035,7 @@
           <a:spcPts val="0"/>
         </a:spcAft>
       </a:defPPr>
-      <a:lvl1pPr lvl="0" marR="0" rtl="0" algn="l">
+      <a:lvl1pPr marR="0" lvl="0" algn="l" rtl="0">
         <a:lnSpc>
           <a:spcPct val="100000"/>
         </a:lnSpc>
@@ -5676,7 +6046,7 @@
           <a:spcPts val="0"/>
         </a:spcAft>
         <a:buNone/>
-        <a:defRPr b="0" i="0" sz="1400" u="none" cap="none" strike="noStrike">
+        <a:defRPr sz="1400" b="0" i="0" u="none" strike="noStrike" cap="none">
           <a:solidFill>
             <a:srgbClr val="000000"/>
           </a:solidFill>
@@ -5686,7 +6056,7 @@
           <a:sym typeface="Arial"/>
         </a:defRPr>
       </a:lvl1pPr>
-      <a:lvl2pPr lvl="1" marR="0" rtl="0" algn="l">
+      <a:lvl2pPr marR="0" lvl="1" algn="l" rtl="0">
         <a:lnSpc>
           <a:spcPct val="100000"/>
         </a:lnSpc>
@@ -5697,7 +6067,7 @@
           <a:spcPts val="0"/>
         </a:spcAft>
         <a:buNone/>
-        <a:defRPr b="0" i="0" sz="1400" u="none" cap="none" strike="noStrike">
+        <a:defRPr sz="1400" b="0" i="0" u="none" strike="noStrike" cap="none">
           <a:solidFill>
             <a:srgbClr val="000000"/>
           </a:solidFill>
@@ -5707,7 +6077,7 @@
           <a:sym typeface="Arial"/>
         </a:defRPr>
       </a:lvl2pPr>
-      <a:lvl3pPr lvl="2" marR="0" rtl="0" algn="l">
+      <a:lvl3pPr marR="0" lvl="2" algn="l" rtl="0">
         <a:lnSpc>
           <a:spcPct val="100000"/>
         </a:lnSpc>
@@ -5718,7 +6088,7 @@
           <a:spcPts val="0"/>
         </a:spcAft>
         <a:buNone/>
-        <a:defRPr b="0" i="0" sz="1400" u="none" cap="none" strike="noStrike">
+        <a:defRPr sz="1400" b="0" i="0" u="none" strike="noStrike" cap="none">
           <a:solidFill>
             <a:srgbClr val="000000"/>
           </a:solidFill>
@@ -5728,7 +6098,7 @@
           <a:sym typeface="Arial"/>
         </a:defRPr>
       </a:lvl3pPr>
-      <a:lvl4pPr lvl="3" marR="0" rtl="0" algn="l">
+      <a:lvl4pPr marR="0" lvl="3" algn="l" rtl="0">
         <a:lnSpc>
           <a:spcPct val="100000"/>
         </a:lnSpc>
@@ -5739,7 +6109,7 @@
           <a:spcPts val="0"/>
         </a:spcAft>
         <a:buNone/>
-        <a:defRPr b="0" i="0" sz="1400" u="none" cap="none" strike="noStrike">
+        <a:defRPr sz="1400" b="0" i="0" u="none" strike="noStrike" cap="none">
           <a:solidFill>
             <a:srgbClr val="000000"/>
           </a:solidFill>
@@ -5749,7 +6119,7 @@
           <a:sym typeface="Arial"/>
         </a:defRPr>
       </a:lvl4pPr>
-      <a:lvl5pPr lvl="4" marR="0" rtl="0" algn="l">
+      <a:lvl5pPr marR="0" lvl="4" algn="l" rtl="0">
         <a:lnSpc>
           <a:spcPct val="100000"/>
         </a:lnSpc>
@@ -5760,7 +6130,7 @@
           <a:spcPts val="0"/>
         </a:spcAft>
         <a:buNone/>
-        <a:defRPr b="0" i="0" sz="1400" u="none" cap="none" strike="noStrike">
+        <a:defRPr sz="1400" b="0" i="0" u="none" strike="noStrike" cap="none">
           <a:solidFill>
             <a:srgbClr val="000000"/>
           </a:solidFill>
@@ -5770,7 +6140,7 @@
           <a:sym typeface="Arial"/>
         </a:defRPr>
       </a:lvl5pPr>
-      <a:lvl6pPr lvl="5" marR="0" rtl="0" algn="l">
+      <a:lvl6pPr marR="0" lvl="5" algn="l" rtl="0">
         <a:lnSpc>
           <a:spcPct val="100000"/>
         </a:lnSpc>
@@ -5781,7 +6151,7 @@
           <a:spcPts val="0"/>
         </a:spcAft>
         <a:buNone/>
-        <a:defRPr b="0" i="0" sz="1400" u="none" cap="none" strike="noStrike">
+        <a:defRPr sz="1400" b="0" i="0" u="none" strike="noStrike" cap="none">
           <a:solidFill>
             <a:srgbClr val="000000"/>
           </a:solidFill>
@@ -5791,7 +6161,7 @@
           <a:sym typeface="Arial"/>
         </a:defRPr>
       </a:lvl6pPr>
-      <a:lvl7pPr lvl="6" marR="0" rtl="0" algn="l">
+      <a:lvl7pPr marR="0" lvl="6" algn="l" rtl="0">
         <a:lnSpc>
           <a:spcPct val="100000"/>
         </a:lnSpc>
@@ -5802,7 +6172,7 @@
           <a:spcPts val="0"/>
         </a:spcAft>
         <a:buNone/>
-        <a:defRPr b="0" i="0" sz="1400" u="none" cap="none" strike="noStrike">
+        <a:defRPr sz="1400" b="0" i="0" u="none" strike="noStrike" cap="none">
           <a:solidFill>
             <a:srgbClr val="000000"/>
           </a:solidFill>
@@ -5812,7 +6182,7 @@
           <a:sym typeface="Arial"/>
         </a:defRPr>
       </a:lvl7pPr>
-      <a:lvl8pPr lvl="7" marR="0" rtl="0" algn="l">
+      <a:lvl8pPr marR="0" lvl="7" algn="l" rtl="0">
         <a:lnSpc>
           <a:spcPct val="100000"/>
         </a:lnSpc>
@@ -5823,7 +6193,7 @@
           <a:spcPts val="0"/>
         </a:spcAft>
         <a:buNone/>
-        <a:defRPr b="0" i="0" sz="1400" u="none" cap="none" strike="noStrike">
+        <a:defRPr sz="1400" b="0" i="0" u="none" strike="noStrike" cap="none">
           <a:solidFill>
             <a:srgbClr val="000000"/>
           </a:solidFill>
@@ -5833,7 +6203,7 @@
           <a:sym typeface="Arial"/>
         </a:defRPr>
       </a:lvl8pPr>
-      <a:lvl9pPr lvl="8" marR="0" rtl="0" algn="l">
+      <a:lvl9pPr marR="0" lvl="8" algn="l" rtl="0">
         <a:lnSpc>
           <a:spcPct val="100000"/>
         </a:lnSpc>
@@ -5844,7 +6214,7 @@
           <a:spcPts val="0"/>
         </a:spcAft>
         <a:buNone/>
-        <a:defRPr b="0" i="0" sz="1400" u="none" cap="none" strike="noStrike">
+        <a:defRPr sz="1400" b="0" i="0" u="none" strike="noStrike" cap="none">
           <a:solidFill>
             <a:srgbClr val="000000"/>
           </a:solidFill>
@@ -5860,18 +6230,19 @@
 </file>
 
 <file path=ppt/slides/slide1.xml><?xml version="1.0" encoding="utf-8"?>
-<p:sld xmlns:a="http://schemas.openxmlformats.org/drawingml/2006/main" xmlns:r="http://schemas.openxmlformats.org/officeDocument/2006/relationships" xmlns:mc="http://schemas.openxmlformats.org/markup-compatibility/2006" xmlns:mv="urn:schemas-microsoft-com:mac:vml" xmlns:p="http://schemas.openxmlformats.org/presentationml/2006/main" xmlns:c="http://schemas.openxmlformats.org/drawingml/2006/chart" xmlns:dgm="http://schemas.openxmlformats.org/drawingml/2006/diagram" xmlns:o="urn:schemas-microsoft-com:office:office" xmlns:v="urn:schemas-microsoft-com:vml" xmlns:pvml="urn:schemas-microsoft-com:office:powerpoint" xmlns:com="http://schemas.openxmlformats.org/drawingml/2006/compatibility" xmlns:p14="http://schemas.microsoft.com/office/powerpoint/2010/main">
+<p:sld xmlns:a="http://schemas.openxmlformats.org/drawingml/2006/main" xmlns:r="http://schemas.openxmlformats.org/officeDocument/2006/relationships" xmlns:p="http://schemas.openxmlformats.org/presentationml/2006/main">
   <p:cSld>
     <p:bg>
       <p:bgPr>
         <a:solidFill>
           <a:srgbClr val="EFEFEF"/>
         </a:solidFill>
+        <a:effectLst/>
       </p:bgPr>
     </p:bg>
     <p:spTree>
       <p:nvGrpSpPr>
-        <p:cNvPr id="53" name="Shape 53"/>
+        <p:cNvPr id="1" name="Shape 53"/>
         <p:cNvGrpSpPr/>
         <p:nvPr/>
       </p:nvGrpSpPr>
@@ -5886,7 +6257,9 @@
       <p:sp>
         <p:nvSpPr>
           <p:cNvPr id="54" name="Shape 54"/>
-          <p:cNvSpPr txBox="1"/>
+          <p:cNvSpPr txBox="1">
+            <a:spLocks noGrp="1"/>
+          </p:cNvSpPr>
           <p:nvPr>
             <p:ph type="ctrTitle"/>
           </p:nvPr>
@@ -5901,7 +6274,7 @@
           </a:prstGeom>
         </p:spPr>
         <p:txBody>
-          <a:bodyPr anchorCtr="0" anchor="b" bIns="91425" lIns="91425" rIns="91425" tIns="91425">
+          <a:bodyPr lIns="91425" tIns="91425" rIns="91425" bIns="91425" anchor="b" anchorCtr="0">
             <a:noAutofit/>
           </a:bodyPr>
           <a:lstStyle/>
@@ -5922,9 +6295,11 @@
       <p:sp>
         <p:nvSpPr>
           <p:cNvPr id="55" name="Shape 55"/>
-          <p:cNvSpPr txBox="1"/>
-          <p:nvPr>
-            <p:ph idx="1" type="subTitle"/>
+          <p:cNvSpPr txBox="1">
+            <a:spLocks noGrp="1"/>
+          </p:cNvSpPr>
+          <p:nvPr>
+            <p:ph type="subTitle" idx="1"/>
           </p:nvPr>
         </p:nvSpPr>
         <p:spPr>
@@ -5937,7 +6312,7 @@
           </a:prstGeom>
         </p:spPr>
         <p:txBody>
-          <a:bodyPr anchorCtr="0" anchor="t" bIns="91425" lIns="91425" rIns="91425" tIns="91425">
+          <a:bodyPr lIns="91425" tIns="91425" rIns="91425" bIns="91425" anchor="t" anchorCtr="0">
             <a:noAutofit/>
           </a:bodyPr>
           <a:lstStyle/>
@@ -5949,7 +6324,7 @@
               <a:buNone/>
             </a:pPr>
             <a:r>
-              <a:rPr lang="en"/>
+              <a:rPr lang="en" dirty="0"/>
               <a:t>Axumawit Gebregorgis</a:t>
             </a:r>
           </a:p>
@@ -5961,7 +6336,7 @@
               <a:buNone/>
             </a:pPr>
             <a:r>
-              <a:rPr lang="en"/>
+              <a:rPr lang="en" dirty="0"/>
               <a:t>Oleksandr Gorkovets</a:t>
             </a:r>
           </a:p>
@@ -5973,9 +6348,26 @@
               <a:buNone/>
             </a:pPr>
             <a:r>
-              <a:rPr lang="en"/>
-              <a:t>Ramona Graham</a:t>
+              <a:rPr lang="en" dirty="0"/>
+              <a:t>Ramona </a:t>
             </a:r>
+            <a:r>
+              <a:rPr lang="en" dirty="0" smtClean="0"/>
+              <a:t>Graham</a:t>
+            </a:r>
+          </a:p>
+          <a:p>
+            <a:pPr lvl="0" algn="l">
+              <a:spcBef>
+                <a:spcPts val="0"/>
+              </a:spcBef>
+              <a:buNone/>
+            </a:pPr>
+            <a:r>
+              <a:rPr lang="en" dirty="0" smtClean="0"/>
+              <a:t>IT 372 Debugging</a:t>
+            </a:r>
+            <a:endParaRPr lang="en" dirty="0"/>
           </a:p>
         </p:txBody>
       </p:sp>
@@ -5988,11 +6380,11 @@
 </file>
 
 <file path=ppt/slides/slide10.xml><?xml version="1.0" encoding="utf-8"?>
-<p:sld xmlns:a="http://schemas.openxmlformats.org/drawingml/2006/main" xmlns:r="http://schemas.openxmlformats.org/officeDocument/2006/relationships" xmlns:mc="http://schemas.openxmlformats.org/markup-compatibility/2006" xmlns:mv="urn:schemas-microsoft-com:mac:vml" xmlns:p="http://schemas.openxmlformats.org/presentationml/2006/main" xmlns:c="http://schemas.openxmlformats.org/drawingml/2006/chart" xmlns:dgm="http://schemas.openxmlformats.org/drawingml/2006/diagram" xmlns:o="urn:schemas-microsoft-com:office:office" xmlns:v="urn:schemas-microsoft-com:vml" xmlns:pvml="urn:schemas-microsoft-com:office:powerpoint" xmlns:com="http://schemas.openxmlformats.org/drawingml/2006/compatibility" xmlns:p14="http://schemas.microsoft.com/office/powerpoint/2010/main">
+<p:sld xmlns:a="http://schemas.openxmlformats.org/drawingml/2006/main" xmlns:r="http://schemas.openxmlformats.org/officeDocument/2006/relationships" xmlns:p="http://schemas.openxmlformats.org/presentationml/2006/main">
   <p:cSld>
     <p:spTree>
       <p:nvGrpSpPr>
-        <p:cNvPr id="107" name="Shape 107"/>
+        <p:cNvPr id="1" name="Shape 107"/>
         <p:cNvGrpSpPr/>
         <p:nvPr/>
       </p:nvGrpSpPr>
@@ -6007,7 +6399,9 @@
       <p:sp>
         <p:nvSpPr>
           <p:cNvPr id="108" name="Shape 108"/>
-          <p:cNvSpPr txBox="1"/>
+          <p:cNvSpPr txBox="1">
+            <a:spLocks noGrp="1"/>
+          </p:cNvSpPr>
           <p:nvPr>
             <p:ph type="title"/>
           </p:nvPr>
@@ -6022,7 +6416,7 @@
           </a:prstGeom>
         </p:spPr>
         <p:txBody>
-          <a:bodyPr anchorCtr="0" anchor="t" bIns="91425" lIns="91425" rIns="91425" tIns="91425">
+          <a:bodyPr lIns="91425" tIns="91425" rIns="91425" bIns="91425" anchor="t" anchorCtr="0">
             <a:noAutofit/>
           </a:bodyPr>
           <a:lstStyle/>
@@ -6077,11 +6471,11 @@
 </file>
 
 <file path=ppt/slides/slide11.xml><?xml version="1.0" encoding="utf-8"?>
-<p:sld xmlns:a="http://schemas.openxmlformats.org/drawingml/2006/main" xmlns:r="http://schemas.openxmlformats.org/officeDocument/2006/relationships" xmlns:mc="http://schemas.openxmlformats.org/markup-compatibility/2006" xmlns:mv="urn:schemas-microsoft-com:mac:vml" xmlns:p="http://schemas.openxmlformats.org/presentationml/2006/main" xmlns:c="http://schemas.openxmlformats.org/drawingml/2006/chart" xmlns:dgm="http://schemas.openxmlformats.org/drawingml/2006/diagram" xmlns:o="urn:schemas-microsoft-com:office:office" xmlns:v="urn:schemas-microsoft-com:vml" xmlns:pvml="urn:schemas-microsoft-com:office:powerpoint" xmlns:com="http://schemas.openxmlformats.org/drawingml/2006/compatibility" xmlns:p14="http://schemas.microsoft.com/office/powerpoint/2010/main">
+<p:sld xmlns:a="http://schemas.openxmlformats.org/drawingml/2006/main" xmlns:r="http://schemas.openxmlformats.org/officeDocument/2006/relationships" xmlns:p="http://schemas.openxmlformats.org/presentationml/2006/main">
   <p:cSld>
     <p:spTree>
       <p:nvGrpSpPr>
-        <p:cNvPr id="113" name="Shape 113"/>
+        <p:cNvPr id="1" name="Shape 113"/>
         <p:cNvGrpSpPr/>
         <p:nvPr/>
       </p:nvGrpSpPr>
@@ -6096,7 +6490,9 @@
       <p:sp>
         <p:nvSpPr>
           <p:cNvPr id="114" name="Shape 114"/>
-          <p:cNvSpPr txBox="1"/>
+          <p:cNvSpPr txBox="1">
+            <a:spLocks noGrp="1"/>
+          </p:cNvSpPr>
           <p:nvPr>
             <p:ph type="title"/>
           </p:nvPr>
@@ -6111,7 +6507,7 @@
           </a:prstGeom>
         </p:spPr>
         <p:txBody>
-          <a:bodyPr anchorCtr="0" anchor="t" bIns="91425" lIns="91425" rIns="91425" tIns="91425">
+          <a:bodyPr lIns="91425" tIns="91425" rIns="91425" bIns="91425" anchor="t" anchorCtr="0">
             <a:noAutofit/>
           </a:bodyPr>
           <a:lstStyle/>
@@ -6166,11 +6562,11 @@
 </file>
 
 <file path=ppt/slides/slide12.xml><?xml version="1.0" encoding="utf-8"?>
-<p:sld xmlns:a="http://schemas.openxmlformats.org/drawingml/2006/main" xmlns:r="http://schemas.openxmlformats.org/officeDocument/2006/relationships" xmlns:mc="http://schemas.openxmlformats.org/markup-compatibility/2006" xmlns:mv="urn:schemas-microsoft-com:mac:vml" xmlns:p="http://schemas.openxmlformats.org/presentationml/2006/main" xmlns:c="http://schemas.openxmlformats.org/drawingml/2006/chart" xmlns:dgm="http://schemas.openxmlformats.org/drawingml/2006/diagram" xmlns:o="urn:schemas-microsoft-com:office:office" xmlns:v="urn:schemas-microsoft-com:vml" xmlns:pvml="urn:schemas-microsoft-com:office:powerpoint" xmlns:com="http://schemas.openxmlformats.org/drawingml/2006/compatibility" xmlns:p14="http://schemas.microsoft.com/office/powerpoint/2010/main">
+<p:sld xmlns:a="http://schemas.openxmlformats.org/drawingml/2006/main" xmlns:r="http://schemas.openxmlformats.org/officeDocument/2006/relationships" xmlns:p="http://schemas.openxmlformats.org/presentationml/2006/main">
   <p:cSld>
     <p:spTree>
       <p:nvGrpSpPr>
-        <p:cNvPr id="119" name="Shape 119"/>
+        <p:cNvPr id="1" name="Shape 119"/>
         <p:cNvGrpSpPr/>
         <p:nvPr/>
       </p:nvGrpSpPr>
@@ -6185,7 +6581,9 @@
       <p:sp>
         <p:nvSpPr>
           <p:cNvPr id="120" name="Shape 120"/>
-          <p:cNvSpPr txBox="1"/>
+          <p:cNvSpPr txBox="1">
+            <a:spLocks noGrp="1"/>
+          </p:cNvSpPr>
           <p:nvPr>
             <p:ph type="title"/>
           </p:nvPr>
@@ -6200,7 +6598,7 @@
           </a:prstGeom>
         </p:spPr>
         <p:txBody>
-          <a:bodyPr anchorCtr="0" anchor="t" bIns="91425" lIns="91425" rIns="91425" tIns="91425">
+          <a:bodyPr lIns="91425" tIns="91425" rIns="91425" bIns="91425" anchor="t" anchorCtr="0">
             <a:noAutofit/>
           </a:bodyPr>
           <a:lstStyle/>
@@ -6255,11 +6653,11 @@
 </file>
 
 <file path=ppt/slides/slide13.xml><?xml version="1.0" encoding="utf-8"?>
-<p:sld xmlns:a="http://schemas.openxmlformats.org/drawingml/2006/main" xmlns:r="http://schemas.openxmlformats.org/officeDocument/2006/relationships" xmlns:mc="http://schemas.openxmlformats.org/markup-compatibility/2006" xmlns:mv="urn:schemas-microsoft-com:mac:vml" xmlns:p="http://schemas.openxmlformats.org/presentationml/2006/main" xmlns:c="http://schemas.openxmlformats.org/drawingml/2006/chart" xmlns:dgm="http://schemas.openxmlformats.org/drawingml/2006/diagram" xmlns:o="urn:schemas-microsoft-com:office:office" xmlns:v="urn:schemas-microsoft-com:vml" xmlns:pvml="urn:schemas-microsoft-com:office:powerpoint" xmlns:com="http://schemas.openxmlformats.org/drawingml/2006/compatibility" xmlns:p14="http://schemas.microsoft.com/office/powerpoint/2010/main">
+<p:sld xmlns:a="http://schemas.openxmlformats.org/drawingml/2006/main" xmlns:r="http://schemas.openxmlformats.org/officeDocument/2006/relationships" xmlns:p="http://schemas.openxmlformats.org/presentationml/2006/main">
   <p:cSld>
     <p:spTree>
       <p:nvGrpSpPr>
-        <p:cNvPr id="125" name="Shape 125"/>
+        <p:cNvPr id="1" name="Shape 125"/>
         <p:cNvGrpSpPr/>
         <p:nvPr/>
       </p:nvGrpSpPr>
@@ -6274,7 +6672,9 @@
       <p:sp>
         <p:nvSpPr>
           <p:cNvPr id="126" name="Shape 126"/>
-          <p:cNvSpPr txBox="1"/>
+          <p:cNvSpPr txBox="1">
+            <a:spLocks noGrp="1"/>
+          </p:cNvSpPr>
           <p:nvPr>
             <p:ph type="title"/>
           </p:nvPr>
@@ -6289,7 +6689,7 @@
           </a:prstGeom>
         </p:spPr>
         <p:txBody>
-          <a:bodyPr anchorCtr="0" anchor="t" bIns="91425" lIns="91425" rIns="91425" tIns="91425">
+          <a:bodyPr lIns="91425" tIns="91425" rIns="91425" bIns="91425" anchor="t" anchorCtr="0">
             <a:noAutofit/>
           </a:bodyPr>
           <a:lstStyle/>
@@ -6344,11 +6744,11 @@
 </file>
 
 <file path=ppt/slides/slide14.xml><?xml version="1.0" encoding="utf-8"?>
-<p:sld xmlns:a="http://schemas.openxmlformats.org/drawingml/2006/main" xmlns:r="http://schemas.openxmlformats.org/officeDocument/2006/relationships" xmlns:mc="http://schemas.openxmlformats.org/markup-compatibility/2006" xmlns:mv="urn:schemas-microsoft-com:mac:vml" xmlns:p="http://schemas.openxmlformats.org/presentationml/2006/main" xmlns:c="http://schemas.openxmlformats.org/drawingml/2006/chart" xmlns:dgm="http://schemas.openxmlformats.org/drawingml/2006/diagram" xmlns:o="urn:schemas-microsoft-com:office:office" xmlns:v="urn:schemas-microsoft-com:vml" xmlns:pvml="urn:schemas-microsoft-com:office:powerpoint" xmlns:com="http://schemas.openxmlformats.org/drawingml/2006/compatibility" xmlns:p14="http://schemas.microsoft.com/office/powerpoint/2010/main">
+<p:sld xmlns:a="http://schemas.openxmlformats.org/drawingml/2006/main" xmlns:r="http://schemas.openxmlformats.org/officeDocument/2006/relationships" xmlns:p="http://schemas.openxmlformats.org/presentationml/2006/main">
   <p:cSld>
     <p:spTree>
       <p:nvGrpSpPr>
-        <p:cNvPr id="131" name="Shape 131"/>
+        <p:cNvPr id="1" name="Shape 131"/>
         <p:cNvGrpSpPr/>
         <p:nvPr/>
       </p:nvGrpSpPr>
@@ -6363,7 +6763,9 @@
       <p:sp>
         <p:nvSpPr>
           <p:cNvPr id="132" name="Shape 132"/>
-          <p:cNvSpPr txBox="1"/>
+          <p:cNvSpPr txBox="1">
+            <a:spLocks noGrp="1"/>
+          </p:cNvSpPr>
           <p:nvPr>
             <p:ph type="title"/>
           </p:nvPr>
@@ -6378,7 +6780,7 @@
           </a:prstGeom>
         </p:spPr>
         <p:txBody>
-          <a:bodyPr anchorCtr="0" anchor="t" bIns="91425" lIns="91425" rIns="91425" tIns="91425">
+          <a:bodyPr lIns="91425" tIns="91425" rIns="91425" bIns="91425" anchor="t" anchorCtr="0">
             <a:noAutofit/>
           </a:bodyPr>
           <a:lstStyle/>
@@ -6433,11 +6835,11 @@
 </file>
 
 <file path=ppt/slides/slide15.xml><?xml version="1.0" encoding="utf-8"?>
-<p:sld xmlns:a="http://schemas.openxmlformats.org/drawingml/2006/main" xmlns:r="http://schemas.openxmlformats.org/officeDocument/2006/relationships" xmlns:mc="http://schemas.openxmlformats.org/markup-compatibility/2006" xmlns:mv="urn:schemas-microsoft-com:mac:vml" xmlns:p="http://schemas.openxmlformats.org/presentationml/2006/main" xmlns:c="http://schemas.openxmlformats.org/drawingml/2006/chart" xmlns:dgm="http://schemas.openxmlformats.org/drawingml/2006/diagram" xmlns:o="urn:schemas-microsoft-com:office:office" xmlns:v="urn:schemas-microsoft-com:vml" xmlns:pvml="urn:schemas-microsoft-com:office:powerpoint" xmlns:com="http://schemas.openxmlformats.org/drawingml/2006/compatibility" xmlns:p14="http://schemas.microsoft.com/office/powerpoint/2010/main">
+<p:sld xmlns:a="http://schemas.openxmlformats.org/drawingml/2006/main" xmlns:r="http://schemas.openxmlformats.org/officeDocument/2006/relationships" xmlns:p="http://schemas.openxmlformats.org/presentationml/2006/main">
   <p:cSld>
     <p:spTree>
       <p:nvGrpSpPr>
-        <p:cNvPr id="137" name="Shape 137"/>
+        <p:cNvPr id="1" name="Shape 137"/>
         <p:cNvGrpSpPr/>
         <p:nvPr/>
       </p:nvGrpSpPr>
@@ -6452,7 +6854,9 @@
       <p:sp>
         <p:nvSpPr>
           <p:cNvPr id="138" name="Shape 138"/>
-          <p:cNvSpPr txBox="1"/>
+          <p:cNvSpPr txBox="1">
+            <a:spLocks noGrp="1"/>
+          </p:cNvSpPr>
           <p:nvPr>
             <p:ph type="title"/>
           </p:nvPr>
@@ -6467,7 +6871,7 @@
           </a:prstGeom>
         </p:spPr>
         <p:txBody>
-          <a:bodyPr anchorCtr="0" anchor="t" bIns="91425" lIns="91425" rIns="91425" tIns="91425">
+          <a:bodyPr lIns="91425" tIns="91425" rIns="91425" bIns="91425" anchor="t" anchorCtr="0">
             <a:noAutofit/>
           </a:bodyPr>
           <a:lstStyle/>
@@ -6522,11 +6926,11 @@
 </file>
 
 <file path=ppt/slides/slide16.xml><?xml version="1.0" encoding="utf-8"?>
-<p:sld xmlns:a="http://schemas.openxmlformats.org/drawingml/2006/main" xmlns:r="http://schemas.openxmlformats.org/officeDocument/2006/relationships" xmlns:mc="http://schemas.openxmlformats.org/markup-compatibility/2006" xmlns:mv="urn:schemas-microsoft-com:mac:vml" xmlns:p="http://schemas.openxmlformats.org/presentationml/2006/main" xmlns:c="http://schemas.openxmlformats.org/drawingml/2006/chart" xmlns:dgm="http://schemas.openxmlformats.org/drawingml/2006/diagram" xmlns:o="urn:schemas-microsoft-com:office:office" xmlns:v="urn:schemas-microsoft-com:vml" xmlns:pvml="urn:schemas-microsoft-com:office:powerpoint" xmlns:com="http://schemas.openxmlformats.org/drawingml/2006/compatibility" xmlns:p14="http://schemas.microsoft.com/office/powerpoint/2010/main">
+<p:sld xmlns:a="http://schemas.openxmlformats.org/drawingml/2006/main" xmlns:r="http://schemas.openxmlformats.org/officeDocument/2006/relationships" xmlns:p="http://schemas.openxmlformats.org/presentationml/2006/main">
   <p:cSld>
     <p:spTree>
       <p:nvGrpSpPr>
-        <p:cNvPr id="143" name="Shape 143"/>
+        <p:cNvPr id="1" name="Shape 143"/>
         <p:cNvGrpSpPr/>
         <p:nvPr/>
       </p:nvGrpSpPr>
@@ -6575,18 +6979,19 @@
 </file>
 
 <file path=ppt/slides/slide17.xml><?xml version="1.0" encoding="utf-8"?>
-<p:sld xmlns:a="http://schemas.openxmlformats.org/drawingml/2006/main" xmlns:r="http://schemas.openxmlformats.org/officeDocument/2006/relationships" xmlns:mc="http://schemas.openxmlformats.org/markup-compatibility/2006" xmlns:mv="urn:schemas-microsoft-com:mac:vml" xmlns:p="http://schemas.openxmlformats.org/presentationml/2006/main" xmlns:c="http://schemas.openxmlformats.org/drawingml/2006/chart" xmlns:dgm="http://schemas.openxmlformats.org/drawingml/2006/diagram" xmlns:o="urn:schemas-microsoft-com:office:office" xmlns:v="urn:schemas-microsoft-com:vml" xmlns:pvml="urn:schemas-microsoft-com:office:powerpoint" xmlns:com="http://schemas.openxmlformats.org/drawingml/2006/compatibility" xmlns:p14="http://schemas.microsoft.com/office/powerpoint/2010/main">
+<p:sld xmlns:a="http://schemas.openxmlformats.org/drawingml/2006/main" xmlns:r="http://schemas.openxmlformats.org/officeDocument/2006/relationships" xmlns:p="http://schemas.openxmlformats.org/presentationml/2006/main">
   <p:cSld>
     <p:bg>
       <p:bgPr>
         <a:solidFill>
           <a:srgbClr val="F3F3F3"/>
         </a:solidFill>
+        <a:effectLst/>
       </p:bgPr>
     </p:bg>
     <p:spTree>
       <p:nvGrpSpPr>
-        <p:cNvPr id="148" name="Shape 148"/>
+        <p:cNvPr id="1" name="Shape 148"/>
         <p:cNvGrpSpPr/>
         <p:nvPr/>
       </p:nvGrpSpPr>
@@ -6601,7 +7006,9 @@
       <p:sp>
         <p:nvSpPr>
           <p:cNvPr id="149" name="Shape 149"/>
-          <p:cNvSpPr txBox="1"/>
+          <p:cNvSpPr txBox="1">
+            <a:spLocks noGrp="1"/>
+          </p:cNvSpPr>
           <p:nvPr>
             <p:ph type="title"/>
           </p:nvPr>
@@ -6616,7 +7023,7 @@
           </a:prstGeom>
         </p:spPr>
         <p:txBody>
-          <a:bodyPr anchorCtr="0" anchor="t" bIns="91425" lIns="91425" rIns="91425" tIns="91425">
+          <a:bodyPr lIns="91425" tIns="91425" rIns="91425" bIns="91425" anchor="t" anchorCtr="0">
             <a:noAutofit/>
           </a:bodyPr>
           <a:lstStyle/>
@@ -6791,14 +7198,14 @@
             <a:avLst/>
           </a:prstGeom>
           <a:noFill/>
-          <a:ln cap="flat" cmpd="sng" w="9525">
+          <a:ln w="9525" cap="flat" cmpd="sng">
             <a:solidFill>
               <a:schemeClr val="dk2"/>
             </a:solidFill>
             <a:prstDash val="solid"/>
             <a:round/>
-            <a:headEnd len="lg" w="lg" type="none"/>
-            <a:tailEnd len="lg" w="lg" type="triangle"/>
+            <a:headEnd type="none" w="lg" len="lg"/>
+            <a:tailEnd type="triangle" w="lg" len="lg"/>
           </a:ln>
         </p:spPr>
       </p:cxnSp>
@@ -6819,14 +7226,14 @@
             <a:avLst/>
           </a:prstGeom>
           <a:noFill/>
-          <a:ln cap="flat" cmpd="sng" w="9525">
+          <a:ln w="9525" cap="flat" cmpd="sng">
             <a:solidFill>
               <a:schemeClr val="dk2"/>
             </a:solidFill>
             <a:prstDash val="solid"/>
             <a:round/>
-            <a:headEnd len="lg" w="lg" type="none"/>
-            <a:tailEnd len="lg" w="lg" type="triangle"/>
+            <a:headEnd type="none" w="lg" len="lg"/>
+            <a:tailEnd type="triangle" w="lg" len="lg"/>
           </a:ln>
         </p:spPr>
       </p:cxnSp>
@@ -6845,14 +7252,14 @@
             <a:avLst/>
           </a:prstGeom>
           <a:noFill/>
-          <a:ln cap="flat" cmpd="sng" w="9525">
+          <a:ln w="9525" cap="flat" cmpd="sng">
             <a:solidFill>
               <a:schemeClr val="dk2"/>
             </a:solidFill>
             <a:prstDash val="solid"/>
             <a:round/>
-            <a:headEnd len="lg" w="lg" type="none"/>
-            <a:tailEnd len="lg" w="lg" type="triangle"/>
+            <a:headEnd type="none" w="lg" len="lg"/>
+            <a:tailEnd type="triangle" w="lg" len="lg"/>
           </a:ln>
         </p:spPr>
       </p:cxnSp>
@@ -6876,12 +7283,12 @@
           </a:ln>
         </p:spPr>
         <p:txBody>
-          <a:bodyPr anchorCtr="0" anchor="ctr" bIns="91425" lIns="91425" rIns="91425" tIns="91425">
+          <a:bodyPr lIns="91425" tIns="91425" rIns="91425" bIns="91425" anchor="ctr" anchorCtr="0">
             <a:noAutofit/>
           </a:bodyPr>
           <a:lstStyle/>
           <a:p>
-            <a:pPr lvl="0" rtl="0" algn="ctr">
+            <a:pPr lvl="0" algn="ctr" rtl="0">
               <a:spcBef>
                 <a:spcPts val="0"/>
               </a:spcBef>
@@ -6922,12 +7329,12 @@
           </a:ln>
         </p:spPr>
         <p:txBody>
-          <a:bodyPr anchorCtr="0" anchor="ctr" bIns="91425" lIns="91425" rIns="91425" tIns="91425">
+          <a:bodyPr lIns="91425" tIns="91425" rIns="91425" bIns="91425" anchor="ctr" anchorCtr="0">
             <a:noAutofit/>
           </a:bodyPr>
           <a:lstStyle/>
           <a:p>
-            <a:pPr lvl="0" rtl="0" algn="ctr">
+            <a:pPr lvl="0" algn="ctr" rtl="0">
               <a:spcBef>
                 <a:spcPts val="0"/>
               </a:spcBef>
@@ -6968,12 +7375,12 @@
           </a:ln>
         </p:spPr>
         <p:txBody>
-          <a:bodyPr anchorCtr="0" anchor="ctr" bIns="91425" lIns="91425" rIns="91425" tIns="91425">
+          <a:bodyPr lIns="91425" tIns="91425" rIns="91425" bIns="91425" anchor="ctr" anchorCtr="0">
             <a:noAutofit/>
           </a:bodyPr>
           <a:lstStyle/>
           <a:p>
-            <a:pPr lvl="0" rtl="0" algn="ctr">
+            <a:pPr lvl="0" algn="ctr" rtl="0">
               <a:spcBef>
                 <a:spcPts val="0"/>
               </a:spcBef>
@@ -7042,7 +7449,7 @@
           </a:ln>
         </p:spPr>
         <p:txBody>
-          <a:bodyPr anchorCtr="0" anchor="t" bIns="91425" lIns="91425" rIns="91425" tIns="91425">
+          <a:bodyPr lIns="91425" tIns="91425" rIns="91425" bIns="91425" anchor="t" anchorCtr="0">
             <a:noAutofit/>
           </a:bodyPr>
           <a:lstStyle/>
@@ -7053,9 +7460,6 @@
               </a:spcBef>
               <a:buNone/>
             </a:pPr>
-            <a:r>
-              <a:t/>
-            </a:r>
             <a:endParaRPr/>
           </a:p>
         </p:txBody>
@@ -7080,12 +7484,12 @@
           </a:ln>
         </p:spPr>
         <p:txBody>
-          <a:bodyPr anchorCtr="0" anchor="t" bIns="91425" lIns="91425" rIns="91425" tIns="91425">
+          <a:bodyPr lIns="91425" tIns="91425" rIns="91425" bIns="91425" anchor="t" anchorCtr="0">
             <a:noAutofit/>
           </a:bodyPr>
           <a:lstStyle/>
           <a:p>
-            <a:pPr lvl="0" rtl="0" algn="ctr">
+            <a:pPr lvl="0" algn="ctr" rtl="0">
               <a:spcBef>
                 <a:spcPts val="0"/>
               </a:spcBef>
@@ -7119,11 +7523,11 @@
 </file>
 
 <file path=ppt/slides/slide18.xml><?xml version="1.0" encoding="utf-8"?>
-<p:sld xmlns:a="http://schemas.openxmlformats.org/drawingml/2006/main" xmlns:r="http://schemas.openxmlformats.org/officeDocument/2006/relationships" xmlns:mc="http://schemas.openxmlformats.org/markup-compatibility/2006" xmlns:mv="urn:schemas-microsoft-com:mac:vml" xmlns:p="http://schemas.openxmlformats.org/presentationml/2006/main" xmlns:c="http://schemas.openxmlformats.org/drawingml/2006/chart" xmlns:dgm="http://schemas.openxmlformats.org/drawingml/2006/diagram" xmlns:o="urn:schemas-microsoft-com:office:office" xmlns:v="urn:schemas-microsoft-com:vml" xmlns:pvml="urn:schemas-microsoft-com:office:powerpoint" xmlns:com="http://schemas.openxmlformats.org/drawingml/2006/compatibility" xmlns:p14="http://schemas.microsoft.com/office/powerpoint/2010/main">
+<p:sld xmlns:a="http://schemas.openxmlformats.org/drawingml/2006/main" xmlns:r="http://schemas.openxmlformats.org/officeDocument/2006/relationships" xmlns:p="http://schemas.openxmlformats.org/presentationml/2006/main">
   <p:cSld>
     <p:spTree>
       <p:nvGrpSpPr>
-        <p:cNvPr id="167" name="Shape 167"/>
+        <p:cNvPr id="1" name="Shape 167"/>
         <p:cNvGrpSpPr/>
         <p:nvPr/>
       </p:nvGrpSpPr>
@@ -7138,7 +7542,9 @@
       <p:sp>
         <p:nvSpPr>
           <p:cNvPr id="168" name="Shape 168"/>
-          <p:cNvSpPr txBox="1"/>
+          <p:cNvSpPr txBox="1">
+            <a:spLocks noGrp="1"/>
+          </p:cNvSpPr>
           <p:nvPr>
             <p:ph type="title"/>
           </p:nvPr>
@@ -7153,7 +7559,7 @@
           </a:prstGeom>
         </p:spPr>
         <p:txBody>
-          <a:bodyPr anchorCtr="0" anchor="t" bIns="91425" lIns="91425" rIns="91425" tIns="91425">
+          <a:bodyPr lIns="91425" tIns="91425" rIns="91425" bIns="91425" anchor="t" anchorCtr="0">
             <a:noAutofit/>
           </a:bodyPr>
           <a:lstStyle/>
@@ -7219,12 +7625,12 @@
           </a:ln>
         </p:spPr>
         <p:txBody>
-          <a:bodyPr anchorCtr="0" anchor="t" bIns="91425" lIns="91425" rIns="91425" tIns="91425">
+          <a:bodyPr lIns="91425" tIns="91425" rIns="91425" bIns="91425" anchor="t" anchorCtr="0">
             <a:noAutofit/>
           </a:bodyPr>
           <a:lstStyle/>
           <a:p>
-            <a:pPr indent="-381000" lvl="0" marL="457200">
+            <a:pPr marL="457200" lvl="0" indent="-381000">
               <a:spcBef>
                 <a:spcPts val="0"/>
               </a:spcBef>
@@ -7247,11 +7653,11 @@
 </file>
 
 <file path=ppt/slides/slide19.xml><?xml version="1.0" encoding="utf-8"?>
-<p:sld xmlns:a="http://schemas.openxmlformats.org/drawingml/2006/main" xmlns:r="http://schemas.openxmlformats.org/officeDocument/2006/relationships" xmlns:mc="http://schemas.openxmlformats.org/markup-compatibility/2006" xmlns:mv="urn:schemas-microsoft-com:mac:vml" xmlns:p="http://schemas.openxmlformats.org/presentationml/2006/main" xmlns:c="http://schemas.openxmlformats.org/drawingml/2006/chart" xmlns:dgm="http://schemas.openxmlformats.org/drawingml/2006/diagram" xmlns:o="urn:schemas-microsoft-com:office:office" xmlns:v="urn:schemas-microsoft-com:vml" xmlns:pvml="urn:schemas-microsoft-com:office:powerpoint" xmlns:com="http://schemas.openxmlformats.org/drawingml/2006/compatibility" xmlns:p14="http://schemas.microsoft.com/office/powerpoint/2010/main">
+<p:sld xmlns:a="http://schemas.openxmlformats.org/drawingml/2006/main" xmlns:r="http://schemas.openxmlformats.org/officeDocument/2006/relationships" xmlns:p="http://schemas.openxmlformats.org/presentationml/2006/main">
   <p:cSld>
     <p:spTree>
       <p:nvGrpSpPr>
-        <p:cNvPr id="174" name="Shape 174"/>
+        <p:cNvPr id="1" name="Shape 174"/>
         <p:cNvGrpSpPr/>
         <p:nvPr/>
       </p:nvGrpSpPr>
@@ -7266,7 +7672,9 @@
       <p:sp>
         <p:nvSpPr>
           <p:cNvPr id="175" name="Shape 175"/>
-          <p:cNvSpPr txBox="1"/>
+          <p:cNvSpPr txBox="1">
+            <a:spLocks noGrp="1"/>
+          </p:cNvSpPr>
           <p:nvPr>
             <p:ph type="title"/>
           </p:nvPr>
@@ -7281,7 +7689,7 @@
           </a:prstGeom>
         </p:spPr>
         <p:txBody>
-          <a:bodyPr anchorCtr="0" anchor="t" bIns="91425" lIns="91425" rIns="91425" tIns="91425">
+          <a:bodyPr lIns="91425" tIns="91425" rIns="91425" bIns="91425" anchor="t" anchorCtr="0">
             <a:noAutofit/>
           </a:bodyPr>
           <a:lstStyle/>
@@ -7336,11 +7744,11 @@
 </file>
 
 <file path=ppt/slides/slide2.xml><?xml version="1.0" encoding="utf-8"?>
-<p:sld xmlns:a="http://schemas.openxmlformats.org/drawingml/2006/main" xmlns:r="http://schemas.openxmlformats.org/officeDocument/2006/relationships" xmlns:mc="http://schemas.openxmlformats.org/markup-compatibility/2006" xmlns:mv="urn:schemas-microsoft-com:mac:vml" xmlns:p="http://schemas.openxmlformats.org/presentationml/2006/main" xmlns:c="http://schemas.openxmlformats.org/drawingml/2006/chart" xmlns:dgm="http://schemas.openxmlformats.org/drawingml/2006/diagram" xmlns:o="urn:schemas-microsoft-com:office:office" xmlns:v="urn:schemas-microsoft-com:vml" xmlns:pvml="urn:schemas-microsoft-com:office:powerpoint" xmlns:com="http://schemas.openxmlformats.org/drawingml/2006/compatibility" xmlns:p14="http://schemas.microsoft.com/office/powerpoint/2010/main">
+<p:sld xmlns:a="http://schemas.openxmlformats.org/drawingml/2006/main" xmlns:r="http://schemas.openxmlformats.org/officeDocument/2006/relationships" xmlns:p="http://schemas.openxmlformats.org/presentationml/2006/main">
   <p:cSld>
     <p:spTree>
       <p:nvGrpSpPr>
-        <p:cNvPr id="59" name="Shape 59"/>
+        <p:cNvPr id="1" name="Shape 59"/>
         <p:cNvGrpSpPr/>
         <p:nvPr/>
       </p:nvGrpSpPr>
@@ -7355,7 +7763,9 @@
       <p:sp>
         <p:nvSpPr>
           <p:cNvPr id="60" name="Shape 60"/>
-          <p:cNvSpPr txBox="1"/>
+          <p:cNvSpPr txBox="1">
+            <a:spLocks noGrp="1"/>
+          </p:cNvSpPr>
           <p:nvPr>
             <p:ph type="title"/>
           </p:nvPr>
@@ -7370,7 +7780,7 @@
           </a:prstGeom>
         </p:spPr>
         <p:txBody>
-          <a:bodyPr anchorCtr="0" anchor="t" bIns="91425" lIns="91425" rIns="91425" tIns="91425">
+          <a:bodyPr lIns="91425" tIns="91425" rIns="91425" bIns="91425" anchor="t" anchorCtr="0">
             <a:noAutofit/>
           </a:bodyPr>
           <a:lstStyle/>
@@ -7425,11 +7835,11 @@
 </file>
 
 <file path=ppt/slides/slide20.xml><?xml version="1.0" encoding="utf-8"?>
-<p:sld xmlns:a="http://schemas.openxmlformats.org/drawingml/2006/main" xmlns:r="http://schemas.openxmlformats.org/officeDocument/2006/relationships" xmlns:mc="http://schemas.openxmlformats.org/markup-compatibility/2006" xmlns:mv="urn:schemas-microsoft-com:mac:vml" xmlns:p="http://schemas.openxmlformats.org/presentationml/2006/main" xmlns:c="http://schemas.openxmlformats.org/drawingml/2006/chart" xmlns:dgm="http://schemas.openxmlformats.org/drawingml/2006/diagram" xmlns:o="urn:schemas-microsoft-com:office:office" xmlns:v="urn:schemas-microsoft-com:vml" xmlns:pvml="urn:schemas-microsoft-com:office:powerpoint" xmlns:com="http://schemas.openxmlformats.org/drawingml/2006/compatibility" xmlns:p14="http://schemas.microsoft.com/office/powerpoint/2010/main">
+<p:sld xmlns:a="http://schemas.openxmlformats.org/drawingml/2006/main" xmlns:r="http://schemas.openxmlformats.org/officeDocument/2006/relationships" xmlns:p="http://schemas.openxmlformats.org/presentationml/2006/main">
   <p:cSld>
     <p:spTree>
       <p:nvGrpSpPr>
-        <p:cNvPr id="180" name="Shape 180"/>
+        <p:cNvPr id="1" name="Shape 180"/>
         <p:cNvGrpSpPr/>
         <p:nvPr/>
       </p:nvGrpSpPr>
@@ -7444,7 +7854,9 @@
       <p:sp>
         <p:nvSpPr>
           <p:cNvPr id="181" name="Shape 181"/>
-          <p:cNvSpPr txBox="1"/>
+          <p:cNvSpPr txBox="1">
+            <a:spLocks noGrp="1"/>
+          </p:cNvSpPr>
           <p:nvPr>
             <p:ph type="title"/>
           </p:nvPr>
@@ -7459,7 +7871,7 @@
           </a:prstGeom>
         </p:spPr>
         <p:txBody>
-          <a:bodyPr anchorCtr="0" anchor="t" bIns="91425" lIns="91425" rIns="91425" tIns="91425">
+          <a:bodyPr lIns="91425" tIns="91425" rIns="91425" bIns="91425" anchor="t" anchorCtr="0">
             <a:noAutofit/>
           </a:bodyPr>
           <a:lstStyle/>
@@ -7514,11 +7926,11 @@
 </file>
 
 <file path=ppt/slides/slide21.xml><?xml version="1.0" encoding="utf-8"?>
-<p:sld xmlns:a="http://schemas.openxmlformats.org/drawingml/2006/main" xmlns:r="http://schemas.openxmlformats.org/officeDocument/2006/relationships" xmlns:mc="http://schemas.openxmlformats.org/markup-compatibility/2006" xmlns:mv="urn:schemas-microsoft-com:mac:vml" xmlns:p="http://schemas.openxmlformats.org/presentationml/2006/main" xmlns:c="http://schemas.openxmlformats.org/drawingml/2006/chart" xmlns:dgm="http://schemas.openxmlformats.org/drawingml/2006/diagram" xmlns:o="urn:schemas-microsoft-com:office:office" xmlns:v="urn:schemas-microsoft-com:vml" xmlns:pvml="urn:schemas-microsoft-com:office:powerpoint" xmlns:com="http://schemas.openxmlformats.org/drawingml/2006/compatibility" xmlns:p14="http://schemas.microsoft.com/office/powerpoint/2010/main">
+<p:sld xmlns:a="http://schemas.openxmlformats.org/drawingml/2006/main" xmlns:r="http://schemas.openxmlformats.org/officeDocument/2006/relationships" xmlns:p="http://schemas.openxmlformats.org/presentationml/2006/main">
   <p:cSld>
     <p:spTree>
       <p:nvGrpSpPr>
-        <p:cNvPr id="186" name="Shape 186"/>
+        <p:cNvPr id="1" name="Shape 186"/>
         <p:cNvGrpSpPr/>
         <p:nvPr/>
       </p:nvGrpSpPr>
@@ -7533,7 +7945,9 @@
       <p:sp>
         <p:nvSpPr>
           <p:cNvPr id="187" name="Shape 187"/>
-          <p:cNvSpPr txBox="1"/>
+          <p:cNvSpPr txBox="1">
+            <a:spLocks noGrp="1"/>
+          </p:cNvSpPr>
           <p:nvPr>
             <p:ph type="title"/>
           </p:nvPr>
@@ -7548,7 +7962,7 @@
           </a:prstGeom>
         </p:spPr>
         <p:txBody>
-          <a:bodyPr anchorCtr="0" anchor="t" bIns="91425" lIns="91425" rIns="91425" tIns="91425">
+          <a:bodyPr lIns="91425" tIns="91425" rIns="91425" bIns="91425" anchor="t" anchorCtr="0">
             <a:noAutofit/>
           </a:bodyPr>
           <a:lstStyle/>
@@ -7603,11 +8017,11 @@
 </file>
 
 <file path=ppt/slides/slide22.xml><?xml version="1.0" encoding="utf-8"?>
-<p:sld xmlns:a="http://schemas.openxmlformats.org/drawingml/2006/main" xmlns:r="http://schemas.openxmlformats.org/officeDocument/2006/relationships" xmlns:mc="http://schemas.openxmlformats.org/markup-compatibility/2006" xmlns:mv="urn:schemas-microsoft-com:mac:vml" xmlns:p="http://schemas.openxmlformats.org/presentationml/2006/main" xmlns:c="http://schemas.openxmlformats.org/drawingml/2006/chart" xmlns:dgm="http://schemas.openxmlformats.org/drawingml/2006/diagram" xmlns:o="urn:schemas-microsoft-com:office:office" xmlns:v="urn:schemas-microsoft-com:vml" xmlns:pvml="urn:schemas-microsoft-com:office:powerpoint" xmlns:com="http://schemas.openxmlformats.org/drawingml/2006/compatibility" xmlns:p14="http://schemas.microsoft.com/office/powerpoint/2010/main">
+<p:sld xmlns:a="http://schemas.openxmlformats.org/drawingml/2006/main" xmlns:r="http://schemas.openxmlformats.org/officeDocument/2006/relationships" xmlns:p="http://schemas.openxmlformats.org/presentationml/2006/main">
   <p:cSld>
     <p:spTree>
       <p:nvGrpSpPr>
-        <p:cNvPr id="192" name="Shape 192"/>
+        <p:cNvPr id="1" name="Shape 192"/>
         <p:cNvGrpSpPr/>
         <p:nvPr/>
       </p:nvGrpSpPr>
@@ -7622,7 +8036,9 @@
       <p:sp>
         <p:nvSpPr>
           <p:cNvPr id="193" name="Shape 193"/>
-          <p:cNvSpPr txBox="1"/>
+          <p:cNvSpPr txBox="1">
+            <a:spLocks noGrp="1"/>
+          </p:cNvSpPr>
           <p:nvPr>
             <p:ph type="title"/>
           </p:nvPr>
@@ -7637,7 +8053,7 @@
           </a:prstGeom>
         </p:spPr>
         <p:txBody>
-          <a:bodyPr anchorCtr="0" anchor="t" bIns="91425" lIns="91425" rIns="91425" tIns="91425">
+          <a:bodyPr lIns="91425" tIns="91425" rIns="91425" bIns="91425" anchor="t" anchorCtr="0">
             <a:noAutofit/>
           </a:bodyPr>
           <a:lstStyle/>
@@ -7648,9 +8064,6 @@
               </a:spcBef>
               <a:buNone/>
             </a:pPr>
-            <a:r>
-              <a:t/>
-            </a:r>
             <a:endParaRPr/>
           </a:p>
         </p:txBody>
@@ -7692,11 +8105,11 @@
 </file>
 
 <file path=ppt/slides/slide23.xml><?xml version="1.0" encoding="utf-8"?>
-<p:sld xmlns:a="http://schemas.openxmlformats.org/drawingml/2006/main" xmlns:r="http://schemas.openxmlformats.org/officeDocument/2006/relationships" xmlns:mc="http://schemas.openxmlformats.org/markup-compatibility/2006" xmlns:mv="urn:schemas-microsoft-com:mac:vml" xmlns:p="http://schemas.openxmlformats.org/presentationml/2006/main" xmlns:c="http://schemas.openxmlformats.org/drawingml/2006/chart" xmlns:dgm="http://schemas.openxmlformats.org/drawingml/2006/diagram" xmlns:o="urn:schemas-microsoft-com:office:office" xmlns:v="urn:schemas-microsoft-com:vml" xmlns:pvml="urn:schemas-microsoft-com:office:powerpoint" xmlns:com="http://schemas.openxmlformats.org/drawingml/2006/compatibility" xmlns:p14="http://schemas.microsoft.com/office/powerpoint/2010/main">
+<p:sld xmlns:a="http://schemas.openxmlformats.org/drawingml/2006/main" xmlns:r="http://schemas.openxmlformats.org/officeDocument/2006/relationships" xmlns:p="http://schemas.openxmlformats.org/presentationml/2006/main">
   <p:cSld>
     <p:spTree>
       <p:nvGrpSpPr>
-        <p:cNvPr id="198" name="Shape 198"/>
+        <p:cNvPr id="1" name="Shape 198"/>
         <p:cNvGrpSpPr/>
         <p:nvPr/>
       </p:nvGrpSpPr>
@@ -7711,7 +8124,9 @@
       <p:sp>
         <p:nvSpPr>
           <p:cNvPr id="199" name="Shape 199"/>
-          <p:cNvSpPr txBox="1"/>
+          <p:cNvSpPr txBox="1">
+            <a:spLocks noGrp="1"/>
+          </p:cNvSpPr>
           <p:nvPr>
             <p:ph type="title"/>
           </p:nvPr>
@@ -7726,7 +8141,7 @@
           </a:prstGeom>
         </p:spPr>
         <p:txBody>
-          <a:bodyPr anchorCtr="0" anchor="t" bIns="91425" lIns="91425" rIns="91425" tIns="91425">
+          <a:bodyPr lIns="91425" tIns="91425" rIns="91425" bIns="91425" anchor="t" anchorCtr="0">
             <a:noAutofit/>
           </a:bodyPr>
           <a:lstStyle/>
@@ -7781,11 +8196,11 @@
 </file>
 
 <file path=ppt/slides/slide24.xml><?xml version="1.0" encoding="utf-8"?>
-<p:sld xmlns:a="http://schemas.openxmlformats.org/drawingml/2006/main" xmlns:r="http://schemas.openxmlformats.org/officeDocument/2006/relationships" xmlns:mc="http://schemas.openxmlformats.org/markup-compatibility/2006" xmlns:mv="urn:schemas-microsoft-com:mac:vml" xmlns:p="http://schemas.openxmlformats.org/presentationml/2006/main" xmlns:c="http://schemas.openxmlformats.org/drawingml/2006/chart" xmlns:dgm="http://schemas.openxmlformats.org/drawingml/2006/diagram" xmlns:o="urn:schemas-microsoft-com:office:office" xmlns:v="urn:schemas-microsoft-com:vml" xmlns:pvml="urn:schemas-microsoft-com:office:powerpoint" xmlns:com="http://schemas.openxmlformats.org/drawingml/2006/compatibility" xmlns:p14="http://schemas.microsoft.com/office/powerpoint/2010/main">
+<p:sld xmlns:a="http://schemas.openxmlformats.org/drawingml/2006/main" xmlns:r="http://schemas.openxmlformats.org/officeDocument/2006/relationships" xmlns:p="http://schemas.openxmlformats.org/presentationml/2006/main">
   <p:cSld>
     <p:spTree>
       <p:nvGrpSpPr>
-        <p:cNvPr id="204" name="Shape 204"/>
+        <p:cNvPr id="1" name="Shape 204"/>
         <p:cNvGrpSpPr/>
         <p:nvPr/>
       </p:nvGrpSpPr>
@@ -7800,7 +8215,9 @@
       <p:sp>
         <p:nvSpPr>
           <p:cNvPr id="205" name="Shape 205"/>
-          <p:cNvSpPr txBox="1"/>
+          <p:cNvSpPr txBox="1">
+            <a:spLocks noGrp="1"/>
+          </p:cNvSpPr>
           <p:nvPr>
             <p:ph type="title"/>
           </p:nvPr>
@@ -7815,7 +8232,7 @@
           </a:prstGeom>
         </p:spPr>
         <p:txBody>
-          <a:bodyPr anchorCtr="0" anchor="t" bIns="91425" lIns="91425" rIns="91425" tIns="91425">
+          <a:bodyPr lIns="91425" tIns="91425" rIns="91425" bIns="91425" anchor="t" anchorCtr="0">
             <a:noAutofit/>
           </a:bodyPr>
           <a:lstStyle/>
@@ -7870,11 +8287,11 @@
 </file>
 
 <file path=ppt/slides/slide3.xml><?xml version="1.0" encoding="utf-8"?>
-<p:sld xmlns:a="http://schemas.openxmlformats.org/drawingml/2006/main" xmlns:r="http://schemas.openxmlformats.org/officeDocument/2006/relationships" xmlns:mc="http://schemas.openxmlformats.org/markup-compatibility/2006" xmlns:mv="urn:schemas-microsoft-com:mac:vml" xmlns:p="http://schemas.openxmlformats.org/presentationml/2006/main" xmlns:c="http://schemas.openxmlformats.org/drawingml/2006/chart" xmlns:dgm="http://schemas.openxmlformats.org/drawingml/2006/diagram" xmlns:o="urn:schemas-microsoft-com:office:office" xmlns:v="urn:schemas-microsoft-com:vml" xmlns:pvml="urn:schemas-microsoft-com:office:powerpoint" xmlns:com="http://schemas.openxmlformats.org/drawingml/2006/compatibility" xmlns:p14="http://schemas.microsoft.com/office/powerpoint/2010/main">
+<p:sld xmlns:a="http://schemas.openxmlformats.org/drawingml/2006/main" xmlns:r="http://schemas.openxmlformats.org/officeDocument/2006/relationships" xmlns:p="http://schemas.openxmlformats.org/presentationml/2006/main">
   <p:cSld>
     <p:spTree>
       <p:nvGrpSpPr>
-        <p:cNvPr id="65" name="Shape 65"/>
+        <p:cNvPr id="1" name="Shape 65"/>
         <p:cNvGrpSpPr/>
         <p:nvPr/>
       </p:nvGrpSpPr>
@@ -7889,7 +8306,9 @@
       <p:sp>
         <p:nvSpPr>
           <p:cNvPr id="66" name="Shape 66"/>
-          <p:cNvSpPr txBox="1"/>
+          <p:cNvSpPr txBox="1">
+            <a:spLocks noGrp="1"/>
+          </p:cNvSpPr>
           <p:nvPr>
             <p:ph type="title"/>
           </p:nvPr>
@@ -7904,7 +8323,7 @@
           </a:prstGeom>
         </p:spPr>
         <p:txBody>
-          <a:bodyPr anchorCtr="0" anchor="t" bIns="91425" lIns="91425" rIns="91425" tIns="91425">
+          <a:bodyPr lIns="91425" tIns="91425" rIns="91425" bIns="91425" anchor="t" anchorCtr="0">
             <a:noAutofit/>
           </a:bodyPr>
           <a:lstStyle/>
@@ -7959,11 +8378,11 @@
 </file>
 
 <file path=ppt/slides/slide4.xml><?xml version="1.0" encoding="utf-8"?>
-<p:sld xmlns:a="http://schemas.openxmlformats.org/drawingml/2006/main" xmlns:r="http://schemas.openxmlformats.org/officeDocument/2006/relationships" xmlns:mc="http://schemas.openxmlformats.org/markup-compatibility/2006" xmlns:mv="urn:schemas-microsoft-com:mac:vml" xmlns:p="http://schemas.openxmlformats.org/presentationml/2006/main" xmlns:c="http://schemas.openxmlformats.org/drawingml/2006/chart" xmlns:dgm="http://schemas.openxmlformats.org/drawingml/2006/diagram" xmlns:o="urn:schemas-microsoft-com:office:office" xmlns:v="urn:schemas-microsoft-com:vml" xmlns:pvml="urn:schemas-microsoft-com:office:powerpoint" xmlns:com="http://schemas.openxmlformats.org/drawingml/2006/compatibility" xmlns:p14="http://schemas.microsoft.com/office/powerpoint/2010/main">
+<p:sld xmlns:a="http://schemas.openxmlformats.org/drawingml/2006/main" xmlns:r="http://schemas.openxmlformats.org/officeDocument/2006/relationships" xmlns:p="http://schemas.openxmlformats.org/presentationml/2006/main">
   <p:cSld>
     <p:spTree>
       <p:nvGrpSpPr>
-        <p:cNvPr id="71" name="Shape 71"/>
+        <p:cNvPr id="1" name="Shape 71"/>
         <p:cNvGrpSpPr/>
         <p:nvPr/>
       </p:nvGrpSpPr>
@@ -7978,7 +8397,9 @@
       <p:sp>
         <p:nvSpPr>
           <p:cNvPr id="72" name="Shape 72"/>
-          <p:cNvSpPr txBox="1"/>
+          <p:cNvSpPr txBox="1">
+            <a:spLocks noGrp="1"/>
+          </p:cNvSpPr>
           <p:nvPr>
             <p:ph type="title"/>
           </p:nvPr>
@@ -7993,7 +8414,7 @@
           </a:prstGeom>
         </p:spPr>
         <p:txBody>
-          <a:bodyPr anchorCtr="0" anchor="t" bIns="91425" lIns="91425" rIns="91425" tIns="91425">
+          <a:bodyPr lIns="91425" tIns="91425" rIns="91425" bIns="91425" anchor="t" anchorCtr="0">
             <a:noAutofit/>
           </a:bodyPr>
           <a:lstStyle/>
@@ -8048,11 +8469,11 @@
 </file>
 
 <file path=ppt/slides/slide5.xml><?xml version="1.0" encoding="utf-8"?>
-<p:sld xmlns:a="http://schemas.openxmlformats.org/drawingml/2006/main" xmlns:r="http://schemas.openxmlformats.org/officeDocument/2006/relationships" xmlns:mc="http://schemas.openxmlformats.org/markup-compatibility/2006" xmlns:mv="urn:schemas-microsoft-com:mac:vml" xmlns:p="http://schemas.openxmlformats.org/presentationml/2006/main" xmlns:c="http://schemas.openxmlformats.org/drawingml/2006/chart" xmlns:dgm="http://schemas.openxmlformats.org/drawingml/2006/diagram" xmlns:o="urn:schemas-microsoft-com:office:office" xmlns:v="urn:schemas-microsoft-com:vml" xmlns:pvml="urn:schemas-microsoft-com:office:powerpoint" xmlns:com="http://schemas.openxmlformats.org/drawingml/2006/compatibility" xmlns:p14="http://schemas.microsoft.com/office/powerpoint/2010/main">
+<p:sld xmlns:a="http://schemas.openxmlformats.org/drawingml/2006/main" xmlns:r="http://schemas.openxmlformats.org/officeDocument/2006/relationships" xmlns:p="http://schemas.openxmlformats.org/presentationml/2006/main">
   <p:cSld>
     <p:spTree>
       <p:nvGrpSpPr>
-        <p:cNvPr id="77" name="Shape 77"/>
+        <p:cNvPr id="1" name="Shape 77"/>
         <p:cNvGrpSpPr/>
         <p:nvPr/>
       </p:nvGrpSpPr>
@@ -8067,7 +8488,9 @@
       <p:sp>
         <p:nvSpPr>
           <p:cNvPr id="78" name="Shape 78"/>
-          <p:cNvSpPr txBox="1"/>
+          <p:cNvSpPr txBox="1">
+            <a:spLocks noGrp="1"/>
+          </p:cNvSpPr>
           <p:nvPr>
             <p:ph type="title"/>
           </p:nvPr>
@@ -8082,7 +8505,7 @@
           </a:prstGeom>
         </p:spPr>
         <p:txBody>
-          <a:bodyPr anchorCtr="0" anchor="t" bIns="91425" lIns="91425" rIns="91425" tIns="91425">
+          <a:bodyPr lIns="91425" tIns="91425" rIns="91425" bIns="91425" anchor="t" anchorCtr="0">
             <a:noAutofit/>
           </a:bodyPr>
           <a:lstStyle/>
@@ -8137,11 +8560,11 @@
 </file>
 
 <file path=ppt/slides/slide6.xml><?xml version="1.0" encoding="utf-8"?>
-<p:sld xmlns:a="http://schemas.openxmlformats.org/drawingml/2006/main" xmlns:r="http://schemas.openxmlformats.org/officeDocument/2006/relationships" xmlns:mc="http://schemas.openxmlformats.org/markup-compatibility/2006" xmlns:mv="urn:schemas-microsoft-com:mac:vml" xmlns:p="http://schemas.openxmlformats.org/presentationml/2006/main" xmlns:c="http://schemas.openxmlformats.org/drawingml/2006/chart" xmlns:dgm="http://schemas.openxmlformats.org/drawingml/2006/diagram" xmlns:o="urn:schemas-microsoft-com:office:office" xmlns:v="urn:schemas-microsoft-com:vml" xmlns:pvml="urn:schemas-microsoft-com:office:powerpoint" xmlns:com="http://schemas.openxmlformats.org/drawingml/2006/compatibility" xmlns:p14="http://schemas.microsoft.com/office/powerpoint/2010/main">
+<p:sld xmlns:a="http://schemas.openxmlformats.org/drawingml/2006/main" xmlns:r="http://schemas.openxmlformats.org/officeDocument/2006/relationships" xmlns:p="http://schemas.openxmlformats.org/presentationml/2006/main">
   <p:cSld>
     <p:spTree>
       <p:nvGrpSpPr>
-        <p:cNvPr id="83" name="Shape 83"/>
+        <p:cNvPr id="1" name="Shape 83"/>
         <p:cNvGrpSpPr/>
         <p:nvPr/>
       </p:nvGrpSpPr>
@@ -8156,7 +8579,9 @@
       <p:sp>
         <p:nvSpPr>
           <p:cNvPr id="84" name="Shape 84"/>
-          <p:cNvSpPr txBox="1"/>
+          <p:cNvSpPr txBox="1">
+            <a:spLocks noGrp="1"/>
+          </p:cNvSpPr>
           <p:nvPr>
             <p:ph type="title"/>
           </p:nvPr>
@@ -8171,7 +8596,7 @@
           </a:prstGeom>
         </p:spPr>
         <p:txBody>
-          <a:bodyPr anchorCtr="0" anchor="t" bIns="91425" lIns="91425" rIns="91425" tIns="91425">
+          <a:bodyPr lIns="91425" tIns="91425" rIns="91425" bIns="91425" anchor="t" anchorCtr="0">
             <a:noAutofit/>
           </a:bodyPr>
           <a:lstStyle/>
@@ -8226,11 +8651,11 @@
 </file>
 
 <file path=ppt/slides/slide7.xml><?xml version="1.0" encoding="utf-8"?>
-<p:sld xmlns:a="http://schemas.openxmlformats.org/drawingml/2006/main" xmlns:r="http://schemas.openxmlformats.org/officeDocument/2006/relationships" xmlns:mc="http://schemas.openxmlformats.org/markup-compatibility/2006" xmlns:mv="urn:schemas-microsoft-com:mac:vml" xmlns:p="http://schemas.openxmlformats.org/presentationml/2006/main" xmlns:c="http://schemas.openxmlformats.org/drawingml/2006/chart" xmlns:dgm="http://schemas.openxmlformats.org/drawingml/2006/diagram" xmlns:o="urn:schemas-microsoft-com:office:office" xmlns:v="urn:schemas-microsoft-com:vml" xmlns:pvml="urn:schemas-microsoft-com:office:powerpoint" xmlns:com="http://schemas.openxmlformats.org/drawingml/2006/compatibility" xmlns:p14="http://schemas.microsoft.com/office/powerpoint/2010/main">
+<p:sld xmlns:a="http://schemas.openxmlformats.org/drawingml/2006/main" xmlns:r="http://schemas.openxmlformats.org/officeDocument/2006/relationships" xmlns:p="http://schemas.openxmlformats.org/presentationml/2006/main">
   <p:cSld>
     <p:spTree>
       <p:nvGrpSpPr>
-        <p:cNvPr id="89" name="Shape 89"/>
+        <p:cNvPr id="1" name="Shape 89"/>
         <p:cNvGrpSpPr/>
         <p:nvPr/>
       </p:nvGrpSpPr>
@@ -8245,7 +8670,9 @@
       <p:sp>
         <p:nvSpPr>
           <p:cNvPr id="90" name="Shape 90"/>
-          <p:cNvSpPr txBox="1"/>
+          <p:cNvSpPr txBox="1">
+            <a:spLocks noGrp="1"/>
+          </p:cNvSpPr>
           <p:nvPr>
             <p:ph type="title"/>
           </p:nvPr>
@@ -8260,7 +8687,7 @@
           </a:prstGeom>
         </p:spPr>
         <p:txBody>
-          <a:bodyPr anchorCtr="0" anchor="t" bIns="91425" lIns="91425" rIns="91425" tIns="91425">
+          <a:bodyPr lIns="91425" tIns="91425" rIns="91425" bIns="91425" anchor="t" anchorCtr="0">
             <a:noAutofit/>
           </a:bodyPr>
           <a:lstStyle/>
@@ -8315,11 +8742,11 @@
 </file>
 
 <file path=ppt/slides/slide8.xml><?xml version="1.0" encoding="utf-8"?>
-<p:sld xmlns:a="http://schemas.openxmlformats.org/drawingml/2006/main" xmlns:r="http://schemas.openxmlformats.org/officeDocument/2006/relationships" xmlns:mc="http://schemas.openxmlformats.org/markup-compatibility/2006" xmlns:mv="urn:schemas-microsoft-com:mac:vml" xmlns:p="http://schemas.openxmlformats.org/presentationml/2006/main" xmlns:c="http://schemas.openxmlformats.org/drawingml/2006/chart" xmlns:dgm="http://schemas.openxmlformats.org/drawingml/2006/diagram" xmlns:o="urn:schemas-microsoft-com:office:office" xmlns:v="urn:schemas-microsoft-com:vml" xmlns:pvml="urn:schemas-microsoft-com:office:powerpoint" xmlns:com="http://schemas.openxmlformats.org/drawingml/2006/compatibility" xmlns:p14="http://schemas.microsoft.com/office/powerpoint/2010/main">
+<p:sld xmlns:a="http://schemas.openxmlformats.org/drawingml/2006/main" xmlns:r="http://schemas.openxmlformats.org/officeDocument/2006/relationships" xmlns:p="http://schemas.openxmlformats.org/presentationml/2006/main">
   <p:cSld>
     <p:spTree>
       <p:nvGrpSpPr>
-        <p:cNvPr id="95" name="Shape 95"/>
+        <p:cNvPr id="1" name="Shape 95"/>
         <p:cNvGrpSpPr/>
         <p:nvPr/>
       </p:nvGrpSpPr>
@@ -8334,7 +8761,9 @@
       <p:sp>
         <p:nvSpPr>
           <p:cNvPr id="96" name="Shape 96"/>
-          <p:cNvSpPr txBox="1"/>
+          <p:cNvSpPr txBox="1">
+            <a:spLocks noGrp="1"/>
+          </p:cNvSpPr>
           <p:nvPr>
             <p:ph type="title"/>
           </p:nvPr>
@@ -8349,7 +8778,7 @@
           </a:prstGeom>
         </p:spPr>
         <p:txBody>
-          <a:bodyPr anchorCtr="0" anchor="t" bIns="91425" lIns="91425" rIns="91425" tIns="91425">
+          <a:bodyPr lIns="91425" tIns="91425" rIns="91425" bIns="91425" anchor="t" anchorCtr="0">
             <a:noAutofit/>
           </a:bodyPr>
           <a:lstStyle/>
@@ -8404,11 +8833,11 @@
 </file>
 
 <file path=ppt/slides/slide9.xml><?xml version="1.0" encoding="utf-8"?>
-<p:sld xmlns:a="http://schemas.openxmlformats.org/drawingml/2006/main" xmlns:r="http://schemas.openxmlformats.org/officeDocument/2006/relationships" xmlns:mc="http://schemas.openxmlformats.org/markup-compatibility/2006" xmlns:mv="urn:schemas-microsoft-com:mac:vml" xmlns:p="http://schemas.openxmlformats.org/presentationml/2006/main" xmlns:c="http://schemas.openxmlformats.org/drawingml/2006/chart" xmlns:dgm="http://schemas.openxmlformats.org/drawingml/2006/diagram" xmlns:o="urn:schemas-microsoft-com:office:office" xmlns:v="urn:schemas-microsoft-com:vml" xmlns:pvml="urn:schemas-microsoft-com:office:powerpoint" xmlns:com="http://schemas.openxmlformats.org/drawingml/2006/compatibility" xmlns:p14="http://schemas.microsoft.com/office/powerpoint/2010/main">
+<p:sld xmlns:a="http://schemas.openxmlformats.org/drawingml/2006/main" xmlns:r="http://schemas.openxmlformats.org/officeDocument/2006/relationships" xmlns:p="http://schemas.openxmlformats.org/presentationml/2006/main">
   <p:cSld>
     <p:spTree>
       <p:nvGrpSpPr>
-        <p:cNvPr id="101" name="Shape 101"/>
+        <p:cNvPr id="1" name="Shape 101"/>
         <p:cNvGrpSpPr/>
         <p:nvPr/>
       </p:nvGrpSpPr>
@@ -8423,7 +8852,9 @@
       <p:sp>
         <p:nvSpPr>
           <p:cNvPr id="102" name="Shape 102"/>
-          <p:cNvSpPr txBox="1"/>
+          <p:cNvSpPr txBox="1">
+            <a:spLocks noGrp="1"/>
+          </p:cNvSpPr>
           <p:nvPr>
             <p:ph type="title"/>
           </p:nvPr>
@@ -8438,7 +8869,7 @@
           </a:prstGeom>
         </p:spPr>
         <p:txBody>
-          <a:bodyPr anchorCtr="0" anchor="t" bIns="91425" lIns="91425" rIns="91425" tIns="91425">
+          <a:bodyPr lIns="91425" tIns="91425" rIns="91425" bIns="91425" anchor="t" anchorCtr="0">
             <a:noAutofit/>
           </a:bodyPr>
           <a:lstStyle/>
@@ -8493,7 +8924,288 @@
 </file>
 
 <file path=ppt/theme/theme1.xml><?xml version="1.0" encoding="utf-8"?>
-<a:theme xmlns:a="http://schemas.openxmlformats.org/drawingml/2006/main" xmlns:r="http://schemas.openxmlformats.org/officeDocument/2006/relationships" name="Custom Theme">
+<a:theme xmlns:a="http://schemas.openxmlformats.org/drawingml/2006/main" name="simple-light-2">
+  <a:themeElements>
+    <a:clrScheme name="Simple Light">
+      <a:dk1>
+        <a:srgbClr val="000000"/>
+      </a:dk1>
+      <a:lt1>
+        <a:srgbClr val="FFFFFF"/>
+      </a:lt1>
+      <a:dk2>
+        <a:srgbClr val="595959"/>
+      </a:dk2>
+      <a:lt2>
+        <a:srgbClr val="EEEEEE"/>
+      </a:lt2>
+      <a:accent1>
+        <a:srgbClr val="FFAB40"/>
+      </a:accent1>
+      <a:accent2>
+        <a:srgbClr val="212121"/>
+      </a:accent2>
+      <a:accent3>
+        <a:srgbClr val="78909C"/>
+      </a:accent3>
+      <a:accent4>
+        <a:srgbClr val="FFAB40"/>
+      </a:accent4>
+      <a:accent5>
+        <a:srgbClr val="0097A7"/>
+      </a:accent5>
+      <a:accent6>
+        <a:srgbClr val="EEFF41"/>
+      </a:accent6>
+      <a:hlink>
+        <a:srgbClr val="0097A7"/>
+      </a:hlink>
+      <a:folHlink>
+        <a:srgbClr val="0097A7"/>
+      </a:folHlink>
+    </a:clrScheme>
+    <a:fontScheme name="Office">
+      <a:majorFont>
+        <a:latin typeface="Arial"/>
+        <a:ea typeface=""/>
+        <a:cs typeface=""/>
+        <a:font script="Jpan" typeface="ＭＳ Ｐゴシック"/>
+        <a:font script="Hang" typeface="맑은 고딕"/>
+        <a:font script="Hans" typeface="宋体"/>
+        <a:font script="Hant" typeface="新細明體"/>
+        <a:font script="Arab" typeface="Times New Roman"/>
+        <a:font script="Hebr" typeface="Times New Roman"/>
+        <a:font script="Thai" typeface="Angsana New"/>
+        <a:font script="Ethi" typeface="Nyala"/>
+        <a:font script="Beng" typeface="Vrinda"/>
+        <a:font script="Gujr" typeface="Shruti"/>
+        <a:font script="Khmr" typeface="MoolBoran"/>
+        <a:font script="Knda" typeface="Tunga"/>
+        <a:font script="Guru" typeface="Raavi"/>
+        <a:font script="Cans" typeface="Euphemia"/>
+        <a:font script="Cher" typeface="Plantagenet Cherokee"/>
+        <a:font script="Yiii" typeface="Microsoft Yi Baiti"/>
+        <a:font script="Tibt" typeface="Microsoft Himalaya"/>
+        <a:font script="Thaa" typeface="MV Boli"/>
+        <a:font script="Deva" typeface="Mangal"/>
+        <a:font script="Telu" typeface="Gautami"/>
+        <a:font script="Taml" typeface="Latha"/>
+        <a:font script="Syrc" typeface="Estrangelo Edessa"/>
+        <a:font script="Orya" typeface="Kalinga"/>
+        <a:font script="Mlym" typeface="Kartika"/>
+        <a:font script="Laoo" typeface="DokChampa"/>
+        <a:font script="Sinh" typeface="Iskoola Pota"/>
+        <a:font script="Mong" typeface="Mongolian Baiti"/>
+        <a:font script="Viet" typeface="Times New Roman"/>
+        <a:font script="Uigh" typeface="Microsoft Uighur"/>
+        <a:font script="Geor" typeface="Sylfaen"/>
+      </a:majorFont>
+      <a:minorFont>
+        <a:latin typeface="Arial"/>
+        <a:ea typeface=""/>
+        <a:cs typeface=""/>
+        <a:font script="Jpan" typeface="ＭＳ Ｐゴシック"/>
+        <a:font script="Hang" typeface="맑은 고딕"/>
+        <a:font script="Hans" typeface="宋体"/>
+        <a:font script="Hant" typeface="新細明體"/>
+        <a:font script="Arab" typeface="Arial"/>
+        <a:font script="Hebr" typeface="Arial"/>
+        <a:font script="Thai" typeface="Cordia New"/>
+        <a:font script="Ethi" typeface="Nyala"/>
+        <a:font script="Beng" typeface="Vrinda"/>
+        <a:font script="Gujr" typeface="Shruti"/>
+        <a:font script="Khmr" typeface="DaunPenh"/>
+        <a:font script="Knda" typeface="Tunga"/>
+        <a:font script="Guru" typeface="Raavi"/>
+        <a:font script="Cans" typeface="Euphemia"/>
+        <a:font script="Cher" typeface="Plantagenet Cherokee"/>
+        <a:font script="Yiii" typeface="Microsoft Yi Baiti"/>
+        <a:font script="Tibt" typeface="Microsoft Himalaya"/>
+        <a:font script="Thaa" typeface="MV Boli"/>
+        <a:font script="Deva" typeface="Mangal"/>
+        <a:font script="Telu" typeface="Gautami"/>
+        <a:font script="Taml" typeface="Latha"/>
+        <a:font script="Syrc" typeface="Estrangelo Edessa"/>
+        <a:font script="Orya" typeface="Kalinga"/>
+        <a:font script="Mlym" typeface="Kartika"/>
+        <a:font script="Laoo" typeface="DokChampa"/>
+        <a:font script="Sinh" typeface="Iskoola Pota"/>
+        <a:font script="Mong" typeface="Mongolian Baiti"/>
+        <a:font script="Viet" typeface="Arial"/>
+        <a:font script="Uigh" typeface="Microsoft Uighur"/>
+        <a:font script="Geor" typeface="Sylfaen"/>
+      </a:minorFont>
+    </a:fontScheme>
+    <a:fmtScheme name="Office">
+      <a:fillStyleLst>
+        <a:solidFill>
+          <a:schemeClr val="phClr"/>
+        </a:solidFill>
+        <a:gradFill rotWithShape="1">
+          <a:gsLst>
+            <a:gs pos="0">
+              <a:schemeClr val="phClr">
+                <a:tint val="50000"/>
+                <a:satMod val="300000"/>
+              </a:schemeClr>
+            </a:gs>
+            <a:gs pos="35000">
+              <a:schemeClr val="phClr">
+                <a:tint val="37000"/>
+                <a:satMod val="300000"/>
+              </a:schemeClr>
+            </a:gs>
+            <a:gs pos="100000">
+              <a:schemeClr val="phClr">
+                <a:tint val="15000"/>
+                <a:satMod val="350000"/>
+              </a:schemeClr>
+            </a:gs>
+          </a:gsLst>
+          <a:lin ang="16200000" scaled="1"/>
+        </a:gradFill>
+        <a:gradFill rotWithShape="1">
+          <a:gsLst>
+            <a:gs pos="0">
+              <a:schemeClr val="phClr">
+                <a:tint val="100000"/>
+                <a:shade val="100000"/>
+                <a:satMod val="130000"/>
+              </a:schemeClr>
+            </a:gs>
+            <a:gs pos="100000">
+              <a:schemeClr val="phClr">
+                <a:tint val="50000"/>
+                <a:shade val="100000"/>
+                <a:satMod val="350000"/>
+              </a:schemeClr>
+            </a:gs>
+          </a:gsLst>
+          <a:lin ang="16200000" scaled="0"/>
+        </a:gradFill>
+      </a:fillStyleLst>
+      <a:lnStyleLst>
+        <a:ln w="9525" cap="flat" cmpd="sng" algn="ctr">
+          <a:solidFill>
+            <a:schemeClr val="phClr">
+              <a:shade val="95000"/>
+              <a:satMod val="105000"/>
+            </a:schemeClr>
+          </a:solidFill>
+          <a:prstDash val="solid"/>
+        </a:ln>
+        <a:ln w="25400" cap="flat" cmpd="sng" algn="ctr">
+          <a:solidFill>
+            <a:schemeClr val="phClr"/>
+          </a:solidFill>
+          <a:prstDash val="solid"/>
+        </a:ln>
+        <a:ln w="38100" cap="flat" cmpd="sng" algn="ctr">
+          <a:solidFill>
+            <a:schemeClr val="phClr"/>
+          </a:solidFill>
+          <a:prstDash val="solid"/>
+        </a:ln>
+      </a:lnStyleLst>
+      <a:effectStyleLst>
+        <a:effectStyle>
+          <a:effectLst>
+            <a:outerShdw blurRad="40000" dist="20000" dir="5400000" rotWithShape="0">
+              <a:srgbClr val="000000">
+                <a:alpha val="38000"/>
+              </a:srgbClr>
+            </a:outerShdw>
+          </a:effectLst>
+        </a:effectStyle>
+        <a:effectStyle>
+          <a:effectLst>
+            <a:outerShdw blurRad="40000" dist="23000" dir="5400000" rotWithShape="0">
+              <a:srgbClr val="000000">
+                <a:alpha val="35000"/>
+              </a:srgbClr>
+            </a:outerShdw>
+          </a:effectLst>
+        </a:effectStyle>
+        <a:effectStyle>
+          <a:effectLst>
+            <a:outerShdw blurRad="40000" dist="23000" dir="5400000" rotWithShape="0">
+              <a:srgbClr val="000000">
+                <a:alpha val="35000"/>
+              </a:srgbClr>
+            </a:outerShdw>
+          </a:effectLst>
+          <a:scene3d>
+            <a:camera prst="orthographicFront">
+              <a:rot lat="0" lon="0" rev="0"/>
+            </a:camera>
+            <a:lightRig rig="threePt" dir="t">
+              <a:rot lat="0" lon="0" rev="1200000"/>
+            </a:lightRig>
+          </a:scene3d>
+          <a:sp3d>
+            <a:bevelT w="63500" h="25400"/>
+          </a:sp3d>
+        </a:effectStyle>
+      </a:effectStyleLst>
+      <a:bgFillStyleLst>
+        <a:solidFill>
+          <a:schemeClr val="phClr"/>
+        </a:solidFill>
+        <a:gradFill rotWithShape="1">
+          <a:gsLst>
+            <a:gs pos="0">
+              <a:schemeClr val="phClr">
+                <a:tint val="40000"/>
+                <a:satMod val="350000"/>
+              </a:schemeClr>
+            </a:gs>
+            <a:gs pos="40000">
+              <a:schemeClr val="phClr">
+                <a:tint val="45000"/>
+                <a:shade val="99000"/>
+                <a:satMod val="350000"/>
+              </a:schemeClr>
+            </a:gs>
+            <a:gs pos="100000">
+              <a:schemeClr val="phClr">
+                <a:shade val="20000"/>
+                <a:satMod val="255000"/>
+              </a:schemeClr>
+            </a:gs>
+          </a:gsLst>
+          <a:path path="circle">
+            <a:fillToRect l="50000" t="-80000" r="50000" b="180000"/>
+          </a:path>
+        </a:gradFill>
+        <a:gradFill rotWithShape="1">
+          <a:gsLst>
+            <a:gs pos="0">
+              <a:schemeClr val="phClr">
+                <a:tint val="80000"/>
+                <a:satMod val="300000"/>
+              </a:schemeClr>
+            </a:gs>
+            <a:gs pos="100000">
+              <a:schemeClr val="phClr">
+                <a:shade val="30000"/>
+                <a:satMod val="200000"/>
+              </a:schemeClr>
+            </a:gs>
+          </a:gsLst>
+          <a:path path="circle">
+            <a:fillToRect l="50000" t="50000" r="50000" b="50000"/>
+          </a:path>
+        </a:gradFill>
+      </a:bgFillStyleLst>
+    </a:fmtScheme>
+  </a:themeElements>
+  <a:objectDefaults/>
+  <a:extraClrSchemeLst/>
+</a:theme>
+</file>
+
+<file path=ppt/theme/theme2.xml><?xml version="1.0" encoding="utf-8"?>
+<a:theme xmlns:a="http://schemas.openxmlformats.org/drawingml/2006/main" name="Custom Theme">
   <a:themeElements>
     <a:clrScheme name="Default">
       <a:dk1>
@@ -8768,284 +9480,7 @@
       </a:bgFillStyleLst>
     </a:fmtScheme>
   </a:themeElements>
-</a:theme>
-</file>
-
-<file path=ppt/theme/theme2.xml><?xml version="1.0" encoding="utf-8"?>
-<a:theme xmlns:a="http://schemas.openxmlformats.org/drawingml/2006/main" xmlns:r="http://schemas.openxmlformats.org/officeDocument/2006/relationships" name="simple-light-2">
-  <a:themeElements>
-    <a:clrScheme name="Simple Light">
-      <a:dk1>
-        <a:srgbClr val="000000"/>
-      </a:dk1>
-      <a:lt1>
-        <a:srgbClr val="FFFFFF"/>
-      </a:lt1>
-      <a:dk2>
-        <a:srgbClr val="595959"/>
-      </a:dk2>
-      <a:lt2>
-        <a:srgbClr val="EEEEEE"/>
-      </a:lt2>
-      <a:accent1>
-        <a:srgbClr val="FFAB40"/>
-      </a:accent1>
-      <a:accent2>
-        <a:srgbClr val="212121"/>
-      </a:accent2>
-      <a:accent3>
-        <a:srgbClr val="78909C"/>
-      </a:accent3>
-      <a:accent4>
-        <a:srgbClr val="FFAB40"/>
-      </a:accent4>
-      <a:accent5>
-        <a:srgbClr val="0097A7"/>
-      </a:accent5>
-      <a:accent6>
-        <a:srgbClr val="EEFF41"/>
-      </a:accent6>
-      <a:hlink>
-        <a:srgbClr val="0097A7"/>
-      </a:hlink>
-      <a:folHlink>
-        <a:srgbClr val="0097A7"/>
-      </a:folHlink>
-    </a:clrScheme>
-    <a:fontScheme name="Office">
-      <a:majorFont>
-        <a:latin typeface="Arial"/>
-        <a:ea typeface=""/>
-        <a:cs typeface=""/>
-        <a:font script="Jpan" typeface="ＭＳ Ｐゴシック"/>
-        <a:font script="Hang" typeface="맑은 고딕"/>
-        <a:font script="Hans" typeface="宋体"/>
-        <a:font script="Hant" typeface="新細明體"/>
-        <a:font script="Arab" typeface="Times New Roman"/>
-        <a:font script="Hebr" typeface="Times New Roman"/>
-        <a:font script="Thai" typeface="Angsana New"/>
-        <a:font script="Ethi" typeface="Nyala"/>
-        <a:font script="Beng" typeface="Vrinda"/>
-        <a:font script="Gujr" typeface="Shruti"/>
-        <a:font script="Khmr" typeface="MoolBoran"/>
-        <a:font script="Knda" typeface="Tunga"/>
-        <a:font script="Guru" typeface="Raavi"/>
-        <a:font script="Cans" typeface="Euphemia"/>
-        <a:font script="Cher" typeface="Plantagenet Cherokee"/>
-        <a:font script="Yiii" typeface="Microsoft Yi Baiti"/>
-        <a:font script="Tibt" typeface="Microsoft Himalaya"/>
-        <a:font script="Thaa" typeface="MV Boli"/>
-        <a:font script="Deva" typeface="Mangal"/>
-        <a:font script="Telu" typeface="Gautami"/>
-        <a:font script="Taml" typeface="Latha"/>
-        <a:font script="Syrc" typeface="Estrangelo Edessa"/>
-        <a:font script="Orya" typeface="Kalinga"/>
-        <a:font script="Mlym" typeface="Kartika"/>
-        <a:font script="Laoo" typeface="DokChampa"/>
-        <a:font script="Sinh" typeface="Iskoola Pota"/>
-        <a:font script="Mong" typeface="Mongolian Baiti"/>
-        <a:font script="Viet" typeface="Times New Roman"/>
-        <a:font script="Uigh" typeface="Microsoft Uighur"/>
-        <a:font script="Geor" typeface="Sylfaen"/>
-      </a:majorFont>
-      <a:minorFont>
-        <a:latin typeface="Arial"/>
-        <a:ea typeface=""/>
-        <a:cs typeface=""/>
-        <a:font script="Jpan" typeface="ＭＳ Ｐゴシック"/>
-        <a:font script="Hang" typeface="맑은 고딕"/>
-        <a:font script="Hans" typeface="宋体"/>
-        <a:font script="Hant" typeface="新細明體"/>
-        <a:font script="Arab" typeface="Arial"/>
-        <a:font script="Hebr" typeface="Arial"/>
-        <a:font script="Thai" typeface="Cordia New"/>
-        <a:font script="Ethi" typeface="Nyala"/>
-        <a:font script="Beng" typeface="Vrinda"/>
-        <a:font script="Gujr" typeface="Shruti"/>
-        <a:font script="Khmr" typeface="DaunPenh"/>
-        <a:font script="Knda" typeface="Tunga"/>
-        <a:font script="Guru" typeface="Raavi"/>
-        <a:font script="Cans" typeface="Euphemia"/>
-        <a:font script="Cher" typeface="Plantagenet Cherokee"/>
-        <a:font script="Yiii" typeface="Microsoft Yi Baiti"/>
-        <a:font script="Tibt" typeface="Microsoft Himalaya"/>
-        <a:font script="Thaa" typeface="MV Boli"/>
-        <a:font script="Deva" typeface="Mangal"/>
-        <a:font script="Telu" typeface="Gautami"/>
-        <a:font script="Taml" typeface="Latha"/>
-        <a:font script="Syrc" typeface="Estrangelo Edessa"/>
-        <a:font script="Orya" typeface="Kalinga"/>
-        <a:font script="Mlym" typeface="Kartika"/>
-        <a:font script="Laoo" typeface="DokChampa"/>
-        <a:font script="Sinh" typeface="Iskoola Pota"/>
-        <a:font script="Mong" typeface="Mongolian Baiti"/>
-        <a:font script="Viet" typeface="Arial"/>
-        <a:font script="Uigh" typeface="Microsoft Uighur"/>
-        <a:font script="Geor" typeface="Sylfaen"/>
-      </a:minorFont>
-    </a:fontScheme>
-    <a:fmtScheme name="Office">
-      <a:fillStyleLst>
-        <a:solidFill>
-          <a:schemeClr val="phClr"/>
-        </a:solidFill>
-        <a:gradFill rotWithShape="1">
-          <a:gsLst>
-            <a:gs pos="0">
-              <a:schemeClr val="phClr">
-                <a:tint val="50000"/>
-                <a:satMod val="300000"/>
-              </a:schemeClr>
-            </a:gs>
-            <a:gs pos="35000">
-              <a:schemeClr val="phClr">
-                <a:tint val="37000"/>
-                <a:satMod val="300000"/>
-              </a:schemeClr>
-            </a:gs>
-            <a:gs pos="100000">
-              <a:schemeClr val="phClr">
-                <a:tint val="15000"/>
-                <a:satMod val="350000"/>
-              </a:schemeClr>
-            </a:gs>
-          </a:gsLst>
-          <a:lin ang="16200000" scaled="1"/>
-        </a:gradFill>
-        <a:gradFill rotWithShape="1">
-          <a:gsLst>
-            <a:gs pos="0">
-              <a:schemeClr val="phClr">
-                <a:tint val="100000"/>
-                <a:shade val="100000"/>
-                <a:satMod val="130000"/>
-              </a:schemeClr>
-            </a:gs>
-            <a:gs pos="100000">
-              <a:schemeClr val="phClr">
-                <a:tint val="50000"/>
-                <a:shade val="100000"/>
-                <a:satMod val="350000"/>
-              </a:schemeClr>
-            </a:gs>
-          </a:gsLst>
-          <a:lin ang="16200000" scaled="0"/>
-        </a:gradFill>
-      </a:fillStyleLst>
-      <a:lnStyleLst>
-        <a:ln w="9525" cap="flat" cmpd="sng" algn="ctr">
-          <a:solidFill>
-            <a:schemeClr val="phClr">
-              <a:shade val="95000"/>
-              <a:satMod val="105000"/>
-            </a:schemeClr>
-          </a:solidFill>
-          <a:prstDash val="solid"/>
-        </a:ln>
-        <a:ln w="25400" cap="flat" cmpd="sng" algn="ctr">
-          <a:solidFill>
-            <a:schemeClr val="phClr"/>
-          </a:solidFill>
-          <a:prstDash val="solid"/>
-        </a:ln>
-        <a:ln w="38100" cap="flat" cmpd="sng" algn="ctr">
-          <a:solidFill>
-            <a:schemeClr val="phClr"/>
-          </a:solidFill>
-          <a:prstDash val="solid"/>
-        </a:ln>
-      </a:lnStyleLst>
-      <a:effectStyleLst>
-        <a:effectStyle>
-          <a:effectLst>
-            <a:outerShdw blurRad="40000" dist="20000" dir="5400000" rotWithShape="0">
-              <a:srgbClr val="000000">
-                <a:alpha val="38000"/>
-              </a:srgbClr>
-            </a:outerShdw>
-          </a:effectLst>
-        </a:effectStyle>
-        <a:effectStyle>
-          <a:effectLst>
-            <a:outerShdw blurRad="40000" dist="23000" dir="5400000" rotWithShape="0">
-              <a:srgbClr val="000000">
-                <a:alpha val="35000"/>
-              </a:srgbClr>
-            </a:outerShdw>
-          </a:effectLst>
-        </a:effectStyle>
-        <a:effectStyle>
-          <a:effectLst>
-            <a:outerShdw blurRad="40000" dist="23000" dir="5400000" rotWithShape="0">
-              <a:srgbClr val="000000">
-                <a:alpha val="35000"/>
-              </a:srgbClr>
-            </a:outerShdw>
-          </a:effectLst>
-          <a:scene3d>
-            <a:camera prst="orthographicFront">
-              <a:rot lat="0" lon="0" rev="0"/>
-            </a:camera>
-            <a:lightRig rig="threePt" dir="t">
-              <a:rot lat="0" lon="0" rev="1200000"/>
-            </a:lightRig>
-          </a:scene3d>
-          <a:sp3d>
-            <a:bevelT w="63500" h="25400"/>
-          </a:sp3d>
-        </a:effectStyle>
-      </a:effectStyleLst>
-      <a:bgFillStyleLst>
-        <a:solidFill>
-          <a:schemeClr val="phClr"/>
-        </a:solidFill>
-        <a:gradFill rotWithShape="1">
-          <a:gsLst>
-            <a:gs pos="0">
-              <a:schemeClr val="phClr">
-                <a:tint val="40000"/>
-                <a:satMod val="350000"/>
-              </a:schemeClr>
-            </a:gs>
-            <a:gs pos="40000">
-              <a:schemeClr val="phClr">
-                <a:tint val="45000"/>
-                <a:shade val="99000"/>
-                <a:satMod val="350000"/>
-              </a:schemeClr>
-            </a:gs>
-            <a:gs pos="100000">
-              <a:schemeClr val="phClr">
-                <a:shade val="20000"/>
-                <a:satMod val="255000"/>
-              </a:schemeClr>
-            </a:gs>
-          </a:gsLst>
-          <a:path path="circle">
-            <a:fillToRect l="50000" t="-80000" r="50000" b="180000"/>
-          </a:path>
-        </a:gradFill>
-        <a:gradFill rotWithShape="1">
-          <a:gsLst>
-            <a:gs pos="0">
-              <a:schemeClr val="phClr">
-                <a:tint val="80000"/>
-                <a:satMod val="300000"/>
-              </a:schemeClr>
-            </a:gs>
-            <a:gs pos="100000">
-              <a:schemeClr val="phClr">
-                <a:shade val="30000"/>
-                <a:satMod val="200000"/>
-              </a:schemeClr>
-            </a:gs>
-          </a:gsLst>
-          <a:path path="circle">
-            <a:fillToRect l="50000" t="50000" r="50000" b="50000"/>
-          </a:path>
-        </a:gradFill>
-      </a:bgFillStyleLst>
-    </a:fmtScheme>
-  </a:themeElements>
+  <a:objectDefaults/>
+  <a:extraClrSchemeLst/>
 </a:theme>
 </file>
--- a/Documents for Maintenance/Aviation English.pptx
+++ b/Documents for Maintenance/Aviation English.pptx
@@ -1,42 +1,44 @@
 
 <file path=ppt/presentation.xml><?xml version="1.0" encoding="utf-8"?>
-<p:presentation xmlns:a="http://schemas.openxmlformats.org/drawingml/2006/main" xmlns:r="http://schemas.openxmlformats.org/officeDocument/2006/relationships" xmlns:p="http://schemas.openxmlformats.org/presentationml/2006/main" strictFirstAndLastChars="0" saveSubsetFonts="1" autoCompressPictures="0">
+<p:presentation xmlns:a="http://schemas.openxmlformats.org/drawingml/2006/main" xmlns:r="http://schemas.openxmlformats.org/officeDocument/2006/relationships" xmlns:mc="http://schemas.openxmlformats.org/markup-compatibility/2006" xmlns:mv="urn:schemas-microsoft-com:mac:vml" xmlns:p="http://schemas.openxmlformats.org/presentationml/2006/main" xmlns:c="http://schemas.openxmlformats.org/drawingml/2006/chart" xmlns:dgm="http://schemas.openxmlformats.org/drawingml/2006/diagram" xmlns:o="urn:schemas-microsoft-com:office:office" xmlns:v="urn:schemas-microsoft-com:vml" xmlns:pvml="urn:schemas-microsoft-com:office:powerpoint" xmlns:com="http://schemas.openxmlformats.org/drawingml/2006/compatibility" xmlns:p14="http://schemas.microsoft.com/office/powerpoint/2010/main" autoCompressPictures="0" strictFirstAndLastChars="0" saveSubsetFonts="1">
   <p:sldMasterIdLst>
-    <p:sldMasterId id="2147483659" r:id="rId1"/>
+    <p:sldMasterId id="2147483659" r:id="rId3"/>
   </p:sldMasterIdLst>
   <p:notesMasterIdLst>
-    <p:notesMasterId r:id="rId26"/>
+    <p:notesMasterId r:id="rId4"/>
   </p:notesMasterIdLst>
   <p:sldIdLst>
-    <p:sldId id="256" r:id="rId2"/>
-    <p:sldId id="257" r:id="rId3"/>
-    <p:sldId id="258" r:id="rId4"/>
-    <p:sldId id="259" r:id="rId5"/>
-    <p:sldId id="260" r:id="rId6"/>
-    <p:sldId id="261" r:id="rId7"/>
-    <p:sldId id="262" r:id="rId8"/>
-    <p:sldId id="263" r:id="rId9"/>
-    <p:sldId id="264" r:id="rId10"/>
-    <p:sldId id="265" r:id="rId11"/>
-    <p:sldId id="266" r:id="rId12"/>
-    <p:sldId id="267" r:id="rId13"/>
-    <p:sldId id="268" r:id="rId14"/>
-    <p:sldId id="269" r:id="rId15"/>
-    <p:sldId id="270" r:id="rId16"/>
-    <p:sldId id="271" r:id="rId17"/>
-    <p:sldId id="272" r:id="rId18"/>
-    <p:sldId id="273" r:id="rId19"/>
-    <p:sldId id="274" r:id="rId20"/>
-    <p:sldId id="275" r:id="rId21"/>
-    <p:sldId id="276" r:id="rId22"/>
-    <p:sldId id="277" r:id="rId23"/>
-    <p:sldId id="278" r:id="rId24"/>
-    <p:sldId id="279" r:id="rId25"/>
+    <p:sldId id="256" r:id="rId5"/>
+    <p:sldId id="257" r:id="rId6"/>
+    <p:sldId id="258" r:id="rId7"/>
+    <p:sldId id="259" r:id="rId8"/>
+    <p:sldId id="260" r:id="rId9"/>
+    <p:sldId id="261" r:id="rId10"/>
+    <p:sldId id="262" r:id="rId11"/>
+    <p:sldId id="263" r:id="rId12"/>
+    <p:sldId id="264" r:id="rId13"/>
+    <p:sldId id="265" r:id="rId14"/>
+    <p:sldId id="266" r:id="rId15"/>
+    <p:sldId id="267" r:id="rId16"/>
+    <p:sldId id="268" r:id="rId17"/>
+    <p:sldId id="269" r:id="rId18"/>
+    <p:sldId id="270" r:id="rId19"/>
+    <p:sldId id="271" r:id="rId20"/>
+    <p:sldId id="272" r:id="rId21"/>
+    <p:sldId id="273" r:id="rId22"/>
+    <p:sldId id="274" r:id="rId23"/>
+    <p:sldId id="275" r:id="rId24"/>
+    <p:sldId id="276" r:id="rId25"/>
+    <p:sldId id="277" r:id="rId26"/>
+    <p:sldId id="278" r:id="rId27"/>
+    <p:sldId id="279" r:id="rId28"/>
+    <p:sldId id="280" r:id="rId29"/>
+    <p:sldId id="281" r:id="rId30"/>
   </p:sldIdLst>
-  <p:sldSz cx="9144000" cy="5143500" type="screen16x9"/>
+  <p:sldSz cy="5143500" cx="9144000"/>
   <p:notesSz cx="6858000" cy="9144000"/>
   <p:defaultTextStyle>
-    <a:defPPr marR="0" lvl="0" algn="l" rtl="0">
+    <a:defPPr lvl="0" marR="0" rtl="0" algn="l">
       <a:lnSpc>
         <a:spcPct val="100000"/>
       </a:lnSpc>
@@ -47,7 +49,7 @@
         <a:spcPts val="0"/>
       </a:spcAft>
     </a:defPPr>
-    <a:lvl1pPr marR="0" lvl="0" algn="l" rtl="0">
+    <a:lvl1pPr lvl="0" marR="0" rtl="0" algn="l">
       <a:lnSpc>
         <a:spcPct val="100000"/>
       </a:lnSpc>
@@ -58,7 +60,7 @@
         <a:spcPts val="0"/>
       </a:spcAft>
       <a:buNone/>
-      <a:defRPr sz="1400" b="0" i="0" u="none" strike="noStrike" cap="none">
+      <a:defRPr b="0" i="0" sz="1400" u="none" cap="none" strike="noStrike">
         <a:solidFill>
           <a:srgbClr val="000000"/>
         </a:solidFill>
@@ -68,7 +70,7 @@
         <a:sym typeface="Arial"/>
       </a:defRPr>
     </a:lvl1pPr>
-    <a:lvl2pPr marR="0" lvl="1" algn="l" rtl="0">
+    <a:lvl2pPr lvl="1" marR="0" rtl="0" algn="l">
       <a:lnSpc>
         <a:spcPct val="100000"/>
       </a:lnSpc>
@@ -79,7 +81,7 @@
         <a:spcPts val="0"/>
       </a:spcAft>
       <a:buNone/>
-      <a:defRPr sz="1400" b="0" i="0" u="none" strike="noStrike" cap="none">
+      <a:defRPr b="0" i="0" sz="1400" u="none" cap="none" strike="noStrike">
         <a:solidFill>
           <a:srgbClr val="000000"/>
         </a:solidFill>
@@ -89,7 +91,7 @@
         <a:sym typeface="Arial"/>
       </a:defRPr>
     </a:lvl2pPr>
-    <a:lvl3pPr marR="0" lvl="2" algn="l" rtl="0">
+    <a:lvl3pPr lvl="2" marR="0" rtl="0" algn="l">
       <a:lnSpc>
         <a:spcPct val="100000"/>
       </a:lnSpc>
@@ -100,7 +102,7 @@
         <a:spcPts val="0"/>
       </a:spcAft>
       <a:buNone/>
-      <a:defRPr sz="1400" b="0" i="0" u="none" strike="noStrike" cap="none">
+      <a:defRPr b="0" i="0" sz="1400" u="none" cap="none" strike="noStrike">
         <a:solidFill>
           <a:srgbClr val="000000"/>
         </a:solidFill>
@@ -110,7 +112,7 @@
         <a:sym typeface="Arial"/>
       </a:defRPr>
     </a:lvl3pPr>
-    <a:lvl4pPr marR="0" lvl="3" algn="l" rtl="0">
+    <a:lvl4pPr lvl="3" marR="0" rtl="0" algn="l">
       <a:lnSpc>
         <a:spcPct val="100000"/>
       </a:lnSpc>
@@ -121,7 +123,7 @@
         <a:spcPts val="0"/>
       </a:spcAft>
       <a:buNone/>
-      <a:defRPr sz="1400" b="0" i="0" u="none" strike="noStrike" cap="none">
+      <a:defRPr b="0" i="0" sz="1400" u="none" cap="none" strike="noStrike">
         <a:solidFill>
           <a:srgbClr val="000000"/>
         </a:solidFill>
@@ -131,7 +133,7 @@
         <a:sym typeface="Arial"/>
       </a:defRPr>
     </a:lvl4pPr>
-    <a:lvl5pPr marR="0" lvl="4" algn="l" rtl="0">
+    <a:lvl5pPr lvl="4" marR="0" rtl="0" algn="l">
       <a:lnSpc>
         <a:spcPct val="100000"/>
       </a:lnSpc>
@@ -142,7 +144,7 @@
         <a:spcPts val="0"/>
       </a:spcAft>
       <a:buNone/>
-      <a:defRPr sz="1400" b="0" i="0" u="none" strike="noStrike" cap="none">
+      <a:defRPr b="0" i="0" sz="1400" u="none" cap="none" strike="noStrike">
         <a:solidFill>
           <a:srgbClr val="000000"/>
         </a:solidFill>
@@ -152,7 +154,7 @@
         <a:sym typeface="Arial"/>
       </a:defRPr>
     </a:lvl5pPr>
-    <a:lvl6pPr marR="0" lvl="5" algn="l" rtl="0">
+    <a:lvl6pPr lvl="5" marR="0" rtl="0" algn="l">
       <a:lnSpc>
         <a:spcPct val="100000"/>
       </a:lnSpc>
@@ -163,7 +165,7 @@
         <a:spcPts val="0"/>
       </a:spcAft>
       <a:buNone/>
-      <a:defRPr sz="1400" b="0" i="0" u="none" strike="noStrike" cap="none">
+      <a:defRPr b="0" i="0" sz="1400" u="none" cap="none" strike="noStrike">
         <a:solidFill>
           <a:srgbClr val="000000"/>
         </a:solidFill>
@@ -173,7 +175,7 @@
         <a:sym typeface="Arial"/>
       </a:defRPr>
     </a:lvl6pPr>
-    <a:lvl7pPr marR="0" lvl="6" algn="l" rtl="0">
+    <a:lvl7pPr lvl="6" marR="0" rtl="0" algn="l">
       <a:lnSpc>
         <a:spcPct val="100000"/>
       </a:lnSpc>
@@ -184,7 +186,7 @@
         <a:spcPts val="0"/>
       </a:spcAft>
       <a:buNone/>
-      <a:defRPr sz="1400" b="0" i="0" u="none" strike="noStrike" cap="none">
+      <a:defRPr b="0" i="0" sz="1400" u="none" cap="none" strike="noStrike">
         <a:solidFill>
           <a:srgbClr val="000000"/>
         </a:solidFill>
@@ -194,7 +196,7 @@
         <a:sym typeface="Arial"/>
       </a:defRPr>
     </a:lvl7pPr>
-    <a:lvl8pPr marR="0" lvl="7" algn="l" rtl="0">
+    <a:lvl8pPr lvl="7" marR="0" rtl="0" algn="l">
       <a:lnSpc>
         <a:spcPct val="100000"/>
       </a:lnSpc>
@@ -205,7 +207,7 @@
         <a:spcPts val="0"/>
       </a:spcAft>
       <a:buNone/>
-      <a:defRPr sz="1400" b="0" i="0" u="none" strike="noStrike" cap="none">
+      <a:defRPr b="0" i="0" sz="1400" u="none" cap="none" strike="noStrike">
         <a:solidFill>
           <a:srgbClr val="000000"/>
         </a:solidFill>
@@ -215,7 +217,7 @@
         <a:sym typeface="Arial"/>
       </a:defRPr>
     </a:lvl8pPr>
-    <a:lvl9pPr marR="0" lvl="8" algn="l" rtl="0">
+    <a:lvl9pPr lvl="8" marR="0" rtl="0" algn="l">
       <a:lnSpc>
         <a:spcPct val="100000"/>
       </a:lnSpc>
@@ -226,7 +228,7 @@
         <a:spcPts val="0"/>
       </a:spcAft>
       <a:buNone/>
-      <a:defRPr sz="1400" b="0" i="0" u="none" strike="noStrike" cap="none">
+      <a:defRPr b="0" i="0" sz="1400" u="none" cap="none" strike="noStrike">
         <a:solidFill>
           <a:srgbClr val="000000"/>
         </a:solidFill>
@@ -241,16 +243,11 @@
 </file>
 
 <file path=ppt/notesMasters/notesMaster1.xml><?xml version="1.0" encoding="utf-8"?>
-<p:notesMaster xmlns:a="http://schemas.openxmlformats.org/drawingml/2006/main" xmlns:r="http://schemas.openxmlformats.org/officeDocument/2006/relationships" xmlns:p="http://schemas.openxmlformats.org/presentationml/2006/main">
+<p:notesMaster xmlns:a="http://schemas.openxmlformats.org/drawingml/2006/main" xmlns:r="http://schemas.openxmlformats.org/officeDocument/2006/relationships" xmlns:mc="http://schemas.openxmlformats.org/markup-compatibility/2006" xmlns:mv="urn:schemas-microsoft-com:mac:vml" xmlns:p="http://schemas.openxmlformats.org/presentationml/2006/main" xmlns:c="http://schemas.openxmlformats.org/drawingml/2006/chart" xmlns:dgm="http://schemas.openxmlformats.org/drawingml/2006/diagram" xmlns:o="urn:schemas-microsoft-com:office:office" xmlns:v="urn:schemas-microsoft-com:vml" xmlns:pvml="urn:schemas-microsoft-com:office:powerpoint" xmlns:com="http://schemas.openxmlformats.org/drawingml/2006/compatibility" xmlns:p14="http://schemas.microsoft.com/office/powerpoint/2010/main">
   <p:cSld>
-    <p:bg>
-      <p:bgRef idx="1001">
-        <a:schemeClr val="bg1"/>
-      </p:bgRef>
-    </p:bg>
     <p:spTree>
       <p:nvGrpSpPr>
-        <p:cNvPr id="1" name="Shape 2"/>
+        <p:cNvPr id="2" name="Shape 2"/>
         <p:cNvGrpSpPr/>
         <p:nvPr/>
       </p:nvGrpSpPr>
@@ -265,11 +262,9 @@
       <p:sp>
         <p:nvSpPr>
           <p:cNvPr id="3" name="Shape 3"/>
-          <p:cNvSpPr>
-            <a:spLocks noGrp="1" noRot="1" noChangeAspect="1"/>
-          </p:cNvSpPr>
-          <p:nvPr>
-            <p:ph type="sldImg" idx="2"/>
+          <p:cNvSpPr/>
+          <p:nvPr>
+            <p:ph idx="2" type="sldImg"/>
           </p:nvPr>
         </p:nvSpPr>
         <p:spPr>
@@ -278,13 +273,8 @@
             <a:ext cx="6096075" cy="3429000"/>
           </a:xfrm>
           <a:custGeom>
-            <a:avLst/>
-            <a:gdLst/>
-            <a:ahLst/>
-            <a:cxnLst/>
-            <a:rect l="0" t="0" r="0" b="0"/>
             <a:pathLst>
-              <a:path w="120000" h="120000" extrusionOk="0">
+              <a:path extrusionOk="0" h="120000" w="120000">
                 <a:moveTo>
                   <a:pt x="0" y="0"/>
                 </a:moveTo>
@@ -302,25 +292,23 @@
             </a:pathLst>
           </a:custGeom>
           <a:noFill/>
-          <a:ln w="9525" cap="flat" cmpd="sng">
+          <a:ln cap="flat" cmpd="sng" w="9525">
             <a:solidFill>
               <a:srgbClr val="000000"/>
             </a:solidFill>
             <a:prstDash val="solid"/>
             <a:round/>
-            <a:headEnd type="none" w="med" len="med"/>
-            <a:tailEnd type="none" w="med" len="med"/>
+            <a:headEnd len="med" w="med" type="none"/>
+            <a:tailEnd len="med" w="med" type="none"/>
           </a:ln>
         </p:spPr>
       </p:sp>
       <p:sp>
         <p:nvSpPr>
           <p:cNvPr id="4" name="Shape 4"/>
-          <p:cNvSpPr txBox="1">
-            <a:spLocks noGrp="1"/>
-          </p:cNvSpPr>
-          <p:nvPr>
-            <p:ph type="body" idx="1"/>
+          <p:cNvSpPr txBox="1"/>
+          <p:nvPr>
+            <p:ph idx="1" type="body"/>
           </p:nvPr>
         </p:nvSpPr>
         <p:spPr>
@@ -337,7 +325,7 @@
           </a:ln>
         </p:spPr>
         <p:txBody>
-          <a:bodyPr lIns="91425" tIns="91425" rIns="91425" bIns="91425" anchor="t" anchorCtr="0"/>
+          <a:bodyPr anchorCtr="0" anchor="t" bIns="91425" lIns="91425" rIns="91425" tIns="91425"/>
           <a:lstStyle>
             <a:lvl1pPr lvl="0">
               <a:spcBef>
@@ -394,115 +382,21 @@
               <a:defRPr sz="1100"/>
             </a:lvl9pPr>
           </a:lstStyle>
-          <a:p>
-            <a:endParaRPr/>
-          </a:p>
+          <a:p/>
         </p:txBody>
       </p:sp>
     </p:spTree>
   </p:cSld>
-  <p:clrMap bg1="lt1" tx1="dk1" bg2="dk2" tx2="lt2" accent1="accent1" accent2="accent2" accent3="accent3" accent4="accent4" accent5="accent5" accent6="accent6" hlink="hlink" folHlink="folHlink"/>
-  <p:notesStyle>
-    <a:lvl1pPr marL="0" algn="l" defTabSz="914400" rtl="0" eaLnBrk="1" latinLnBrk="0" hangingPunct="1">
-      <a:defRPr sz="1200" kern="1200">
-        <a:solidFill>
-          <a:schemeClr val="tx1"/>
-        </a:solidFill>
-        <a:latin typeface="+mn-lt"/>
-        <a:ea typeface="+mn-ea"/>
-        <a:cs typeface="+mn-cs"/>
-      </a:defRPr>
-    </a:lvl1pPr>
-    <a:lvl2pPr marL="457200" algn="l" defTabSz="914400" rtl="0" eaLnBrk="1" latinLnBrk="0" hangingPunct="1">
-      <a:defRPr sz="1200" kern="1200">
-        <a:solidFill>
-          <a:schemeClr val="tx1"/>
-        </a:solidFill>
-        <a:latin typeface="+mn-lt"/>
-        <a:ea typeface="+mn-ea"/>
-        <a:cs typeface="+mn-cs"/>
-      </a:defRPr>
-    </a:lvl2pPr>
-    <a:lvl3pPr marL="914400" algn="l" defTabSz="914400" rtl="0" eaLnBrk="1" latinLnBrk="0" hangingPunct="1">
-      <a:defRPr sz="1200" kern="1200">
-        <a:solidFill>
-          <a:schemeClr val="tx1"/>
-        </a:solidFill>
-        <a:latin typeface="+mn-lt"/>
-        <a:ea typeface="+mn-ea"/>
-        <a:cs typeface="+mn-cs"/>
-      </a:defRPr>
-    </a:lvl3pPr>
-    <a:lvl4pPr marL="1371600" algn="l" defTabSz="914400" rtl="0" eaLnBrk="1" latinLnBrk="0" hangingPunct="1">
-      <a:defRPr sz="1200" kern="1200">
-        <a:solidFill>
-          <a:schemeClr val="tx1"/>
-        </a:solidFill>
-        <a:latin typeface="+mn-lt"/>
-        <a:ea typeface="+mn-ea"/>
-        <a:cs typeface="+mn-cs"/>
-      </a:defRPr>
-    </a:lvl4pPr>
-    <a:lvl5pPr marL="1828800" algn="l" defTabSz="914400" rtl="0" eaLnBrk="1" latinLnBrk="0" hangingPunct="1">
-      <a:defRPr sz="1200" kern="1200">
-        <a:solidFill>
-          <a:schemeClr val="tx1"/>
-        </a:solidFill>
-        <a:latin typeface="+mn-lt"/>
-        <a:ea typeface="+mn-ea"/>
-        <a:cs typeface="+mn-cs"/>
-      </a:defRPr>
-    </a:lvl5pPr>
-    <a:lvl6pPr marL="2286000" algn="l" defTabSz="914400" rtl="0" eaLnBrk="1" latinLnBrk="0" hangingPunct="1">
-      <a:defRPr sz="1200" kern="1200">
-        <a:solidFill>
-          <a:schemeClr val="tx1"/>
-        </a:solidFill>
-        <a:latin typeface="+mn-lt"/>
-        <a:ea typeface="+mn-ea"/>
-        <a:cs typeface="+mn-cs"/>
-      </a:defRPr>
-    </a:lvl6pPr>
-    <a:lvl7pPr marL="2743200" algn="l" defTabSz="914400" rtl="0" eaLnBrk="1" latinLnBrk="0" hangingPunct="1">
-      <a:defRPr sz="1200" kern="1200">
-        <a:solidFill>
-          <a:schemeClr val="tx1"/>
-        </a:solidFill>
-        <a:latin typeface="+mn-lt"/>
-        <a:ea typeface="+mn-ea"/>
-        <a:cs typeface="+mn-cs"/>
-      </a:defRPr>
-    </a:lvl7pPr>
-    <a:lvl8pPr marL="3200400" algn="l" defTabSz="914400" rtl="0" eaLnBrk="1" latinLnBrk="0" hangingPunct="1">
-      <a:defRPr sz="1200" kern="1200">
-        <a:solidFill>
-          <a:schemeClr val="tx1"/>
-        </a:solidFill>
-        <a:latin typeface="+mn-lt"/>
-        <a:ea typeface="+mn-ea"/>
-        <a:cs typeface="+mn-cs"/>
-      </a:defRPr>
-    </a:lvl8pPr>
-    <a:lvl9pPr marL="3657600" algn="l" defTabSz="914400" rtl="0" eaLnBrk="1" latinLnBrk="0" hangingPunct="1">
-      <a:defRPr sz="1200" kern="1200">
-        <a:solidFill>
-          <a:schemeClr val="tx1"/>
-        </a:solidFill>
-        <a:latin typeface="+mn-lt"/>
-        <a:ea typeface="+mn-ea"/>
-        <a:cs typeface="+mn-cs"/>
-      </a:defRPr>
-    </a:lvl9pPr>
-  </p:notesStyle>
+  <p:clrMap accent1="accent1" accent2="accent2" accent3="accent3" accent4="accent4" accent5="accent5" accent6="accent6" bg1="lt1" bg2="dk2" tx1="dk1" tx2="lt2" folHlink="folHlink" hlink="hlink"/>
 </p:notesMaster>
 </file>
 
 <file path=ppt/notesSlides/notesSlide1.xml><?xml version="1.0" encoding="utf-8"?>
-<p:notes xmlns:a="http://schemas.openxmlformats.org/drawingml/2006/main" xmlns:r="http://schemas.openxmlformats.org/officeDocument/2006/relationships" xmlns:p="http://schemas.openxmlformats.org/presentationml/2006/main" showMasterSp="0" showMasterPhAnim="0">
+<p:notes xmlns:a="http://schemas.openxmlformats.org/drawingml/2006/main" xmlns:r="http://schemas.openxmlformats.org/officeDocument/2006/relationships" xmlns:mc="http://schemas.openxmlformats.org/markup-compatibility/2006" xmlns:mv="urn:schemas-microsoft-com:mac:vml" xmlns:p="http://schemas.openxmlformats.org/presentationml/2006/main" xmlns:c="http://schemas.openxmlformats.org/drawingml/2006/chart" xmlns:dgm="http://schemas.openxmlformats.org/drawingml/2006/diagram" xmlns:o="urn:schemas-microsoft-com:office:office" xmlns:v="urn:schemas-microsoft-com:vml" xmlns:pvml="urn:schemas-microsoft-com:office:powerpoint" xmlns:com="http://schemas.openxmlformats.org/drawingml/2006/compatibility" xmlns:p14="http://schemas.microsoft.com/office/powerpoint/2010/main" showMasterPhAnim="0" showMasterSp="0">
   <p:cSld>
     <p:spTree>
       <p:nvGrpSpPr>
-        <p:cNvPr id="1" name="Shape 50"/>
+        <p:cNvPr id="50" name="Shape 50"/>
         <p:cNvGrpSpPr/>
         <p:nvPr/>
       </p:nvGrpSpPr>
@@ -517,26 +411,19 @@
       <p:sp>
         <p:nvSpPr>
           <p:cNvPr id="51" name="Shape 51"/>
-          <p:cNvSpPr>
-            <a:spLocks noGrp="1" noRot="1" noChangeAspect="1"/>
-          </p:cNvSpPr>
-          <p:nvPr>
-            <p:ph type="sldImg" idx="2"/>
-          </p:nvPr>
-        </p:nvSpPr>
-        <p:spPr>
-          <a:xfrm>
-            <a:off x="381000" y="685800"/>
-            <a:ext cx="6096000" cy="3429000"/>
+          <p:cNvSpPr/>
+          <p:nvPr>
+            <p:ph idx="2" type="sldImg"/>
+          </p:nvPr>
+        </p:nvSpPr>
+        <p:spPr>
+          <a:xfrm>
+            <a:off x="381300" y="685800"/>
+            <a:ext cx="6096075" cy="3429000"/>
           </a:xfrm>
           <a:custGeom>
-            <a:avLst/>
-            <a:gdLst/>
-            <a:ahLst/>
-            <a:cxnLst/>
-            <a:rect l="0" t="0" r="0" b="0"/>
             <a:pathLst>
-              <a:path w="120000" h="120000" extrusionOk="0">
+              <a:path extrusionOk="0" h="120000" w="120000">
                 <a:moveTo>
                   <a:pt x="0" y="0"/>
                 </a:moveTo>
@@ -558,11 +445,9 @@
       <p:sp>
         <p:nvSpPr>
           <p:cNvPr id="52" name="Shape 52"/>
-          <p:cNvSpPr txBox="1">
-            <a:spLocks noGrp="1"/>
-          </p:cNvSpPr>
-          <p:nvPr>
-            <p:ph type="body" idx="1"/>
+          <p:cNvSpPr txBox="1"/>
+          <p:nvPr>
+            <p:ph idx="1" type="body"/>
           </p:nvPr>
         </p:nvSpPr>
         <p:spPr>
@@ -575,7 +460,7 @@
           </a:prstGeom>
         </p:spPr>
         <p:txBody>
-          <a:bodyPr lIns="91425" tIns="91425" rIns="91425" bIns="91425" anchor="t" anchorCtr="0">
+          <a:bodyPr anchorCtr="0" anchor="t" bIns="91425" lIns="91425" rIns="91425" tIns="91425">
             <a:noAutofit/>
           </a:bodyPr>
           <a:lstStyle/>
@@ -586,6 +471,9 @@
               </a:spcBef>
               <a:buNone/>
             </a:pPr>
+            <a:r>
+              <a:t/>
+            </a:r>
             <a:endParaRPr/>
           </a:p>
         </p:txBody>
@@ -599,11 +487,11 @@
 </file>
 
 <file path=ppt/notesSlides/notesSlide10.xml><?xml version="1.0" encoding="utf-8"?>
-<p:notes xmlns:a="http://schemas.openxmlformats.org/drawingml/2006/main" xmlns:r="http://schemas.openxmlformats.org/officeDocument/2006/relationships" xmlns:p="http://schemas.openxmlformats.org/presentationml/2006/main" showMasterSp="0" showMasterPhAnim="0">
+<p:notes xmlns:a="http://schemas.openxmlformats.org/drawingml/2006/main" xmlns:r="http://schemas.openxmlformats.org/officeDocument/2006/relationships" xmlns:mc="http://schemas.openxmlformats.org/markup-compatibility/2006" xmlns:mv="urn:schemas-microsoft-com:mac:vml" xmlns:p="http://schemas.openxmlformats.org/presentationml/2006/main" xmlns:c="http://schemas.openxmlformats.org/drawingml/2006/chart" xmlns:dgm="http://schemas.openxmlformats.org/drawingml/2006/diagram" xmlns:o="urn:schemas-microsoft-com:office:office" xmlns:v="urn:schemas-microsoft-com:vml" xmlns:pvml="urn:schemas-microsoft-com:office:powerpoint" xmlns:com="http://schemas.openxmlformats.org/drawingml/2006/compatibility" xmlns:p14="http://schemas.microsoft.com/office/powerpoint/2010/main" showMasterPhAnim="0" showMasterSp="0">
   <p:cSld>
     <p:spTree>
       <p:nvGrpSpPr>
-        <p:cNvPr id="1" name="Shape 104"/>
+        <p:cNvPr id="104" name="Shape 104"/>
         <p:cNvGrpSpPr/>
         <p:nvPr/>
       </p:nvGrpSpPr>
@@ -618,11 +506,9 @@
       <p:sp>
         <p:nvSpPr>
           <p:cNvPr id="105" name="Shape 105"/>
-          <p:cNvSpPr>
-            <a:spLocks noGrp="1" noRot="1" noChangeAspect="1"/>
-          </p:cNvSpPr>
-          <p:nvPr>
-            <p:ph type="sldImg" idx="2"/>
+          <p:cNvSpPr/>
+          <p:nvPr>
+            <p:ph idx="2" type="sldImg"/>
           </p:nvPr>
         </p:nvSpPr>
         <p:spPr>
@@ -631,13 +517,8 @@
             <a:ext cx="6096000" cy="3429000"/>
           </a:xfrm>
           <a:custGeom>
-            <a:avLst/>
-            <a:gdLst/>
-            <a:ahLst/>
-            <a:cxnLst/>
-            <a:rect l="0" t="0" r="0" b="0"/>
             <a:pathLst>
-              <a:path w="120000" h="120000" extrusionOk="0">
+              <a:path extrusionOk="0" h="120000" w="120000">
                 <a:moveTo>
                   <a:pt x="0" y="0"/>
                 </a:moveTo>
@@ -659,11 +540,9 @@
       <p:sp>
         <p:nvSpPr>
           <p:cNvPr id="106" name="Shape 106"/>
-          <p:cNvSpPr txBox="1">
-            <a:spLocks noGrp="1"/>
-          </p:cNvSpPr>
-          <p:nvPr>
-            <p:ph type="body" idx="1"/>
+          <p:cNvSpPr txBox="1"/>
+          <p:nvPr>
+            <p:ph idx="1" type="body"/>
           </p:nvPr>
         </p:nvSpPr>
         <p:spPr>
@@ -676,7 +555,7 @@
           </a:prstGeom>
         </p:spPr>
         <p:txBody>
-          <a:bodyPr lIns="91425" tIns="91425" rIns="91425" bIns="91425" anchor="t" anchorCtr="0">
+          <a:bodyPr anchorCtr="0" anchor="t" bIns="91425" lIns="91425" rIns="91425" tIns="91425">
             <a:noAutofit/>
           </a:bodyPr>
           <a:lstStyle/>
@@ -687,6 +566,9 @@
               </a:spcBef>
               <a:buNone/>
             </a:pPr>
+            <a:r>
+              <a:t/>
+            </a:r>
             <a:endParaRPr/>
           </a:p>
         </p:txBody>
@@ -700,11 +582,11 @@
 </file>
 
 <file path=ppt/notesSlides/notesSlide11.xml><?xml version="1.0" encoding="utf-8"?>
-<p:notes xmlns:a="http://schemas.openxmlformats.org/drawingml/2006/main" xmlns:r="http://schemas.openxmlformats.org/officeDocument/2006/relationships" xmlns:p="http://schemas.openxmlformats.org/presentationml/2006/main" showMasterSp="0" showMasterPhAnim="0">
+<p:notes xmlns:a="http://schemas.openxmlformats.org/drawingml/2006/main" xmlns:r="http://schemas.openxmlformats.org/officeDocument/2006/relationships" xmlns:mc="http://schemas.openxmlformats.org/markup-compatibility/2006" xmlns:mv="urn:schemas-microsoft-com:mac:vml" xmlns:p="http://schemas.openxmlformats.org/presentationml/2006/main" xmlns:c="http://schemas.openxmlformats.org/drawingml/2006/chart" xmlns:dgm="http://schemas.openxmlformats.org/drawingml/2006/diagram" xmlns:o="urn:schemas-microsoft-com:office:office" xmlns:v="urn:schemas-microsoft-com:vml" xmlns:pvml="urn:schemas-microsoft-com:office:powerpoint" xmlns:com="http://schemas.openxmlformats.org/drawingml/2006/compatibility" xmlns:p14="http://schemas.microsoft.com/office/powerpoint/2010/main" showMasterPhAnim="0" showMasterSp="0">
   <p:cSld>
     <p:spTree>
       <p:nvGrpSpPr>
-        <p:cNvPr id="1" name="Shape 110"/>
+        <p:cNvPr id="110" name="Shape 110"/>
         <p:cNvGrpSpPr/>
         <p:nvPr/>
       </p:nvGrpSpPr>
@@ -719,11 +601,9 @@
       <p:sp>
         <p:nvSpPr>
           <p:cNvPr id="111" name="Shape 111"/>
-          <p:cNvSpPr>
-            <a:spLocks noGrp="1" noRot="1" noChangeAspect="1"/>
-          </p:cNvSpPr>
-          <p:nvPr>
-            <p:ph type="sldImg" idx="2"/>
+          <p:cNvSpPr/>
+          <p:nvPr>
+            <p:ph idx="2" type="sldImg"/>
           </p:nvPr>
         </p:nvSpPr>
         <p:spPr>
@@ -732,13 +612,8 @@
             <a:ext cx="6096000" cy="3429000"/>
           </a:xfrm>
           <a:custGeom>
-            <a:avLst/>
-            <a:gdLst/>
-            <a:ahLst/>
-            <a:cxnLst/>
-            <a:rect l="0" t="0" r="0" b="0"/>
             <a:pathLst>
-              <a:path w="120000" h="120000" extrusionOk="0">
+              <a:path extrusionOk="0" h="120000" w="120000">
                 <a:moveTo>
                   <a:pt x="0" y="0"/>
                 </a:moveTo>
@@ -760,11 +635,9 @@
       <p:sp>
         <p:nvSpPr>
           <p:cNvPr id="112" name="Shape 112"/>
-          <p:cNvSpPr txBox="1">
-            <a:spLocks noGrp="1"/>
-          </p:cNvSpPr>
-          <p:nvPr>
-            <p:ph type="body" idx="1"/>
+          <p:cNvSpPr txBox="1"/>
+          <p:nvPr>
+            <p:ph idx="1" type="body"/>
           </p:nvPr>
         </p:nvSpPr>
         <p:spPr>
@@ -777,7 +650,7 @@
           </a:prstGeom>
         </p:spPr>
         <p:txBody>
-          <a:bodyPr lIns="91425" tIns="91425" rIns="91425" bIns="91425" anchor="t" anchorCtr="0">
+          <a:bodyPr anchorCtr="0" anchor="t" bIns="91425" lIns="91425" rIns="91425" tIns="91425">
             <a:noAutofit/>
           </a:bodyPr>
           <a:lstStyle/>
@@ -788,6 +661,9 @@
               </a:spcBef>
               <a:buNone/>
             </a:pPr>
+            <a:r>
+              <a:t/>
+            </a:r>
             <a:endParaRPr/>
           </a:p>
         </p:txBody>
@@ -801,11 +677,11 @@
 </file>
 
 <file path=ppt/notesSlides/notesSlide12.xml><?xml version="1.0" encoding="utf-8"?>
-<p:notes xmlns:a="http://schemas.openxmlformats.org/drawingml/2006/main" xmlns:r="http://schemas.openxmlformats.org/officeDocument/2006/relationships" xmlns:p="http://schemas.openxmlformats.org/presentationml/2006/main" showMasterSp="0" showMasterPhAnim="0">
+<p:notes xmlns:a="http://schemas.openxmlformats.org/drawingml/2006/main" xmlns:r="http://schemas.openxmlformats.org/officeDocument/2006/relationships" xmlns:mc="http://schemas.openxmlformats.org/markup-compatibility/2006" xmlns:mv="urn:schemas-microsoft-com:mac:vml" xmlns:p="http://schemas.openxmlformats.org/presentationml/2006/main" xmlns:c="http://schemas.openxmlformats.org/drawingml/2006/chart" xmlns:dgm="http://schemas.openxmlformats.org/drawingml/2006/diagram" xmlns:o="urn:schemas-microsoft-com:office:office" xmlns:v="urn:schemas-microsoft-com:vml" xmlns:pvml="urn:schemas-microsoft-com:office:powerpoint" xmlns:com="http://schemas.openxmlformats.org/drawingml/2006/compatibility" xmlns:p14="http://schemas.microsoft.com/office/powerpoint/2010/main" showMasterPhAnim="0" showMasterSp="0">
   <p:cSld>
     <p:spTree>
       <p:nvGrpSpPr>
-        <p:cNvPr id="1" name="Shape 116"/>
+        <p:cNvPr id="116" name="Shape 116"/>
         <p:cNvGrpSpPr/>
         <p:nvPr/>
       </p:nvGrpSpPr>
@@ -820,11 +696,9 @@
       <p:sp>
         <p:nvSpPr>
           <p:cNvPr id="117" name="Shape 117"/>
-          <p:cNvSpPr>
-            <a:spLocks noGrp="1" noRot="1" noChangeAspect="1"/>
-          </p:cNvSpPr>
-          <p:nvPr>
-            <p:ph type="sldImg" idx="2"/>
+          <p:cNvSpPr/>
+          <p:nvPr>
+            <p:ph idx="2" type="sldImg"/>
           </p:nvPr>
         </p:nvSpPr>
         <p:spPr>
@@ -833,13 +707,8 @@
             <a:ext cx="6096000" cy="3429000"/>
           </a:xfrm>
           <a:custGeom>
-            <a:avLst/>
-            <a:gdLst/>
-            <a:ahLst/>
-            <a:cxnLst/>
-            <a:rect l="0" t="0" r="0" b="0"/>
             <a:pathLst>
-              <a:path w="120000" h="120000" extrusionOk="0">
+              <a:path extrusionOk="0" h="120000" w="120000">
                 <a:moveTo>
                   <a:pt x="0" y="0"/>
                 </a:moveTo>
@@ -861,11 +730,9 @@
       <p:sp>
         <p:nvSpPr>
           <p:cNvPr id="118" name="Shape 118"/>
-          <p:cNvSpPr txBox="1">
-            <a:spLocks noGrp="1"/>
-          </p:cNvSpPr>
-          <p:nvPr>
-            <p:ph type="body" idx="1"/>
+          <p:cNvSpPr txBox="1"/>
+          <p:nvPr>
+            <p:ph idx="1" type="body"/>
           </p:nvPr>
         </p:nvSpPr>
         <p:spPr>
@@ -878,7 +745,7 @@
           </a:prstGeom>
         </p:spPr>
         <p:txBody>
-          <a:bodyPr lIns="91425" tIns="91425" rIns="91425" bIns="91425" anchor="t" anchorCtr="0">
+          <a:bodyPr anchorCtr="0" anchor="t" bIns="91425" lIns="91425" rIns="91425" tIns="91425">
             <a:noAutofit/>
           </a:bodyPr>
           <a:lstStyle/>
@@ -889,6 +756,9 @@
               </a:spcBef>
               <a:buNone/>
             </a:pPr>
+            <a:r>
+              <a:t/>
+            </a:r>
             <a:endParaRPr/>
           </a:p>
         </p:txBody>
@@ -902,11 +772,11 @@
 </file>
 
 <file path=ppt/notesSlides/notesSlide13.xml><?xml version="1.0" encoding="utf-8"?>
-<p:notes xmlns:a="http://schemas.openxmlformats.org/drawingml/2006/main" xmlns:r="http://schemas.openxmlformats.org/officeDocument/2006/relationships" xmlns:p="http://schemas.openxmlformats.org/presentationml/2006/main" showMasterSp="0" showMasterPhAnim="0">
+<p:notes xmlns:a="http://schemas.openxmlformats.org/drawingml/2006/main" xmlns:r="http://schemas.openxmlformats.org/officeDocument/2006/relationships" xmlns:mc="http://schemas.openxmlformats.org/markup-compatibility/2006" xmlns:mv="urn:schemas-microsoft-com:mac:vml" xmlns:p="http://schemas.openxmlformats.org/presentationml/2006/main" xmlns:c="http://schemas.openxmlformats.org/drawingml/2006/chart" xmlns:dgm="http://schemas.openxmlformats.org/drawingml/2006/diagram" xmlns:o="urn:schemas-microsoft-com:office:office" xmlns:v="urn:schemas-microsoft-com:vml" xmlns:pvml="urn:schemas-microsoft-com:office:powerpoint" xmlns:com="http://schemas.openxmlformats.org/drawingml/2006/compatibility" xmlns:p14="http://schemas.microsoft.com/office/powerpoint/2010/main" showMasterPhAnim="0" showMasterSp="0">
   <p:cSld>
     <p:spTree>
       <p:nvGrpSpPr>
-        <p:cNvPr id="1" name="Shape 122"/>
+        <p:cNvPr id="122" name="Shape 122"/>
         <p:cNvGrpSpPr/>
         <p:nvPr/>
       </p:nvGrpSpPr>
@@ -921,11 +791,9 @@
       <p:sp>
         <p:nvSpPr>
           <p:cNvPr id="123" name="Shape 123"/>
-          <p:cNvSpPr>
-            <a:spLocks noGrp="1" noRot="1" noChangeAspect="1"/>
-          </p:cNvSpPr>
-          <p:nvPr>
-            <p:ph type="sldImg" idx="2"/>
+          <p:cNvSpPr/>
+          <p:nvPr>
+            <p:ph idx="2" type="sldImg"/>
           </p:nvPr>
         </p:nvSpPr>
         <p:spPr>
@@ -934,13 +802,8 @@
             <a:ext cx="6096000" cy="3429000"/>
           </a:xfrm>
           <a:custGeom>
-            <a:avLst/>
-            <a:gdLst/>
-            <a:ahLst/>
-            <a:cxnLst/>
-            <a:rect l="0" t="0" r="0" b="0"/>
             <a:pathLst>
-              <a:path w="120000" h="120000" extrusionOk="0">
+              <a:path extrusionOk="0" h="120000" w="120000">
                 <a:moveTo>
                   <a:pt x="0" y="0"/>
                 </a:moveTo>
@@ -962,11 +825,9 @@
       <p:sp>
         <p:nvSpPr>
           <p:cNvPr id="124" name="Shape 124"/>
-          <p:cNvSpPr txBox="1">
-            <a:spLocks noGrp="1"/>
-          </p:cNvSpPr>
-          <p:nvPr>
-            <p:ph type="body" idx="1"/>
+          <p:cNvSpPr txBox="1"/>
+          <p:nvPr>
+            <p:ph idx="1" type="body"/>
           </p:nvPr>
         </p:nvSpPr>
         <p:spPr>
@@ -979,7 +840,7 @@
           </a:prstGeom>
         </p:spPr>
         <p:txBody>
-          <a:bodyPr lIns="91425" tIns="91425" rIns="91425" bIns="91425" anchor="t" anchorCtr="0">
+          <a:bodyPr anchorCtr="0" anchor="t" bIns="91425" lIns="91425" rIns="91425" tIns="91425">
             <a:noAutofit/>
           </a:bodyPr>
           <a:lstStyle/>
@@ -990,6 +851,9 @@
               </a:spcBef>
               <a:buNone/>
             </a:pPr>
+            <a:r>
+              <a:t/>
+            </a:r>
             <a:endParaRPr/>
           </a:p>
         </p:txBody>
@@ -1003,11 +867,11 @@
 </file>
 
 <file path=ppt/notesSlides/notesSlide14.xml><?xml version="1.0" encoding="utf-8"?>
-<p:notes xmlns:a="http://schemas.openxmlformats.org/drawingml/2006/main" xmlns:r="http://schemas.openxmlformats.org/officeDocument/2006/relationships" xmlns:p="http://schemas.openxmlformats.org/presentationml/2006/main" showMasterSp="0" showMasterPhAnim="0">
+<p:notes xmlns:a="http://schemas.openxmlformats.org/drawingml/2006/main" xmlns:r="http://schemas.openxmlformats.org/officeDocument/2006/relationships" xmlns:mc="http://schemas.openxmlformats.org/markup-compatibility/2006" xmlns:mv="urn:schemas-microsoft-com:mac:vml" xmlns:p="http://schemas.openxmlformats.org/presentationml/2006/main" xmlns:c="http://schemas.openxmlformats.org/drawingml/2006/chart" xmlns:dgm="http://schemas.openxmlformats.org/drawingml/2006/diagram" xmlns:o="urn:schemas-microsoft-com:office:office" xmlns:v="urn:schemas-microsoft-com:vml" xmlns:pvml="urn:schemas-microsoft-com:office:powerpoint" xmlns:com="http://schemas.openxmlformats.org/drawingml/2006/compatibility" xmlns:p14="http://schemas.microsoft.com/office/powerpoint/2010/main" showMasterPhAnim="0" showMasterSp="0">
   <p:cSld>
     <p:spTree>
       <p:nvGrpSpPr>
-        <p:cNvPr id="1" name="Shape 128"/>
+        <p:cNvPr id="128" name="Shape 128"/>
         <p:cNvGrpSpPr/>
         <p:nvPr/>
       </p:nvGrpSpPr>
@@ -1022,11 +886,9 @@
       <p:sp>
         <p:nvSpPr>
           <p:cNvPr id="129" name="Shape 129"/>
-          <p:cNvSpPr>
-            <a:spLocks noGrp="1" noRot="1" noChangeAspect="1"/>
-          </p:cNvSpPr>
-          <p:nvPr>
-            <p:ph type="sldImg" idx="2"/>
+          <p:cNvSpPr/>
+          <p:nvPr>
+            <p:ph idx="2" type="sldImg"/>
           </p:nvPr>
         </p:nvSpPr>
         <p:spPr>
@@ -1035,13 +897,8 @@
             <a:ext cx="6096000" cy="3429000"/>
           </a:xfrm>
           <a:custGeom>
-            <a:avLst/>
-            <a:gdLst/>
-            <a:ahLst/>
-            <a:cxnLst/>
-            <a:rect l="0" t="0" r="0" b="0"/>
             <a:pathLst>
-              <a:path w="120000" h="120000" extrusionOk="0">
+              <a:path extrusionOk="0" h="120000" w="120000">
                 <a:moveTo>
                   <a:pt x="0" y="0"/>
                 </a:moveTo>
@@ -1063,11 +920,9 @@
       <p:sp>
         <p:nvSpPr>
           <p:cNvPr id="130" name="Shape 130"/>
-          <p:cNvSpPr txBox="1">
-            <a:spLocks noGrp="1"/>
-          </p:cNvSpPr>
-          <p:nvPr>
-            <p:ph type="body" idx="1"/>
+          <p:cNvSpPr txBox="1"/>
+          <p:nvPr>
+            <p:ph idx="1" type="body"/>
           </p:nvPr>
         </p:nvSpPr>
         <p:spPr>
@@ -1080,7 +935,7 @@
           </a:prstGeom>
         </p:spPr>
         <p:txBody>
-          <a:bodyPr lIns="91425" tIns="91425" rIns="91425" bIns="91425" anchor="t" anchorCtr="0">
+          <a:bodyPr anchorCtr="0" anchor="t" bIns="91425" lIns="91425" rIns="91425" tIns="91425">
             <a:noAutofit/>
           </a:bodyPr>
           <a:lstStyle/>
@@ -1091,6 +946,9 @@
               </a:spcBef>
               <a:buNone/>
             </a:pPr>
+            <a:r>
+              <a:t/>
+            </a:r>
             <a:endParaRPr/>
           </a:p>
         </p:txBody>
@@ -1104,11 +962,11 @@
 </file>
 
 <file path=ppt/notesSlides/notesSlide15.xml><?xml version="1.0" encoding="utf-8"?>
-<p:notes xmlns:a="http://schemas.openxmlformats.org/drawingml/2006/main" xmlns:r="http://schemas.openxmlformats.org/officeDocument/2006/relationships" xmlns:p="http://schemas.openxmlformats.org/presentationml/2006/main" showMasterSp="0" showMasterPhAnim="0">
+<p:notes xmlns:a="http://schemas.openxmlformats.org/drawingml/2006/main" xmlns:r="http://schemas.openxmlformats.org/officeDocument/2006/relationships" xmlns:mc="http://schemas.openxmlformats.org/markup-compatibility/2006" xmlns:mv="urn:schemas-microsoft-com:mac:vml" xmlns:p="http://schemas.openxmlformats.org/presentationml/2006/main" xmlns:c="http://schemas.openxmlformats.org/drawingml/2006/chart" xmlns:dgm="http://schemas.openxmlformats.org/drawingml/2006/diagram" xmlns:o="urn:schemas-microsoft-com:office:office" xmlns:v="urn:schemas-microsoft-com:vml" xmlns:pvml="urn:schemas-microsoft-com:office:powerpoint" xmlns:com="http://schemas.openxmlformats.org/drawingml/2006/compatibility" xmlns:p14="http://schemas.microsoft.com/office/powerpoint/2010/main" showMasterPhAnim="0" showMasterSp="0">
   <p:cSld>
     <p:spTree>
       <p:nvGrpSpPr>
-        <p:cNvPr id="1" name="Shape 134"/>
+        <p:cNvPr id="134" name="Shape 134"/>
         <p:cNvGrpSpPr/>
         <p:nvPr/>
       </p:nvGrpSpPr>
@@ -1123,11 +981,9 @@
       <p:sp>
         <p:nvSpPr>
           <p:cNvPr id="135" name="Shape 135"/>
-          <p:cNvSpPr>
-            <a:spLocks noGrp="1" noRot="1" noChangeAspect="1"/>
-          </p:cNvSpPr>
-          <p:nvPr>
-            <p:ph type="sldImg" idx="2"/>
+          <p:cNvSpPr/>
+          <p:nvPr>
+            <p:ph idx="2" type="sldImg"/>
           </p:nvPr>
         </p:nvSpPr>
         <p:spPr>
@@ -1136,13 +992,8 @@
             <a:ext cx="6096000" cy="3429000"/>
           </a:xfrm>
           <a:custGeom>
-            <a:avLst/>
-            <a:gdLst/>
-            <a:ahLst/>
-            <a:cxnLst/>
-            <a:rect l="0" t="0" r="0" b="0"/>
             <a:pathLst>
-              <a:path w="120000" h="120000" extrusionOk="0">
+              <a:path extrusionOk="0" h="120000" w="120000">
                 <a:moveTo>
                   <a:pt x="0" y="0"/>
                 </a:moveTo>
@@ -1164,11 +1015,9 @@
       <p:sp>
         <p:nvSpPr>
           <p:cNvPr id="136" name="Shape 136"/>
-          <p:cNvSpPr txBox="1">
-            <a:spLocks noGrp="1"/>
-          </p:cNvSpPr>
-          <p:nvPr>
-            <p:ph type="body" idx="1"/>
+          <p:cNvSpPr txBox="1"/>
+          <p:nvPr>
+            <p:ph idx="1" type="body"/>
           </p:nvPr>
         </p:nvSpPr>
         <p:spPr>
@@ -1181,7 +1030,7 @@
           </a:prstGeom>
         </p:spPr>
         <p:txBody>
-          <a:bodyPr lIns="91425" tIns="91425" rIns="91425" bIns="91425" anchor="t" anchorCtr="0">
+          <a:bodyPr anchorCtr="0" anchor="t" bIns="91425" lIns="91425" rIns="91425" tIns="91425">
             <a:noAutofit/>
           </a:bodyPr>
           <a:lstStyle/>
@@ -1192,6 +1041,9 @@
               </a:spcBef>
               <a:buNone/>
             </a:pPr>
+            <a:r>
+              <a:t/>
+            </a:r>
             <a:endParaRPr/>
           </a:p>
         </p:txBody>
@@ -1205,11 +1057,11 @@
 </file>
 
 <file path=ppt/notesSlides/notesSlide16.xml><?xml version="1.0" encoding="utf-8"?>
-<p:notes xmlns:a="http://schemas.openxmlformats.org/drawingml/2006/main" xmlns:r="http://schemas.openxmlformats.org/officeDocument/2006/relationships" xmlns:p="http://schemas.openxmlformats.org/presentationml/2006/main" showMasterSp="0" showMasterPhAnim="0">
+<p:notes xmlns:a="http://schemas.openxmlformats.org/drawingml/2006/main" xmlns:r="http://schemas.openxmlformats.org/officeDocument/2006/relationships" xmlns:mc="http://schemas.openxmlformats.org/markup-compatibility/2006" xmlns:mv="urn:schemas-microsoft-com:mac:vml" xmlns:p="http://schemas.openxmlformats.org/presentationml/2006/main" xmlns:c="http://schemas.openxmlformats.org/drawingml/2006/chart" xmlns:dgm="http://schemas.openxmlformats.org/drawingml/2006/diagram" xmlns:o="urn:schemas-microsoft-com:office:office" xmlns:v="urn:schemas-microsoft-com:vml" xmlns:pvml="urn:schemas-microsoft-com:office:powerpoint" xmlns:com="http://schemas.openxmlformats.org/drawingml/2006/compatibility" xmlns:p14="http://schemas.microsoft.com/office/powerpoint/2010/main" showMasterPhAnim="0" showMasterSp="0">
   <p:cSld>
     <p:spTree>
       <p:nvGrpSpPr>
-        <p:cNvPr id="1" name="Shape 140"/>
+        <p:cNvPr id="140" name="Shape 140"/>
         <p:cNvGrpSpPr/>
         <p:nvPr/>
       </p:nvGrpSpPr>
@@ -1224,11 +1076,9 @@
       <p:sp>
         <p:nvSpPr>
           <p:cNvPr id="141" name="Shape 141"/>
-          <p:cNvSpPr>
-            <a:spLocks noGrp="1" noRot="1" noChangeAspect="1"/>
-          </p:cNvSpPr>
-          <p:nvPr>
-            <p:ph type="sldImg" idx="2"/>
+          <p:cNvSpPr/>
+          <p:nvPr>
+            <p:ph idx="2" type="sldImg"/>
           </p:nvPr>
         </p:nvSpPr>
         <p:spPr>
@@ -1237,13 +1087,8 @@
             <a:ext cx="6096000" cy="3429000"/>
           </a:xfrm>
           <a:custGeom>
-            <a:avLst/>
-            <a:gdLst/>
-            <a:ahLst/>
-            <a:cxnLst/>
-            <a:rect l="0" t="0" r="0" b="0"/>
             <a:pathLst>
-              <a:path w="120000" h="120000" extrusionOk="0">
+              <a:path extrusionOk="0" h="120000" w="120000">
                 <a:moveTo>
                   <a:pt x="0" y="0"/>
                 </a:moveTo>
@@ -1265,11 +1110,9 @@
       <p:sp>
         <p:nvSpPr>
           <p:cNvPr id="142" name="Shape 142"/>
-          <p:cNvSpPr txBox="1">
-            <a:spLocks noGrp="1"/>
-          </p:cNvSpPr>
-          <p:nvPr>
-            <p:ph type="body" idx="1"/>
+          <p:cNvSpPr txBox="1"/>
+          <p:nvPr>
+            <p:ph idx="1" type="body"/>
           </p:nvPr>
         </p:nvSpPr>
         <p:spPr>
@@ -1282,7 +1125,7 @@
           </a:prstGeom>
         </p:spPr>
         <p:txBody>
-          <a:bodyPr lIns="91425" tIns="91425" rIns="91425" bIns="91425" anchor="t" anchorCtr="0">
+          <a:bodyPr anchorCtr="0" anchor="t" bIns="91425" lIns="91425" rIns="91425" tIns="91425">
             <a:noAutofit/>
           </a:bodyPr>
           <a:lstStyle/>
@@ -1293,6 +1136,9 @@
               </a:spcBef>
               <a:buNone/>
             </a:pPr>
+            <a:r>
+              <a:t/>
+            </a:r>
             <a:endParaRPr/>
           </a:p>
         </p:txBody>
@@ -1306,11 +1152,11 @@
 </file>
 
 <file path=ppt/notesSlides/notesSlide17.xml><?xml version="1.0" encoding="utf-8"?>
-<p:notes xmlns:a="http://schemas.openxmlformats.org/drawingml/2006/main" xmlns:r="http://schemas.openxmlformats.org/officeDocument/2006/relationships" xmlns:p="http://schemas.openxmlformats.org/presentationml/2006/main" showMasterSp="0" showMasterPhAnim="0">
+<p:notes xmlns:a="http://schemas.openxmlformats.org/drawingml/2006/main" xmlns:r="http://schemas.openxmlformats.org/officeDocument/2006/relationships" xmlns:mc="http://schemas.openxmlformats.org/markup-compatibility/2006" xmlns:mv="urn:schemas-microsoft-com:mac:vml" xmlns:p="http://schemas.openxmlformats.org/presentationml/2006/main" xmlns:c="http://schemas.openxmlformats.org/drawingml/2006/chart" xmlns:dgm="http://schemas.openxmlformats.org/drawingml/2006/diagram" xmlns:o="urn:schemas-microsoft-com:office:office" xmlns:v="urn:schemas-microsoft-com:vml" xmlns:pvml="urn:schemas-microsoft-com:office:powerpoint" xmlns:com="http://schemas.openxmlformats.org/drawingml/2006/compatibility" xmlns:p14="http://schemas.microsoft.com/office/powerpoint/2010/main" showMasterPhAnim="0" showMasterSp="0">
   <p:cSld>
     <p:spTree>
       <p:nvGrpSpPr>
-        <p:cNvPr id="1" name="Shape 145"/>
+        <p:cNvPr id="145" name="Shape 145"/>
         <p:cNvGrpSpPr/>
         <p:nvPr/>
       </p:nvGrpSpPr>
@@ -1325,11 +1171,9 @@
       <p:sp>
         <p:nvSpPr>
           <p:cNvPr id="146" name="Shape 146"/>
-          <p:cNvSpPr>
-            <a:spLocks noGrp="1" noRot="1" noChangeAspect="1"/>
-          </p:cNvSpPr>
-          <p:nvPr>
-            <p:ph type="sldImg" idx="2"/>
+          <p:cNvSpPr/>
+          <p:nvPr>
+            <p:ph idx="2" type="sldImg"/>
           </p:nvPr>
         </p:nvSpPr>
         <p:spPr>
@@ -1338,13 +1182,8 @@
             <a:ext cx="6096000" cy="3429000"/>
           </a:xfrm>
           <a:custGeom>
-            <a:avLst/>
-            <a:gdLst/>
-            <a:ahLst/>
-            <a:cxnLst/>
-            <a:rect l="0" t="0" r="0" b="0"/>
             <a:pathLst>
-              <a:path w="120000" h="120000" extrusionOk="0">
+              <a:path extrusionOk="0" h="120000" w="120000">
                 <a:moveTo>
                   <a:pt x="0" y="0"/>
                 </a:moveTo>
@@ -1366,11 +1205,9 @@
       <p:sp>
         <p:nvSpPr>
           <p:cNvPr id="147" name="Shape 147"/>
-          <p:cNvSpPr txBox="1">
-            <a:spLocks noGrp="1"/>
-          </p:cNvSpPr>
-          <p:nvPr>
-            <p:ph type="body" idx="1"/>
+          <p:cNvSpPr txBox="1"/>
+          <p:nvPr>
+            <p:ph idx="1" type="body"/>
           </p:nvPr>
         </p:nvSpPr>
         <p:spPr>
@@ -1383,7 +1220,7 @@
           </a:prstGeom>
         </p:spPr>
         <p:txBody>
-          <a:bodyPr lIns="91425" tIns="91425" rIns="91425" bIns="91425" anchor="t" anchorCtr="0">
+          <a:bodyPr anchorCtr="0" anchor="t" bIns="91425" lIns="91425" rIns="91425" tIns="91425">
             <a:noAutofit/>
           </a:bodyPr>
           <a:lstStyle/>
@@ -1394,6 +1231,9 @@
               </a:spcBef>
               <a:buNone/>
             </a:pPr>
+            <a:r>
+              <a:t/>
+            </a:r>
             <a:endParaRPr/>
           </a:p>
         </p:txBody>
@@ -1407,11 +1247,11 @@
 </file>
 
 <file path=ppt/notesSlides/notesSlide18.xml><?xml version="1.0" encoding="utf-8"?>
-<p:notes xmlns:a="http://schemas.openxmlformats.org/drawingml/2006/main" xmlns:r="http://schemas.openxmlformats.org/officeDocument/2006/relationships" xmlns:p="http://schemas.openxmlformats.org/presentationml/2006/main" showMasterSp="0" showMasterPhAnim="0">
+<p:notes xmlns:a="http://schemas.openxmlformats.org/drawingml/2006/main" xmlns:r="http://schemas.openxmlformats.org/officeDocument/2006/relationships" xmlns:mc="http://schemas.openxmlformats.org/markup-compatibility/2006" xmlns:mv="urn:schemas-microsoft-com:mac:vml" xmlns:p="http://schemas.openxmlformats.org/presentationml/2006/main" xmlns:c="http://schemas.openxmlformats.org/drawingml/2006/chart" xmlns:dgm="http://schemas.openxmlformats.org/drawingml/2006/diagram" xmlns:o="urn:schemas-microsoft-com:office:office" xmlns:v="urn:schemas-microsoft-com:vml" xmlns:pvml="urn:schemas-microsoft-com:office:powerpoint" xmlns:com="http://schemas.openxmlformats.org/drawingml/2006/compatibility" xmlns:p14="http://schemas.microsoft.com/office/powerpoint/2010/main" showMasterPhAnim="0" showMasterSp="0">
   <p:cSld>
     <p:spTree>
       <p:nvGrpSpPr>
-        <p:cNvPr id="1" name="Shape 164"/>
+        <p:cNvPr id="164" name="Shape 164"/>
         <p:cNvGrpSpPr/>
         <p:nvPr/>
       </p:nvGrpSpPr>
@@ -1426,11 +1266,9 @@
       <p:sp>
         <p:nvSpPr>
           <p:cNvPr id="165" name="Shape 165"/>
-          <p:cNvSpPr>
-            <a:spLocks noGrp="1" noRot="1" noChangeAspect="1"/>
-          </p:cNvSpPr>
-          <p:nvPr>
-            <p:ph type="sldImg" idx="2"/>
+          <p:cNvSpPr/>
+          <p:nvPr>
+            <p:ph idx="2" type="sldImg"/>
           </p:nvPr>
         </p:nvSpPr>
         <p:spPr>
@@ -1439,13 +1277,8 @@
             <a:ext cx="6096000" cy="3429000"/>
           </a:xfrm>
           <a:custGeom>
-            <a:avLst/>
-            <a:gdLst/>
-            <a:ahLst/>
-            <a:cxnLst/>
-            <a:rect l="0" t="0" r="0" b="0"/>
             <a:pathLst>
-              <a:path w="120000" h="120000" extrusionOk="0">
+              <a:path extrusionOk="0" h="120000" w="120000">
                 <a:moveTo>
                   <a:pt x="0" y="0"/>
                 </a:moveTo>
@@ -1467,11 +1300,9 @@
       <p:sp>
         <p:nvSpPr>
           <p:cNvPr id="166" name="Shape 166"/>
-          <p:cNvSpPr txBox="1">
-            <a:spLocks noGrp="1"/>
-          </p:cNvSpPr>
-          <p:nvPr>
-            <p:ph type="body" idx="1"/>
+          <p:cNvSpPr txBox="1"/>
+          <p:nvPr>
+            <p:ph idx="1" type="body"/>
           </p:nvPr>
         </p:nvSpPr>
         <p:spPr>
@@ -1484,7 +1315,7 @@
           </a:prstGeom>
         </p:spPr>
         <p:txBody>
-          <a:bodyPr lIns="91425" tIns="91425" rIns="91425" bIns="91425" anchor="t" anchorCtr="0">
+          <a:bodyPr anchorCtr="0" anchor="t" bIns="91425" lIns="91425" rIns="91425" tIns="91425">
             <a:noAutofit/>
           </a:bodyPr>
           <a:lstStyle/>
@@ -1495,6 +1326,9 @@
               </a:spcBef>
               <a:buNone/>
             </a:pPr>
+            <a:r>
+              <a:t/>
+            </a:r>
             <a:endParaRPr/>
           </a:p>
         </p:txBody>
@@ -1508,11 +1342,11 @@
 </file>
 
 <file path=ppt/notesSlides/notesSlide19.xml><?xml version="1.0" encoding="utf-8"?>
-<p:notes xmlns:a="http://schemas.openxmlformats.org/drawingml/2006/main" xmlns:r="http://schemas.openxmlformats.org/officeDocument/2006/relationships" xmlns:p="http://schemas.openxmlformats.org/presentationml/2006/main" showMasterSp="0" showMasterPhAnim="0">
+<p:notes xmlns:a="http://schemas.openxmlformats.org/drawingml/2006/main" xmlns:r="http://schemas.openxmlformats.org/officeDocument/2006/relationships" xmlns:mc="http://schemas.openxmlformats.org/markup-compatibility/2006" xmlns:mv="urn:schemas-microsoft-com:mac:vml" xmlns:p="http://schemas.openxmlformats.org/presentationml/2006/main" xmlns:c="http://schemas.openxmlformats.org/drawingml/2006/chart" xmlns:dgm="http://schemas.openxmlformats.org/drawingml/2006/diagram" xmlns:o="urn:schemas-microsoft-com:office:office" xmlns:v="urn:schemas-microsoft-com:vml" xmlns:pvml="urn:schemas-microsoft-com:office:powerpoint" xmlns:com="http://schemas.openxmlformats.org/drawingml/2006/compatibility" xmlns:p14="http://schemas.microsoft.com/office/powerpoint/2010/main" showMasterPhAnim="0" showMasterSp="0">
   <p:cSld>
     <p:spTree>
       <p:nvGrpSpPr>
-        <p:cNvPr id="1" name="Shape 171"/>
+        <p:cNvPr id="171" name="Shape 171"/>
         <p:cNvGrpSpPr/>
         <p:nvPr/>
       </p:nvGrpSpPr>
@@ -1527,11 +1361,9 @@
       <p:sp>
         <p:nvSpPr>
           <p:cNvPr id="172" name="Shape 172"/>
-          <p:cNvSpPr>
-            <a:spLocks noGrp="1" noRot="1" noChangeAspect="1"/>
-          </p:cNvSpPr>
-          <p:nvPr>
-            <p:ph type="sldImg" idx="2"/>
+          <p:cNvSpPr/>
+          <p:nvPr>
+            <p:ph idx="2" type="sldImg"/>
           </p:nvPr>
         </p:nvSpPr>
         <p:spPr>
@@ -1540,13 +1372,8 @@
             <a:ext cx="6096000" cy="3429000"/>
           </a:xfrm>
           <a:custGeom>
-            <a:avLst/>
-            <a:gdLst/>
-            <a:ahLst/>
-            <a:cxnLst/>
-            <a:rect l="0" t="0" r="0" b="0"/>
             <a:pathLst>
-              <a:path w="120000" h="120000" extrusionOk="0">
+              <a:path extrusionOk="0" h="120000" w="120000">
                 <a:moveTo>
                   <a:pt x="0" y="0"/>
                 </a:moveTo>
@@ -1568,11 +1395,9 @@
       <p:sp>
         <p:nvSpPr>
           <p:cNvPr id="173" name="Shape 173"/>
-          <p:cNvSpPr txBox="1">
-            <a:spLocks noGrp="1"/>
-          </p:cNvSpPr>
-          <p:nvPr>
-            <p:ph type="body" idx="1"/>
+          <p:cNvSpPr txBox="1"/>
+          <p:nvPr>
+            <p:ph idx="1" type="body"/>
           </p:nvPr>
         </p:nvSpPr>
         <p:spPr>
@@ -1585,7 +1410,7 @@
           </a:prstGeom>
         </p:spPr>
         <p:txBody>
-          <a:bodyPr lIns="91425" tIns="91425" rIns="91425" bIns="91425" anchor="t" anchorCtr="0">
+          <a:bodyPr anchorCtr="0" anchor="t" bIns="91425" lIns="91425" rIns="91425" tIns="91425">
             <a:noAutofit/>
           </a:bodyPr>
           <a:lstStyle/>
@@ -1596,6 +1421,9 @@
               </a:spcBef>
               <a:buNone/>
             </a:pPr>
+            <a:r>
+              <a:t/>
+            </a:r>
             <a:endParaRPr/>
           </a:p>
         </p:txBody>
@@ -1609,11 +1437,11 @@
 </file>
 
 <file path=ppt/notesSlides/notesSlide2.xml><?xml version="1.0" encoding="utf-8"?>
-<p:notes xmlns:a="http://schemas.openxmlformats.org/drawingml/2006/main" xmlns:r="http://schemas.openxmlformats.org/officeDocument/2006/relationships" xmlns:p="http://schemas.openxmlformats.org/presentationml/2006/main" showMasterSp="0" showMasterPhAnim="0">
+<p:notes xmlns:a="http://schemas.openxmlformats.org/drawingml/2006/main" xmlns:r="http://schemas.openxmlformats.org/officeDocument/2006/relationships" xmlns:mc="http://schemas.openxmlformats.org/markup-compatibility/2006" xmlns:mv="urn:schemas-microsoft-com:mac:vml" xmlns:p="http://schemas.openxmlformats.org/presentationml/2006/main" xmlns:c="http://schemas.openxmlformats.org/drawingml/2006/chart" xmlns:dgm="http://schemas.openxmlformats.org/drawingml/2006/diagram" xmlns:o="urn:schemas-microsoft-com:office:office" xmlns:v="urn:schemas-microsoft-com:vml" xmlns:pvml="urn:schemas-microsoft-com:office:powerpoint" xmlns:com="http://schemas.openxmlformats.org/drawingml/2006/compatibility" xmlns:p14="http://schemas.microsoft.com/office/powerpoint/2010/main" showMasterPhAnim="0" showMasterSp="0">
   <p:cSld>
     <p:spTree>
       <p:nvGrpSpPr>
-        <p:cNvPr id="1" name="Shape 56"/>
+        <p:cNvPr id="56" name="Shape 56"/>
         <p:cNvGrpSpPr/>
         <p:nvPr/>
       </p:nvGrpSpPr>
@@ -1628,11 +1456,9 @@
       <p:sp>
         <p:nvSpPr>
           <p:cNvPr id="57" name="Shape 57"/>
-          <p:cNvSpPr>
-            <a:spLocks noGrp="1" noRot="1" noChangeAspect="1"/>
-          </p:cNvSpPr>
-          <p:nvPr>
-            <p:ph type="sldImg" idx="2"/>
+          <p:cNvSpPr/>
+          <p:nvPr>
+            <p:ph idx="2" type="sldImg"/>
           </p:nvPr>
         </p:nvSpPr>
         <p:spPr>
@@ -1641,13 +1467,8 @@
             <a:ext cx="6096000" cy="3429000"/>
           </a:xfrm>
           <a:custGeom>
-            <a:avLst/>
-            <a:gdLst/>
-            <a:ahLst/>
-            <a:cxnLst/>
-            <a:rect l="0" t="0" r="0" b="0"/>
             <a:pathLst>
-              <a:path w="120000" h="120000" extrusionOk="0">
+              <a:path extrusionOk="0" h="120000" w="120000">
                 <a:moveTo>
                   <a:pt x="0" y="0"/>
                 </a:moveTo>
@@ -1669,11 +1490,9 @@
       <p:sp>
         <p:nvSpPr>
           <p:cNvPr id="58" name="Shape 58"/>
-          <p:cNvSpPr txBox="1">
-            <a:spLocks noGrp="1"/>
-          </p:cNvSpPr>
-          <p:nvPr>
-            <p:ph type="body" idx="1"/>
+          <p:cNvSpPr txBox="1"/>
+          <p:nvPr>
+            <p:ph idx="1" type="body"/>
           </p:nvPr>
         </p:nvSpPr>
         <p:spPr>
@@ -1686,7 +1505,7 @@
           </a:prstGeom>
         </p:spPr>
         <p:txBody>
-          <a:bodyPr lIns="91425" tIns="91425" rIns="91425" bIns="91425" anchor="t" anchorCtr="0">
+          <a:bodyPr anchorCtr="0" anchor="t" bIns="91425" lIns="91425" rIns="91425" tIns="91425">
             <a:noAutofit/>
           </a:bodyPr>
           <a:lstStyle/>
@@ -1697,6 +1516,9 @@
               </a:spcBef>
               <a:buNone/>
             </a:pPr>
+            <a:r>
+              <a:t/>
+            </a:r>
             <a:endParaRPr/>
           </a:p>
         </p:txBody>
@@ -1710,11 +1532,11 @@
 </file>
 
 <file path=ppt/notesSlides/notesSlide20.xml><?xml version="1.0" encoding="utf-8"?>
-<p:notes xmlns:a="http://schemas.openxmlformats.org/drawingml/2006/main" xmlns:r="http://schemas.openxmlformats.org/officeDocument/2006/relationships" xmlns:p="http://schemas.openxmlformats.org/presentationml/2006/main" showMasterSp="0" showMasterPhAnim="0">
+<p:notes xmlns:a="http://schemas.openxmlformats.org/drawingml/2006/main" xmlns:r="http://schemas.openxmlformats.org/officeDocument/2006/relationships" xmlns:mc="http://schemas.openxmlformats.org/markup-compatibility/2006" xmlns:mv="urn:schemas-microsoft-com:mac:vml" xmlns:p="http://schemas.openxmlformats.org/presentationml/2006/main" xmlns:c="http://schemas.openxmlformats.org/drawingml/2006/chart" xmlns:dgm="http://schemas.openxmlformats.org/drawingml/2006/diagram" xmlns:o="urn:schemas-microsoft-com:office:office" xmlns:v="urn:schemas-microsoft-com:vml" xmlns:pvml="urn:schemas-microsoft-com:office:powerpoint" xmlns:com="http://schemas.openxmlformats.org/drawingml/2006/compatibility" xmlns:p14="http://schemas.microsoft.com/office/powerpoint/2010/main" showMasterPhAnim="0" showMasterSp="0">
   <p:cSld>
     <p:spTree>
       <p:nvGrpSpPr>
-        <p:cNvPr id="1" name="Shape 177"/>
+        <p:cNvPr id="177" name="Shape 177"/>
         <p:cNvGrpSpPr/>
         <p:nvPr/>
       </p:nvGrpSpPr>
@@ -1729,11 +1551,9 @@
       <p:sp>
         <p:nvSpPr>
           <p:cNvPr id="178" name="Shape 178"/>
-          <p:cNvSpPr>
-            <a:spLocks noGrp="1" noRot="1" noChangeAspect="1"/>
-          </p:cNvSpPr>
-          <p:nvPr>
-            <p:ph type="sldImg" idx="2"/>
+          <p:cNvSpPr/>
+          <p:nvPr>
+            <p:ph idx="2" type="sldImg"/>
           </p:nvPr>
         </p:nvSpPr>
         <p:spPr>
@@ -1742,13 +1562,8 @@
             <a:ext cx="6096000" cy="3429000"/>
           </a:xfrm>
           <a:custGeom>
-            <a:avLst/>
-            <a:gdLst/>
-            <a:ahLst/>
-            <a:cxnLst/>
-            <a:rect l="0" t="0" r="0" b="0"/>
             <a:pathLst>
-              <a:path w="120000" h="120000" extrusionOk="0">
+              <a:path extrusionOk="0" h="120000" w="120000">
                 <a:moveTo>
                   <a:pt x="0" y="0"/>
                 </a:moveTo>
@@ -1770,11 +1585,9 @@
       <p:sp>
         <p:nvSpPr>
           <p:cNvPr id="179" name="Shape 179"/>
-          <p:cNvSpPr txBox="1">
-            <a:spLocks noGrp="1"/>
-          </p:cNvSpPr>
-          <p:nvPr>
-            <p:ph type="body" idx="1"/>
+          <p:cNvSpPr txBox="1"/>
+          <p:nvPr>
+            <p:ph idx="1" type="body"/>
           </p:nvPr>
         </p:nvSpPr>
         <p:spPr>
@@ -1787,7 +1600,7 @@
           </a:prstGeom>
         </p:spPr>
         <p:txBody>
-          <a:bodyPr lIns="91425" tIns="91425" rIns="91425" bIns="91425" anchor="t" anchorCtr="0">
+          <a:bodyPr anchorCtr="0" anchor="t" bIns="91425" lIns="91425" rIns="91425" tIns="91425">
             <a:noAutofit/>
           </a:bodyPr>
           <a:lstStyle/>
@@ -1798,6 +1611,9 @@
               </a:spcBef>
               <a:buNone/>
             </a:pPr>
+            <a:r>
+              <a:t/>
+            </a:r>
             <a:endParaRPr/>
           </a:p>
         </p:txBody>
@@ -1811,11 +1627,11 @@
 </file>
 
 <file path=ppt/notesSlides/notesSlide21.xml><?xml version="1.0" encoding="utf-8"?>
-<p:notes xmlns:a="http://schemas.openxmlformats.org/drawingml/2006/main" xmlns:r="http://schemas.openxmlformats.org/officeDocument/2006/relationships" xmlns:p="http://schemas.openxmlformats.org/presentationml/2006/main" showMasterSp="0" showMasterPhAnim="0">
+<p:notes xmlns:a="http://schemas.openxmlformats.org/drawingml/2006/main" xmlns:r="http://schemas.openxmlformats.org/officeDocument/2006/relationships" xmlns:mc="http://schemas.openxmlformats.org/markup-compatibility/2006" xmlns:mv="urn:schemas-microsoft-com:mac:vml" xmlns:p="http://schemas.openxmlformats.org/presentationml/2006/main" xmlns:c="http://schemas.openxmlformats.org/drawingml/2006/chart" xmlns:dgm="http://schemas.openxmlformats.org/drawingml/2006/diagram" xmlns:o="urn:schemas-microsoft-com:office:office" xmlns:v="urn:schemas-microsoft-com:vml" xmlns:pvml="urn:schemas-microsoft-com:office:powerpoint" xmlns:com="http://schemas.openxmlformats.org/drawingml/2006/compatibility" xmlns:p14="http://schemas.microsoft.com/office/powerpoint/2010/main" showMasterPhAnim="0" showMasterSp="0">
   <p:cSld>
     <p:spTree>
       <p:nvGrpSpPr>
-        <p:cNvPr id="1" name="Shape 183"/>
+        <p:cNvPr id="183" name="Shape 183"/>
         <p:cNvGrpSpPr/>
         <p:nvPr/>
       </p:nvGrpSpPr>
@@ -1830,11 +1646,9 @@
       <p:sp>
         <p:nvSpPr>
           <p:cNvPr id="184" name="Shape 184"/>
-          <p:cNvSpPr>
-            <a:spLocks noGrp="1" noRot="1" noChangeAspect="1"/>
-          </p:cNvSpPr>
-          <p:nvPr>
-            <p:ph type="sldImg" idx="2"/>
+          <p:cNvSpPr/>
+          <p:nvPr>
+            <p:ph idx="2" type="sldImg"/>
           </p:nvPr>
         </p:nvSpPr>
         <p:spPr>
@@ -1843,13 +1657,8 @@
             <a:ext cx="6096000" cy="3429000"/>
           </a:xfrm>
           <a:custGeom>
-            <a:avLst/>
-            <a:gdLst/>
-            <a:ahLst/>
-            <a:cxnLst/>
-            <a:rect l="0" t="0" r="0" b="0"/>
             <a:pathLst>
-              <a:path w="120000" h="120000" extrusionOk="0">
+              <a:path extrusionOk="0" h="120000" w="120000">
                 <a:moveTo>
                   <a:pt x="0" y="0"/>
                 </a:moveTo>
@@ -1871,11 +1680,9 @@
       <p:sp>
         <p:nvSpPr>
           <p:cNvPr id="185" name="Shape 185"/>
-          <p:cNvSpPr txBox="1">
-            <a:spLocks noGrp="1"/>
-          </p:cNvSpPr>
-          <p:nvPr>
-            <p:ph type="body" idx="1"/>
+          <p:cNvSpPr txBox="1"/>
+          <p:nvPr>
+            <p:ph idx="1" type="body"/>
           </p:nvPr>
         </p:nvSpPr>
         <p:spPr>
@@ -1888,7 +1695,7 @@
           </a:prstGeom>
         </p:spPr>
         <p:txBody>
-          <a:bodyPr lIns="91425" tIns="91425" rIns="91425" bIns="91425" anchor="t" anchorCtr="0">
+          <a:bodyPr anchorCtr="0" anchor="t" bIns="91425" lIns="91425" rIns="91425" tIns="91425">
             <a:noAutofit/>
           </a:bodyPr>
           <a:lstStyle/>
@@ -1899,6 +1706,9 @@
               </a:spcBef>
               <a:buNone/>
             </a:pPr>
+            <a:r>
+              <a:t/>
+            </a:r>
             <a:endParaRPr/>
           </a:p>
         </p:txBody>
@@ -1912,11 +1722,11 @@
 </file>
 
 <file path=ppt/notesSlides/notesSlide22.xml><?xml version="1.0" encoding="utf-8"?>
-<p:notes xmlns:a="http://schemas.openxmlformats.org/drawingml/2006/main" xmlns:r="http://schemas.openxmlformats.org/officeDocument/2006/relationships" xmlns:p="http://schemas.openxmlformats.org/presentationml/2006/main" showMasterSp="0" showMasterPhAnim="0">
+<p:notes xmlns:a="http://schemas.openxmlformats.org/drawingml/2006/main" xmlns:r="http://schemas.openxmlformats.org/officeDocument/2006/relationships" xmlns:mc="http://schemas.openxmlformats.org/markup-compatibility/2006" xmlns:mv="urn:schemas-microsoft-com:mac:vml" xmlns:p="http://schemas.openxmlformats.org/presentationml/2006/main" xmlns:c="http://schemas.openxmlformats.org/drawingml/2006/chart" xmlns:dgm="http://schemas.openxmlformats.org/drawingml/2006/diagram" xmlns:o="urn:schemas-microsoft-com:office:office" xmlns:v="urn:schemas-microsoft-com:vml" xmlns:pvml="urn:schemas-microsoft-com:office:powerpoint" xmlns:com="http://schemas.openxmlformats.org/drawingml/2006/compatibility" xmlns:p14="http://schemas.microsoft.com/office/powerpoint/2010/main" showMasterPhAnim="0" showMasterSp="0">
   <p:cSld>
     <p:spTree>
       <p:nvGrpSpPr>
-        <p:cNvPr id="1" name="Shape 189"/>
+        <p:cNvPr id="189" name="Shape 189"/>
         <p:cNvGrpSpPr/>
         <p:nvPr/>
       </p:nvGrpSpPr>
@@ -1931,11 +1741,9 @@
       <p:sp>
         <p:nvSpPr>
           <p:cNvPr id="190" name="Shape 190"/>
-          <p:cNvSpPr>
-            <a:spLocks noGrp="1" noRot="1" noChangeAspect="1"/>
-          </p:cNvSpPr>
-          <p:nvPr>
-            <p:ph type="sldImg" idx="2"/>
+          <p:cNvSpPr/>
+          <p:nvPr>
+            <p:ph idx="2" type="sldImg"/>
           </p:nvPr>
         </p:nvSpPr>
         <p:spPr>
@@ -1944,13 +1752,8 @@
             <a:ext cx="6096000" cy="3429000"/>
           </a:xfrm>
           <a:custGeom>
-            <a:avLst/>
-            <a:gdLst/>
-            <a:ahLst/>
-            <a:cxnLst/>
-            <a:rect l="0" t="0" r="0" b="0"/>
             <a:pathLst>
-              <a:path w="120000" h="120000" extrusionOk="0">
+              <a:path extrusionOk="0" h="120000" w="120000">
                 <a:moveTo>
                   <a:pt x="0" y="0"/>
                 </a:moveTo>
@@ -1972,11 +1775,9 @@
       <p:sp>
         <p:nvSpPr>
           <p:cNvPr id="191" name="Shape 191"/>
-          <p:cNvSpPr txBox="1">
-            <a:spLocks noGrp="1"/>
-          </p:cNvSpPr>
-          <p:nvPr>
-            <p:ph type="body" idx="1"/>
+          <p:cNvSpPr txBox="1"/>
+          <p:nvPr>
+            <p:ph idx="1" type="body"/>
           </p:nvPr>
         </p:nvSpPr>
         <p:spPr>
@@ -1989,7 +1790,7 @@
           </a:prstGeom>
         </p:spPr>
         <p:txBody>
-          <a:bodyPr lIns="91425" tIns="91425" rIns="91425" bIns="91425" anchor="t" anchorCtr="0">
+          <a:bodyPr anchorCtr="0" anchor="t" bIns="91425" lIns="91425" rIns="91425" tIns="91425">
             <a:noAutofit/>
           </a:bodyPr>
           <a:lstStyle/>
@@ -2000,6 +1801,9 @@
               </a:spcBef>
               <a:buNone/>
             </a:pPr>
+            <a:r>
+              <a:t/>
+            </a:r>
             <a:endParaRPr/>
           </a:p>
         </p:txBody>
@@ -2013,11 +1817,11 @@
 </file>
 
 <file path=ppt/notesSlides/notesSlide23.xml><?xml version="1.0" encoding="utf-8"?>
-<p:notes xmlns:a="http://schemas.openxmlformats.org/drawingml/2006/main" xmlns:r="http://schemas.openxmlformats.org/officeDocument/2006/relationships" xmlns:p="http://schemas.openxmlformats.org/presentationml/2006/main" showMasterSp="0" showMasterPhAnim="0">
+<p:notes xmlns:a="http://schemas.openxmlformats.org/drawingml/2006/main" xmlns:r="http://schemas.openxmlformats.org/officeDocument/2006/relationships" xmlns:mc="http://schemas.openxmlformats.org/markup-compatibility/2006" xmlns:mv="urn:schemas-microsoft-com:mac:vml" xmlns:p="http://schemas.openxmlformats.org/presentationml/2006/main" xmlns:c="http://schemas.openxmlformats.org/drawingml/2006/chart" xmlns:dgm="http://schemas.openxmlformats.org/drawingml/2006/diagram" xmlns:o="urn:schemas-microsoft-com:office:office" xmlns:v="urn:schemas-microsoft-com:vml" xmlns:pvml="urn:schemas-microsoft-com:office:powerpoint" xmlns:com="http://schemas.openxmlformats.org/drawingml/2006/compatibility" xmlns:p14="http://schemas.microsoft.com/office/powerpoint/2010/main" showMasterPhAnim="0" showMasterSp="0">
   <p:cSld>
     <p:spTree>
       <p:nvGrpSpPr>
-        <p:cNvPr id="1" name="Shape 195"/>
+        <p:cNvPr id="195" name="Shape 195"/>
         <p:cNvGrpSpPr/>
         <p:nvPr/>
       </p:nvGrpSpPr>
@@ -2032,11 +1836,9 @@
       <p:sp>
         <p:nvSpPr>
           <p:cNvPr id="196" name="Shape 196"/>
-          <p:cNvSpPr>
-            <a:spLocks noGrp="1" noRot="1" noChangeAspect="1"/>
-          </p:cNvSpPr>
-          <p:nvPr>
-            <p:ph type="sldImg" idx="2"/>
+          <p:cNvSpPr/>
+          <p:nvPr>
+            <p:ph idx="2" type="sldImg"/>
           </p:nvPr>
         </p:nvSpPr>
         <p:spPr>
@@ -2045,13 +1847,8 @@
             <a:ext cx="6096000" cy="3429000"/>
           </a:xfrm>
           <a:custGeom>
-            <a:avLst/>
-            <a:gdLst/>
-            <a:ahLst/>
-            <a:cxnLst/>
-            <a:rect l="0" t="0" r="0" b="0"/>
             <a:pathLst>
-              <a:path w="120000" h="120000" extrusionOk="0">
+              <a:path extrusionOk="0" h="120000" w="120000">
                 <a:moveTo>
                   <a:pt x="0" y="0"/>
                 </a:moveTo>
@@ -2073,11 +1870,9 @@
       <p:sp>
         <p:nvSpPr>
           <p:cNvPr id="197" name="Shape 197"/>
-          <p:cNvSpPr txBox="1">
-            <a:spLocks noGrp="1"/>
-          </p:cNvSpPr>
-          <p:nvPr>
-            <p:ph type="body" idx="1"/>
+          <p:cNvSpPr txBox="1"/>
+          <p:nvPr>
+            <p:ph idx="1" type="body"/>
           </p:nvPr>
         </p:nvSpPr>
         <p:spPr>
@@ -2090,7 +1885,7 @@
           </a:prstGeom>
         </p:spPr>
         <p:txBody>
-          <a:bodyPr lIns="91425" tIns="91425" rIns="91425" bIns="91425" anchor="t" anchorCtr="0">
+          <a:bodyPr anchorCtr="0" anchor="t" bIns="91425" lIns="91425" rIns="91425" tIns="91425">
             <a:noAutofit/>
           </a:bodyPr>
           <a:lstStyle/>
@@ -2101,6 +1896,9 @@
               </a:spcBef>
               <a:buNone/>
             </a:pPr>
+            <a:r>
+              <a:t/>
+            </a:r>
             <a:endParaRPr/>
           </a:p>
         </p:txBody>
@@ -2114,11 +1912,11 @@
 </file>
 
 <file path=ppt/notesSlides/notesSlide24.xml><?xml version="1.0" encoding="utf-8"?>
-<p:notes xmlns:a="http://schemas.openxmlformats.org/drawingml/2006/main" xmlns:r="http://schemas.openxmlformats.org/officeDocument/2006/relationships" xmlns:p="http://schemas.openxmlformats.org/presentationml/2006/main" showMasterSp="0" showMasterPhAnim="0">
+<p:notes xmlns:a="http://schemas.openxmlformats.org/drawingml/2006/main" xmlns:r="http://schemas.openxmlformats.org/officeDocument/2006/relationships" xmlns:mc="http://schemas.openxmlformats.org/markup-compatibility/2006" xmlns:mv="urn:schemas-microsoft-com:mac:vml" xmlns:p="http://schemas.openxmlformats.org/presentationml/2006/main" xmlns:c="http://schemas.openxmlformats.org/drawingml/2006/chart" xmlns:dgm="http://schemas.openxmlformats.org/drawingml/2006/diagram" xmlns:o="urn:schemas-microsoft-com:office:office" xmlns:v="urn:schemas-microsoft-com:vml" xmlns:pvml="urn:schemas-microsoft-com:office:powerpoint" xmlns:com="http://schemas.openxmlformats.org/drawingml/2006/compatibility" xmlns:p14="http://schemas.microsoft.com/office/powerpoint/2010/main" showMasterPhAnim="0" showMasterSp="0">
   <p:cSld>
     <p:spTree>
       <p:nvGrpSpPr>
-        <p:cNvPr id="1" name="Shape 201"/>
+        <p:cNvPr id="201" name="Shape 201"/>
         <p:cNvGrpSpPr/>
         <p:nvPr/>
       </p:nvGrpSpPr>
@@ -2133,11 +1931,9 @@
       <p:sp>
         <p:nvSpPr>
           <p:cNvPr id="202" name="Shape 202"/>
-          <p:cNvSpPr>
-            <a:spLocks noGrp="1" noRot="1" noChangeAspect="1"/>
-          </p:cNvSpPr>
-          <p:nvPr>
-            <p:ph type="sldImg" idx="2"/>
+          <p:cNvSpPr/>
+          <p:nvPr>
+            <p:ph idx="2" type="sldImg"/>
           </p:nvPr>
         </p:nvSpPr>
         <p:spPr>
@@ -2146,13 +1942,8 @@
             <a:ext cx="6096000" cy="3429000"/>
           </a:xfrm>
           <a:custGeom>
-            <a:avLst/>
-            <a:gdLst/>
-            <a:ahLst/>
-            <a:cxnLst/>
-            <a:rect l="0" t="0" r="0" b="0"/>
             <a:pathLst>
-              <a:path w="120000" h="120000" extrusionOk="0">
+              <a:path extrusionOk="0" h="120000" w="120000">
                 <a:moveTo>
                   <a:pt x="0" y="0"/>
                 </a:moveTo>
@@ -2174,11 +1965,9 @@
       <p:sp>
         <p:nvSpPr>
           <p:cNvPr id="203" name="Shape 203"/>
-          <p:cNvSpPr txBox="1">
-            <a:spLocks noGrp="1"/>
-          </p:cNvSpPr>
-          <p:nvPr>
-            <p:ph type="body" idx="1"/>
+          <p:cNvSpPr txBox="1"/>
+          <p:nvPr>
+            <p:ph idx="1" type="body"/>
           </p:nvPr>
         </p:nvSpPr>
         <p:spPr>
@@ -2191,7 +1980,7 @@
           </a:prstGeom>
         </p:spPr>
         <p:txBody>
-          <a:bodyPr lIns="91425" tIns="91425" rIns="91425" bIns="91425" anchor="t" anchorCtr="0">
+          <a:bodyPr anchorCtr="0" anchor="t" bIns="91425" lIns="91425" rIns="91425" tIns="91425">
             <a:noAutofit/>
           </a:bodyPr>
           <a:lstStyle/>
@@ -2202,6 +1991,9 @@
               </a:spcBef>
               <a:buNone/>
             </a:pPr>
+            <a:r>
+              <a:t/>
+            </a:r>
             <a:endParaRPr/>
           </a:p>
         </p:txBody>
@@ -2214,12 +2006,12 @@
 </p:notes>
 </file>
 
-<file path=ppt/notesSlides/notesSlide3.xml><?xml version="1.0" encoding="utf-8"?>
-<p:notes xmlns:a="http://schemas.openxmlformats.org/drawingml/2006/main" xmlns:r="http://schemas.openxmlformats.org/officeDocument/2006/relationships" xmlns:p="http://schemas.openxmlformats.org/presentationml/2006/main" showMasterSp="0" showMasterPhAnim="0">
+<file path=ppt/notesSlides/notesSlide25.xml><?xml version="1.0" encoding="utf-8"?>
+<p:notes xmlns:a="http://schemas.openxmlformats.org/drawingml/2006/main" xmlns:r="http://schemas.openxmlformats.org/officeDocument/2006/relationships" xmlns:mc="http://schemas.openxmlformats.org/markup-compatibility/2006" xmlns:mv="urn:schemas-microsoft-com:mac:vml" xmlns:p="http://schemas.openxmlformats.org/presentationml/2006/main" xmlns:c="http://schemas.openxmlformats.org/drawingml/2006/chart" xmlns:dgm="http://schemas.openxmlformats.org/drawingml/2006/diagram" xmlns:o="urn:schemas-microsoft-com:office:office" xmlns:v="urn:schemas-microsoft-com:vml" xmlns:pvml="urn:schemas-microsoft-com:office:powerpoint" xmlns:com="http://schemas.openxmlformats.org/drawingml/2006/compatibility" xmlns:p14="http://schemas.microsoft.com/office/powerpoint/2010/main" showMasterPhAnim="0" showMasterSp="0">
   <p:cSld>
     <p:spTree>
       <p:nvGrpSpPr>
-        <p:cNvPr id="1" name="Shape 62"/>
+        <p:cNvPr id="207" name="Shape 207"/>
         <p:cNvGrpSpPr/>
         <p:nvPr/>
       </p:nvGrpSpPr>
@@ -2233,12 +2025,10 @@
       </p:grpSpPr>
       <p:sp>
         <p:nvSpPr>
-          <p:cNvPr id="63" name="Shape 63"/>
-          <p:cNvSpPr>
-            <a:spLocks noGrp="1" noRot="1" noChangeAspect="1"/>
-          </p:cNvSpPr>
-          <p:nvPr>
-            <p:ph type="sldImg" idx="2"/>
+          <p:cNvPr id="208" name="Shape 208"/>
+          <p:cNvSpPr/>
+          <p:nvPr>
+            <p:ph idx="2" type="sldImg"/>
           </p:nvPr>
         </p:nvSpPr>
         <p:spPr>
@@ -2247,13 +2037,8 @@
             <a:ext cx="6096000" cy="3429000"/>
           </a:xfrm>
           <a:custGeom>
-            <a:avLst/>
-            <a:gdLst/>
-            <a:ahLst/>
-            <a:cxnLst/>
-            <a:rect l="0" t="0" r="0" b="0"/>
             <a:pathLst>
-              <a:path w="120000" h="120000" extrusionOk="0">
+              <a:path extrusionOk="0" h="120000" w="120000">
                 <a:moveTo>
                   <a:pt x="0" y="0"/>
                 </a:moveTo>
@@ -2274,12 +2059,10 @@
       </p:sp>
       <p:sp>
         <p:nvSpPr>
-          <p:cNvPr id="64" name="Shape 64"/>
-          <p:cNvSpPr txBox="1">
-            <a:spLocks noGrp="1"/>
-          </p:cNvSpPr>
-          <p:nvPr>
-            <p:ph type="body" idx="1"/>
+          <p:cNvPr id="209" name="Shape 209"/>
+          <p:cNvSpPr txBox="1"/>
+          <p:nvPr>
+            <p:ph idx="1" type="body"/>
           </p:nvPr>
         </p:nvSpPr>
         <p:spPr>
@@ -2292,7 +2075,7 @@
           </a:prstGeom>
         </p:spPr>
         <p:txBody>
-          <a:bodyPr lIns="91425" tIns="91425" rIns="91425" bIns="91425" anchor="t" anchorCtr="0">
+          <a:bodyPr anchorCtr="0" anchor="t" bIns="91425" lIns="91425" rIns="91425" tIns="91425">
             <a:noAutofit/>
           </a:bodyPr>
           <a:lstStyle/>
@@ -2303,6 +2086,9 @@
               </a:spcBef>
               <a:buNone/>
             </a:pPr>
+            <a:r>
+              <a:t/>
+            </a:r>
             <a:endParaRPr/>
           </a:p>
         </p:txBody>
@@ -2315,12 +2101,12 @@
 </p:notes>
 </file>
 
-<file path=ppt/notesSlides/notesSlide4.xml><?xml version="1.0" encoding="utf-8"?>
-<p:notes xmlns:a="http://schemas.openxmlformats.org/drawingml/2006/main" xmlns:r="http://schemas.openxmlformats.org/officeDocument/2006/relationships" xmlns:p="http://schemas.openxmlformats.org/presentationml/2006/main" showMasterSp="0" showMasterPhAnim="0">
+<file path=ppt/notesSlides/notesSlide26.xml><?xml version="1.0" encoding="utf-8"?>
+<p:notes xmlns:a="http://schemas.openxmlformats.org/drawingml/2006/main" xmlns:r="http://schemas.openxmlformats.org/officeDocument/2006/relationships" xmlns:mc="http://schemas.openxmlformats.org/markup-compatibility/2006" xmlns:mv="urn:schemas-microsoft-com:mac:vml" xmlns:p="http://schemas.openxmlformats.org/presentationml/2006/main" xmlns:c="http://schemas.openxmlformats.org/drawingml/2006/chart" xmlns:dgm="http://schemas.openxmlformats.org/drawingml/2006/diagram" xmlns:o="urn:schemas-microsoft-com:office:office" xmlns:v="urn:schemas-microsoft-com:vml" xmlns:pvml="urn:schemas-microsoft-com:office:powerpoint" xmlns:com="http://schemas.openxmlformats.org/drawingml/2006/compatibility" xmlns:p14="http://schemas.microsoft.com/office/powerpoint/2010/main" showMasterPhAnim="0" showMasterSp="0">
   <p:cSld>
     <p:spTree>
       <p:nvGrpSpPr>
-        <p:cNvPr id="1" name="Shape 68"/>
+        <p:cNvPr id="213" name="Shape 213"/>
         <p:cNvGrpSpPr/>
         <p:nvPr/>
       </p:nvGrpSpPr>
@@ -2334,12 +2120,10 @@
       </p:grpSpPr>
       <p:sp>
         <p:nvSpPr>
-          <p:cNvPr id="69" name="Shape 69"/>
-          <p:cNvSpPr>
-            <a:spLocks noGrp="1" noRot="1" noChangeAspect="1"/>
-          </p:cNvSpPr>
-          <p:nvPr>
-            <p:ph type="sldImg" idx="2"/>
+          <p:cNvPr id="214" name="Shape 214"/>
+          <p:cNvSpPr/>
+          <p:nvPr>
+            <p:ph idx="2" type="sldImg"/>
           </p:nvPr>
         </p:nvSpPr>
         <p:spPr>
@@ -2348,13 +2132,8 @@
             <a:ext cx="6096000" cy="3429000"/>
           </a:xfrm>
           <a:custGeom>
-            <a:avLst/>
-            <a:gdLst/>
-            <a:ahLst/>
-            <a:cxnLst/>
-            <a:rect l="0" t="0" r="0" b="0"/>
             <a:pathLst>
-              <a:path w="120000" h="120000" extrusionOk="0">
+              <a:path extrusionOk="0" h="120000" w="120000">
                 <a:moveTo>
                   <a:pt x="0" y="0"/>
                 </a:moveTo>
@@ -2375,12 +2154,10 @@
       </p:sp>
       <p:sp>
         <p:nvSpPr>
-          <p:cNvPr id="70" name="Shape 70"/>
-          <p:cNvSpPr txBox="1">
-            <a:spLocks noGrp="1"/>
-          </p:cNvSpPr>
-          <p:nvPr>
-            <p:ph type="body" idx="1"/>
+          <p:cNvPr id="215" name="Shape 215"/>
+          <p:cNvSpPr txBox="1"/>
+          <p:nvPr>
+            <p:ph idx="1" type="body"/>
           </p:nvPr>
         </p:nvSpPr>
         <p:spPr>
@@ -2393,7 +2170,7 @@
           </a:prstGeom>
         </p:spPr>
         <p:txBody>
-          <a:bodyPr lIns="91425" tIns="91425" rIns="91425" bIns="91425" anchor="t" anchorCtr="0">
+          <a:bodyPr anchorCtr="0" anchor="t" bIns="91425" lIns="91425" rIns="91425" tIns="91425">
             <a:noAutofit/>
           </a:bodyPr>
           <a:lstStyle/>
@@ -2404,6 +2181,9 @@
               </a:spcBef>
               <a:buNone/>
             </a:pPr>
+            <a:r>
+              <a:t/>
+            </a:r>
             <a:endParaRPr/>
           </a:p>
         </p:txBody>
@@ -2416,12 +2196,12 @@
 </p:notes>
 </file>
 
-<file path=ppt/notesSlides/notesSlide5.xml><?xml version="1.0" encoding="utf-8"?>
-<p:notes xmlns:a="http://schemas.openxmlformats.org/drawingml/2006/main" xmlns:r="http://schemas.openxmlformats.org/officeDocument/2006/relationships" xmlns:p="http://schemas.openxmlformats.org/presentationml/2006/main" showMasterSp="0" showMasterPhAnim="0">
+<file path=ppt/notesSlides/notesSlide3.xml><?xml version="1.0" encoding="utf-8"?>
+<p:notes xmlns:a="http://schemas.openxmlformats.org/drawingml/2006/main" xmlns:r="http://schemas.openxmlformats.org/officeDocument/2006/relationships" xmlns:mc="http://schemas.openxmlformats.org/markup-compatibility/2006" xmlns:mv="urn:schemas-microsoft-com:mac:vml" xmlns:p="http://schemas.openxmlformats.org/presentationml/2006/main" xmlns:c="http://schemas.openxmlformats.org/drawingml/2006/chart" xmlns:dgm="http://schemas.openxmlformats.org/drawingml/2006/diagram" xmlns:o="urn:schemas-microsoft-com:office:office" xmlns:v="urn:schemas-microsoft-com:vml" xmlns:pvml="urn:schemas-microsoft-com:office:powerpoint" xmlns:com="http://schemas.openxmlformats.org/drawingml/2006/compatibility" xmlns:p14="http://schemas.microsoft.com/office/powerpoint/2010/main" showMasterPhAnim="0" showMasterSp="0">
   <p:cSld>
     <p:spTree>
       <p:nvGrpSpPr>
-        <p:cNvPr id="1" name="Shape 74"/>
+        <p:cNvPr id="62" name="Shape 62"/>
         <p:cNvGrpSpPr/>
         <p:nvPr/>
       </p:nvGrpSpPr>
@@ -2435,12 +2215,10 @@
       </p:grpSpPr>
       <p:sp>
         <p:nvSpPr>
-          <p:cNvPr id="75" name="Shape 75"/>
-          <p:cNvSpPr>
-            <a:spLocks noGrp="1" noRot="1" noChangeAspect="1"/>
-          </p:cNvSpPr>
-          <p:nvPr>
-            <p:ph type="sldImg" idx="2"/>
+          <p:cNvPr id="63" name="Shape 63"/>
+          <p:cNvSpPr/>
+          <p:nvPr>
+            <p:ph idx="2" type="sldImg"/>
           </p:nvPr>
         </p:nvSpPr>
         <p:spPr>
@@ -2449,13 +2227,8 @@
             <a:ext cx="6096000" cy="3429000"/>
           </a:xfrm>
           <a:custGeom>
-            <a:avLst/>
-            <a:gdLst/>
-            <a:ahLst/>
-            <a:cxnLst/>
-            <a:rect l="0" t="0" r="0" b="0"/>
             <a:pathLst>
-              <a:path w="120000" h="120000" extrusionOk="0">
+              <a:path extrusionOk="0" h="120000" w="120000">
                 <a:moveTo>
                   <a:pt x="0" y="0"/>
                 </a:moveTo>
@@ -2476,12 +2249,10 @@
       </p:sp>
       <p:sp>
         <p:nvSpPr>
-          <p:cNvPr id="76" name="Shape 76"/>
-          <p:cNvSpPr txBox="1">
-            <a:spLocks noGrp="1"/>
-          </p:cNvSpPr>
-          <p:nvPr>
-            <p:ph type="body" idx="1"/>
+          <p:cNvPr id="64" name="Shape 64"/>
+          <p:cNvSpPr txBox="1"/>
+          <p:nvPr>
+            <p:ph idx="1" type="body"/>
           </p:nvPr>
         </p:nvSpPr>
         <p:spPr>
@@ -2494,7 +2265,7 @@
           </a:prstGeom>
         </p:spPr>
         <p:txBody>
-          <a:bodyPr lIns="91425" tIns="91425" rIns="91425" bIns="91425" anchor="t" anchorCtr="0">
+          <a:bodyPr anchorCtr="0" anchor="t" bIns="91425" lIns="91425" rIns="91425" tIns="91425">
             <a:noAutofit/>
           </a:bodyPr>
           <a:lstStyle/>
@@ -2505,6 +2276,9 @@
               </a:spcBef>
               <a:buNone/>
             </a:pPr>
+            <a:r>
+              <a:t/>
+            </a:r>
             <a:endParaRPr/>
           </a:p>
         </p:txBody>
@@ -2517,12 +2291,12 @@
 </p:notes>
 </file>
 
-<file path=ppt/notesSlides/notesSlide6.xml><?xml version="1.0" encoding="utf-8"?>
-<p:notes xmlns:a="http://schemas.openxmlformats.org/drawingml/2006/main" xmlns:r="http://schemas.openxmlformats.org/officeDocument/2006/relationships" xmlns:p="http://schemas.openxmlformats.org/presentationml/2006/main" showMasterSp="0" showMasterPhAnim="0">
+<file path=ppt/notesSlides/notesSlide4.xml><?xml version="1.0" encoding="utf-8"?>
+<p:notes xmlns:a="http://schemas.openxmlformats.org/drawingml/2006/main" xmlns:r="http://schemas.openxmlformats.org/officeDocument/2006/relationships" xmlns:mc="http://schemas.openxmlformats.org/markup-compatibility/2006" xmlns:mv="urn:schemas-microsoft-com:mac:vml" xmlns:p="http://schemas.openxmlformats.org/presentationml/2006/main" xmlns:c="http://schemas.openxmlformats.org/drawingml/2006/chart" xmlns:dgm="http://schemas.openxmlformats.org/drawingml/2006/diagram" xmlns:o="urn:schemas-microsoft-com:office:office" xmlns:v="urn:schemas-microsoft-com:vml" xmlns:pvml="urn:schemas-microsoft-com:office:powerpoint" xmlns:com="http://schemas.openxmlformats.org/drawingml/2006/compatibility" xmlns:p14="http://schemas.microsoft.com/office/powerpoint/2010/main" showMasterPhAnim="0" showMasterSp="0">
   <p:cSld>
     <p:spTree>
       <p:nvGrpSpPr>
-        <p:cNvPr id="1" name="Shape 80"/>
+        <p:cNvPr id="68" name="Shape 68"/>
         <p:cNvGrpSpPr/>
         <p:nvPr/>
       </p:nvGrpSpPr>
@@ -2536,12 +2310,10 @@
       </p:grpSpPr>
       <p:sp>
         <p:nvSpPr>
-          <p:cNvPr id="81" name="Shape 81"/>
-          <p:cNvSpPr>
-            <a:spLocks noGrp="1" noRot="1" noChangeAspect="1"/>
-          </p:cNvSpPr>
-          <p:nvPr>
-            <p:ph type="sldImg" idx="2"/>
+          <p:cNvPr id="69" name="Shape 69"/>
+          <p:cNvSpPr/>
+          <p:nvPr>
+            <p:ph idx="2" type="sldImg"/>
           </p:nvPr>
         </p:nvSpPr>
         <p:spPr>
@@ -2550,13 +2322,8 @@
             <a:ext cx="6096000" cy="3429000"/>
           </a:xfrm>
           <a:custGeom>
-            <a:avLst/>
-            <a:gdLst/>
-            <a:ahLst/>
-            <a:cxnLst/>
-            <a:rect l="0" t="0" r="0" b="0"/>
             <a:pathLst>
-              <a:path w="120000" h="120000" extrusionOk="0">
+              <a:path extrusionOk="0" h="120000" w="120000">
                 <a:moveTo>
                   <a:pt x="0" y="0"/>
                 </a:moveTo>
@@ -2577,12 +2344,10 @@
       </p:sp>
       <p:sp>
         <p:nvSpPr>
-          <p:cNvPr id="82" name="Shape 82"/>
-          <p:cNvSpPr txBox="1">
-            <a:spLocks noGrp="1"/>
-          </p:cNvSpPr>
-          <p:nvPr>
-            <p:ph type="body" idx="1"/>
+          <p:cNvPr id="70" name="Shape 70"/>
+          <p:cNvSpPr txBox="1"/>
+          <p:nvPr>
+            <p:ph idx="1" type="body"/>
           </p:nvPr>
         </p:nvSpPr>
         <p:spPr>
@@ -2595,7 +2360,7 @@
           </a:prstGeom>
         </p:spPr>
         <p:txBody>
-          <a:bodyPr lIns="91425" tIns="91425" rIns="91425" bIns="91425" anchor="t" anchorCtr="0">
+          <a:bodyPr anchorCtr="0" anchor="t" bIns="91425" lIns="91425" rIns="91425" tIns="91425">
             <a:noAutofit/>
           </a:bodyPr>
           <a:lstStyle/>
@@ -2606,6 +2371,9 @@
               </a:spcBef>
               <a:buNone/>
             </a:pPr>
+            <a:r>
+              <a:t/>
+            </a:r>
             <a:endParaRPr/>
           </a:p>
         </p:txBody>
@@ -2618,12 +2386,12 @@
 </p:notes>
 </file>
 
-<file path=ppt/notesSlides/notesSlide7.xml><?xml version="1.0" encoding="utf-8"?>
-<p:notes xmlns:a="http://schemas.openxmlformats.org/drawingml/2006/main" xmlns:r="http://schemas.openxmlformats.org/officeDocument/2006/relationships" xmlns:p="http://schemas.openxmlformats.org/presentationml/2006/main" showMasterSp="0" showMasterPhAnim="0">
+<file path=ppt/notesSlides/notesSlide5.xml><?xml version="1.0" encoding="utf-8"?>
+<p:notes xmlns:a="http://schemas.openxmlformats.org/drawingml/2006/main" xmlns:r="http://schemas.openxmlformats.org/officeDocument/2006/relationships" xmlns:mc="http://schemas.openxmlformats.org/markup-compatibility/2006" xmlns:mv="urn:schemas-microsoft-com:mac:vml" xmlns:p="http://schemas.openxmlformats.org/presentationml/2006/main" xmlns:c="http://schemas.openxmlformats.org/drawingml/2006/chart" xmlns:dgm="http://schemas.openxmlformats.org/drawingml/2006/diagram" xmlns:o="urn:schemas-microsoft-com:office:office" xmlns:v="urn:schemas-microsoft-com:vml" xmlns:pvml="urn:schemas-microsoft-com:office:powerpoint" xmlns:com="http://schemas.openxmlformats.org/drawingml/2006/compatibility" xmlns:p14="http://schemas.microsoft.com/office/powerpoint/2010/main" showMasterPhAnim="0" showMasterSp="0">
   <p:cSld>
     <p:spTree>
       <p:nvGrpSpPr>
-        <p:cNvPr id="1" name="Shape 86"/>
+        <p:cNvPr id="74" name="Shape 74"/>
         <p:cNvGrpSpPr/>
         <p:nvPr/>
       </p:nvGrpSpPr>
@@ -2637,12 +2405,10 @@
       </p:grpSpPr>
       <p:sp>
         <p:nvSpPr>
-          <p:cNvPr id="87" name="Shape 87"/>
-          <p:cNvSpPr>
-            <a:spLocks noGrp="1" noRot="1" noChangeAspect="1"/>
-          </p:cNvSpPr>
-          <p:nvPr>
-            <p:ph type="sldImg" idx="2"/>
+          <p:cNvPr id="75" name="Shape 75"/>
+          <p:cNvSpPr/>
+          <p:nvPr>
+            <p:ph idx="2" type="sldImg"/>
           </p:nvPr>
         </p:nvSpPr>
         <p:spPr>
@@ -2651,13 +2417,8 @@
             <a:ext cx="6096000" cy="3429000"/>
           </a:xfrm>
           <a:custGeom>
-            <a:avLst/>
-            <a:gdLst/>
-            <a:ahLst/>
-            <a:cxnLst/>
-            <a:rect l="0" t="0" r="0" b="0"/>
             <a:pathLst>
-              <a:path w="120000" h="120000" extrusionOk="0">
+              <a:path extrusionOk="0" h="120000" w="120000">
                 <a:moveTo>
                   <a:pt x="0" y="0"/>
                 </a:moveTo>
@@ -2678,12 +2439,10 @@
       </p:sp>
       <p:sp>
         <p:nvSpPr>
-          <p:cNvPr id="88" name="Shape 88"/>
-          <p:cNvSpPr txBox="1">
-            <a:spLocks noGrp="1"/>
-          </p:cNvSpPr>
-          <p:nvPr>
-            <p:ph type="body" idx="1"/>
+          <p:cNvPr id="76" name="Shape 76"/>
+          <p:cNvSpPr txBox="1"/>
+          <p:nvPr>
+            <p:ph idx="1" type="body"/>
           </p:nvPr>
         </p:nvSpPr>
         <p:spPr>
@@ -2696,7 +2455,7 @@
           </a:prstGeom>
         </p:spPr>
         <p:txBody>
-          <a:bodyPr lIns="91425" tIns="91425" rIns="91425" bIns="91425" anchor="t" anchorCtr="0">
+          <a:bodyPr anchorCtr="0" anchor="t" bIns="91425" lIns="91425" rIns="91425" tIns="91425">
             <a:noAutofit/>
           </a:bodyPr>
           <a:lstStyle/>
@@ -2707,6 +2466,9 @@
               </a:spcBef>
               <a:buNone/>
             </a:pPr>
+            <a:r>
+              <a:t/>
+            </a:r>
             <a:endParaRPr/>
           </a:p>
         </p:txBody>
@@ -2719,12 +2481,12 @@
 </p:notes>
 </file>
 
-<file path=ppt/notesSlides/notesSlide8.xml><?xml version="1.0" encoding="utf-8"?>
-<p:notes xmlns:a="http://schemas.openxmlformats.org/drawingml/2006/main" xmlns:r="http://schemas.openxmlformats.org/officeDocument/2006/relationships" xmlns:p="http://schemas.openxmlformats.org/presentationml/2006/main" showMasterSp="0" showMasterPhAnim="0">
+<file path=ppt/notesSlides/notesSlide6.xml><?xml version="1.0" encoding="utf-8"?>
+<p:notes xmlns:a="http://schemas.openxmlformats.org/drawingml/2006/main" xmlns:r="http://schemas.openxmlformats.org/officeDocument/2006/relationships" xmlns:mc="http://schemas.openxmlformats.org/markup-compatibility/2006" xmlns:mv="urn:schemas-microsoft-com:mac:vml" xmlns:p="http://schemas.openxmlformats.org/presentationml/2006/main" xmlns:c="http://schemas.openxmlformats.org/drawingml/2006/chart" xmlns:dgm="http://schemas.openxmlformats.org/drawingml/2006/diagram" xmlns:o="urn:schemas-microsoft-com:office:office" xmlns:v="urn:schemas-microsoft-com:vml" xmlns:pvml="urn:schemas-microsoft-com:office:powerpoint" xmlns:com="http://schemas.openxmlformats.org/drawingml/2006/compatibility" xmlns:p14="http://schemas.microsoft.com/office/powerpoint/2010/main" showMasterPhAnim="0" showMasterSp="0">
   <p:cSld>
     <p:spTree>
       <p:nvGrpSpPr>
-        <p:cNvPr id="1" name="Shape 92"/>
+        <p:cNvPr id="80" name="Shape 80"/>
         <p:cNvGrpSpPr/>
         <p:nvPr/>
       </p:nvGrpSpPr>
@@ -2738,12 +2500,10 @@
       </p:grpSpPr>
       <p:sp>
         <p:nvSpPr>
-          <p:cNvPr id="93" name="Shape 93"/>
-          <p:cNvSpPr>
-            <a:spLocks noGrp="1" noRot="1" noChangeAspect="1"/>
-          </p:cNvSpPr>
-          <p:nvPr>
-            <p:ph type="sldImg" idx="2"/>
+          <p:cNvPr id="81" name="Shape 81"/>
+          <p:cNvSpPr/>
+          <p:nvPr>
+            <p:ph idx="2" type="sldImg"/>
           </p:nvPr>
         </p:nvSpPr>
         <p:spPr>
@@ -2752,13 +2512,8 @@
             <a:ext cx="6096000" cy="3429000"/>
           </a:xfrm>
           <a:custGeom>
-            <a:avLst/>
-            <a:gdLst/>
-            <a:ahLst/>
-            <a:cxnLst/>
-            <a:rect l="0" t="0" r="0" b="0"/>
             <a:pathLst>
-              <a:path w="120000" h="120000" extrusionOk="0">
+              <a:path extrusionOk="0" h="120000" w="120000">
                 <a:moveTo>
                   <a:pt x="0" y="0"/>
                 </a:moveTo>
@@ -2779,12 +2534,10 @@
       </p:sp>
       <p:sp>
         <p:nvSpPr>
-          <p:cNvPr id="94" name="Shape 94"/>
-          <p:cNvSpPr txBox="1">
-            <a:spLocks noGrp="1"/>
-          </p:cNvSpPr>
-          <p:nvPr>
-            <p:ph type="body" idx="1"/>
+          <p:cNvPr id="82" name="Shape 82"/>
+          <p:cNvSpPr txBox="1"/>
+          <p:nvPr>
+            <p:ph idx="1" type="body"/>
           </p:nvPr>
         </p:nvSpPr>
         <p:spPr>
@@ -2797,7 +2550,7 @@
           </a:prstGeom>
         </p:spPr>
         <p:txBody>
-          <a:bodyPr lIns="91425" tIns="91425" rIns="91425" bIns="91425" anchor="t" anchorCtr="0">
+          <a:bodyPr anchorCtr="0" anchor="t" bIns="91425" lIns="91425" rIns="91425" tIns="91425">
             <a:noAutofit/>
           </a:bodyPr>
           <a:lstStyle/>
@@ -2808,6 +2561,9 @@
               </a:spcBef>
               <a:buNone/>
             </a:pPr>
+            <a:r>
+              <a:t/>
+            </a:r>
             <a:endParaRPr/>
           </a:p>
         </p:txBody>
@@ -2820,12 +2576,12 @@
 </p:notes>
 </file>
 
-<file path=ppt/notesSlides/notesSlide9.xml><?xml version="1.0" encoding="utf-8"?>
-<p:notes xmlns:a="http://schemas.openxmlformats.org/drawingml/2006/main" xmlns:r="http://schemas.openxmlformats.org/officeDocument/2006/relationships" xmlns:p="http://schemas.openxmlformats.org/presentationml/2006/main" showMasterSp="0" showMasterPhAnim="0">
+<file path=ppt/notesSlides/notesSlide7.xml><?xml version="1.0" encoding="utf-8"?>
+<p:notes xmlns:a="http://schemas.openxmlformats.org/drawingml/2006/main" xmlns:r="http://schemas.openxmlformats.org/officeDocument/2006/relationships" xmlns:mc="http://schemas.openxmlformats.org/markup-compatibility/2006" xmlns:mv="urn:schemas-microsoft-com:mac:vml" xmlns:p="http://schemas.openxmlformats.org/presentationml/2006/main" xmlns:c="http://schemas.openxmlformats.org/drawingml/2006/chart" xmlns:dgm="http://schemas.openxmlformats.org/drawingml/2006/diagram" xmlns:o="urn:schemas-microsoft-com:office:office" xmlns:v="urn:schemas-microsoft-com:vml" xmlns:pvml="urn:schemas-microsoft-com:office:powerpoint" xmlns:com="http://schemas.openxmlformats.org/drawingml/2006/compatibility" xmlns:p14="http://schemas.microsoft.com/office/powerpoint/2010/main" showMasterPhAnim="0" showMasterSp="0">
   <p:cSld>
     <p:spTree>
       <p:nvGrpSpPr>
-        <p:cNvPr id="1" name="Shape 98"/>
+        <p:cNvPr id="86" name="Shape 86"/>
         <p:cNvGrpSpPr/>
         <p:nvPr/>
       </p:nvGrpSpPr>
@@ -2839,12 +2595,10 @@
       </p:grpSpPr>
       <p:sp>
         <p:nvSpPr>
-          <p:cNvPr id="99" name="Shape 99"/>
-          <p:cNvSpPr>
-            <a:spLocks noGrp="1" noRot="1" noChangeAspect="1"/>
-          </p:cNvSpPr>
-          <p:nvPr>
-            <p:ph type="sldImg" idx="2"/>
+          <p:cNvPr id="87" name="Shape 87"/>
+          <p:cNvSpPr/>
+          <p:nvPr>
+            <p:ph idx="2" type="sldImg"/>
           </p:nvPr>
         </p:nvSpPr>
         <p:spPr>
@@ -2853,13 +2607,8 @@
             <a:ext cx="6096000" cy="3429000"/>
           </a:xfrm>
           <a:custGeom>
-            <a:avLst/>
-            <a:gdLst/>
-            <a:ahLst/>
-            <a:cxnLst/>
-            <a:rect l="0" t="0" r="0" b="0"/>
             <a:pathLst>
-              <a:path w="120000" h="120000" extrusionOk="0">
+              <a:path extrusionOk="0" h="120000" w="120000">
                 <a:moveTo>
                   <a:pt x="0" y="0"/>
                 </a:moveTo>
@@ -2880,12 +2629,10 @@
       </p:sp>
       <p:sp>
         <p:nvSpPr>
-          <p:cNvPr id="100" name="Shape 100"/>
-          <p:cNvSpPr txBox="1">
-            <a:spLocks noGrp="1"/>
-          </p:cNvSpPr>
-          <p:nvPr>
-            <p:ph type="body" idx="1"/>
+          <p:cNvPr id="88" name="Shape 88"/>
+          <p:cNvSpPr txBox="1"/>
+          <p:nvPr>
+            <p:ph idx="1" type="body"/>
           </p:nvPr>
         </p:nvSpPr>
         <p:spPr>
@@ -2898,7 +2645,7 @@
           </a:prstGeom>
         </p:spPr>
         <p:txBody>
-          <a:bodyPr lIns="91425" tIns="91425" rIns="91425" bIns="91425" anchor="t" anchorCtr="0">
+          <a:bodyPr anchorCtr="0" anchor="t" bIns="91425" lIns="91425" rIns="91425" tIns="91425">
             <a:noAutofit/>
           </a:bodyPr>
           <a:lstStyle/>
@@ -2909,6 +2656,9 @@
               </a:spcBef>
               <a:buNone/>
             </a:pPr>
+            <a:r>
+              <a:t/>
+            </a:r>
             <a:endParaRPr/>
           </a:p>
         </p:txBody>
@@ -2921,12 +2671,12 @@
 </p:notes>
 </file>
 
-<file path=ppt/slideLayouts/slideLayout1.xml><?xml version="1.0" encoding="utf-8"?>
-<p:sldLayout xmlns:a="http://schemas.openxmlformats.org/drawingml/2006/main" xmlns:r="http://schemas.openxmlformats.org/officeDocument/2006/relationships" xmlns:p="http://schemas.openxmlformats.org/presentationml/2006/main" type="title">
-  <p:cSld name="Title slide">
+<file path=ppt/notesSlides/notesSlide8.xml><?xml version="1.0" encoding="utf-8"?>
+<p:notes xmlns:a="http://schemas.openxmlformats.org/drawingml/2006/main" xmlns:r="http://schemas.openxmlformats.org/officeDocument/2006/relationships" xmlns:mc="http://schemas.openxmlformats.org/markup-compatibility/2006" xmlns:mv="urn:schemas-microsoft-com:mac:vml" xmlns:p="http://schemas.openxmlformats.org/presentationml/2006/main" xmlns:c="http://schemas.openxmlformats.org/drawingml/2006/chart" xmlns:dgm="http://schemas.openxmlformats.org/drawingml/2006/diagram" xmlns:o="urn:schemas-microsoft-com:office:office" xmlns:v="urn:schemas-microsoft-com:vml" xmlns:pvml="urn:schemas-microsoft-com:office:powerpoint" xmlns:com="http://schemas.openxmlformats.org/drawingml/2006/compatibility" xmlns:p14="http://schemas.microsoft.com/office/powerpoint/2010/main" showMasterPhAnim="0" showMasterSp="0">
+  <p:cSld>
     <p:spTree>
       <p:nvGrpSpPr>
-        <p:cNvPr id="1" name="Shape 9"/>
+        <p:cNvPr id="92" name="Shape 92"/>
         <p:cNvGrpSpPr/>
         <p:nvPr/>
       </p:nvGrpSpPr>
@@ -2940,270 +2690,57 @@
       </p:grpSpPr>
       <p:sp>
         <p:nvSpPr>
-          <p:cNvPr id="10" name="Shape 10"/>
-          <p:cNvSpPr txBox="1">
-            <a:spLocks noGrp="1"/>
-          </p:cNvSpPr>
-          <p:nvPr>
-            <p:ph type="ctrTitle"/>
-          </p:nvPr>
-        </p:nvSpPr>
-        <p:spPr>
-          <a:xfrm>
-            <a:off x="311708" y="744575"/>
-            <a:ext cx="8520600" cy="2052600"/>
+          <p:cNvPr id="93" name="Shape 93"/>
+          <p:cNvSpPr/>
+          <p:nvPr>
+            <p:ph idx="2" type="sldImg"/>
+          </p:nvPr>
+        </p:nvSpPr>
+        <p:spPr>
+          <a:xfrm>
+            <a:off x="381300" y="685800"/>
+            <a:ext cx="6096000" cy="3429000"/>
+          </a:xfrm>
+          <a:custGeom>
+            <a:pathLst>
+              <a:path extrusionOk="0" h="120000" w="120000">
+                <a:moveTo>
+                  <a:pt x="0" y="0"/>
+                </a:moveTo>
+                <a:lnTo>
+                  <a:pt x="120000" y="0"/>
+                </a:lnTo>
+                <a:lnTo>
+                  <a:pt x="120000" y="120000"/>
+                </a:lnTo>
+                <a:lnTo>
+                  <a:pt x="0" y="120000"/>
+                </a:lnTo>
+                <a:close/>
+              </a:path>
+            </a:pathLst>
+          </a:custGeom>
+        </p:spPr>
+      </p:sp>
+      <p:sp>
+        <p:nvSpPr>
+          <p:cNvPr id="94" name="Shape 94"/>
+          <p:cNvSpPr txBox="1"/>
+          <p:nvPr>
+            <p:ph idx="1" type="body"/>
+          </p:nvPr>
+        </p:nvSpPr>
+        <p:spPr>
+          <a:xfrm>
+            <a:off x="685800" y="4343400"/>
+            <a:ext cx="5486400" cy="4114800"/>
           </a:xfrm>
           <a:prstGeom prst="rect">
             <a:avLst/>
           </a:prstGeom>
         </p:spPr>
         <p:txBody>
-          <a:bodyPr lIns="91425" tIns="91425" rIns="91425" bIns="91425" anchor="b" anchorCtr="0"/>
-          <a:lstStyle>
-            <a:lvl1pPr lvl="0" algn="ctr">
-              <a:spcBef>
-                <a:spcPts val="0"/>
-              </a:spcBef>
-              <a:buSzPct val="100000"/>
-              <a:defRPr sz="5200"/>
-            </a:lvl1pPr>
-            <a:lvl2pPr lvl="1" algn="ctr">
-              <a:spcBef>
-                <a:spcPts val="0"/>
-              </a:spcBef>
-              <a:buSzPct val="100000"/>
-              <a:defRPr sz="5200"/>
-            </a:lvl2pPr>
-            <a:lvl3pPr lvl="2" algn="ctr">
-              <a:spcBef>
-                <a:spcPts val="0"/>
-              </a:spcBef>
-              <a:buSzPct val="100000"/>
-              <a:defRPr sz="5200"/>
-            </a:lvl3pPr>
-            <a:lvl4pPr lvl="3" algn="ctr">
-              <a:spcBef>
-                <a:spcPts val="0"/>
-              </a:spcBef>
-              <a:buSzPct val="100000"/>
-              <a:defRPr sz="5200"/>
-            </a:lvl4pPr>
-            <a:lvl5pPr lvl="4" algn="ctr">
-              <a:spcBef>
-                <a:spcPts val="0"/>
-              </a:spcBef>
-              <a:buSzPct val="100000"/>
-              <a:defRPr sz="5200"/>
-            </a:lvl5pPr>
-            <a:lvl6pPr lvl="5" algn="ctr">
-              <a:spcBef>
-                <a:spcPts val="0"/>
-              </a:spcBef>
-              <a:buSzPct val="100000"/>
-              <a:defRPr sz="5200"/>
-            </a:lvl6pPr>
-            <a:lvl7pPr lvl="6" algn="ctr">
-              <a:spcBef>
-                <a:spcPts val="0"/>
-              </a:spcBef>
-              <a:buSzPct val="100000"/>
-              <a:defRPr sz="5200"/>
-            </a:lvl7pPr>
-            <a:lvl8pPr lvl="7" algn="ctr">
-              <a:spcBef>
-                <a:spcPts val="0"/>
-              </a:spcBef>
-              <a:buSzPct val="100000"/>
-              <a:defRPr sz="5200"/>
-            </a:lvl8pPr>
-            <a:lvl9pPr lvl="8" algn="ctr">
-              <a:spcBef>
-                <a:spcPts val="0"/>
-              </a:spcBef>
-              <a:buSzPct val="100000"/>
-              <a:defRPr sz="5200"/>
-            </a:lvl9pPr>
-          </a:lstStyle>
-          <a:p>
-            <a:endParaRPr/>
-          </a:p>
-        </p:txBody>
-      </p:sp>
-      <p:sp>
-        <p:nvSpPr>
-          <p:cNvPr id="11" name="Shape 11"/>
-          <p:cNvSpPr txBox="1">
-            <a:spLocks noGrp="1"/>
-          </p:cNvSpPr>
-          <p:nvPr>
-            <p:ph type="subTitle" idx="1"/>
-          </p:nvPr>
-        </p:nvSpPr>
-        <p:spPr>
-          <a:xfrm>
-            <a:off x="311700" y="2834125"/>
-            <a:ext cx="8520600" cy="792600"/>
-          </a:xfrm>
-          <a:prstGeom prst="rect">
-            <a:avLst/>
-          </a:prstGeom>
-        </p:spPr>
-        <p:txBody>
-          <a:bodyPr lIns="91425" tIns="91425" rIns="91425" bIns="91425" anchor="t" anchorCtr="0"/>
-          <a:lstStyle>
-            <a:lvl1pPr lvl="0" algn="ctr">
-              <a:lnSpc>
-                <a:spcPct val="100000"/>
-              </a:lnSpc>
-              <a:spcBef>
-                <a:spcPts val="0"/>
-              </a:spcBef>
-              <a:spcAft>
-                <a:spcPts val="0"/>
-              </a:spcAft>
-              <a:buSzPct val="100000"/>
-              <a:buNone/>
-              <a:defRPr sz="2800"/>
-            </a:lvl1pPr>
-            <a:lvl2pPr lvl="1" algn="ctr">
-              <a:lnSpc>
-                <a:spcPct val="100000"/>
-              </a:lnSpc>
-              <a:spcBef>
-                <a:spcPts val="0"/>
-              </a:spcBef>
-              <a:spcAft>
-                <a:spcPts val="0"/>
-              </a:spcAft>
-              <a:buSzPct val="100000"/>
-              <a:buNone/>
-              <a:defRPr sz="2800"/>
-            </a:lvl2pPr>
-            <a:lvl3pPr lvl="2" algn="ctr">
-              <a:lnSpc>
-                <a:spcPct val="100000"/>
-              </a:lnSpc>
-              <a:spcBef>
-                <a:spcPts val="0"/>
-              </a:spcBef>
-              <a:spcAft>
-                <a:spcPts val="0"/>
-              </a:spcAft>
-              <a:buSzPct val="100000"/>
-              <a:buNone/>
-              <a:defRPr sz="2800"/>
-            </a:lvl3pPr>
-            <a:lvl4pPr lvl="3" algn="ctr">
-              <a:lnSpc>
-                <a:spcPct val="100000"/>
-              </a:lnSpc>
-              <a:spcBef>
-                <a:spcPts val="0"/>
-              </a:spcBef>
-              <a:spcAft>
-                <a:spcPts val="0"/>
-              </a:spcAft>
-              <a:buSzPct val="100000"/>
-              <a:buNone/>
-              <a:defRPr sz="2800"/>
-            </a:lvl4pPr>
-            <a:lvl5pPr lvl="4" algn="ctr">
-              <a:lnSpc>
-                <a:spcPct val="100000"/>
-              </a:lnSpc>
-              <a:spcBef>
-                <a:spcPts val="0"/>
-              </a:spcBef>
-              <a:spcAft>
-                <a:spcPts val="0"/>
-              </a:spcAft>
-              <a:buSzPct val="100000"/>
-              <a:buNone/>
-              <a:defRPr sz="2800"/>
-            </a:lvl5pPr>
-            <a:lvl6pPr lvl="5" algn="ctr">
-              <a:lnSpc>
-                <a:spcPct val="100000"/>
-              </a:lnSpc>
-              <a:spcBef>
-                <a:spcPts val="0"/>
-              </a:spcBef>
-              <a:spcAft>
-                <a:spcPts val="0"/>
-              </a:spcAft>
-              <a:buSzPct val="100000"/>
-              <a:buNone/>
-              <a:defRPr sz="2800"/>
-            </a:lvl6pPr>
-            <a:lvl7pPr lvl="6" algn="ctr">
-              <a:lnSpc>
-                <a:spcPct val="100000"/>
-              </a:lnSpc>
-              <a:spcBef>
-                <a:spcPts val="0"/>
-              </a:spcBef>
-              <a:spcAft>
-                <a:spcPts val="0"/>
-              </a:spcAft>
-              <a:buSzPct val="100000"/>
-              <a:buNone/>
-              <a:defRPr sz="2800"/>
-            </a:lvl7pPr>
-            <a:lvl8pPr lvl="7" algn="ctr">
-              <a:lnSpc>
-                <a:spcPct val="100000"/>
-              </a:lnSpc>
-              <a:spcBef>
-                <a:spcPts val="0"/>
-              </a:spcBef>
-              <a:spcAft>
-                <a:spcPts val="0"/>
-              </a:spcAft>
-              <a:buSzPct val="100000"/>
-              <a:buNone/>
-              <a:defRPr sz="2800"/>
-            </a:lvl8pPr>
-            <a:lvl9pPr lvl="8" algn="ctr">
-              <a:lnSpc>
-                <a:spcPct val="100000"/>
-              </a:lnSpc>
-              <a:spcBef>
-                <a:spcPts val="0"/>
-              </a:spcBef>
-              <a:spcAft>
-                <a:spcPts val="0"/>
-              </a:spcAft>
-              <a:buSzPct val="100000"/>
-              <a:buNone/>
-              <a:defRPr sz="2800"/>
-            </a:lvl9pPr>
-          </a:lstStyle>
-          <a:p>
-            <a:endParaRPr/>
-          </a:p>
-        </p:txBody>
-      </p:sp>
-      <p:sp>
-        <p:nvSpPr>
-          <p:cNvPr id="12" name="Shape 12"/>
-          <p:cNvSpPr txBox="1">
-            <a:spLocks noGrp="1"/>
-          </p:cNvSpPr>
-          <p:nvPr>
-            <p:ph type="sldNum" idx="12"/>
-          </p:nvPr>
-        </p:nvSpPr>
-        <p:spPr>
-          <a:xfrm>
-            <a:off x="8472457" y="4663216"/>
-            <a:ext cx="548700" cy="393600"/>
-          </a:xfrm>
-          <a:prstGeom prst="rect">
-            <a:avLst/>
-          </a:prstGeom>
-        </p:spPr>
-        <p:txBody>
-          <a:bodyPr lIns="91425" tIns="91425" rIns="91425" bIns="91425" anchor="ctr" anchorCtr="0">
+          <a:bodyPr anchorCtr="0" anchor="t" bIns="91425" lIns="91425" rIns="91425" tIns="91425">
             <a:noAutofit/>
           </a:bodyPr>
           <a:lstStyle/>
@@ -3214,11 +2751,10 @@
               </a:spcBef>
               <a:buNone/>
             </a:pPr>
-            <a:fld id="{00000000-1234-1234-1234-123412341234}" type="slidenum">
-              <a:rPr lang="en"/>
-              <a:t>‹#›</a:t>
-            </a:fld>
-            <a:endParaRPr lang="en"/>
+            <a:r>
+              <a:t/>
+            </a:r>
+            <a:endParaRPr/>
           </a:p>
         </p:txBody>
       </p:sp>
@@ -3227,15 +2763,15 @@
   <p:clrMapOvr>
     <a:masterClrMapping/>
   </p:clrMapOvr>
-</p:sldLayout>
+</p:notes>
 </file>
 
-<file path=ppt/slideLayouts/slideLayout10.xml><?xml version="1.0" encoding="utf-8"?>
-<p:sldLayout xmlns:a="http://schemas.openxmlformats.org/drawingml/2006/main" xmlns:r="http://schemas.openxmlformats.org/officeDocument/2006/relationships" xmlns:p="http://schemas.openxmlformats.org/presentationml/2006/main">
-  <p:cSld name="Big number">
+<file path=ppt/notesSlides/notesSlide9.xml><?xml version="1.0" encoding="utf-8"?>
+<p:notes xmlns:a="http://schemas.openxmlformats.org/drawingml/2006/main" xmlns:r="http://schemas.openxmlformats.org/officeDocument/2006/relationships" xmlns:mc="http://schemas.openxmlformats.org/markup-compatibility/2006" xmlns:mv="urn:schemas-microsoft-com:mac:vml" xmlns:p="http://schemas.openxmlformats.org/presentationml/2006/main" xmlns:c="http://schemas.openxmlformats.org/drawingml/2006/chart" xmlns:dgm="http://schemas.openxmlformats.org/drawingml/2006/diagram" xmlns:o="urn:schemas-microsoft-com:office:office" xmlns:v="urn:schemas-microsoft-com:vml" xmlns:pvml="urn:schemas-microsoft-com:office:powerpoint" xmlns:com="http://schemas.openxmlformats.org/drawingml/2006/compatibility" xmlns:p14="http://schemas.microsoft.com/office/powerpoint/2010/main" showMasterPhAnim="0" showMasterSp="0">
+  <p:cSld>
     <p:spTree>
       <p:nvGrpSpPr>
-        <p:cNvPr id="1" name="Shape 44"/>
+        <p:cNvPr id="98" name="Shape 98"/>
         <p:cNvGrpSpPr/>
         <p:nvPr/>
       </p:nvGrpSpPr>
@@ -3249,198 +2785,57 @@
       </p:grpSpPr>
       <p:sp>
         <p:nvSpPr>
-          <p:cNvPr id="45" name="Shape 45"/>
-          <p:cNvSpPr txBox="1">
-            <a:spLocks noGrp="1"/>
-          </p:cNvSpPr>
-          <p:nvPr>
-            <p:ph type="title"/>
-          </p:nvPr>
-        </p:nvSpPr>
-        <p:spPr>
-          <a:xfrm>
-            <a:off x="311700" y="1106125"/>
-            <a:ext cx="8520600" cy="1963500"/>
+          <p:cNvPr id="99" name="Shape 99"/>
+          <p:cNvSpPr/>
+          <p:nvPr>
+            <p:ph idx="2" type="sldImg"/>
+          </p:nvPr>
+        </p:nvSpPr>
+        <p:spPr>
+          <a:xfrm>
+            <a:off x="381300" y="685800"/>
+            <a:ext cx="6096000" cy="3429000"/>
+          </a:xfrm>
+          <a:custGeom>
+            <a:pathLst>
+              <a:path extrusionOk="0" h="120000" w="120000">
+                <a:moveTo>
+                  <a:pt x="0" y="0"/>
+                </a:moveTo>
+                <a:lnTo>
+                  <a:pt x="120000" y="0"/>
+                </a:lnTo>
+                <a:lnTo>
+                  <a:pt x="120000" y="120000"/>
+                </a:lnTo>
+                <a:lnTo>
+                  <a:pt x="0" y="120000"/>
+                </a:lnTo>
+                <a:close/>
+              </a:path>
+            </a:pathLst>
+          </a:custGeom>
+        </p:spPr>
+      </p:sp>
+      <p:sp>
+        <p:nvSpPr>
+          <p:cNvPr id="100" name="Shape 100"/>
+          <p:cNvSpPr txBox="1"/>
+          <p:nvPr>
+            <p:ph idx="1" type="body"/>
+          </p:nvPr>
+        </p:nvSpPr>
+        <p:spPr>
+          <a:xfrm>
+            <a:off x="685800" y="4343400"/>
+            <a:ext cx="5486400" cy="4114800"/>
           </a:xfrm>
           <a:prstGeom prst="rect">
             <a:avLst/>
           </a:prstGeom>
         </p:spPr>
         <p:txBody>
-          <a:bodyPr lIns="91425" tIns="91425" rIns="91425" bIns="91425" anchor="b" anchorCtr="0"/>
-          <a:lstStyle>
-            <a:lvl1pPr lvl="0" algn="ctr">
-              <a:spcBef>
-                <a:spcPts val="0"/>
-              </a:spcBef>
-              <a:buSzPct val="100000"/>
-              <a:defRPr sz="12000"/>
-            </a:lvl1pPr>
-            <a:lvl2pPr lvl="1" algn="ctr">
-              <a:spcBef>
-                <a:spcPts val="0"/>
-              </a:spcBef>
-              <a:buSzPct val="100000"/>
-              <a:defRPr sz="12000"/>
-            </a:lvl2pPr>
-            <a:lvl3pPr lvl="2" algn="ctr">
-              <a:spcBef>
-                <a:spcPts val="0"/>
-              </a:spcBef>
-              <a:buSzPct val="100000"/>
-              <a:defRPr sz="12000"/>
-            </a:lvl3pPr>
-            <a:lvl4pPr lvl="3" algn="ctr">
-              <a:spcBef>
-                <a:spcPts val="0"/>
-              </a:spcBef>
-              <a:buSzPct val="100000"/>
-              <a:defRPr sz="12000"/>
-            </a:lvl4pPr>
-            <a:lvl5pPr lvl="4" algn="ctr">
-              <a:spcBef>
-                <a:spcPts val="0"/>
-              </a:spcBef>
-              <a:buSzPct val="100000"/>
-              <a:defRPr sz="12000"/>
-            </a:lvl5pPr>
-            <a:lvl6pPr lvl="5" algn="ctr">
-              <a:spcBef>
-                <a:spcPts val="0"/>
-              </a:spcBef>
-              <a:buSzPct val="100000"/>
-              <a:defRPr sz="12000"/>
-            </a:lvl6pPr>
-            <a:lvl7pPr lvl="6" algn="ctr">
-              <a:spcBef>
-                <a:spcPts val="0"/>
-              </a:spcBef>
-              <a:buSzPct val="100000"/>
-              <a:defRPr sz="12000"/>
-            </a:lvl7pPr>
-            <a:lvl8pPr lvl="7" algn="ctr">
-              <a:spcBef>
-                <a:spcPts val="0"/>
-              </a:spcBef>
-              <a:buSzPct val="100000"/>
-              <a:defRPr sz="12000"/>
-            </a:lvl8pPr>
-            <a:lvl9pPr lvl="8" algn="ctr">
-              <a:spcBef>
-                <a:spcPts val="0"/>
-              </a:spcBef>
-              <a:buSzPct val="100000"/>
-              <a:defRPr sz="12000"/>
-            </a:lvl9pPr>
-          </a:lstStyle>
-          <a:p>
-            <a:endParaRPr/>
-          </a:p>
-        </p:txBody>
-      </p:sp>
-      <p:sp>
-        <p:nvSpPr>
-          <p:cNvPr id="46" name="Shape 46"/>
-          <p:cNvSpPr txBox="1">
-            <a:spLocks noGrp="1"/>
-          </p:cNvSpPr>
-          <p:nvPr>
-            <p:ph type="body" idx="1"/>
-          </p:nvPr>
-        </p:nvSpPr>
-        <p:spPr>
-          <a:xfrm>
-            <a:off x="311700" y="3152225"/>
-            <a:ext cx="8520600" cy="1300800"/>
-          </a:xfrm>
-          <a:prstGeom prst="rect">
-            <a:avLst/>
-          </a:prstGeom>
-        </p:spPr>
-        <p:txBody>
-          <a:bodyPr lIns="91425" tIns="91425" rIns="91425" bIns="91425" anchor="t" anchorCtr="0"/>
-          <a:lstStyle>
-            <a:lvl1pPr lvl="0" algn="ctr">
-              <a:spcBef>
-                <a:spcPts val="0"/>
-              </a:spcBef>
-              <a:defRPr/>
-            </a:lvl1pPr>
-            <a:lvl2pPr lvl="1" algn="ctr">
-              <a:spcBef>
-                <a:spcPts val="0"/>
-              </a:spcBef>
-              <a:defRPr/>
-            </a:lvl2pPr>
-            <a:lvl3pPr lvl="2" algn="ctr">
-              <a:spcBef>
-                <a:spcPts val="0"/>
-              </a:spcBef>
-              <a:defRPr/>
-            </a:lvl3pPr>
-            <a:lvl4pPr lvl="3" algn="ctr">
-              <a:spcBef>
-                <a:spcPts val="0"/>
-              </a:spcBef>
-              <a:defRPr/>
-            </a:lvl4pPr>
-            <a:lvl5pPr lvl="4" algn="ctr">
-              <a:spcBef>
-                <a:spcPts val="0"/>
-              </a:spcBef>
-              <a:defRPr/>
-            </a:lvl5pPr>
-            <a:lvl6pPr lvl="5" algn="ctr">
-              <a:spcBef>
-                <a:spcPts val="0"/>
-              </a:spcBef>
-              <a:defRPr/>
-            </a:lvl6pPr>
-            <a:lvl7pPr lvl="6" algn="ctr">
-              <a:spcBef>
-                <a:spcPts val="0"/>
-              </a:spcBef>
-              <a:defRPr/>
-            </a:lvl7pPr>
-            <a:lvl8pPr lvl="7" algn="ctr">
-              <a:spcBef>
-                <a:spcPts val="0"/>
-              </a:spcBef>
-              <a:defRPr/>
-            </a:lvl8pPr>
-            <a:lvl9pPr lvl="8" algn="ctr">
-              <a:spcBef>
-                <a:spcPts val="0"/>
-              </a:spcBef>
-              <a:defRPr/>
-            </a:lvl9pPr>
-          </a:lstStyle>
-          <a:p>
-            <a:endParaRPr/>
-          </a:p>
-        </p:txBody>
-      </p:sp>
-      <p:sp>
-        <p:nvSpPr>
-          <p:cNvPr id="47" name="Shape 47"/>
-          <p:cNvSpPr txBox="1">
-            <a:spLocks noGrp="1"/>
-          </p:cNvSpPr>
-          <p:nvPr>
-            <p:ph type="sldNum" idx="12"/>
-          </p:nvPr>
-        </p:nvSpPr>
-        <p:spPr>
-          <a:xfrm>
-            <a:off x="8472457" y="4663216"/>
-            <a:ext cx="548700" cy="393600"/>
-          </a:xfrm>
-          <a:prstGeom prst="rect">
-            <a:avLst/>
-          </a:prstGeom>
-        </p:spPr>
-        <p:txBody>
-          <a:bodyPr lIns="91425" tIns="91425" rIns="91425" bIns="91425" anchor="ctr" anchorCtr="0">
+          <a:bodyPr anchorCtr="0" anchor="t" bIns="91425" lIns="91425" rIns="91425" tIns="91425">
             <a:noAutofit/>
           </a:bodyPr>
           <a:lstStyle/>
@@ -3451,11 +2846,10 @@
               </a:spcBef>
               <a:buNone/>
             </a:pPr>
-            <a:fld id="{00000000-1234-1234-1234-123412341234}" type="slidenum">
-              <a:rPr lang="en"/>
-              <a:t>‹#›</a:t>
-            </a:fld>
-            <a:endParaRPr lang="en"/>
+            <a:r>
+              <a:t/>
+            </a:r>
+            <a:endParaRPr/>
           </a:p>
         </p:txBody>
       </p:sp>
@@ -3464,15 +2858,15 @@
   <p:clrMapOvr>
     <a:masterClrMapping/>
   </p:clrMapOvr>
-</p:sldLayout>
+</p:notes>
 </file>
 
-<file path=ppt/slideLayouts/slideLayout11.xml><?xml version="1.0" encoding="utf-8"?>
-<p:sldLayout xmlns:a="http://schemas.openxmlformats.org/drawingml/2006/main" xmlns:r="http://schemas.openxmlformats.org/officeDocument/2006/relationships" xmlns:p="http://schemas.openxmlformats.org/presentationml/2006/main" type="blank">
-  <p:cSld name="Blank">
+<file path=ppt/slideLayouts/slideLayout1.xml><?xml version="1.0" encoding="utf-8"?>
+<p:sldLayout xmlns:a="http://schemas.openxmlformats.org/drawingml/2006/main" xmlns:r="http://schemas.openxmlformats.org/officeDocument/2006/relationships" xmlns:mc="http://schemas.openxmlformats.org/markup-compatibility/2006" xmlns:mv="urn:schemas-microsoft-com:mac:vml" xmlns:p="http://schemas.openxmlformats.org/presentationml/2006/main" xmlns:c="http://schemas.openxmlformats.org/drawingml/2006/chart" xmlns:dgm="http://schemas.openxmlformats.org/drawingml/2006/diagram" xmlns:o="urn:schemas-microsoft-com:office:office" xmlns:v="urn:schemas-microsoft-com:vml" xmlns:pvml="urn:schemas-microsoft-com:office:powerpoint" xmlns:com="http://schemas.openxmlformats.org/drawingml/2006/compatibility" xmlns:p14="http://schemas.microsoft.com/office/powerpoint/2010/main" type="title">
+  <p:cSld name="Title slide">
     <p:spTree>
       <p:nvGrpSpPr>
-        <p:cNvPr id="1" name="Shape 48"/>
+        <p:cNvPr id="9" name="Shape 9"/>
         <p:cNvGrpSpPr/>
         <p:nvPr/>
       </p:nvGrpSpPr>
@@ -3486,12 +2880,247 @@
       </p:grpSpPr>
       <p:sp>
         <p:nvSpPr>
-          <p:cNvPr id="49" name="Shape 49"/>
-          <p:cNvSpPr txBox="1">
-            <a:spLocks noGrp="1"/>
-          </p:cNvSpPr>
-          <p:nvPr>
-            <p:ph type="sldNum" idx="12"/>
+          <p:cNvPr id="10" name="Shape 10"/>
+          <p:cNvSpPr txBox="1"/>
+          <p:nvPr>
+            <p:ph type="ctrTitle"/>
+          </p:nvPr>
+        </p:nvSpPr>
+        <p:spPr>
+          <a:xfrm>
+            <a:off x="311708" y="744575"/>
+            <a:ext cx="8520600" cy="2052600"/>
+          </a:xfrm>
+          <a:prstGeom prst="rect">
+            <a:avLst/>
+          </a:prstGeom>
+        </p:spPr>
+        <p:txBody>
+          <a:bodyPr anchorCtr="0" anchor="b" bIns="91425" lIns="91425" rIns="91425" tIns="91425"/>
+          <a:lstStyle>
+            <a:lvl1pPr lvl="0" algn="ctr">
+              <a:spcBef>
+                <a:spcPts val="0"/>
+              </a:spcBef>
+              <a:buSzPct val="100000"/>
+              <a:defRPr sz="5200"/>
+            </a:lvl1pPr>
+            <a:lvl2pPr lvl="1" algn="ctr">
+              <a:spcBef>
+                <a:spcPts val="0"/>
+              </a:spcBef>
+              <a:buSzPct val="100000"/>
+              <a:defRPr sz="5200"/>
+            </a:lvl2pPr>
+            <a:lvl3pPr lvl="2" algn="ctr">
+              <a:spcBef>
+                <a:spcPts val="0"/>
+              </a:spcBef>
+              <a:buSzPct val="100000"/>
+              <a:defRPr sz="5200"/>
+            </a:lvl3pPr>
+            <a:lvl4pPr lvl="3" algn="ctr">
+              <a:spcBef>
+                <a:spcPts val="0"/>
+              </a:spcBef>
+              <a:buSzPct val="100000"/>
+              <a:defRPr sz="5200"/>
+            </a:lvl4pPr>
+            <a:lvl5pPr lvl="4" algn="ctr">
+              <a:spcBef>
+                <a:spcPts val="0"/>
+              </a:spcBef>
+              <a:buSzPct val="100000"/>
+              <a:defRPr sz="5200"/>
+            </a:lvl5pPr>
+            <a:lvl6pPr lvl="5" algn="ctr">
+              <a:spcBef>
+                <a:spcPts val="0"/>
+              </a:spcBef>
+              <a:buSzPct val="100000"/>
+              <a:defRPr sz="5200"/>
+            </a:lvl6pPr>
+            <a:lvl7pPr lvl="6" algn="ctr">
+              <a:spcBef>
+                <a:spcPts val="0"/>
+              </a:spcBef>
+              <a:buSzPct val="100000"/>
+              <a:defRPr sz="5200"/>
+            </a:lvl7pPr>
+            <a:lvl8pPr lvl="7" algn="ctr">
+              <a:spcBef>
+                <a:spcPts val="0"/>
+              </a:spcBef>
+              <a:buSzPct val="100000"/>
+              <a:defRPr sz="5200"/>
+            </a:lvl8pPr>
+            <a:lvl9pPr lvl="8" algn="ctr">
+              <a:spcBef>
+                <a:spcPts val="0"/>
+              </a:spcBef>
+              <a:buSzPct val="100000"/>
+              <a:defRPr sz="5200"/>
+            </a:lvl9pPr>
+          </a:lstStyle>
+          <a:p/>
+        </p:txBody>
+      </p:sp>
+      <p:sp>
+        <p:nvSpPr>
+          <p:cNvPr id="11" name="Shape 11"/>
+          <p:cNvSpPr txBox="1"/>
+          <p:nvPr>
+            <p:ph idx="1" type="subTitle"/>
+          </p:nvPr>
+        </p:nvSpPr>
+        <p:spPr>
+          <a:xfrm>
+            <a:off x="311700" y="2834125"/>
+            <a:ext cx="8520600" cy="792600"/>
+          </a:xfrm>
+          <a:prstGeom prst="rect">
+            <a:avLst/>
+          </a:prstGeom>
+        </p:spPr>
+        <p:txBody>
+          <a:bodyPr anchorCtr="0" anchor="t" bIns="91425" lIns="91425" rIns="91425" tIns="91425"/>
+          <a:lstStyle>
+            <a:lvl1pPr lvl="0" algn="ctr">
+              <a:lnSpc>
+                <a:spcPct val="100000"/>
+              </a:lnSpc>
+              <a:spcBef>
+                <a:spcPts val="0"/>
+              </a:spcBef>
+              <a:spcAft>
+                <a:spcPts val="0"/>
+              </a:spcAft>
+              <a:buSzPct val="100000"/>
+              <a:buNone/>
+              <a:defRPr sz="2800"/>
+            </a:lvl1pPr>
+            <a:lvl2pPr lvl="1" algn="ctr">
+              <a:lnSpc>
+                <a:spcPct val="100000"/>
+              </a:lnSpc>
+              <a:spcBef>
+                <a:spcPts val="0"/>
+              </a:spcBef>
+              <a:spcAft>
+                <a:spcPts val="0"/>
+              </a:spcAft>
+              <a:buSzPct val="100000"/>
+              <a:buNone/>
+              <a:defRPr sz="2800"/>
+            </a:lvl2pPr>
+            <a:lvl3pPr lvl="2" algn="ctr">
+              <a:lnSpc>
+                <a:spcPct val="100000"/>
+              </a:lnSpc>
+              <a:spcBef>
+                <a:spcPts val="0"/>
+              </a:spcBef>
+              <a:spcAft>
+                <a:spcPts val="0"/>
+              </a:spcAft>
+              <a:buSzPct val="100000"/>
+              <a:buNone/>
+              <a:defRPr sz="2800"/>
+            </a:lvl3pPr>
+            <a:lvl4pPr lvl="3" algn="ctr">
+              <a:lnSpc>
+                <a:spcPct val="100000"/>
+              </a:lnSpc>
+              <a:spcBef>
+                <a:spcPts val="0"/>
+              </a:spcBef>
+              <a:spcAft>
+                <a:spcPts val="0"/>
+              </a:spcAft>
+              <a:buSzPct val="100000"/>
+              <a:buNone/>
+              <a:defRPr sz="2800"/>
+            </a:lvl4pPr>
+            <a:lvl5pPr lvl="4" algn="ctr">
+              <a:lnSpc>
+                <a:spcPct val="100000"/>
+              </a:lnSpc>
+              <a:spcBef>
+                <a:spcPts val="0"/>
+              </a:spcBef>
+              <a:spcAft>
+                <a:spcPts val="0"/>
+              </a:spcAft>
+              <a:buSzPct val="100000"/>
+              <a:buNone/>
+              <a:defRPr sz="2800"/>
+            </a:lvl5pPr>
+            <a:lvl6pPr lvl="5" algn="ctr">
+              <a:lnSpc>
+                <a:spcPct val="100000"/>
+              </a:lnSpc>
+              <a:spcBef>
+                <a:spcPts val="0"/>
+              </a:spcBef>
+              <a:spcAft>
+                <a:spcPts val="0"/>
+              </a:spcAft>
+              <a:buSzPct val="100000"/>
+              <a:buNone/>
+              <a:defRPr sz="2800"/>
+            </a:lvl6pPr>
+            <a:lvl7pPr lvl="6" algn="ctr">
+              <a:lnSpc>
+                <a:spcPct val="100000"/>
+              </a:lnSpc>
+              <a:spcBef>
+                <a:spcPts val="0"/>
+              </a:spcBef>
+              <a:spcAft>
+                <a:spcPts val="0"/>
+              </a:spcAft>
+              <a:buSzPct val="100000"/>
+              <a:buNone/>
+              <a:defRPr sz="2800"/>
+            </a:lvl7pPr>
+            <a:lvl8pPr lvl="7" algn="ctr">
+              <a:lnSpc>
+                <a:spcPct val="100000"/>
+              </a:lnSpc>
+              <a:spcBef>
+                <a:spcPts val="0"/>
+              </a:spcBef>
+              <a:spcAft>
+                <a:spcPts val="0"/>
+              </a:spcAft>
+              <a:buSzPct val="100000"/>
+              <a:buNone/>
+              <a:defRPr sz="2800"/>
+            </a:lvl8pPr>
+            <a:lvl9pPr lvl="8" algn="ctr">
+              <a:lnSpc>
+                <a:spcPct val="100000"/>
+              </a:lnSpc>
+              <a:spcBef>
+                <a:spcPts val="0"/>
+              </a:spcBef>
+              <a:spcAft>
+                <a:spcPts val="0"/>
+              </a:spcAft>
+              <a:buSzPct val="100000"/>
+              <a:buNone/>
+              <a:defRPr sz="2800"/>
+            </a:lvl9pPr>
+          </a:lstStyle>
+          <a:p/>
+        </p:txBody>
+      </p:sp>
+      <p:sp>
+        <p:nvSpPr>
+          <p:cNvPr id="12" name="Shape 12"/>
+          <p:cNvSpPr txBox="1"/>
+          <p:nvPr>
+            <p:ph idx="12" type="sldNum"/>
           </p:nvPr>
         </p:nvSpPr>
         <p:spPr>
@@ -3504,7 +3133,7 @@
           </a:prstGeom>
         </p:spPr>
         <p:txBody>
-          <a:bodyPr lIns="91425" tIns="91425" rIns="91425" bIns="91425" anchor="ctr" anchorCtr="0">
+          <a:bodyPr anchorCtr="0" anchor="ctr" bIns="91425" lIns="91425" rIns="91425" tIns="91425">
             <a:noAutofit/>
           </a:bodyPr>
           <a:lstStyle/>
@@ -3519,7 +3148,6 @@
               <a:rPr lang="en"/>
               <a:t>‹#›</a:t>
             </a:fld>
-            <a:endParaRPr lang="en"/>
           </a:p>
         </p:txBody>
       </p:sp>
@@ -3531,12 +3159,12 @@
 </p:sldLayout>
 </file>
 
-<file path=ppt/slideLayouts/slideLayout2.xml><?xml version="1.0" encoding="utf-8"?>
-<p:sldLayout xmlns:a="http://schemas.openxmlformats.org/drawingml/2006/main" xmlns:r="http://schemas.openxmlformats.org/officeDocument/2006/relationships" xmlns:p="http://schemas.openxmlformats.org/presentationml/2006/main" type="secHead">
-  <p:cSld name="Section header">
+<file path=ppt/slideLayouts/slideLayout10.xml><?xml version="1.0" encoding="utf-8"?>
+<p:sldLayout xmlns:a="http://schemas.openxmlformats.org/drawingml/2006/main" xmlns:r="http://schemas.openxmlformats.org/officeDocument/2006/relationships" xmlns:mc="http://schemas.openxmlformats.org/markup-compatibility/2006" xmlns:mv="urn:schemas-microsoft-com:mac:vml" xmlns:p="http://schemas.openxmlformats.org/presentationml/2006/main" xmlns:c="http://schemas.openxmlformats.org/drawingml/2006/chart" xmlns:dgm="http://schemas.openxmlformats.org/drawingml/2006/diagram" xmlns:o="urn:schemas-microsoft-com:office:office" xmlns:v="urn:schemas-microsoft-com:vml" xmlns:pvml="urn:schemas-microsoft-com:office:powerpoint" xmlns:com="http://schemas.openxmlformats.org/drawingml/2006/compatibility" xmlns:p14="http://schemas.microsoft.com/office/powerpoint/2010/main">
+  <p:cSld name="Big number">
     <p:spTree>
       <p:nvGrpSpPr>
-        <p:cNvPr id="1" name="Shape 13"/>
+        <p:cNvPr id="44" name="Shape 44"/>
         <p:cNvGrpSpPr/>
         <p:nvPr/>
       </p:nvGrpSpPr>
@@ -3550,103 +3178,175 @@
       </p:grpSpPr>
       <p:sp>
         <p:nvSpPr>
-          <p:cNvPr id="14" name="Shape 14"/>
-          <p:cNvSpPr txBox="1">
-            <a:spLocks noGrp="1"/>
-          </p:cNvSpPr>
+          <p:cNvPr id="45" name="Shape 45"/>
+          <p:cNvSpPr txBox="1"/>
           <p:nvPr>
             <p:ph type="title"/>
           </p:nvPr>
         </p:nvSpPr>
         <p:spPr>
           <a:xfrm>
-            <a:off x="311700" y="2150850"/>
-            <a:ext cx="8520600" cy="841800"/>
+            <a:off x="311700" y="1106125"/>
+            <a:ext cx="8520600" cy="1963500"/>
           </a:xfrm>
           <a:prstGeom prst="rect">
             <a:avLst/>
           </a:prstGeom>
         </p:spPr>
         <p:txBody>
-          <a:bodyPr lIns="91425" tIns="91425" rIns="91425" bIns="91425" anchor="ctr" anchorCtr="0"/>
+          <a:bodyPr anchorCtr="0" anchor="b" bIns="91425" lIns="91425" rIns="91425" tIns="91425"/>
           <a:lstStyle>
             <a:lvl1pPr lvl="0" algn="ctr">
               <a:spcBef>
                 <a:spcPts val="0"/>
               </a:spcBef>
               <a:buSzPct val="100000"/>
-              <a:defRPr sz="3600"/>
+              <a:defRPr sz="12000"/>
             </a:lvl1pPr>
             <a:lvl2pPr lvl="1" algn="ctr">
               <a:spcBef>
                 <a:spcPts val="0"/>
               </a:spcBef>
               <a:buSzPct val="100000"/>
-              <a:defRPr sz="3600"/>
+              <a:defRPr sz="12000"/>
             </a:lvl2pPr>
             <a:lvl3pPr lvl="2" algn="ctr">
               <a:spcBef>
                 <a:spcPts val="0"/>
               </a:spcBef>
               <a:buSzPct val="100000"/>
-              <a:defRPr sz="3600"/>
+              <a:defRPr sz="12000"/>
             </a:lvl3pPr>
             <a:lvl4pPr lvl="3" algn="ctr">
               <a:spcBef>
                 <a:spcPts val="0"/>
               </a:spcBef>
               <a:buSzPct val="100000"/>
-              <a:defRPr sz="3600"/>
+              <a:defRPr sz="12000"/>
             </a:lvl4pPr>
             <a:lvl5pPr lvl="4" algn="ctr">
               <a:spcBef>
                 <a:spcPts val="0"/>
               </a:spcBef>
               <a:buSzPct val="100000"/>
-              <a:defRPr sz="3600"/>
+              <a:defRPr sz="12000"/>
             </a:lvl5pPr>
             <a:lvl6pPr lvl="5" algn="ctr">
               <a:spcBef>
                 <a:spcPts val="0"/>
               </a:spcBef>
               <a:buSzPct val="100000"/>
-              <a:defRPr sz="3600"/>
+              <a:defRPr sz="12000"/>
             </a:lvl6pPr>
             <a:lvl7pPr lvl="6" algn="ctr">
               <a:spcBef>
                 <a:spcPts val="0"/>
               </a:spcBef>
               <a:buSzPct val="100000"/>
-              <a:defRPr sz="3600"/>
+              <a:defRPr sz="12000"/>
             </a:lvl7pPr>
             <a:lvl8pPr lvl="7" algn="ctr">
               <a:spcBef>
                 <a:spcPts val="0"/>
               </a:spcBef>
               <a:buSzPct val="100000"/>
-              <a:defRPr sz="3600"/>
+              <a:defRPr sz="12000"/>
             </a:lvl8pPr>
             <a:lvl9pPr lvl="8" algn="ctr">
               <a:spcBef>
                 <a:spcPts val="0"/>
               </a:spcBef>
               <a:buSzPct val="100000"/>
-              <a:defRPr sz="3600"/>
+              <a:defRPr sz="12000"/>
             </a:lvl9pPr>
           </a:lstStyle>
-          <a:p>
-            <a:endParaRPr/>
-          </a:p>
+          <a:p/>
         </p:txBody>
       </p:sp>
       <p:sp>
         <p:nvSpPr>
-          <p:cNvPr id="15" name="Shape 15"/>
-          <p:cNvSpPr txBox="1">
-            <a:spLocks noGrp="1"/>
-          </p:cNvSpPr>
-          <p:nvPr>
-            <p:ph type="sldNum" idx="12"/>
+          <p:cNvPr id="46" name="Shape 46"/>
+          <p:cNvSpPr txBox="1"/>
+          <p:nvPr>
+            <p:ph idx="1" type="body"/>
+          </p:nvPr>
+        </p:nvSpPr>
+        <p:spPr>
+          <a:xfrm>
+            <a:off x="311700" y="3152225"/>
+            <a:ext cx="8520600" cy="1300800"/>
+          </a:xfrm>
+          <a:prstGeom prst="rect">
+            <a:avLst/>
+          </a:prstGeom>
+        </p:spPr>
+        <p:txBody>
+          <a:bodyPr anchorCtr="0" anchor="t" bIns="91425" lIns="91425" rIns="91425" tIns="91425"/>
+          <a:lstStyle>
+            <a:lvl1pPr lvl="0" algn="ctr">
+              <a:spcBef>
+                <a:spcPts val="0"/>
+              </a:spcBef>
+              <a:defRPr/>
+            </a:lvl1pPr>
+            <a:lvl2pPr lvl="1" algn="ctr">
+              <a:spcBef>
+                <a:spcPts val="0"/>
+              </a:spcBef>
+              <a:defRPr/>
+            </a:lvl2pPr>
+            <a:lvl3pPr lvl="2" algn="ctr">
+              <a:spcBef>
+                <a:spcPts val="0"/>
+              </a:spcBef>
+              <a:defRPr/>
+            </a:lvl3pPr>
+            <a:lvl4pPr lvl="3" algn="ctr">
+              <a:spcBef>
+                <a:spcPts val="0"/>
+              </a:spcBef>
+              <a:defRPr/>
+            </a:lvl4pPr>
+            <a:lvl5pPr lvl="4" algn="ctr">
+              <a:spcBef>
+                <a:spcPts val="0"/>
+              </a:spcBef>
+              <a:defRPr/>
+            </a:lvl5pPr>
+            <a:lvl6pPr lvl="5" algn="ctr">
+              <a:spcBef>
+                <a:spcPts val="0"/>
+              </a:spcBef>
+              <a:defRPr/>
+            </a:lvl6pPr>
+            <a:lvl7pPr lvl="6" algn="ctr">
+              <a:spcBef>
+                <a:spcPts val="0"/>
+              </a:spcBef>
+              <a:defRPr/>
+            </a:lvl7pPr>
+            <a:lvl8pPr lvl="7" algn="ctr">
+              <a:spcBef>
+                <a:spcPts val="0"/>
+              </a:spcBef>
+              <a:defRPr/>
+            </a:lvl8pPr>
+            <a:lvl9pPr lvl="8" algn="ctr">
+              <a:spcBef>
+                <a:spcPts val="0"/>
+              </a:spcBef>
+              <a:defRPr/>
+            </a:lvl9pPr>
+          </a:lstStyle>
+          <a:p/>
+        </p:txBody>
+      </p:sp>
+      <p:sp>
+        <p:nvSpPr>
+          <p:cNvPr id="47" name="Shape 47"/>
+          <p:cNvSpPr txBox="1"/>
+          <p:nvPr>
+            <p:ph idx="12" type="sldNum"/>
           </p:nvPr>
         </p:nvSpPr>
         <p:spPr>
@@ -3659,7 +3359,7 @@
           </a:prstGeom>
         </p:spPr>
         <p:txBody>
-          <a:bodyPr lIns="91425" tIns="91425" rIns="91425" bIns="91425" anchor="ctr" anchorCtr="0">
+          <a:bodyPr anchorCtr="0" anchor="ctr" bIns="91425" lIns="91425" rIns="91425" tIns="91425">
             <a:noAutofit/>
           </a:bodyPr>
           <a:lstStyle/>
@@ -3674,7 +3374,6 @@
               <a:rPr lang="en"/>
               <a:t>‹#›</a:t>
             </a:fld>
-            <a:endParaRPr lang="en"/>
           </a:p>
         </p:txBody>
       </p:sp>
@@ -3686,12 +3385,12 @@
 </p:sldLayout>
 </file>
 
-<file path=ppt/slideLayouts/slideLayout3.xml><?xml version="1.0" encoding="utf-8"?>
-<p:sldLayout xmlns:a="http://schemas.openxmlformats.org/drawingml/2006/main" xmlns:r="http://schemas.openxmlformats.org/officeDocument/2006/relationships" xmlns:p="http://schemas.openxmlformats.org/presentationml/2006/main" type="tx">
-  <p:cSld name="Title and body">
+<file path=ppt/slideLayouts/slideLayout11.xml><?xml version="1.0" encoding="utf-8"?>
+<p:sldLayout xmlns:a="http://schemas.openxmlformats.org/drawingml/2006/main" xmlns:r="http://schemas.openxmlformats.org/officeDocument/2006/relationships" xmlns:mc="http://schemas.openxmlformats.org/markup-compatibility/2006" xmlns:mv="urn:schemas-microsoft-com:mac:vml" xmlns:p="http://schemas.openxmlformats.org/presentationml/2006/main" xmlns:c="http://schemas.openxmlformats.org/drawingml/2006/chart" xmlns:dgm="http://schemas.openxmlformats.org/drawingml/2006/diagram" xmlns:o="urn:schemas-microsoft-com:office:office" xmlns:v="urn:schemas-microsoft-com:vml" xmlns:pvml="urn:schemas-microsoft-com:office:powerpoint" xmlns:com="http://schemas.openxmlformats.org/drawingml/2006/compatibility" xmlns:p14="http://schemas.microsoft.com/office/powerpoint/2010/main" type="blank">
+  <p:cSld name="Blank">
     <p:spTree>
       <p:nvGrpSpPr>
-        <p:cNvPr id="1" name="Shape 16"/>
+        <p:cNvPr id="48" name="Shape 48"/>
         <p:cNvGrpSpPr/>
         <p:nvPr/>
       </p:nvGrpSpPr>
@@ -3705,176 +3404,10 @@
       </p:grpSpPr>
       <p:sp>
         <p:nvSpPr>
-          <p:cNvPr id="17" name="Shape 17"/>
-          <p:cNvSpPr txBox="1">
-            <a:spLocks noGrp="1"/>
-          </p:cNvSpPr>
-          <p:nvPr>
-            <p:ph type="title"/>
-          </p:nvPr>
-        </p:nvSpPr>
-        <p:spPr>
-          <a:xfrm>
-            <a:off x="311700" y="445025"/>
-            <a:ext cx="8520600" cy="572700"/>
-          </a:xfrm>
-          <a:prstGeom prst="rect">
-            <a:avLst/>
-          </a:prstGeom>
-        </p:spPr>
-        <p:txBody>
-          <a:bodyPr lIns="91425" tIns="91425" rIns="91425" bIns="91425" anchor="t" anchorCtr="0"/>
-          <a:lstStyle>
-            <a:lvl1pPr lvl="0">
-              <a:spcBef>
-                <a:spcPts val="0"/>
-              </a:spcBef>
-              <a:defRPr/>
-            </a:lvl1pPr>
-            <a:lvl2pPr lvl="1">
-              <a:spcBef>
-                <a:spcPts val="0"/>
-              </a:spcBef>
-              <a:defRPr/>
-            </a:lvl2pPr>
-            <a:lvl3pPr lvl="2">
-              <a:spcBef>
-                <a:spcPts val="0"/>
-              </a:spcBef>
-              <a:defRPr/>
-            </a:lvl3pPr>
-            <a:lvl4pPr lvl="3">
-              <a:spcBef>
-                <a:spcPts val="0"/>
-              </a:spcBef>
-              <a:defRPr/>
-            </a:lvl4pPr>
-            <a:lvl5pPr lvl="4">
-              <a:spcBef>
-                <a:spcPts val="0"/>
-              </a:spcBef>
-              <a:defRPr/>
-            </a:lvl5pPr>
-            <a:lvl6pPr lvl="5">
-              <a:spcBef>
-                <a:spcPts val="0"/>
-              </a:spcBef>
-              <a:defRPr/>
-            </a:lvl6pPr>
-            <a:lvl7pPr lvl="6">
-              <a:spcBef>
-                <a:spcPts val="0"/>
-              </a:spcBef>
-              <a:defRPr/>
-            </a:lvl7pPr>
-            <a:lvl8pPr lvl="7">
-              <a:spcBef>
-                <a:spcPts val="0"/>
-              </a:spcBef>
-              <a:defRPr/>
-            </a:lvl8pPr>
-            <a:lvl9pPr lvl="8">
-              <a:spcBef>
-                <a:spcPts val="0"/>
-              </a:spcBef>
-              <a:defRPr/>
-            </a:lvl9pPr>
-          </a:lstStyle>
-          <a:p>
-            <a:endParaRPr/>
-          </a:p>
-        </p:txBody>
-      </p:sp>
-      <p:sp>
-        <p:nvSpPr>
-          <p:cNvPr id="18" name="Shape 18"/>
-          <p:cNvSpPr txBox="1">
-            <a:spLocks noGrp="1"/>
-          </p:cNvSpPr>
-          <p:nvPr>
-            <p:ph type="body" idx="1"/>
-          </p:nvPr>
-        </p:nvSpPr>
-        <p:spPr>
-          <a:xfrm>
-            <a:off x="311700" y="1152475"/>
-            <a:ext cx="8520600" cy="3416400"/>
-          </a:xfrm>
-          <a:prstGeom prst="rect">
-            <a:avLst/>
-          </a:prstGeom>
-        </p:spPr>
-        <p:txBody>
-          <a:bodyPr lIns="91425" tIns="91425" rIns="91425" bIns="91425" anchor="t" anchorCtr="0"/>
-          <a:lstStyle>
-            <a:lvl1pPr lvl="0">
-              <a:spcBef>
-                <a:spcPts val="0"/>
-              </a:spcBef>
-              <a:defRPr/>
-            </a:lvl1pPr>
-            <a:lvl2pPr lvl="1">
-              <a:spcBef>
-                <a:spcPts val="0"/>
-              </a:spcBef>
-              <a:defRPr/>
-            </a:lvl2pPr>
-            <a:lvl3pPr lvl="2">
-              <a:spcBef>
-                <a:spcPts val="0"/>
-              </a:spcBef>
-              <a:defRPr/>
-            </a:lvl3pPr>
-            <a:lvl4pPr lvl="3">
-              <a:spcBef>
-                <a:spcPts val="0"/>
-              </a:spcBef>
-              <a:defRPr/>
-            </a:lvl4pPr>
-            <a:lvl5pPr lvl="4">
-              <a:spcBef>
-                <a:spcPts val="0"/>
-              </a:spcBef>
-              <a:defRPr/>
-            </a:lvl5pPr>
-            <a:lvl6pPr lvl="5">
-              <a:spcBef>
-                <a:spcPts val="0"/>
-              </a:spcBef>
-              <a:defRPr/>
-            </a:lvl6pPr>
-            <a:lvl7pPr lvl="6">
-              <a:spcBef>
-                <a:spcPts val="0"/>
-              </a:spcBef>
-              <a:defRPr/>
-            </a:lvl7pPr>
-            <a:lvl8pPr lvl="7">
-              <a:spcBef>
-                <a:spcPts val="0"/>
-              </a:spcBef>
-              <a:defRPr/>
-            </a:lvl8pPr>
-            <a:lvl9pPr lvl="8">
-              <a:spcBef>
-                <a:spcPts val="0"/>
-              </a:spcBef>
-              <a:defRPr/>
-            </a:lvl9pPr>
-          </a:lstStyle>
-          <a:p>
-            <a:endParaRPr/>
-          </a:p>
-        </p:txBody>
-      </p:sp>
-      <p:sp>
-        <p:nvSpPr>
-          <p:cNvPr id="19" name="Shape 19"/>
-          <p:cNvSpPr txBox="1">
-            <a:spLocks noGrp="1"/>
-          </p:cNvSpPr>
-          <p:nvPr>
-            <p:ph type="sldNum" idx="12"/>
+          <p:cNvPr id="49" name="Shape 49"/>
+          <p:cNvSpPr txBox="1"/>
+          <p:nvPr>
+            <p:ph idx="12" type="sldNum"/>
           </p:nvPr>
         </p:nvSpPr>
         <p:spPr>
@@ -3887,7 +3420,7 @@
           </a:prstGeom>
         </p:spPr>
         <p:txBody>
-          <a:bodyPr lIns="91425" tIns="91425" rIns="91425" bIns="91425" anchor="ctr" anchorCtr="0">
+          <a:bodyPr anchorCtr="0" anchor="ctr" bIns="91425" lIns="91425" rIns="91425" tIns="91425">
             <a:noAutofit/>
           </a:bodyPr>
           <a:lstStyle/>
@@ -3902,7 +3435,6 @@
               <a:rPr lang="en"/>
               <a:t>‹#›</a:t>
             </a:fld>
-            <a:endParaRPr lang="en"/>
           </a:p>
         </p:txBody>
       </p:sp>
@@ -3914,12 +3446,12 @@
 </p:sldLayout>
 </file>
 
-<file path=ppt/slideLayouts/slideLayout4.xml><?xml version="1.0" encoding="utf-8"?>
-<p:sldLayout xmlns:a="http://schemas.openxmlformats.org/drawingml/2006/main" xmlns:r="http://schemas.openxmlformats.org/officeDocument/2006/relationships" xmlns:p="http://schemas.openxmlformats.org/presentationml/2006/main" type="twoColTx">
-  <p:cSld name="Title and two columns">
+<file path=ppt/slideLayouts/slideLayout2.xml><?xml version="1.0" encoding="utf-8"?>
+<p:sldLayout xmlns:a="http://schemas.openxmlformats.org/drawingml/2006/main" xmlns:r="http://schemas.openxmlformats.org/officeDocument/2006/relationships" xmlns:mc="http://schemas.openxmlformats.org/markup-compatibility/2006" xmlns:mv="urn:schemas-microsoft-com:mac:vml" xmlns:p="http://schemas.openxmlformats.org/presentationml/2006/main" xmlns:c="http://schemas.openxmlformats.org/drawingml/2006/chart" xmlns:dgm="http://schemas.openxmlformats.org/drawingml/2006/diagram" xmlns:o="urn:schemas-microsoft-com:office:office" xmlns:v="urn:schemas-microsoft-com:vml" xmlns:pvml="urn:schemas-microsoft-com:office:powerpoint" xmlns:com="http://schemas.openxmlformats.org/drawingml/2006/compatibility" xmlns:p14="http://schemas.microsoft.com/office/powerpoint/2010/main" type="secHead">
+  <p:cSld name="Section header">
     <p:spTree>
       <p:nvGrpSpPr>
-        <p:cNvPr id="1" name="Shape 20"/>
+        <p:cNvPr id="13" name="Shape 13"/>
         <p:cNvGrpSpPr/>
         <p:nvPr/>
       </p:nvGrpSpPr>
@@ -3933,276 +3465,97 @@
       </p:grpSpPr>
       <p:sp>
         <p:nvSpPr>
-          <p:cNvPr id="21" name="Shape 21"/>
-          <p:cNvSpPr txBox="1">
-            <a:spLocks noGrp="1"/>
-          </p:cNvSpPr>
+          <p:cNvPr id="14" name="Shape 14"/>
+          <p:cNvSpPr txBox="1"/>
           <p:nvPr>
             <p:ph type="title"/>
           </p:nvPr>
         </p:nvSpPr>
         <p:spPr>
           <a:xfrm>
-            <a:off x="311700" y="445025"/>
-            <a:ext cx="8520600" cy="572700"/>
+            <a:off x="311700" y="2150850"/>
+            <a:ext cx="8520600" cy="841800"/>
           </a:xfrm>
           <a:prstGeom prst="rect">
             <a:avLst/>
           </a:prstGeom>
         </p:spPr>
         <p:txBody>
-          <a:bodyPr lIns="91425" tIns="91425" rIns="91425" bIns="91425" anchor="t" anchorCtr="0"/>
+          <a:bodyPr anchorCtr="0" anchor="ctr" bIns="91425" lIns="91425" rIns="91425" tIns="91425"/>
           <a:lstStyle>
-            <a:lvl1pPr lvl="0">
-              <a:spcBef>
-                <a:spcPts val="0"/>
-              </a:spcBef>
-              <a:defRPr/>
+            <a:lvl1pPr lvl="0" algn="ctr">
+              <a:spcBef>
+                <a:spcPts val="0"/>
+              </a:spcBef>
+              <a:buSzPct val="100000"/>
+              <a:defRPr sz="3600"/>
             </a:lvl1pPr>
-            <a:lvl2pPr lvl="1">
-              <a:spcBef>
-                <a:spcPts val="0"/>
-              </a:spcBef>
-              <a:defRPr/>
+            <a:lvl2pPr lvl="1" algn="ctr">
+              <a:spcBef>
+                <a:spcPts val="0"/>
+              </a:spcBef>
+              <a:buSzPct val="100000"/>
+              <a:defRPr sz="3600"/>
             </a:lvl2pPr>
-            <a:lvl3pPr lvl="2">
-              <a:spcBef>
-                <a:spcPts val="0"/>
-              </a:spcBef>
-              <a:defRPr/>
+            <a:lvl3pPr lvl="2" algn="ctr">
+              <a:spcBef>
+                <a:spcPts val="0"/>
+              </a:spcBef>
+              <a:buSzPct val="100000"/>
+              <a:defRPr sz="3600"/>
             </a:lvl3pPr>
-            <a:lvl4pPr lvl="3">
-              <a:spcBef>
-                <a:spcPts val="0"/>
-              </a:spcBef>
-              <a:defRPr/>
+            <a:lvl4pPr lvl="3" algn="ctr">
+              <a:spcBef>
+                <a:spcPts val="0"/>
+              </a:spcBef>
+              <a:buSzPct val="100000"/>
+              <a:defRPr sz="3600"/>
             </a:lvl4pPr>
-            <a:lvl5pPr lvl="4">
-              <a:spcBef>
-                <a:spcPts val="0"/>
-              </a:spcBef>
-              <a:defRPr/>
+            <a:lvl5pPr lvl="4" algn="ctr">
+              <a:spcBef>
+                <a:spcPts val="0"/>
+              </a:spcBef>
+              <a:buSzPct val="100000"/>
+              <a:defRPr sz="3600"/>
             </a:lvl5pPr>
-            <a:lvl6pPr lvl="5">
-              <a:spcBef>
-                <a:spcPts val="0"/>
-              </a:spcBef>
-              <a:defRPr/>
+            <a:lvl6pPr lvl="5" algn="ctr">
+              <a:spcBef>
+                <a:spcPts val="0"/>
+              </a:spcBef>
+              <a:buSzPct val="100000"/>
+              <a:defRPr sz="3600"/>
             </a:lvl6pPr>
-            <a:lvl7pPr lvl="6">
-              <a:spcBef>
-                <a:spcPts val="0"/>
-              </a:spcBef>
-              <a:defRPr/>
+            <a:lvl7pPr lvl="6" algn="ctr">
+              <a:spcBef>
+                <a:spcPts val="0"/>
+              </a:spcBef>
+              <a:buSzPct val="100000"/>
+              <a:defRPr sz="3600"/>
             </a:lvl7pPr>
-            <a:lvl8pPr lvl="7">
-              <a:spcBef>
-                <a:spcPts val="0"/>
-              </a:spcBef>
-              <a:defRPr/>
+            <a:lvl8pPr lvl="7" algn="ctr">
+              <a:spcBef>
+                <a:spcPts val="0"/>
+              </a:spcBef>
+              <a:buSzPct val="100000"/>
+              <a:defRPr sz="3600"/>
             </a:lvl8pPr>
-            <a:lvl9pPr lvl="8">
-              <a:spcBef>
-                <a:spcPts val="0"/>
-              </a:spcBef>
-              <a:defRPr/>
+            <a:lvl9pPr lvl="8" algn="ctr">
+              <a:spcBef>
+                <a:spcPts val="0"/>
+              </a:spcBef>
+              <a:buSzPct val="100000"/>
+              <a:defRPr sz="3600"/>
             </a:lvl9pPr>
           </a:lstStyle>
-          <a:p>
-            <a:endParaRPr/>
-          </a:p>
+          <a:p/>
         </p:txBody>
       </p:sp>
       <p:sp>
         <p:nvSpPr>
-          <p:cNvPr id="22" name="Shape 22"/>
-          <p:cNvSpPr txBox="1">
-            <a:spLocks noGrp="1"/>
-          </p:cNvSpPr>
-          <p:nvPr>
-            <p:ph type="body" idx="1"/>
-          </p:nvPr>
-        </p:nvSpPr>
-        <p:spPr>
-          <a:xfrm>
-            <a:off x="311700" y="1152475"/>
-            <a:ext cx="3999900" cy="3416400"/>
-          </a:xfrm>
-          <a:prstGeom prst="rect">
-            <a:avLst/>
-          </a:prstGeom>
-        </p:spPr>
-        <p:txBody>
-          <a:bodyPr lIns="91425" tIns="91425" rIns="91425" bIns="91425" anchor="t" anchorCtr="0"/>
-          <a:lstStyle>
-            <a:lvl1pPr lvl="0">
-              <a:spcBef>
-                <a:spcPts val="0"/>
-              </a:spcBef>
-              <a:buSzPct val="100000"/>
-              <a:defRPr sz="1400"/>
-            </a:lvl1pPr>
-            <a:lvl2pPr lvl="1">
-              <a:spcBef>
-                <a:spcPts val="0"/>
-              </a:spcBef>
-              <a:buSzPct val="100000"/>
-              <a:defRPr sz="1200"/>
-            </a:lvl2pPr>
-            <a:lvl3pPr lvl="2">
-              <a:spcBef>
-                <a:spcPts val="0"/>
-              </a:spcBef>
-              <a:buSzPct val="100000"/>
-              <a:defRPr sz="1200"/>
-            </a:lvl3pPr>
-            <a:lvl4pPr lvl="3">
-              <a:spcBef>
-                <a:spcPts val="0"/>
-              </a:spcBef>
-              <a:buSzPct val="100000"/>
-              <a:defRPr sz="1200"/>
-            </a:lvl4pPr>
-            <a:lvl5pPr lvl="4">
-              <a:spcBef>
-                <a:spcPts val="0"/>
-              </a:spcBef>
-              <a:buSzPct val="100000"/>
-              <a:defRPr sz="1200"/>
-            </a:lvl5pPr>
-            <a:lvl6pPr lvl="5">
-              <a:spcBef>
-                <a:spcPts val="0"/>
-              </a:spcBef>
-              <a:buSzPct val="100000"/>
-              <a:defRPr sz="1200"/>
-            </a:lvl6pPr>
-            <a:lvl7pPr lvl="6">
-              <a:spcBef>
-                <a:spcPts val="0"/>
-              </a:spcBef>
-              <a:buSzPct val="100000"/>
-              <a:defRPr sz="1200"/>
-            </a:lvl7pPr>
-            <a:lvl8pPr lvl="7">
-              <a:spcBef>
-                <a:spcPts val="0"/>
-              </a:spcBef>
-              <a:buSzPct val="100000"/>
-              <a:defRPr sz="1200"/>
-            </a:lvl8pPr>
-            <a:lvl9pPr lvl="8">
-              <a:spcBef>
-                <a:spcPts val="0"/>
-              </a:spcBef>
-              <a:buSzPct val="100000"/>
-              <a:defRPr sz="1200"/>
-            </a:lvl9pPr>
-          </a:lstStyle>
-          <a:p>
-            <a:endParaRPr/>
-          </a:p>
-        </p:txBody>
-      </p:sp>
-      <p:sp>
-        <p:nvSpPr>
-          <p:cNvPr id="23" name="Shape 23"/>
-          <p:cNvSpPr txBox="1">
-            <a:spLocks noGrp="1"/>
-          </p:cNvSpPr>
-          <p:nvPr>
-            <p:ph type="body" idx="2"/>
-          </p:nvPr>
-        </p:nvSpPr>
-        <p:spPr>
-          <a:xfrm>
-            <a:off x="4832400" y="1152475"/>
-            <a:ext cx="3999900" cy="3416400"/>
-          </a:xfrm>
-          <a:prstGeom prst="rect">
-            <a:avLst/>
-          </a:prstGeom>
-        </p:spPr>
-        <p:txBody>
-          <a:bodyPr lIns="91425" tIns="91425" rIns="91425" bIns="91425" anchor="t" anchorCtr="0"/>
-          <a:lstStyle>
-            <a:lvl1pPr lvl="0">
-              <a:spcBef>
-                <a:spcPts val="0"/>
-              </a:spcBef>
-              <a:buSzPct val="100000"/>
-              <a:defRPr sz="1400"/>
-            </a:lvl1pPr>
-            <a:lvl2pPr lvl="1">
-              <a:spcBef>
-                <a:spcPts val="0"/>
-              </a:spcBef>
-              <a:buSzPct val="100000"/>
-              <a:defRPr sz="1200"/>
-            </a:lvl2pPr>
-            <a:lvl3pPr lvl="2">
-              <a:spcBef>
-                <a:spcPts val="0"/>
-              </a:spcBef>
-              <a:buSzPct val="100000"/>
-              <a:defRPr sz="1200"/>
-            </a:lvl3pPr>
-            <a:lvl4pPr lvl="3">
-              <a:spcBef>
-                <a:spcPts val="0"/>
-              </a:spcBef>
-              <a:buSzPct val="100000"/>
-              <a:defRPr sz="1200"/>
-            </a:lvl4pPr>
-            <a:lvl5pPr lvl="4">
-              <a:spcBef>
-                <a:spcPts val="0"/>
-              </a:spcBef>
-              <a:buSzPct val="100000"/>
-              <a:defRPr sz="1200"/>
-            </a:lvl5pPr>
-            <a:lvl6pPr lvl="5">
-              <a:spcBef>
-                <a:spcPts val="0"/>
-              </a:spcBef>
-              <a:buSzPct val="100000"/>
-              <a:defRPr sz="1200"/>
-            </a:lvl6pPr>
-            <a:lvl7pPr lvl="6">
-              <a:spcBef>
-                <a:spcPts val="0"/>
-              </a:spcBef>
-              <a:buSzPct val="100000"/>
-              <a:defRPr sz="1200"/>
-            </a:lvl7pPr>
-            <a:lvl8pPr lvl="7">
-              <a:spcBef>
-                <a:spcPts val="0"/>
-              </a:spcBef>
-              <a:buSzPct val="100000"/>
-              <a:defRPr sz="1200"/>
-            </a:lvl8pPr>
-            <a:lvl9pPr lvl="8">
-              <a:spcBef>
-                <a:spcPts val="0"/>
-              </a:spcBef>
-              <a:buSzPct val="100000"/>
-              <a:defRPr sz="1200"/>
-            </a:lvl9pPr>
-          </a:lstStyle>
-          <a:p>
-            <a:endParaRPr/>
-          </a:p>
-        </p:txBody>
-      </p:sp>
-      <p:sp>
-        <p:nvSpPr>
-          <p:cNvPr id="24" name="Shape 24"/>
-          <p:cNvSpPr txBox="1">
-            <a:spLocks noGrp="1"/>
-          </p:cNvSpPr>
-          <p:nvPr>
-            <p:ph type="sldNum" idx="12"/>
+          <p:cNvPr id="15" name="Shape 15"/>
+          <p:cNvSpPr txBox="1"/>
+          <p:nvPr>
+            <p:ph idx="12" type="sldNum"/>
           </p:nvPr>
         </p:nvSpPr>
         <p:spPr>
@@ -4215,7 +3568,7 @@
           </a:prstGeom>
         </p:spPr>
         <p:txBody>
-          <a:bodyPr lIns="91425" tIns="91425" rIns="91425" bIns="91425" anchor="ctr" anchorCtr="0">
+          <a:bodyPr anchorCtr="0" anchor="ctr" bIns="91425" lIns="91425" rIns="91425" tIns="91425">
             <a:noAutofit/>
           </a:bodyPr>
           <a:lstStyle/>
@@ -4230,7 +3583,6 @@
               <a:rPr lang="en"/>
               <a:t>‹#›</a:t>
             </a:fld>
-            <a:endParaRPr lang="en"/>
           </a:p>
         </p:txBody>
       </p:sp>
@@ -4242,12 +3594,12 @@
 </p:sldLayout>
 </file>
 
-<file path=ppt/slideLayouts/slideLayout5.xml><?xml version="1.0" encoding="utf-8"?>
-<p:sldLayout xmlns:a="http://schemas.openxmlformats.org/drawingml/2006/main" xmlns:r="http://schemas.openxmlformats.org/officeDocument/2006/relationships" xmlns:p="http://schemas.openxmlformats.org/presentationml/2006/main" type="titleOnly">
-  <p:cSld name="Title only">
+<file path=ppt/slideLayouts/slideLayout3.xml><?xml version="1.0" encoding="utf-8"?>
+<p:sldLayout xmlns:a="http://schemas.openxmlformats.org/drawingml/2006/main" xmlns:r="http://schemas.openxmlformats.org/officeDocument/2006/relationships" xmlns:mc="http://schemas.openxmlformats.org/markup-compatibility/2006" xmlns:mv="urn:schemas-microsoft-com:mac:vml" xmlns:p="http://schemas.openxmlformats.org/presentationml/2006/main" xmlns:c="http://schemas.openxmlformats.org/drawingml/2006/chart" xmlns:dgm="http://schemas.openxmlformats.org/drawingml/2006/diagram" xmlns:o="urn:schemas-microsoft-com:office:office" xmlns:v="urn:schemas-microsoft-com:vml" xmlns:pvml="urn:schemas-microsoft-com:office:powerpoint" xmlns:com="http://schemas.openxmlformats.org/drawingml/2006/compatibility" xmlns:p14="http://schemas.microsoft.com/office/powerpoint/2010/main" type="tx">
+  <p:cSld name="Title and body">
     <p:spTree>
       <p:nvGrpSpPr>
-        <p:cNvPr id="1" name="Shape 25"/>
+        <p:cNvPr id="16" name="Shape 16"/>
         <p:cNvGrpSpPr/>
         <p:nvPr/>
       </p:nvGrpSpPr>
@@ -4261,10 +3613,8 @@
       </p:grpSpPr>
       <p:sp>
         <p:nvSpPr>
-          <p:cNvPr id="26" name="Shape 26"/>
-          <p:cNvSpPr txBox="1">
-            <a:spLocks noGrp="1"/>
-          </p:cNvSpPr>
+          <p:cNvPr id="17" name="Shape 17"/>
+          <p:cNvSpPr txBox="1"/>
           <p:nvPr>
             <p:ph type="title"/>
           </p:nvPr>
@@ -4279,7 +3629,7 @@
           </a:prstGeom>
         </p:spPr>
         <p:txBody>
-          <a:bodyPr lIns="91425" tIns="91425" rIns="91425" bIns="91425" anchor="t" anchorCtr="0"/>
+          <a:bodyPr anchorCtr="0" anchor="t" bIns="91425" lIns="91425" rIns="91425" tIns="91425"/>
           <a:lstStyle>
             <a:lvl1pPr lvl="0">
               <a:spcBef>
@@ -4336,19 +3686,93 @@
               <a:defRPr/>
             </a:lvl9pPr>
           </a:lstStyle>
-          <a:p>
-            <a:endParaRPr/>
-          </a:p>
+          <a:p/>
         </p:txBody>
       </p:sp>
       <p:sp>
         <p:nvSpPr>
-          <p:cNvPr id="27" name="Shape 27"/>
-          <p:cNvSpPr txBox="1">
-            <a:spLocks noGrp="1"/>
-          </p:cNvSpPr>
-          <p:nvPr>
-            <p:ph type="sldNum" idx="12"/>
+          <p:cNvPr id="18" name="Shape 18"/>
+          <p:cNvSpPr txBox="1"/>
+          <p:nvPr>
+            <p:ph idx="1" type="body"/>
+          </p:nvPr>
+        </p:nvSpPr>
+        <p:spPr>
+          <a:xfrm>
+            <a:off x="311700" y="1152475"/>
+            <a:ext cx="8520600" cy="3416400"/>
+          </a:xfrm>
+          <a:prstGeom prst="rect">
+            <a:avLst/>
+          </a:prstGeom>
+        </p:spPr>
+        <p:txBody>
+          <a:bodyPr anchorCtr="0" anchor="t" bIns="91425" lIns="91425" rIns="91425" tIns="91425"/>
+          <a:lstStyle>
+            <a:lvl1pPr lvl="0">
+              <a:spcBef>
+                <a:spcPts val="0"/>
+              </a:spcBef>
+              <a:defRPr/>
+            </a:lvl1pPr>
+            <a:lvl2pPr lvl="1">
+              <a:spcBef>
+                <a:spcPts val="0"/>
+              </a:spcBef>
+              <a:defRPr/>
+            </a:lvl2pPr>
+            <a:lvl3pPr lvl="2">
+              <a:spcBef>
+                <a:spcPts val="0"/>
+              </a:spcBef>
+              <a:defRPr/>
+            </a:lvl3pPr>
+            <a:lvl4pPr lvl="3">
+              <a:spcBef>
+                <a:spcPts val="0"/>
+              </a:spcBef>
+              <a:defRPr/>
+            </a:lvl4pPr>
+            <a:lvl5pPr lvl="4">
+              <a:spcBef>
+                <a:spcPts val="0"/>
+              </a:spcBef>
+              <a:defRPr/>
+            </a:lvl5pPr>
+            <a:lvl6pPr lvl="5">
+              <a:spcBef>
+                <a:spcPts val="0"/>
+              </a:spcBef>
+              <a:defRPr/>
+            </a:lvl6pPr>
+            <a:lvl7pPr lvl="6">
+              <a:spcBef>
+                <a:spcPts val="0"/>
+              </a:spcBef>
+              <a:defRPr/>
+            </a:lvl7pPr>
+            <a:lvl8pPr lvl="7">
+              <a:spcBef>
+                <a:spcPts val="0"/>
+              </a:spcBef>
+              <a:defRPr/>
+            </a:lvl8pPr>
+            <a:lvl9pPr lvl="8">
+              <a:spcBef>
+                <a:spcPts val="0"/>
+              </a:spcBef>
+              <a:defRPr/>
+            </a:lvl9pPr>
+          </a:lstStyle>
+          <a:p/>
+        </p:txBody>
+      </p:sp>
+      <p:sp>
+        <p:nvSpPr>
+          <p:cNvPr id="19" name="Shape 19"/>
+          <p:cNvSpPr txBox="1"/>
+          <p:nvPr>
+            <p:ph idx="12" type="sldNum"/>
           </p:nvPr>
         </p:nvSpPr>
         <p:spPr>
@@ -4361,7 +3785,7 @@
           </a:prstGeom>
         </p:spPr>
         <p:txBody>
-          <a:bodyPr lIns="91425" tIns="91425" rIns="91425" bIns="91425" anchor="ctr" anchorCtr="0">
+          <a:bodyPr anchorCtr="0" anchor="ctr" bIns="91425" lIns="91425" rIns="91425" tIns="91425">
             <a:noAutofit/>
           </a:bodyPr>
           <a:lstStyle/>
@@ -4376,7 +3800,6 @@
               <a:rPr lang="en"/>
               <a:t>‹#›</a:t>
             </a:fld>
-            <a:endParaRPr lang="en"/>
           </a:p>
         </p:txBody>
       </p:sp>
@@ -4388,12 +3811,12 @@
 </p:sldLayout>
 </file>
 
-<file path=ppt/slideLayouts/slideLayout6.xml><?xml version="1.0" encoding="utf-8"?>
-<p:sldLayout xmlns:a="http://schemas.openxmlformats.org/drawingml/2006/main" xmlns:r="http://schemas.openxmlformats.org/officeDocument/2006/relationships" xmlns:p="http://schemas.openxmlformats.org/presentationml/2006/main">
-  <p:cSld name="One column text">
+<file path=ppt/slideLayouts/slideLayout4.xml><?xml version="1.0" encoding="utf-8"?>
+<p:sldLayout xmlns:a="http://schemas.openxmlformats.org/drawingml/2006/main" xmlns:r="http://schemas.openxmlformats.org/officeDocument/2006/relationships" xmlns:mc="http://schemas.openxmlformats.org/markup-compatibility/2006" xmlns:mv="urn:schemas-microsoft-com:mac:vml" xmlns:p="http://schemas.openxmlformats.org/presentationml/2006/main" xmlns:c="http://schemas.openxmlformats.org/drawingml/2006/chart" xmlns:dgm="http://schemas.openxmlformats.org/drawingml/2006/diagram" xmlns:o="urn:schemas-microsoft-com:office:office" xmlns:v="urn:schemas-microsoft-com:vml" xmlns:pvml="urn:schemas-microsoft-com:office:powerpoint" xmlns:com="http://schemas.openxmlformats.org/drawingml/2006/compatibility" xmlns:p14="http://schemas.microsoft.com/office/powerpoint/2010/main" type="twoColTx">
+  <p:cSld name="Title and two columns">
     <p:spTree>
       <p:nvGrpSpPr>
-        <p:cNvPr id="1" name="Shape 28"/>
+        <p:cNvPr id="20" name="Shape 20"/>
         <p:cNvGrpSpPr/>
         <p:nvPr/>
       </p:nvGrpSpPr>
@@ -4407,123 +3830,108 @@
       </p:grpSpPr>
       <p:sp>
         <p:nvSpPr>
-          <p:cNvPr id="29" name="Shape 29"/>
-          <p:cNvSpPr txBox="1">
-            <a:spLocks noGrp="1"/>
-          </p:cNvSpPr>
+          <p:cNvPr id="21" name="Shape 21"/>
+          <p:cNvSpPr txBox="1"/>
           <p:nvPr>
             <p:ph type="title"/>
           </p:nvPr>
         </p:nvSpPr>
         <p:spPr>
           <a:xfrm>
-            <a:off x="311700" y="555600"/>
-            <a:ext cx="2808000" cy="755700"/>
+            <a:off x="311700" y="445025"/>
+            <a:ext cx="8520600" cy="572700"/>
           </a:xfrm>
           <a:prstGeom prst="rect">
             <a:avLst/>
           </a:prstGeom>
         </p:spPr>
         <p:txBody>
-          <a:bodyPr lIns="91425" tIns="91425" rIns="91425" bIns="91425" anchor="b" anchorCtr="0"/>
+          <a:bodyPr anchorCtr="0" anchor="t" bIns="91425" lIns="91425" rIns="91425" tIns="91425"/>
           <a:lstStyle>
             <a:lvl1pPr lvl="0">
               <a:spcBef>
                 <a:spcPts val="0"/>
               </a:spcBef>
-              <a:buSzPct val="100000"/>
-              <a:defRPr sz="2400"/>
+              <a:defRPr/>
             </a:lvl1pPr>
             <a:lvl2pPr lvl="1">
               <a:spcBef>
                 <a:spcPts val="0"/>
               </a:spcBef>
-              <a:buSzPct val="100000"/>
-              <a:defRPr sz="2400"/>
+              <a:defRPr/>
             </a:lvl2pPr>
             <a:lvl3pPr lvl="2">
               <a:spcBef>
                 <a:spcPts val="0"/>
               </a:spcBef>
-              <a:buSzPct val="100000"/>
-              <a:defRPr sz="2400"/>
+              <a:defRPr/>
             </a:lvl3pPr>
             <a:lvl4pPr lvl="3">
               <a:spcBef>
                 <a:spcPts val="0"/>
               </a:spcBef>
-              <a:buSzPct val="100000"/>
-              <a:defRPr sz="2400"/>
+              <a:defRPr/>
             </a:lvl4pPr>
             <a:lvl5pPr lvl="4">
               <a:spcBef>
                 <a:spcPts val="0"/>
               </a:spcBef>
-              <a:buSzPct val="100000"/>
-              <a:defRPr sz="2400"/>
+              <a:defRPr/>
             </a:lvl5pPr>
             <a:lvl6pPr lvl="5">
               <a:spcBef>
                 <a:spcPts val="0"/>
               </a:spcBef>
-              <a:buSzPct val="100000"/>
-              <a:defRPr sz="2400"/>
+              <a:defRPr/>
             </a:lvl6pPr>
             <a:lvl7pPr lvl="6">
               <a:spcBef>
                 <a:spcPts val="0"/>
               </a:spcBef>
-              <a:buSzPct val="100000"/>
-              <a:defRPr sz="2400"/>
+              <a:defRPr/>
             </a:lvl7pPr>
             <a:lvl8pPr lvl="7">
               <a:spcBef>
                 <a:spcPts val="0"/>
               </a:spcBef>
-              <a:buSzPct val="100000"/>
-              <a:defRPr sz="2400"/>
+              <a:defRPr/>
             </a:lvl8pPr>
             <a:lvl9pPr lvl="8">
               <a:spcBef>
                 <a:spcPts val="0"/>
               </a:spcBef>
-              <a:buSzPct val="100000"/>
-              <a:defRPr sz="2400"/>
+              <a:defRPr/>
             </a:lvl9pPr>
           </a:lstStyle>
-          <a:p>
-            <a:endParaRPr/>
-          </a:p>
+          <a:p/>
         </p:txBody>
       </p:sp>
       <p:sp>
         <p:nvSpPr>
-          <p:cNvPr id="30" name="Shape 30"/>
-          <p:cNvSpPr txBox="1">
-            <a:spLocks noGrp="1"/>
-          </p:cNvSpPr>
-          <p:nvPr>
-            <p:ph type="body" idx="1"/>
-          </p:nvPr>
-        </p:nvSpPr>
-        <p:spPr>
-          <a:xfrm>
-            <a:off x="311700" y="1389600"/>
-            <a:ext cx="2808000" cy="3179400"/>
+          <p:cNvPr id="22" name="Shape 22"/>
+          <p:cNvSpPr txBox="1"/>
+          <p:nvPr>
+            <p:ph idx="1" type="body"/>
+          </p:nvPr>
+        </p:nvSpPr>
+        <p:spPr>
+          <a:xfrm>
+            <a:off x="311700" y="1152475"/>
+            <a:ext cx="3999900" cy="3416400"/>
           </a:xfrm>
           <a:prstGeom prst="rect">
             <a:avLst/>
           </a:prstGeom>
         </p:spPr>
         <p:txBody>
-          <a:bodyPr lIns="91425" tIns="91425" rIns="91425" bIns="91425" anchor="t" anchorCtr="0"/>
+          <a:bodyPr anchorCtr="0" anchor="t" bIns="91425" lIns="91425" rIns="91425" tIns="91425"/>
           <a:lstStyle>
             <a:lvl1pPr lvl="0">
               <a:spcBef>
                 <a:spcPts val="0"/>
               </a:spcBef>
               <a:buSzPct val="100000"/>
-              <a:defRPr sz="1200"/>
+              <a:defRPr sz="1400"/>
             </a:lvl1pPr>
             <a:lvl2pPr lvl="1">
               <a:spcBef>
@@ -4582,19 +3990,102 @@
               <a:defRPr sz="1200"/>
             </a:lvl9pPr>
           </a:lstStyle>
-          <a:p>
-            <a:endParaRPr/>
-          </a:p>
+          <a:p/>
         </p:txBody>
       </p:sp>
       <p:sp>
         <p:nvSpPr>
-          <p:cNvPr id="31" name="Shape 31"/>
-          <p:cNvSpPr txBox="1">
-            <a:spLocks noGrp="1"/>
-          </p:cNvSpPr>
-          <p:nvPr>
-            <p:ph type="sldNum" idx="12"/>
+          <p:cNvPr id="23" name="Shape 23"/>
+          <p:cNvSpPr txBox="1"/>
+          <p:nvPr>
+            <p:ph idx="2" type="body"/>
+          </p:nvPr>
+        </p:nvSpPr>
+        <p:spPr>
+          <a:xfrm>
+            <a:off x="4832400" y="1152475"/>
+            <a:ext cx="3999900" cy="3416400"/>
+          </a:xfrm>
+          <a:prstGeom prst="rect">
+            <a:avLst/>
+          </a:prstGeom>
+        </p:spPr>
+        <p:txBody>
+          <a:bodyPr anchorCtr="0" anchor="t" bIns="91425" lIns="91425" rIns="91425" tIns="91425"/>
+          <a:lstStyle>
+            <a:lvl1pPr lvl="0">
+              <a:spcBef>
+                <a:spcPts val="0"/>
+              </a:spcBef>
+              <a:buSzPct val="100000"/>
+              <a:defRPr sz="1400"/>
+            </a:lvl1pPr>
+            <a:lvl2pPr lvl="1">
+              <a:spcBef>
+                <a:spcPts val="0"/>
+              </a:spcBef>
+              <a:buSzPct val="100000"/>
+              <a:defRPr sz="1200"/>
+            </a:lvl2pPr>
+            <a:lvl3pPr lvl="2">
+              <a:spcBef>
+                <a:spcPts val="0"/>
+              </a:spcBef>
+              <a:buSzPct val="100000"/>
+              <a:defRPr sz="1200"/>
+            </a:lvl3pPr>
+            <a:lvl4pPr lvl="3">
+              <a:spcBef>
+                <a:spcPts val="0"/>
+              </a:spcBef>
+              <a:buSzPct val="100000"/>
+              <a:defRPr sz="1200"/>
+            </a:lvl4pPr>
+            <a:lvl5pPr lvl="4">
+              <a:spcBef>
+                <a:spcPts val="0"/>
+              </a:spcBef>
+              <a:buSzPct val="100000"/>
+              <a:defRPr sz="1200"/>
+            </a:lvl5pPr>
+            <a:lvl6pPr lvl="5">
+              <a:spcBef>
+                <a:spcPts val="0"/>
+              </a:spcBef>
+              <a:buSzPct val="100000"/>
+              <a:defRPr sz="1200"/>
+            </a:lvl6pPr>
+            <a:lvl7pPr lvl="6">
+              <a:spcBef>
+                <a:spcPts val="0"/>
+              </a:spcBef>
+              <a:buSzPct val="100000"/>
+              <a:defRPr sz="1200"/>
+            </a:lvl7pPr>
+            <a:lvl8pPr lvl="7">
+              <a:spcBef>
+                <a:spcPts val="0"/>
+              </a:spcBef>
+              <a:buSzPct val="100000"/>
+              <a:defRPr sz="1200"/>
+            </a:lvl8pPr>
+            <a:lvl9pPr lvl="8">
+              <a:spcBef>
+                <a:spcPts val="0"/>
+              </a:spcBef>
+              <a:buSzPct val="100000"/>
+              <a:defRPr sz="1200"/>
+            </a:lvl9pPr>
+          </a:lstStyle>
+          <a:p/>
+        </p:txBody>
+      </p:sp>
+      <p:sp>
+        <p:nvSpPr>
+          <p:cNvPr id="24" name="Shape 24"/>
+          <p:cNvSpPr txBox="1"/>
+          <p:nvPr>
+            <p:ph idx="12" type="sldNum"/>
           </p:nvPr>
         </p:nvSpPr>
         <p:spPr>
@@ -4607,7 +4098,7 @@
           </a:prstGeom>
         </p:spPr>
         <p:txBody>
-          <a:bodyPr lIns="91425" tIns="91425" rIns="91425" bIns="91425" anchor="ctr" anchorCtr="0">
+          <a:bodyPr anchorCtr="0" anchor="ctr" bIns="91425" lIns="91425" rIns="91425" tIns="91425">
             <a:noAutofit/>
           </a:bodyPr>
           <a:lstStyle/>
@@ -4622,7 +4113,6 @@
               <a:rPr lang="en"/>
               <a:t>‹#›</a:t>
             </a:fld>
-            <a:endParaRPr lang="en"/>
           </a:p>
         </p:txBody>
       </p:sp>
@@ -4634,12 +4124,12 @@
 </p:sldLayout>
 </file>
 
-<file path=ppt/slideLayouts/slideLayout7.xml><?xml version="1.0" encoding="utf-8"?>
-<p:sldLayout xmlns:a="http://schemas.openxmlformats.org/drawingml/2006/main" xmlns:r="http://schemas.openxmlformats.org/officeDocument/2006/relationships" xmlns:p="http://schemas.openxmlformats.org/presentationml/2006/main">
-  <p:cSld name="Main point">
+<file path=ppt/slideLayouts/slideLayout5.xml><?xml version="1.0" encoding="utf-8"?>
+<p:sldLayout xmlns:a="http://schemas.openxmlformats.org/drawingml/2006/main" xmlns:r="http://schemas.openxmlformats.org/officeDocument/2006/relationships" xmlns:mc="http://schemas.openxmlformats.org/markup-compatibility/2006" xmlns:mv="urn:schemas-microsoft-com:mac:vml" xmlns:p="http://schemas.openxmlformats.org/presentationml/2006/main" xmlns:c="http://schemas.openxmlformats.org/drawingml/2006/chart" xmlns:dgm="http://schemas.openxmlformats.org/drawingml/2006/diagram" xmlns:o="urn:schemas-microsoft-com:office:office" xmlns:v="urn:schemas-microsoft-com:vml" xmlns:pvml="urn:schemas-microsoft-com:office:powerpoint" xmlns:com="http://schemas.openxmlformats.org/drawingml/2006/compatibility" xmlns:p14="http://schemas.microsoft.com/office/powerpoint/2010/main" type="titleOnly">
+  <p:cSld name="Title only">
     <p:spTree>
       <p:nvGrpSpPr>
-        <p:cNvPr id="1" name="Shape 32"/>
+        <p:cNvPr id="25" name="Shape 25"/>
         <p:cNvGrpSpPr/>
         <p:nvPr/>
       </p:nvGrpSpPr>
@@ -4653,103 +4143,88 @@
       </p:grpSpPr>
       <p:sp>
         <p:nvSpPr>
-          <p:cNvPr id="33" name="Shape 33"/>
-          <p:cNvSpPr txBox="1">
-            <a:spLocks noGrp="1"/>
-          </p:cNvSpPr>
+          <p:cNvPr id="26" name="Shape 26"/>
+          <p:cNvSpPr txBox="1"/>
           <p:nvPr>
             <p:ph type="title"/>
           </p:nvPr>
         </p:nvSpPr>
         <p:spPr>
           <a:xfrm>
-            <a:off x="490250" y="450150"/>
-            <a:ext cx="6367800" cy="4090800"/>
+            <a:off x="311700" y="445025"/>
+            <a:ext cx="8520600" cy="572700"/>
           </a:xfrm>
           <a:prstGeom prst="rect">
             <a:avLst/>
           </a:prstGeom>
         </p:spPr>
         <p:txBody>
-          <a:bodyPr lIns="91425" tIns="91425" rIns="91425" bIns="91425" anchor="ctr" anchorCtr="0"/>
+          <a:bodyPr anchorCtr="0" anchor="t" bIns="91425" lIns="91425" rIns="91425" tIns="91425"/>
           <a:lstStyle>
             <a:lvl1pPr lvl="0">
               <a:spcBef>
                 <a:spcPts val="0"/>
               </a:spcBef>
-              <a:buSzPct val="100000"/>
-              <a:defRPr sz="4800"/>
+              <a:defRPr/>
             </a:lvl1pPr>
             <a:lvl2pPr lvl="1">
               <a:spcBef>
                 <a:spcPts val="0"/>
               </a:spcBef>
-              <a:buSzPct val="100000"/>
-              <a:defRPr sz="4800"/>
+              <a:defRPr/>
             </a:lvl2pPr>
             <a:lvl3pPr lvl="2">
               <a:spcBef>
                 <a:spcPts val="0"/>
               </a:spcBef>
-              <a:buSzPct val="100000"/>
-              <a:defRPr sz="4800"/>
+              <a:defRPr/>
             </a:lvl3pPr>
             <a:lvl4pPr lvl="3">
               <a:spcBef>
                 <a:spcPts val="0"/>
               </a:spcBef>
-              <a:buSzPct val="100000"/>
-              <a:defRPr sz="4800"/>
+              <a:defRPr/>
             </a:lvl4pPr>
             <a:lvl5pPr lvl="4">
               <a:spcBef>
                 <a:spcPts val="0"/>
               </a:spcBef>
-              <a:buSzPct val="100000"/>
-              <a:defRPr sz="4800"/>
+              <a:defRPr/>
             </a:lvl5pPr>
             <a:lvl6pPr lvl="5">
               <a:spcBef>
                 <a:spcPts val="0"/>
               </a:spcBef>
-              <a:buSzPct val="100000"/>
-              <a:defRPr sz="4800"/>
+              <a:defRPr/>
             </a:lvl6pPr>
             <a:lvl7pPr lvl="6">
               <a:spcBef>
                 <a:spcPts val="0"/>
               </a:spcBef>
-              <a:buSzPct val="100000"/>
-              <a:defRPr sz="4800"/>
+              <a:defRPr/>
             </a:lvl7pPr>
             <a:lvl8pPr lvl="7">
               <a:spcBef>
                 <a:spcPts val="0"/>
               </a:spcBef>
-              <a:buSzPct val="100000"/>
-              <a:defRPr sz="4800"/>
+              <a:defRPr/>
             </a:lvl8pPr>
             <a:lvl9pPr lvl="8">
               <a:spcBef>
                 <a:spcPts val="0"/>
               </a:spcBef>
-              <a:buSzPct val="100000"/>
-              <a:defRPr sz="4800"/>
+              <a:defRPr/>
             </a:lvl9pPr>
           </a:lstStyle>
-          <a:p>
-            <a:endParaRPr/>
-          </a:p>
+          <a:p/>
         </p:txBody>
       </p:sp>
       <p:sp>
         <p:nvSpPr>
-          <p:cNvPr id="34" name="Shape 34"/>
-          <p:cNvSpPr txBox="1">
-            <a:spLocks noGrp="1"/>
-          </p:cNvSpPr>
-          <p:nvPr>
-            <p:ph type="sldNum" idx="12"/>
+          <p:cNvPr id="27" name="Shape 27"/>
+          <p:cNvSpPr txBox="1"/>
+          <p:nvPr>
+            <p:ph idx="12" type="sldNum"/>
           </p:nvPr>
         </p:nvSpPr>
         <p:spPr>
@@ -4762,7 +4237,7 @@
           </a:prstGeom>
         </p:spPr>
         <p:txBody>
-          <a:bodyPr lIns="91425" tIns="91425" rIns="91425" bIns="91425" anchor="ctr" anchorCtr="0">
+          <a:bodyPr anchorCtr="0" anchor="ctr" bIns="91425" lIns="91425" rIns="91425" tIns="91425">
             <a:noAutofit/>
           </a:bodyPr>
           <a:lstStyle/>
@@ -4777,7 +4252,6 @@
               <a:rPr lang="en"/>
               <a:t>‹#›</a:t>
             </a:fld>
-            <a:endParaRPr lang="en"/>
           </a:p>
         </p:txBody>
       </p:sp>
@@ -4789,12 +4263,12 @@
 </p:sldLayout>
 </file>
 
-<file path=ppt/slideLayouts/slideLayout8.xml><?xml version="1.0" encoding="utf-8"?>
-<p:sldLayout xmlns:a="http://schemas.openxmlformats.org/drawingml/2006/main" xmlns:r="http://schemas.openxmlformats.org/officeDocument/2006/relationships" xmlns:p="http://schemas.openxmlformats.org/presentationml/2006/main">
-  <p:cSld name="Section title and description">
+<file path=ppt/slideLayouts/slideLayout6.xml><?xml version="1.0" encoding="utf-8"?>
+<p:sldLayout xmlns:a="http://schemas.openxmlformats.org/drawingml/2006/main" xmlns:r="http://schemas.openxmlformats.org/officeDocument/2006/relationships" xmlns:mc="http://schemas.openxmlformats.org/markup-compatibility/2006" xmlns:mv="urn:schemas-microsoft-com:mac:vml" xmlns:p="http://schemas.openxmlformats.org/presentationml/2006/main" xmlns:c="http://schemas.openxmlformats.org/drawingml/2006/chart" xmlns:dgm="http://schemas.openxmlformats.org/drawingml/2006/diagram" xmlns:o="urn:schemas-microsoft-com:office:office" xmlns:v="urn:schemas-microsoft-com:vml" xmlns:pvml="urn:schemas-microsoft-com:office:powerpoint" xmlns:com="http://schemas.openxmlformats.org/drawingml/2006/compatibility" xmlns:p14="http://schemas.microsoft.com/office/powerpoint/2010/main">
+  <p:cSld name="One column text">
     <p:spTree>
       <p:nvGrpSpPr>
-        <p:cNvPr id="1" name="Shape 35"/>
+        <p:cNvPr id="28" name="Shape 28"/>
         <p:cNvGrpSpPr/>
         <p:nvPr/>
       </p:nvGrpSpPr>
@@ -4808,27 +4282,197 @@
       </p:grpSpPr>
       <p:sp>
         <p:nvSpPr>
-          <p:cNvPr id="36" name="Shape 36"/>
-          <p:cNvSpPr/>
-          <p:nvPr/>
-        </p:nvSpPr>
-        <p:spPr>
-          <a:xfrm>
-            <a:off x="4572000" y="-125"/>
-            <a:ext cx="4572000" cy="5143500"/>
-          </a:xfrm>
-          <a:prstGeom prst="rect">
-            <a:avLst/>
-          </a:prstGeom>
-          <a:solidFill>
-            <a:schemeClr val="lt2"/>
-          </a:solidFill>
-          <a:ln>
-            <a:noFill/>
-          </a:ln>
+          <p:cNvPr id="29" name="Shape 29"/>
+          <p:cNvSpPr txBox="1"/>
+          <p:nvPr>
+            <p:ph type="title"/>
+          </p:nvPr>
+        </p:nvSpPr>
+        <p:spPr>
+          <a:xfrm>
+            <a:off x="311700" y="555600"/>
+            <a:ext cx="2808000" cy="755700"/>
+          </a:xfrm>
+          <a:prstGeom prst="rect">
+            <a:avLst/>
+          </a:prstGeom>
         </p:spPr>
         <p:txBody>
-          <a:bodyPr lIns="91425" tIns="91425" rIns="91425" bIns="91425" anchor="ctr" anchorCtr="0">
+          <a:bodyPr anchorCtr="0" anchor="b" bIns="91425" lIns="91425" rIns="91425" tIns="91425"/>
+          <a:lstStyle>
+            <a:lvl1pPr lvl="0">
+              <a:spcBef>
+                <a:spcPts val="0"/>
+              </a:spcBef>
+              <a:buSzPct val="100000"/>
+              <a:defRPr sz="2400"/>
+            </a:lvl1pPr>
+            <a:lvl2pPr lvl="1">
+              <a:spcBef>
+                <a:spcPts val="0"/>
+              </a:spcBef>
+              <a:buSzPct val="100000"/>
+              <a:defRPr sz="2400"/>
+            </a:lvl2pPr>
+            <a:lvl3pPr lvl="2">
+              <a:spcBef>
+                <a:spcPts val="0"/>
+              </a:spcBef>
+              <a:buSzPct val="100000"/>
+              <a:defRPr sz="2400"/>
+            </a:lvl3pPr>
+            <a:lvl4pPr lvl="3">
+              <a:spcBef>
+                <a:spcPts val="0"/>
+              </a:spcBef>
+              <a:buSzPct val="100000"/>
+              <a:defRPr sz="2400"/>
+            </a:lvl4pPr>
+            <a:lvl5pPr lvl="4">
+              <a:spcBef>
+                <a:spcPts val="0"/>
+              </a:spcBef>
+              <a:buSzPct val="100000"/>
+              <a:defRPr sz="2400"/>
+            </a:lvl5pPr>
+            <a:lvl6pPr lvl="5">
+              <a:spcBef>
+                <a:spcPts val="0"/>
+              </a:spcBef>
+              <a:buSzPct val="100000"/>
+              <a:defRPr sz="2400"/>
+            </a:lvl6pPr>
+            <a:lvl7pPr lvl="6">
+              <a:spcBef>
+                <a:spcPts val="0"/>
+              </a:spcBef>
+              <a:buSzPct val="100000"/>
+              <a:defRPr sz="2400"/>
+            </a:lvl7pPr>
+            <a:lvl8pPr lvl="7">
+              <a:spcBef>
+                <a:spcPts val="0"/>
+              </a:spcBef>
+              <a:buSzPct val="100000"/>
+              <a:defRPr sz="2400"/>
+            </a:lvl8pPr>
+            <a:lvl9pPr lvl="8">
+              <a:spcBef>
+                <a:spcPts val="0"/>
+              </a:spcBef>
+              <a:buSzPct val="100000"/>
+              <a:defRPr sz="2400"/>
+            </a:lvl9pPr>
+          </a:lstStyle>
+          <a:p/>
+        </p:txBody>
+      </p:sp>
+      <p:sp>
+        <p:nvSpPr>
+          <p:cNvPr id="30" name="Shape 30"/>
+          <p:cNvSpPr txBox="1"/>
+          <p:nvPr>
+            <p:ph idx="1" type="body"/>
+          </p:nvPr>
+        </p:nvSpPr>
+        <p:spPr>
+          <a:xfrm>
+            <a:off x="311700" y="1389600"/>
+            <a:ext cx="2808000" cy="3179400"/>
+          </a:xfrm>
+          <a:prstGeom prst="rect">
+            <a:avLst/>
+          </a:prstGeom>
+        </p:spPr>
+        <p:txBody>
+          <a:bodyPr anchorCtr="0" anchor="t" bIns="91425" lIns="91425" rIns="91425" tIns="91425"/>
+          <a:lstStyle>
+            <a:lvl1pPr lvl="0">
+              <a:spcBef>
+                <a:spcPts val="0"/>
+              </a:spcBef>
+              <a:buSzPct val="100000"/>
+              <a:defRPr sz="1200"/>
+            </a:lvl1pPr>
+            <a:lvl2pPr lvl="1">
+              <a:spcBef>
+                <a:spcPts val="0"/>
+              </a:spcBef>
+              <a:buSzPct val="100000"/>
+              <a:defRPr sz="1200"/>
+            </a:lvl2pPr>
+            <a:lvl3pPr lvl="2">
+              <a:spcBef>
+                <a:spcPts val="0"/>
+              </a:spcBef>
+              <a:buSzPct val="100000"/>
+              <a:defRPr sz="1200"/>
+            </a:lvl3pPr>
+            <a:lvl4pPr lvl="3">
+              <a:spcBef>
+                <a:spcPts val="0"/>
+              </a:spcBef>
+              <a:buSzPct val="100000"/>
+              <a:defRPr sz="1200"/>
+            </a:lvl4pPr>
+            <a:lvl5pPr lvl="4">
+              <a:spcBef>
+                <a:spcPts val="0"/>
+              </a:spcBef>
+              <a:buSzPct val="100000"/>
+              <a:defRPr sz="1200"/>
+            </a:lvl5pPr>
+            <a:lvl6pPr lvl="5">
+              <a:spcBef>
+                <a:spcPts val="0"/>
+              </a:spcBef>
+              <a:buSzPct val="100000"/>
+              <a:defRPr sz="1200"/>
+            </a:lvl6pPr>
+            <a:lvl7pPr lvl="6">
+              <a:spcBef>
+                <a:spcPts val="0"/>
+              </a:spcBef>
+              <a:buSzPct val="100000"/>
+              <a:defRPr sz="1200"/>
+            </a:lvl7pPr>
+            <a:lvl8pPr lvl="7">
+              <a:spcBef>
+                <a:spcPts val="0"/>
+              </a:spcBef>
+              <a:buSzPct val="100000"/>
+              <a:defRPr sz="1200"/>
+            </a:lvl8pPr>
+            <a:lvl9pPr lvl="8">
+              <a:spcBef>
+                <a:spcPts val="0"/>
+              </a:spcBef>
+              <a:buSzPct val="100000"/>
+              <a:defRPr sz="1200"/>
+            </a:lvl9pPr>
+          </a:lstStyle>
+          <a:p/>
+        </p:txBody>
+      </p:sp>
+      <p:sp>
+        <p:nvSpPr>
+          <p:cNvPr id="31" name="Shape 31"/>
+          <p:cNvSpPr txBox="1"/>
+          <p:nvPr>
+            <p:ph idx="12" type="sldNum"/>
+          </p:nvPr>
+        </p:nvSpPr>
+        <p:spPr>
+          <a:xfrm>
+            <a:off x="8472457" y="4663216"/>
+            <a:ext cx="548700" cy="393600"/>
+          </a:xfrm>
+          <a:prstGeom prst="rect">
+            <a:avLst/>
+          </a:prstGeom>
+        </p:spPr>
+        <p:txBody>
+          <a:bodyPr anchorCtr="0" anchor="ctr" bIns="91425" lIns="91425" rIns="91425" tIns="91425">
             <a:noAutofit/>
           </a:bodyPr>
           <a:lstStyle/>
@@ -4839,373 +4483,10 @@
               </a:spcBef>
               <a:buNone/>
             </a:pPr>
-            <a:endParaRPr/>
-          </a:p>
-        </p:txBody>
-      </p:sp>
-      <p:sp>
-        <p:nvSpPr>
-          <p:cNvPr id="37" name="Shape 37"/>
-          <p:cNvSpPr txBox="1">
-            <a:spLocks noGrp="1"/>
-          </p:cNvSpPr>
-          <p:nvPr>
-            <p:ph type="title"/>
-          </p:nvPr>
-        </p:nvSpPr>
-        <p:spPr>
-          <a:xfrm>
-            <a:off x="265500" y="1233175"/>
-            <a:ext cx="4045200" cy="1482300"/>
-          </a:xfrm>
-          <a:prstGeom prst="rect">
-            <a:avLst/>
-          </a:prstGeom>
-        </p:spPr>
-        <p:txBody>
-          <a:bodyPr lIns="91425" tIns="91425" rIns="91425" bIns="91425" anchor="b" anchorCtr="0"/>
-          <a:lstStyle>
-            <a:lvl1pPr lvl="0" algn="ctr">
-              <a:spcBef>
-                <a:spcPts val="0"/>
-              </a:spcBef>
-              <a:buSzPct val="100000"/>
-              <a:defRPr sz="4200"/>
-            </a:lvl1pPr>
-            <a:lvl2pPr lvl="1" algn="ctr">
-              <a:spcBef>
-                <a:spcPts val="0"/>
-              </a:spcBef>
-              <a:buSzPct val="100000"/>
-              <a:defRPr sz="4200"/>
-            </a:lvl2pPr>
-            <a:lvl3pPr lvl="2" algn="ctr">
-              <a:spcBef>
-                <a:spcPts val="0"/>
-              </a:spcBef>
-              <a:buSzPct val="100000"/>
-              <a:defRPr sz="4200"/>
-            </a:lvl3pPr>
-            <a:lvl4pPr lvl="3" algn="ctr">
-              <a:spcBef>
-                <a:spcPts val="0"/>
-              </a:spcBef>
-              <a:buSzPct val="100000"/>
-              <a:defRPr sz="4200"/>
-            </a:lvl4pPr>
-            <a:lvl5pPr lvl="4" algn="ctr">
-              <a:spcBef>
-                <a:spcPts val="0"/>
-              </a:spcBef>
-              <a:buSzPct val="100000"/>
-              <a:defRPr sz="4200"/>
-            </a:lvl5pPr>
-            <a:lvl6pPr lvl="5" algn="ctr">
-              <a:spcBef>
-                <a:spcPts val="0"/>
-              </a:spcBef>
-              <a:buSzPct val="100000"/>
-              <a:defRPr sz="4200"/>
-            </a:lvl6pPr>
-            <a:lvl7pPr lvl="6" algn="ctr">
-              <a:spcBef>
-                <a:spcPts val="0"/>
-              </a:spcBef>
-              <a:buSzPct val="100000"/>
-              <a:defRPr sz="4200"/>
-            </a:lvl7pPr>
-            <a:lvl8pPr lvl="7" algn="ctr">
-              <a:spcBef>
-                <a:spcPts val="0"/>
-              </a:spcBef>
-              <a:buSzPct val="100000"/>
-              <a:defRPr sz="4200"/>
-            </a:lvl8pPr>
-            <a:lvl9pPr lvl="8" algn="ctr">
-              <a:spcBef>
-                <a:spcPts val="0"/>
-              </a:spcBef>
-              <a:buSzPct val="100000"/>
-              <a:defRPr sz="4200"/>
-            </a:lvl9pPr>
-          </a:lstStyle>
-          <a:p>
-            <a:endParaRPr/>
-          </a:p>
-        </p:txBody>
-      </p:sp>
-      <p:sp>
-        <p:nvSpPr>
-          <p:cNvPr id="38" name="Shape 38"/>
-          <p:cNvSpPr txBox="1">
-            <a:spLocks noGrp="1"/>
-          </p:cNvSpPr>
-          <p:nvPr>
-            <p:ph type="subTitle" idx="1"/>
-          </p:nvPr>
-        </p:nvSpPr>
-        <p:spPr>
-          <a:xfrm>
-            <a:off x="265500" y="2803075"/>
-            <a:ext cx="4045200" cy="1235100"/>
-          </a:xfrm>
-          <a:prstGeom prst="rect">
-            <a:avLst/>
-          </a:prstGeom>
-        </p:spPr>
-        <p:txBody>
-          <a:bodyPr lIns="91425" tIns="91425" rIns="91425" bIns="91425" anchor="t" anchorCtr="0"/>
-          <a:lstStyle>
-            <a:lvl1pPr lvl="0" algn="ctr">
-              <a:lnSpc>
-                <a:spcPct val="100000"/>
-              </a:lnSpc>
-              <a:spcBef>
-                <a:spcPts val="0"/>
-              </a:spcBef>
-              <a:spcAft>
-                <a:spcPts val="0"/>
-              </a:spcAft>
-              <a:buSzPct val="100000"/>
-              <a:buNone/>
-              <a:defRPr sz="2100"/>
-            </a:lvl1pPr>
-            <a:lvl2pPr lvl="1" algn="ctr">
-              <a:lnSpc>
-                <a:spcPct val="100000"/>
-              </a:lnSpc>
-              <a:spcBef>
-                <a:spcPts val="0"/>
-              </a:spcBef>
-              <a:spcAft>
-                <a:spcPts val="0"/>
-              </a:spcAft>
-              <a:buSzPct val="100000"/>
-              <a:buNone/>
-              <a:defRPr sz="2100"/>
-            </a:lvl2pPr>
-            <a:lvl3pPr lvl="2" algn="ctr">
-              <a:lnSpc>
-                <a:spcPct val="100000"/>
-              </a:lnSpc>
-              <a:spcBef>
-                <a:spcPts val="0"/>
-              </a:spcBef>
-              <a:spcAft>
-                <a:spcPts val="0"/>
-              </a:spcAft>
-              <a:buSzPct val="100000"/>
-              <a:buNone/>
-              <a:defRPr sz="2100"/>
-            </a:lvl3pPr>
-            <a:lvl4pPr lvl="3" algn="ctr">
-              <a:lnSpc>
-                <a:spcPct val="100000"/>
-              </a:lnSpc>
-              <a:spcBef>
-                <a:spcPts val="0"/>
-              </a:spcBef>
-              <a:spcAft>
-                <a:spcPts val="0"/>
-              </a:spcAft>
-              <a:buSzPct val="100000"/>
-              <a:buNone/>
-              <a:defRPr sz="2100"/>
-            </a:lvl4pPr>
-            <a:lvl5pPr lvl="4" algn="ctr">
-              <a:lnSpc>
-                <a:spcPct val="100000"/>
-              </a:lnSpc>
-              <a:spcBef>
-                <a:spcPts val="0"/>
-              </a:spcBef>
-              <a:spcAft>
-                <a:spcPts val="0"/>
-              </a:spcAft>
-              <a:buSzPct val="100000"/>
-              <a:buNone/>
-              <a:defRPr sz="2100"/>
-            </a:lvl5pPr>
-            <a:lvl6pPr lvl="5" algn="ctr">
-              <a:lnSpc>
-                <a:spcPct val="100000"/>
-              </a:lnSpc>
-              <a:spcBef>
-                <a:spcPts val="0"/>
-              </a:spcBef>
-              <a:spcAft>
-                <a:spcPts val="0"/>
-              </a:spcAft>
-              <a:buSzPct val="100000"/>
-              <a:buNone/>
-              <a:defRPr sz="2100"/>
-            </a:lvl6pPr>
-            <a:lvl7pPr lvl="6" algn="ctr">
-              <a:lnSpc>
-                <a:spcPct val="100000"/>
-              </a:lnSpc>
-              <a:spcBef>
-                <a:spcPts val="0"/>
-              </a:spcBef>
-              <a:spcAft>
-                <a:spcPts val="0"/>
-              </a:spcAft>
-              <a:buSzPct val="100000"/>
-              <a:buNone/>
-              <a:defRPr sz="2100"/>
-            </a:lvl7pPr>
-            <a:lvl8pPr lvl="7" algn="ctr">
-              <a:lnSpc>
-                <a:spcPct val="100000"/>
-              </a:lnSpc>
-              <a:spcBef>
-                <a:spcPts val="0"/>
-              </a:spcBef>
-              <a:spcAft>
-                <a:spcPts val="0"/>
-              </a:spcAft>
-              <a:buSzPct val="100000"/>
-              <a:buNone/>
-              <a:defRPr sz="2100"/>
-            </a:lvl8pPr>
-            <a:lvl9pPr lvl="8" algn="ctr">
-              <a:lnSpc>
-                <a:spcPct val="100000"/>
-              </a:lnSpc>
-              <a:spcBef>
-                <a:spcPts val="0"/>
-              </a:spcBef>
-              <a:spcAft>
-                <a:spcPts val="0"/>
-              </a:spcAft>
-              <a:buSzPct val="100000"/>
-              <a:buNone/>
-              <a:defRPr sz="2100"/>
-            </a:lvl9pPr>
-          </a:lstStyle>
-          <a:p>
-            <a:endParaRPr/>
-          </a:p>
-        </p:txBody>
-      </p:sp>
-      <p:sp>
-        <p:nvSpPr>
-          <p:cNvPr id="39" name="Shape 39"/>
-          <p:cNvSpPr txBox="1">
-            <a:spLocks noGrp="1"/>
-          </p:cNvSpPr>
-          <p:nvPr>
-            <p:ph type="body" idx="2"/>
-          </p:nvPr>
-        </p:nvSpPr>
-        <p:spPr>
-          <a:xfrm>
-            <a:off x="4939500" y="724075"/>
-            <a:ext cx="3837000" cy="3695100"/>
-          </a:xfrm>
-          <a:prstGeom prst="rect">
-            <a:avLst/>
-          </a:prstGeom>
-        </p:spPr>
-        <p:txBody>
-          <a:bodyPr lIns="91425" tIns="91425" rIns="91425" bIns="91425" anchor="ctr" anchorCtr="0"/>
-          <a:lstStyle>
-            <a:lvl1pPr lvl="0">
-              <a:spcBef>
-                <a:spcPts val="0"/>
-              </a:spcBef>
-              <a:defRPr/>
-            </a:lvl1pPr>
-            <a:lvl2pPr lvl="1">
-              <a:spcBef>
-                <a:spcPts val="0"/>
-              </a:spcBef>
-              <a:defRPr/>
-            </a:lvl2pPr>
-            <a:lvl3pPr lvl="2">
-              <a:spcBef>
-                <a:spcPts val="0"/>
-              </a:spcBef>
-              <a:defRPr/>
-            </a:lvl3pPr>
-            <a:lvl4pPr lvl="3">
-              <a:spcBef>
-                <a:spcPts val="0"/>
-              </a:spcBef>
-              <a:defRPr/>
-            </a:lvl4pPr>
-            <a:lvl5pPr lvl="4">
-              <a:spcBef>
-                <a:spcPts val="0"/>
-              </a:spcBef>
-              <a:defRPr/>
-            </a:lvl5pPr>
-            <a:lvl6pPr lvl="5">
-              <a:spcBef>
-                <a:spcPts val="0"/>
-              </a:spcBef>
-              <a:defRPr/>
-            </a:lvl6pPr>
-            <a:lvl7pPr lvl="6">
-              <a:spcBef>
-                <a:spcPts val="0"/>
-              </a:spcBef>
-              <a:defRPr/>
-            </a:lvl7pPr>
-            <a:lvl8pPr lvl="7">
-              <a:spcBef>
-                <a:spcPts val="0"/>
-              </a:spcBef>
-              <a:defRPr/>
-            </a:lvl8pPr>
-            <a:lvl9pPr lvl="8">
-              <a:spcBef>
-                <a:spcPts val="0"/>
-              </a:spcBef>
-              <a:defRPr/>
-            </a:lvl9pPr>
-          </a:lstStyle>
-          <a:p>
-            <a:endParaRPr/>
-          </a:p>
-        </p:txBody>
-      </p:sp>
-      <p:sp>
-        <p:nvSpPr>
-          <p:cNvPr id="40" name="Shape 40"/>
-          <p:cNvSpPr txBox="1">
-            <a:spLocks noGrp="1"/>
-          </p:cNvSpPr>
-          <p:nvPr>
-            <p:ph type="sldNum" idx="12"/>
-          </p:nvPr>
-        </p:nvSpPr>
-        <p:spPr>
-          <a:xfrm>
-            <a:off x="8472457" y="4663216"/>
-            <a:ext cx="548700" cy="393600"/>
-          </a:xfrm>
-          <a:prstGeom prst="rect">
-            <a:avLst/>
-          </a:prstGeom>
-        </p:spPr>
-        <p:txBody>
-          <a:bodyPr lIns="91425" tIns="91425" rIns="91425" bIns="91425" anchor="ctr" anchorCtr="0">
-            <a:noAutofit/>
-          </a:bodyPr>
-          <a:lstStyle/>
-          <a:p>
-            <a:pPr lvl="0">
-              <a:spcBef>
-                <a:spcPts val="0"/>
-              </a:spcBef>
-              <a:buNone/>
-            </a:pPr>
             <a:fld id="{00000000-1234-1234-1234-123412341234}" type="slidenum">
               <a:rPr lang="en"/>
               <a:t>‹#›</a:t>
             </a:fld>
-            <a:endParaRPr lang="en"/>
           </a:p>
         </p:txBody>
       </p:sp>
@@ -5217,12 +4498,12 @@
 </p:sldLayout>
 </file>
 
-<file path=ppt/slideLayouts/slideLayout9.xml><?xml version="1.0" encoding="utf-8"?>
-<p:sldLayout xmlns:a="http://schemas.openxmlformats.org/drawingml/2006/main" xmlns:r="http://schemas.openxmlformats.org/officeDocument/2006/relationships" xmlns:p="http://schemas.openxmlformats.org/presentationml/2006/main">
-  <p:cSld name="Caption">
+<file path=ppt/slideLayouts/slideLayout7.xml><?xml version="1.0" encoding="utf-8"?>
+<p:sldLayout xmlns:a="http://schemas.openxmlformats.org/drawingml/2006/main" xmlns:r="http://schemas.openxmlformats.org/officeDocument/2006/relationships" xmlns:mc="http://schemas.openxmlformats.org/markup-compatibility/2006" xmlns:mv="urn:schemas-microsoft-com:mac:vml" xmlns:p="http://schemas.openxmlformats.org/presentationml/2006/main" xmlns:c="http://schemas.openxmlformats.org/drawingml/2006/chart" xmlns:dgm="http://schemas.openxmlformats.org/drawingml/2006/diagram" xmlns:o="urn:schemas-microsoft-com:office:office" xmlns:v="urn:schemas-microsoft-com:vml" xmlns:pvml="urn:schemas-microsoft-com:office:powerpoint" xmlns:com="http://schemas.openxmlformats.org/drawingml/2006/compatibility" xmlns:p14="http://schemas.microsoft.com/office/powerpoint/2010/main">
+  <p:cSld name="Main point">
     <p:spTree>
       <p:nvGrpSpPr>
-        <p:cNvPr id="1" name="Shape 41"/>
+        <p:cNvPr id="32" name="Shape 32"/>
         <p:cNvGrpSpPr/>
         <p:nvPr/>
       </p:nvGrpSpPr>
@@ -5236,53 +4517,97 @@
       </p:grpSpPr>
       <p:sp>
         <p:nvSpPr>
-          <p:cNvPr id="42" name="Shape 42"/>
-          <p:cNvSpPr txBox="1">
-            <a:spLocks noGrp="1"/>
-          </p:cNvSpPr>
-          <p:nvPr>
-            <p:ph type="body" idx="1"/>
-          </p:nvPr>
-        </p:nvSpPr>
-        <p:spPr>
-          <a:xfrm>
-            <a:off x="311700" y="4230575"/>
-            <a:ext cx="5998800" cy="605100"/>
+          <p:cNvPr id="33" name="Shape 33"/>
+          <p:cNvSpPr txBox="1"/>
+          <p:nvPr>
+            <p:ph type="title"/>
+          </p:nvPr>
+        </p:nvSpPr>
+        <p:spPr>
+          <a:xfrm>
+            <a:off x="490250" y="450150"/>
+            <a:ext cx="6367800" cy="4090800"/>
           </a:xfrm>
           <a:prstGeom prst="rect">
             <a:avLst/>
           </a:prstGeom>
         </p:spPr>
         <p:txBody>
-          <a:bodyPr lIns="91425" tIns="91425" rIns="91425" bIns="91425" anchor="ctr" anchorCtr="0"/>
+          <a:bodyPr anchorCtr="0" anchor="ctr" bIns="91425" lIns="91425" rIns="91425" tIns="91425"/>
           <a:lstStyle>
             <a:lvl1pPr lvl="0">
-              <a:lnSpc>
-                <a:spcPct val="100000"/>
-              </a:lnSpc>
-              <a:spcBef>
-                <a:spcPts val="0"/>
-              </a:spcBef>
-              <a:spcAft>
-                <a:spcPts val="0"/>
-              </a:spcAft>
-              <a:buNone/>
-              <a:defRPr/>
+              <a:spcBef>
+                <a:spcPts val="0"/>
+              </a:spcBef>
+              <a:buSzPct val="100000"/>
+              <a:defRPr sz="4800"/>
             </a:lvl1pPr>
+            <a:lvl2pPr lvl="1">
+              <a:spcBef>
+                <a:spcPts val="0"/>
+              </a:spcBef>
+              <a:buSzPct val="100000"/>
+              <a:defRPr sz="4800"/>
+            </a:lvl2pPr>
+            <a:lvl3pPr lvl="2">
+              <a:spcBef>
+                <a:spcPts val="0"/>
+              </a:spcBef>
+              <a:buSzPct val="100000"/>
+              <a:defRPr sz="4800"/>
+            </a:lvl3pPr>
+            <a:lvl4pPr lvl="3">
+              <a:spcBef>
+                <a:spcPts val="0"/>
+              </a:spcBef>
+              <a:buSzPct val="100000"/>
+              <a:defRPr sz="4800"/>
+            </a:lvl4pPr>
+            <a:lvl5pPr lvl="4">
+              <a:spcBef>
+                <a:spcPts val="0"/>
+              </a:spcBef>
+              <a:buSzPct val="100000"/>
+              <a:defRPr sz="4800"/>
+            </a:lvl5pPr>
+            <a:lvl6pPr lvl="5">
+              <a:spcBef>
+                <a:spcPts val="0"/>
+              </a:spcBef>
+              <a:buSzPct val="100000"/>
+              <a:defRPr sz="4800"/>
+            </a:lvl6pPr>
+            <a:lvl7pPr lvl="6">
+              <a:spcBef>
+                <a:spcPts val="0"/>
+              </a:spcBef>
+              <a:buSzPct val="100000"/>
+              <a:defRPr sz="4800"/>
+            </a:lvl7pPr>
+            <a:lvl8pPr lvl="7">
+              <a:spcBef>
+                <a:spcPts val="0"/>
+              </a:spcBef>
+              <a:buSzPct val="100000"/>
+              <a:defRPr sz="4800"/>
+            </a:lvl8pPr>
+            <a:lvl9pPr lvl="8">
+              <a:spcBef>
+                <a:spcPts val="0"/>
+              </a:spcBef>
+              <a:buSzPct val="100000"/>
+              <a:defRPr sz="4800"/>
+            </a:lvl9pPr>
           </a:lstStyle>
-          <a:p>
-            <a:endParaRPr/>
-          </a:p>
+          <a:p/>
         </p:txBody>
       </p:sp>
       <p:sp>
         <p:nvSpPr>
-          <p:cNvPr id="43" name="Shape 43"/>
-          <p:cNvSpPr txBox="1">
-            <a:spLocks noGrp="1"/>
-          </p:cNvSpPr>
-          <p:nvPr>
-            <p:ph type="sldNum" idx="12"/>
+          <p:cNvPr id="34" name="Shape 34"/>
+          <p:cNvSpPr txBox="1"/>
+          <p:nvPr>
+            <p:ph idx="12" type="sldNum"/>
           </p:nvPr>
         </p:nvSpPr>
         <p:spPr>
@@ -5295,7 +4620,7 @@
           </a:prstGeom>
         </p:spPr>
         <p:txBody>
-          <a:bodyPr lIns="91425" tIns="91425" rIns="91425" bIns="91425" anchor="ctr" anchorCtr="0">
+          <a:bodyPr anchorCtr="0" anchor="ctr" bIns="91425" lIns="91425" rIns="91425" tIns="91425">
             <a:noAutofit/>
           </a:bodyPr>
           <a:lstStyle/>
@@ -5310,7 +4635,6 @@
               <a:rPr lang="en"/>
               <a:t>‹#›</a:t>
             </a:fld>
-            <a:endParaRPr lang="en"/>
           </a:p>
         </p:txBody>
       </p:sp>
@@ -5322,20 +4646,12 @@
 </p:sldLayout>
 </file>
 
-<file path=ppt/slideMasters/slideMaster1.xml><?xml version="1.0" encoding="utf-8"?>
-<p:sldMaster xmlns:a="http://schemas.openxmlformats.org/drawingml/2006/main" xmlns:r="http://schemas.openxmlformats.org/officeDocument/2006/relationships" xmlns:p="http://schemas.openxmlformats.org/presentationml/2006/main">
-  <p:cSld>
-    <p:bg>
-      <p:bgPr>
-        <a:solidFill>
-          <a:schemeClr val="lt1"/>
-        </a:solidFill>
-        <a:effectLst/>
-      </p:bgPr>
-    </p:bg>
+<file path=ppt/slideLayouts/slideLayout8.xml><?xml version="1.0" encoding="utf-8"?>
+<p:sldLayout xmlns:a="http://schemas.openxmlformats.org/drawingml/2006/main" xmlns:r="http://schemas.openxmlformats.org/officeDocument/2006/relationships" xmlns:mc="http://schemas.openxmlformats.org/markup-compatibility/2006" xmlns:mv="urn:schemas-microsoft-com:mac:vml" xmlns:p="http://schemas.openxmlformats.org/presentationml/2006/main" xmlns:c="http://schemas.openxmlformats.org/drawingml/2006/chart" xmlns:dgm="http://schemas.openxmlformats.org/drawingml/2006/diagram" xmlns:o="urn:schemas-microsoft-com:office:office" xmlns:v="urn:schemas-microsoft-com:vml" xmlns:pvml="urn:schemas-microsoft-com:office:powerpoint" xmlns:com="http://schemas.openxmlformats.org/drawingml/2006/compatibility" xmlns:p14="http://schemas.microsoft.com/office/powerpoint/2010/main">
+  <p:cSld name="Section title and description">
     <p:spTree>
       <p:nvGrpSpPr>
-        <p:cNvPr id="1" name="Shape 5"/>
+        <p:cNvPr id="35" name="Shape 35"/>
         <p:cNvGrpSpPr/>
         <p:nvPr/>
       </p:nvGrpSpPr>
@@ -5349,10 +4665,529 @@
       </p:grpSpPr>
       <p:sp>
         <p:nvSpPr>
+          <p:cNvPr id="36" name="Shape 36"/>
+          <p:cNvSpPr/>
+          <p:nvPr/>
+        </p:nvSpPr>
+        <p:spPr>
+          <a:xfrm>
+            <a:off x="4572000" y="-125"/>
+            <a:ext cx="4572000" cy="5143500"/>
+          </a:xfrm>
+          <a:prstGeom prst="rect">
+            <a:avLst/>
+          </a:prstGeom>
+          <a:solidFill>
+            <a:schemeClr val="lt2"/>
+          </a:solidFill>
+          <a:ln>
+            <a:noFill/>
+          </a:ln>
+        </p:spPr>
+        <p:txBody>
+          <a:bodyPr anchorCtr="0" anchor="ctr" bIns="91425" lIns="91425" rIns="91425" tIns="91425">
+            <a:noAutofit/>
+          </a:bodyPr>
+          <a:lstStyle/>
+          <a:p>
+            <a:pPr lvl="0">
+              <a:spcBef>
+                <a:spcPts val="0"/>
+              </a:spcBef>
+              <a:buNone/>
+            </a:pPr>
+            <a:r>
+              <a:t/>
+            </a:r>
+            <a:endParaRPr/>
+          </a:p>
+        </p:txBody>
+      </p:sp>
+      <p:sp>
+        <p:nvSpPr>
+          <p:cNvPr id="37" name="Shape 37"/>
+          <p:cNvSpPr txBox="1"/>
+          <p:nvPr>
+            <p:ph type="title"/>
+          </p:nvPr>
+        </p:nvSpPr>
+        <p:spPr>
+          <a:xfrm>
+            <a:off x="265500" y="1233175"/>
+            <a:ext cx="4045200" cy="1482300"/>
+          </a:xfrm>
+          <a:prstGeom prst="rect">
+            <a:avLst/>
+          </a:prstGeom>
+        </p:spPr>
+        <p:txBody>
+          <a:bodyPr anchorCtr="0" anchor="b" bIns="91425" lIns="91425" rIns="91425" tIns="91425"/>
+          <a:lstStyle>
+            <a:lvl1pPr lvl="0" algn="ctr">
+              <a:spcBef>
+                <a:spcPts val="0"/>
+              </a:spcBef>
+              <a:buSzPct val="100000"/>
+              <a:defRPr sz="4200"/>
+            </a:lvl1pPr>
+            <a:lvl2pPr lvl="1" algn="ctr">
+              <a:spcBef>
+                <a:spcPts val="0"/>
+              </a:spcBef>
+              <a:buSzPct val="100000"/>
+              <a:defRPr sz="4200"/>
+            </a:lvl2pPr>
+            <a:lvl3pPr lvl="2" algn="ctr">
+              <a:spcBef>
+                <a:spcPts val="0"/>
+              </a:spcBef>
+              <a:buSzPct val="100000"/>
+              <a:defRPr sz="4200"/>
+            </a:lvl3pPr>
+            <a:lvl4pPr lvl="3" algn="ctr">
+              <a:spcBef>
+                <a:spcPts val="0"/>
+              </a:spcBef>
+              <a:buSzPct val="100000"/>
+              <a:defRPr sz="4200"/>
+            </a:lvl4pPr>
+            <a:lvl5pPr lvl="4" algn="ctr">
+              <a:spcBef>
+                <a:spcPts val="0"/>
+              </a:spcBef>
+              <a:buSzPct val="100000"/>
+              <a:defRPr sz="4200"/>
+            </a:lvl5pPr>
+            <a:lvl6pPr lvl="5" algn="ctr">
+              <a:spcBef>
+                <a:spcPts val="0"/>
+              </a:spcBef>
+              <a:buSzPct val="100000"/>
+              <a:defRPr sz="4200"/>
+            </a:lvl6pPr>
+            <a:lvl7pPr lvl="6" algn="ctr">
+              <a:spcBef>
+                <a:spcPts val="0"/>
+              </a:spcBef>
+              <a:buSzPct val="100000"/>
+              <a:defRPr sz="4200"/>
+            </a:lvl7pPr>
+            <a:lvl8pPr lvl="7" algn="ctr">
+              <a:spcBef>
+                <a:spcPts val="0"/>
+              </a:spcBef>
+              <a:buSzPct val="100000"/>
+              <a:defRPr sz="4200"/>
+            </a:lvl8pPr>
+            <a:lvl9pPr lvl="8" algn="ctr">
+              <a:spcBef>
+                <a:spcPts val="0"/>
+              </a:spcBef>
+              <a:buSzPct val="100000"/>
+              <a:defRPr sz="4200"/>
+            </a:lvl9pPr>
+          </a:lstStyle>
+          <a:p/>
+        </p:txBody>
+      </p:sp>
+      <p:sp>
+        <p:nvSpPr>
+          <p:cNvPr id="38" name="Shape 38"/>
+          <p:cNvSpPr txBox="1"/>
+          <p:nvPr>
+            <p:ph idx="1" type="subTitle"/>
+          </p:nvPr>
+        </p:nvSpPr>
+        <p:spPr>
+          <a:xfrm>
+            <a:off x="265500" y="2803075"/>
+            <a:ext cx="4045200" cy="1235100"/>
+          </a:xfrm>
+          <a:prstGeom prst="rect">
+            <a:avLst/>
+          </a:prstGeom>
+        </p:spPr>
+        <p:txBody>
+          <a:bodyPr anchorCtr="0" anchor="t" bIns="91425" lIns="91425" rIns="91425" tIns="91425"/>
+          <a:lstStyle>
+            <a:lvl1pPr lvl="0" algn="ctr">
+              <a:lnSpc>
+                <a:spcPct val="100000"/>
+              </a:lnSpc>
+              <a:spcBef>
+                <a:spcPts val="0"/>
+              </a:spcBef>
+              <a:spcAft>
+                <a:spcPts val="0"/>
+              </a:spcAft>
+              <a:buSzPct val="100000"/>
+              <a:buNone/>
+              <a:defRPr sz="2100"/>
+            </a:lvl1pPr>
+            <a:lvl2pPr lvl="1" algn="ctr">
+              <a:lnSpc>
+                <a:spcPct val="100000"/>
+              </a:lnSpc>
+              <a:spcBef>
+                <a:spcPts val="0"/>
+              </a:spcBef>
+              <a:spcAft>
+                <a:spcPts val="0"/>
+              </a:spcAft>
+              <a:buSzPct val="100000"/>
+              <a:buNone/>
+              <a:defRPr sz="2100"/>
+            </a:lvl2pPr>
+            <a:lvl3pPr lvl="2" algn="ctr">
+              <a:lnSpc>
+                <a:spcPct val="100000"/>
+              </a:lnSpc>
+              <a:spcBef>
+                <a:spcPts val="0"/>
+              </a:spcBef>
+              <a:spcAft>
+                <a:spcPts val="0"/>
+              </a:spcAft>
+              <a:buSzPct val="100000"/>
+              <a:buNone/>
+              <a:defRPr sz="2100"/>
+            </a:lvl3pPr>
+            <a:lvl4pPr lvl="3" algn="ctr">
+              <a:lnSpc>
+                <a:spcPct val="100000"/>
+              </a:lnSpc>
+              <a:spcBef>
+                <a:spcPts val="0"/>
+              </a:spcBef>
+              <a:spcAft>
+                <a:spcPts val="0"/>
+              </a:spcAft>
+              <a:buSzPct val="100000"/>
+              <a:buNone/>
+              <a:defRPr sz="2100"/>
+            </a:lvl4pPr>
+            <a:lvl5pPr lvl="4" algn="ctr">
+              <a:lnSpc>
+                <a:spcPct val="100000"/>
+              </a:lnSpc>
+              <a:spcBef>
+                <a:spcPts val="0"/>
+              </a:spcBef>
+              <a:spcAft>
+                <a:spcPts val="0"/>
+              </a:spcAft>
+              <a:buSzPct val="100000"/>
+              <a:buNone/>
+              <a:defRPr sz="2100"/>
+            </a:lvl5pPr>
+            <a:lvl6pPr lvl="5" algn="ctr">
+              <a:lnSpc>
+                <a:spcPct val="100000"/>
+              </a:lnSpc>
+              <a:spcBef>
+                <a:spcPts val="0"/>
+              </a:spcBef>
+              <a:spcAft>
+                <a:spcPts val="0"/>
+              </a:spcAft>
+              <a:buSzPct val="100000"/>
+              <a:buNone/>
+              <a:defRPr sz="2100"/>
+            </a:lvl6pPr>
+            <a:lvl7pPr lvl="6" algn="ctr">
+              <a:lnSpc>
+                <a:spcPct val="100000"/>
+              </a:lnSpc>
+              <a:spcBef>
+                <a:spcPts val="0"/>
+              </a:spcBef>
+              <a:spcAft>
+                <a:spcPts val="0"/>
+              </a:spcAft>
+              <a:buSzPct val="100000"/>
+              <a:buNone/>
+              <a:defRPr sz="2100"/>
+            </a:lvl7pPr>
+            <a:lvl8pPr lvl="7" algn="ctr">
+              <a:lnSpc>
+                <a:spcPct val="100000"/>
+              </a:lnSpc>
+              <a:spcBef>
+                <a:spcPts val="0"/>
+              </a:spcBef>
+              <a:spcAft>
+                <a:spcPts val="0"/>
+              </a:spcAft>
+              <a:buSzPct val="100000"/>
+              <a:buNone/>
+              <a:defRPr sz="2100"/>
+            </a:lvl8pPr>
+            <a:lvl9pPr lvl="8" algn="ctr">
+              <a:lnSpc>
+                <a:spcPct val="100000"/>
+              </a:lnSpc>
+              <a:spcBef>
+                <a:spcPts val="0"/>
+              </a:spcBef>
+              <a:spcAft>
+                <a:spcPts val="0"/>
+              </a:spcAft>
+              <a:buSzPct val="100000"/>
+              <a:buNone/>
+              <a:defRPr sz="2100"/>
+            </a:lvl9pPr>
+          </a:lstStyle>
+          <a:p/>
+        </p:txBody>
+      </p:sp>
+      <p:sp>
+        <p:nvSpPr>
+          <p:cNvPr id="39" name="Shape 39"/>
+          <p:cNvSpPr txBox="1"/>
+          <p:nvPr>
+            <p:ph idx="2" type="body"/>
+          </p:nvPr>
+        </p:nvSpPr>
+        <p:spPr>
+          <a:xfrm>
+            <a:off x="4939500" y="724075"/>
+            <a:ext cx="3837000" cy="3695100"/>
+          </a:xfrm>
+          <a:prstGeom prst="rect">
+            <a:avLst/>
+          </a:prstGeom>
+        </p:spPr>
+        <p:txBody>
+          <a:bodyPr anchorCtr="0" anchor="ctr" bIns="91425" lIns="91425" rIns="91425" tIns="91425"/>
+          <a:lstStyle>
+            <a:lvl1pPr lvl="0">
+              <a:spcBef>
+                <a:spcPts val="0"/>
+              </a:spcBef>
+              <a:defRPr/>
+            </a:lvl1pPr>
+            <a:lvl2pPr lvl="1">
+              <a:spcBef>
+                <a:spcPts val="0"/>
+              </a:spcBef>
+              <a:defRPr/>
+            </a:lvl2pPr>
+            <a:lvl3pPr lvl="2">
+              <a:spcBef>
+                <a:spcPts val="0"/>
+              </a:spcBef>
+              <a:defRPr/>
+            </a:lvl3pPr>
+            <a:lvl4pPr lvl="3">
+              <a:spcBef>
+                <a:spcPts val="0"/>
+              </a:spcBef>
+              <a:defRPr/>
+            </a:lvl4pPr>
+            <a:lvl5pPr lvl="4">
+              <a:spcBef>
+                <a:spcPts val="0"/>
+              </a:spcBef>
+              <a:defRPr/>
+            </a:lvl5pPr>
+            <a:lvl6pPr lvl="5">
+              <a:spcBef>
+                <a:spcPts val="0"/>
+              </a:spcBef>
+              <a:defRPr/>
+            </a:lvl6pPr>
+            <a:lvl7pPr lvl="6">
+              <a:spcBef>
+                <a:spcPts val="0"/>
+              </a:spcBef>
+              <a:defRPr/>
+            </a:lvl7pPr>
+            <a:lvl8pPr lvl="7">
+              <a:spcBef>
+                <a:spcPts val="0"/>
+              </a:spcBef>
+              <a:defRPr/>
+            </a:lvl8pPr>
+            <a:lvl9pPr lvl="8">
+              <a:spcBef>
+                <a:spcPts val="0"/>
+              </a:spcBef>
+              <a:defRPr/>
+            </a:lvl9pPr>
+          </a:lstStyle>
+          <a:p/>
+        </p:txBody>
+      </p:sp>
+      <p:sp>
+        <p:nvSpPr>
+          <p:cNvPr id="40" name="Shape 40"/>
+          <p:cNvSpPr txBox="1"/>
+          <p:nvPr>
+            <p:ph idx="12" type="sldNum"/>
+          </p:nvPr>
+        </p:nvSpPr>
+        <p:spPr>
+          <a:xfrm>
+            <a:off x="8472457" y="4663216"/>
+            <a:ext cx="548700" cy="393600"/>
+          </a:xfrm>
+          <a:prstGeom prst="rect">
+            <a:avLst/>
+          </a:prstGeom>
+        </p:spPr>
+        <p:txBody>
+          <a:bodyPr anchorCtr="0" anchor="ctr" bIns="91425" lIns="91425" rIns="91425" tIns="91425">
+            <a:noAutofit/>
+          </a:bodyPr>
+          <a:lstStyle/>
+          <a:p>
+            <a:pPr lvl="0">
+              <a:spcBef>
+                <a:spcPts val="0"/>
+              </a:spcBef>
+              <a:buNone/>
+            </a:pPr>
+            <a:fld id="{00000000-1234-1234-1234-123412341234}" type="slidenum">
+              <a:rPr lang="en"/>
+              <a:t>‹#›</a:t>
+            </a:fld>
+          </a:p>
+        </p:txBody>
+      </p:sp>
+    </p:spTree>
+  </p:cSld>
+  <p:clrMapOvr>
+    <a:masterClrMapping/>
+  </p:clrMapOvr>
+</p:sldLayout>
+</file>
+
+<file path=ppt/slideLayouts/slideLayout9.xml><?xml version="1.0" encoding="utf-8"?>
+<p:sldLayout xmlns:a="http://schemas.openxmlformats.org/drawingml/2006/main" xmlns:r="http://schemas.openxmlformats.org/officeDocument/2006/relationships" xmlns:mc="http://schemas.openxmlformats.org/markup-compatibility/2006" xmlns:mv="urn:schemas-microsoft-com:mac:vml" xmlns:p="http://schemas.openxmlformats.org/presentationml/2006/main" xmlns:c="http://schemas.openxmlformats.org/drawingml/2006/chart" xmlns:dgm="http://schemas.openxmlformats.org/drawingml/2006/diagram" xmlns:o="urn:schemas-microsoft-com:office:office" xmlns:v="urn:schemas-microsoft-com:vml" xmlns:pvml="urn:schemas-microsoft-com:office:powerpoint" xmlns:com="http://schemas.openxmlformats.org/drawingml/2006/compatibility" xmlns:p14="http://schemas.microsoft.com/office/powerpoint/2010/main">
+  <p:cSld name="Caption">
+    <p:spTree>
+      <p:nvGrpSpPr>
+        <p:cNvPr id="41" name="Shape 41"/>
+        <p:cNvGrpSpPr/>
+        <p:nvPr/>
+      </p:nvGrpSpPr>
+      <p:grpSpPr>
+        <a:xfrm>
+          <a:off x="0" y="0"/>
+          <a:ext cx="0" cy="0"/>
+          <a:chOff x="0" y="0"/>
+          <a:chExt cx="0" cy="0"/>
+        </a:xfrm>
+      </p:grpSpPr>
+      <p:sp>
+        <p:nvSpPr>
+          <p:cNvPr id="42" name="Shape 42"/>
+          <p:cNvSpPr txBox="1"/>
+          <p:nvPr>
+            <p:ph idx="1" type="body"/>
+          </p:nvPr>
+        </p:nvSpPr>
+        <p:spPr>
+          <a:xfrm>
+            <a:off x="311700" y="4230575"/>
+            <a:ext cx="5998800" cy="605100"/>
+          </a:xfrm>
+          <a:prstGeom prst="rect">
+            <a:avLst/>
+          </a:prstGeom>
+        </p:spPr>
+        <p:txBody>
+          <a:bodyPr anchorCtr="0" anchor="ctr" bIns="91425" lIns="91425" rIns="91425" tIns="91425"/>
+          <a:lstStyle>
+            <a:lvl1pPr lvl="0">
+              <a:lnSpc>
+                <a:spcPct val="100000"/>
+              </a:lnSpc>
+              <a:spcBef>
+                <a:spcPts val="0"/>
+              </a:spcBef>
+              <a:spcAft>
+                <a:spcPts val="0"/>
+              </a:spcAft>
+              <a:buNone/>
+              <a:defRPr/>
+            </a:lvl1pPr>
+          </a:lstStyle>
+          <a:p/>
+        </p:txBody>
+      </p:sp>
+      <p:sp>
+        <p:nvSpPr>
+          <p:cNvPr id="43" name="Shape 43"/>
+          <p:cNvSpPr txBox="1"/>
+          <p:nvPr>
+            <p:ph idx="12" type="sldNum"/>
+          </p:nvPr>
+        </p:nvSpPr>
+        <p:spPr>
+          <a:xfrm>
+            <a:off x="8472457" y="4663216"/>
+            <a:ext cx="548700" cy="393600"/>
+          </a:xfrm>
+          <a:prstGeom prst="rect">
+            <a:avLst/>
+          </a:prstGeom>
+        </p:spPr>
+        <p:txBody>
+          <a:bodyPr anchorCtr="0" anchor="ctr" bIns="91425" lIns="91425" rIns="91425" tIns="91425">
+            <a:noAutofit/>
+          </a:bodyPr>
+          <a:lstStyle/>
+          <a:p>
+            <a:pPr lvl="0">
+              <a:spcBef>
+                <a:spcPts val="0"/>
+              </a:spcBef>
+              <a:buNone/>
+            </a:pPr>
+            <a:fld id="{00000000-1234-1234-1234-123412341234}" type="slidenum">
+              <a:rPr lang="en"/>
+              <a:t>‹#›</a:t>
+            </a:fld>
+          </a:p>
+        </p:txBody>
+      </p:sp>
+    </p:spTree>
+  </p:cSld>
+  <p:clrMapOvr>
+    <a:masterClrMapping/>
+  </p:clrMapOvr>
+</p:sldLayout>
+</file>
+
+<file path=ppt/slideMasters/slideMaster1.xml><?xml version="1.0" encoding="utf-8"?>
+<p:sldMaster xmlns:a="http://schemas.openxmlformats.org/drawingml/2006/main" xmlns:r="http://schemas.openxmlformats.org/officeDocument/2006/relationships" xmlns:mc="http://schemas.openxmlformats.org/markup-compatibility/2006" xmlns:mv="urn:schemas-microsoft-com:mac:vml" xmlns:p="http://schemas.openxmlformats.org/presentationml/2006/main" xmlns:c="http://schemas.openxmlformats.org/drawingml/2006/chart" xmlns:dgm="http://schemas.openxmlformats.org/drawingml/2006/diagram" xmlns:o="urn:schemas-microsoft-com:office:office" xmlns:v="urn:schemas-microsoft-com:vml" xmlns:pvml="urn:schemas-microsoft-com:office:powerpoint" xmlns:com="http://schemas.openxmlformats.org/drawingml/2006/compatibility" xmlns:p14="http://schemas.microsoft.com/office/powerpoint/2010/main">
+  <p:cSld>
+    <p:bg>
+      <p:bgPr>
+        <a:solidFill>
+          <a:schemeClr val="lt1"/>
+        </a:solidFill>
+      </p:bgPr>
+    </p:bg>
+    <p:spTree>
+      <p:nvGrpSpPr>
+        <p:cNvPr id="5" name="Shape 5"/>
+        <p:cNvGrpSpPr/>
+        <p:nvPr/>
+      </p:nvGrpSpPr>
+      <p:grpSpPr>
+        <a:xfrm>
+          <a:off x="0" y="0"/>
+          <a:ext cx="0" cy="0"/>
+          <a:chOff x="0" y="0"/>
+          <a:chExt cx="0" cy="0"/>
+        </a:xfrm>
+      </p:grpSpPr>
+      <p:sp>
+        <p:nvSpPr>
           <p:cNvPr id="6" name="Shape 6"/>
-          <p:cNvSpPr txBox="1">
-            <a:spLocks noGrp="1"/>
-          </p:cNvSpPr>
+          <p:cNvSpPr txBox="1"/>
           <p:nvPr>
             <p:ph type="title"/>
           </p:nvPr>
@@ -5371,7 +5206,7 @@
           </a:ln>
         </p:spPr>
         <p:txBody>
-          <a:bodyPr lIns="91425" tIns="91425" rIns="91425" bIns="91425" anchor="t" anchorCtr="0"/>
+          <a:bodyPr anchorCtr="0" anchor="t" bIns="91425" lIns="91425" rIns="91425" tIns="91425"/>
           <a:lstStyle>
             <a:lvl1pPr lvl="0">
               <a:spcBef>
@@ -5509,19 +5344,15 @@
               </a:defRPr>
             </a:lvl9pPr>
           </a:lstStyle>
-          <a:p>
-            <a:endParaRPr/>
-          </a:p>
+          <a:p/>
         </p:txBody>
       </p:sp>
       <p:sp>
         <p:nvSpPr>
           <p:cNvPr id="7" name="Shape 7"/>
-          <p:cNvSpPr txBox="1">
-            <a:spLocks noGrp="1"/>
-          </p:cNvSpPr>
-          <p:nvPr>
-            <p:ph type="body" idx="1"/>
+          <p:cNvSpPr txBox="1"/>
+          <p:nvPr>
+            <p:ph idx="1" type="body"/>
           </p:nvPr>
         </p:nvSpPr>
         <p:spPr>
@@ -5538,7 +5369,7 @@
           </a:ln>
         </p:spPr>
         <p:txBody>
-          <a:bodyPr lIns="91425" tIns="91425" rIns="91425" bIns="91425" anchor="t" anchorCtr="0"/>
+          <a:bodyPr anchorCtr="0" anchor="t" bIns="91425" lIns="91425" rIns="91425" tIns="91425"/>
           <a:lstStyle>
             <a:lvl1pPr lvl="0">
               <a:lnSpc>
@@ -5713,19 +5544,15 @@
               </a:defRPr>
             </a:lvl9pPr>
           </a:lstStyle>
-          <a:p>
-            <a:endParaRPr/>
-          </a:p>
+          <a:p/>
         </p:txBody>
       </p:sp>
       <p:sp>
         <p:nvSpPr>
           <p:cNvPr id="8" name="Shape 8"/>
-          <p:cNvSpPr txBox="1">
-            <a:spLocks noGrp="1"/>
-          </p:cNvSpPr>
-          <p:nvPr>
-            <p:ph type="sldNum" idx="12"/>
+          <p:cNvSpPr txBox="1"/>
+          <p:nvPr>
+            <p:ph idx="12" type="sldNum"/>
           </p:nvPr>
         </p:nvSpPr>
         <p:spPr>
@@ -5742,7 +5569,7 @@
           </a:ln>
         </p:spPr>
         <p:txBody>
-          <a:bodyPr lIns="91425" tIns="91425" rIns="91425" bIns="91425" anchor="ctr" anchorCtr="0">
+          <a:bodyPr anchorCtr="0" anchor="ctr" bIns="91425" lIns="91425" rIns="91425" tIns="91425">
             <a:noAutofit/>
           </a:bodyPr>
           <a:lstStyle/>
@@ -5761,17 +5588,12 @@
               </a:rPr>
               <a:t>‹#›</a:t>
             </a:fld>
-            <a:endParaRPr lang="en" sz="1000">
-              <a:solidFill>
-                <a:schemeClr val="dk2"/>
-              </a:solidFill>
-            </a:endParaRPr>
           </a:p>
         </p:txBody>
       </p:sp>
     </p:spTree>
   </p:cSld>
-  <p:clrMap bg1="lt1" tx1="dk1" bg2="dk2" tx2="lt2" accent1="accent1" accent2="accent2" accent3="accent3" accent4="accent4" accent5="accent5" accent6="accent6" hlink="hlink" folHlink="folHlink"/>
+  <p:clrMap accent1="accent1" accent2="accent2" accent3="accent3" accent4="accent4" accent5="accent5" accent6="accent6" bg1="lt1" bg2="dk2" tx1="dk1" tx2="lt2" folHlink="folHlink" hlink="hlink"/>
   <p:sldLayoutIdLst>
     <p:sldLayoutId id="2147483648" r:id="rId1"/>
     <p:sldLayoutId id="2147483649" r:id="rId2"/>
@@ -5785,10 +5607,10 @@
     <p:sldLayoutId id="2147483657" r:id="rId10"/>
     <p:sldLayoutId id="2147483658" r:id="rId11"/>
   </p:sldLayoutIdLst>
-  <p:hf sldNum="0" hdr="0" ftr="0" dt="0"/>
+  <p:hf dt="0" ftr="0" hdr="0" sldNum="0"/>
   <p:txStyles>
     <p:titleStyle>
-      <a:defPPr marR="0" lvl="0" algn="l" rtl="0">
+      <a:defPPr lvl="0" marR="0" rtl="0" algn="l">
         <a:lnSpc>
           <a:spcPct val="100000"/>
         </a:lnSpc>
@@ -5799,7 +5621,7 @@
           <a:spcPts val="0"/>
         </a:spcAft>
       </a:defPPr>
-      <a:lvl1pPr marR="0" lvl="0" algn="l" rtl="0">
+      <a:lvl1pPr lvl="0" marR="0" rtl="0" algn="l">
         <a:lnSpc>
           <a:spcPct val="100000"/>
         </a:lnSpc>
@@ -5810,7 +5632,7 @@
           <a:spcPts val="0"/>
         </a:spcAft>
         <a:buNone/>
-        <a:defRPr sz="1400" b="0" i="0" u="none" strike="noStrike" cap="none">
+        <a:defRPr b="0" i="0" sz="1400" u="none" cap="none" strike="noStrike">
           <a:solidFill>
             <a:srgbClr val="000000"/>
           </a:solidFill>
@@ -5822,7 +5644,7 @@
       </a:lvl1pPr>
     </p:titleStyle>
     <p:bodyStyle>
-      <a:defPPr marR="0" lvl="0" algn="l" rtl="0">
+      <a:defPPr lvl="0" marR="0" rtl="0" algn="l">
         <a:lnSpc>
           <a:spcPct val="100000"/>
         </a:lnSpc>
@@ -5833,7 +5655,7 @@
           <a:spcPts val="0"/>
         </a:spcAft>
       </a:defPPr>
-      <a:lvl1pPr marR="0" lvl="0" algn="l" rtl="0">
+      <a:lvl1pPr lvl="0" marR="0" rtl="0" algn="l">
         <a:lnSpc>
           <a:spcPct val="100000"/>
         </a:lnSpc>
@@ -5844,7 +5666,7 @@
           <a:spcPts val="0"/>
         </a:spcAft>
         <a:buNone/>
-        <a:defRPr sz="1400" b="0" i="0" u="none" strike="noStrike" cap="none">
+        <a:defRPr b="0" i="0" sz="1400" u="none" cap="none" strike="noStrike">
           <a:solidFill>
             <a:srgbClr val="000000"/>
           </a:solidFill>
@@ -5854,7 +5676,7 @@
           <a:sym typeface="Arial"/>
         </a:defRPr>
       </a:lvl1pPr>
-      <a:lvl2pPr marR="0" lvl="1" algn="l" rtl="0">
+      <a:lvl2pPr lvl="1" marR="0" rtl="0" algn="l">
         <a:lnSpc>
           <a:spcPct val="100000"/>
         </a:lnSpc>
@@ -5865,7 +5687,7 @@
           <a:spcPts val="0"/>
         </a:spcAft>
         <a:buNone/>
-        <a:defRPr sz="1400" b="0" i="0" u="none" strike="noStrike" cap="none">
+        <a:defRPr b="0" i="0" sz="1400" u="none" cap="none" strike="noStrike">
           <a:solidFill>
             <a:srgbClr val="000000"/>
           </a:solidFill>
@@ -5875,7 +5697,7 @@
           <a:sym typeface="Arial"/>
         </a:defRPr>
       </a:lvl2pPr>
-      <a:lvl3pPr marR="0" lvl="2" algn="l" rtl="0">
+      <a:lvl3pPr lvl="2" marR="0" rtl="0" algn="l">
         <a:lnSpc>
           <a:spcPct val="100000"/>
         </a:lnSpc>
@@ -5886,7 +5708,7 @@
           <a:spcPts val="0"/>
         </a:spcAft>
         <a:buNone/>
-        <a:defRPr sz="1400" b="0" i="0" u="none" strike="noStrike" cap="none">
+        <a:defRPr b="0" i="0" sz="1400" u="none" cap="none" strike="noStrike">
           <a:solidFill>
             <a:srgbClr val="000000"/>
           </a:solidFill>
@@ -5896,7 +5718,7 @@
           <a:sym typeface="Arial"/>
         </a:defRPr>
       </a:lvl3pPr>
-      <a:lvl4pPr marR="0" lvl="3" algn="l" rtl="0">
+      <a:lvl4pPr lvl="3" marR="0" rtl="0" algn="l">
         <a:lnSpc>
           <a:spcPct val="100000"/>
         </a:lnSpc>
@@ -5907,7 +5729,7 @@
           <a:spcPts val="0"/>
         </a:spcAft>
         <a:buNone/>
-        <a:defRPr sz="1400" b="0" i="0" u="none" strike="noStrike" cap="none">
+        <a:defRPr b="0" i="0" sz="1400" u="none" cap="none" strike="noStrike">
           <a:solidFill>
             <a:srgbClr val="000000"/>
           </a:solidFill>
@@ -5917,7 +5739,7 @@
           <a:sym typeface="Arial"/>
         </a:defRPr>
       </a:lvl4pPr>
-      <a:lvl5pPr marR="0" lvl="4" algn="l" rtl="0">
+      <a:lvl5pPr lvl="4" marR="0" rtl="0" algn="l">
         <a:lnSpc>
           <a:spcPct val="100000"/>
         </a:lnSpc>
@@ -5928,7 +5750,7 @@
           <a:spcPts val="0"/>
         </a:spcAft>
         <a:buNone/>
-        <a:defRPr sz="1400" b="0" i="0" u="none" strike="noStrike" cap="none">
+        <a:defRPr b="0" i="0" sz="1400" u="none" cap="none" strike="noStrike">
           <a:solidFill>
             <a:srgbClr val="000000"/>
           </a:solidFill>
@@ -5938,7 +5760,7 @@
           <a:sym typeface="Arial"/>
         </a:defRPr>
       </a:lvl5pPr>
-      <a:lvl6pPr marR="0" lvl="5" algn="l" rtl="0">
+      <a:lvl6pPr lvl="5" marR="0" rtl="0" algn="l">
         <a:lnSpc>
           <a:spcPct val="100000"/>
         </a:lnSpc>
@@ -5949,7 +5771,7 @@
           <a:spcPts val="0"/>
         </a:spcAft>
         <a:buNone/>
-        <a:defRPr sz="1400" b="0" i="0" u="none" strike="noStrike" cap="none">
+        <a:defRPr b="0" i="0" sz="1400" u="none" cap="none" strike="noStrike">
           <a:solidFill>
             <a:srgbClr val="000000"/>
           </a:solidFill>
@@ -5959,7 +5781,7 @@
           <a:sym typeface="Arial"/>
         </a:defRPr>
       </a:lvl6pPr>
-      <a:lvl7pPr marR="0" lvl="6" algn="l" rtl="0">
+      <a:lvl7pPr lvl="6" marR="0" rtl="0" algn="l">
         <a:lnSpc>
           <a:spcPct val="100000"/>
         </a:lnSpc>
@@ -5970,7 +5792,7 @@
           <a:spcPts val="0"/>
         </a:spcAft>
         <a:buNone/>
-        <a:defRPr sz="1400" b="0" i="0" u="none" strike="noStrike" cap="none">
+        <a:defRPr b="0" i="0" sz="1400" u="none" cap="none" strike="noStrike">
           <a:solidFill>
             <a:srgbClr val="000000"/>
           </a:solidFill>
@@ -5980,7 +5802,7 @@
           <a:sym typeface="Arial"/>
         </a:defRPr>
       </a:lvl7pPr>
-      <a:lvl8pPr marR="0" lvl="7" algn="l" rtl="0">
+      <a:lvl8pPr lvl="7" marR="0" rtl="0" algn="l">
         <a:lnSpc>
           <a:spcPct val="100000"/>
         </a:lnSpc>
@@ -5991,7 +5813,7 @@
           <a:spcPts val="0"/>
         </a:spcAft>
         <a:buNone/>
-        <a:defRPr sz="1400" b="0" i="0" u="none" strike="noStrike" cap="none">
+        <a:defRPr b="0" i="0" sz="1400" u="none" cap="none" strike="noStrike">
           <a:solidFill>
             <a:srgbClr val="000000"/>
           </a:solidFill>
@@ -6001,7 +5823,7 @@
           <a:sym typeface="Arial"/>
         </a:defRPr>
       </a:lvl8pPr>
-      <a:lvl9pPr marR="0" lvl="8" algn="l" rtl="0">
+      <a:lvl9pPr lvl="8" marR="0" rtl="0" algn="l">
         <a:lnSpc>
           <a:spcPct val="100000"/>
         </a:lnSpc>
@@ -6012,7 +5834,7 @@
           <a:spcPts val="0"/>
         </a:spcAft>
         <a:buNone/>
-        <a:defRPr sz="1400" b="0" i="0" u="none" strike="noStrike" cap="none">
+        <a:defRPr b="0" i="0" sz="1400" u="none" cap="none" strike="noStrike">
           <a:solidFill>
             <a:srgbClr val="000000"/>
           </a:solidFill>
@@ -6024,7 +5846,7 @@
       </a:lvl9pPr>
     </p:bodyStyle>
     <p:otherStyle>
-      <a:defPPr marR="0" lvl="0" algn="l" rtl="0">
+      <a:defPPr lvl="0" marR="0" rtl="0" algn="l">
         <a:lnSpc>
           <a:spcPct val="100000"/>
         </a:lnSpc>
@@ -6035,7 +5857,7 @@
           <a:spcPts val="0"/>
         </a:spcAft>
       </a:defPPr>
-      <a:lvl1pPr marR="0" lvl="0" algn="l" rtl="0">
+      <a:lvl1pPr lvl="0" marR="0" rtl="0" algn="l">
         <a:lnSpc>
           <a:spcPct val="100000"/>
         </a:lnSpc>
@@ -6046,7 +5868,7 @@
           <a:spcPts val="0"/>
         </a:spcAft>
         <a:buNone/>
-        <a:defRPr sz="1400" b="0" i="0" u="none" strike="noStrike" cap="none">
+        <a:defRPr b="0" i="0" sz="1400" u="none" cap="none" strike="noStrike">
           <a:solidFill>
             <a:srgbClr val="000000"/>
           </a:solidFill>
@@ -6056,7 +5878,7 @@
           <a:sym typeface="Arial"/>
         </a:defRPr>
       </a:lvl1pPr>
-      <a:lvl2pPr marR="0" lvl="1" algn="l" rtl="0">
+      <a:lvl2pPr lvl="1" marR="0" rtl="0" algn="l">
         <a:lnSpc>
           <a:spcPct val="100000"/>
         </a:lnSpc>
@@ -6067,7 +5889,7 @@
           <a:spcPts val="0"/>
         </a:spcAft>
         <a:buNone/>
-        <a:defRPr sz="1400" b="0" i="0" u="none" strike="noStrike" cap="none">
+        <a:defRPr b="0" i="0" sz="1400" u="none" cap="none" strike="noStrike">
           <a:solidFill>
             <a:srgbClr val="000000"/>
           </a:solidFill>
@@ -6077,7 +5899,7 @@
           <a:sym typeface="Arial"/>
         </a:defRPr>
       </a:lvl2pPr>
-      <a:lvl3pPr marR="0" lvl="2" algn="l" rtl="0">
+      <a:lvl3pPr lvl="2" marR="0" rtl="0" algn="l">
         <a:lnSpc>
           <a:spcPct val="100000"/>
         </a:lnSpc>
@@ -6088,7 +5910,7 @@
           <a:spcPts val="0"/>
         </a:spcAft>
         <a:buNone/>
-        <a:defRPr sz="1400" b="0" i="0" u="none" strike="noStrike" cap="none">
+        <a:defRPr b="0" i="0" sz="1400" u="none" cap="none" strike="noStrike">
           <a:solidFill>
             <a:srgbClr val="000000"/>
           </a:solidFill>
@@ -6098,7 +5920,7 @@
           <a:sym typeface="Arial"/>
         </a:defRPr>
       </a:lvl3pPr>
-      <a:lvl4pPr marR="0" lvl="3" algn="l" rtl="0">
+      <a:lvl4pPr lvl="3" marR="0" rtl="0" algn="l">
         <a:lnSpc>
           <a:spcPct val="100000"/>
         </a:lnSpc>
@@ -6109,7 +5931,7 @@
           <a:spcPts val="0"/>
         </a:spcAft>
         <a:buNone/>
-        <a:defRPr sz="1400" b="0" i="0" u="none" strike="noStrike" cap="none">
+        <a:defRPr b="0" i="0" sz="1400" u="none" cap="none" strike="noStrike">
           <a:solidFill>
             <a:srgbClr val="000000"/>
           </a:solidFill>
@@ -6119,7 +5941,7 @@
           <a:sym typeface="Arial"/>
         </a:defRPr>
       </a:lvl4pPr>
-      <a:lvl5pPr marR="0" lvl="4" algn="l" rtl="0">
+      <a:lvl5pPr lvl="4" marR="0" rtl="0" algn="l">
         <a:lnSpc>
           <a:spcPct val="100000"/>
         </a:lnSpc>
@@ -6130,7 +5952,7 @@
           <a:spcPts val="0"/>
         </a:spcAft>
         <a:buNone/>
-        <a:defRPr sz="1400" b="0" i="0" u="none" strike="noStrike" cap="none">
+        <a:defRPr b="0" i="0" sz="1400" u="none" cap="none" strike="noStrike">
           <a:solidFill>
             <a:srgbClr val="000000"/>
           </a:solidFill>
@@ -6140,7 +5962,7 @@
           <a:sym typeface="Arial"/>
         </a:defRPr>
       </a:lvl5pPr>
-      <a:lvl6pPr marR="0" lvl="5" algn="l" rtl="0">
+      <a:lvl6pPr lvl="5" marR="0" rtl="0" algn="l">
         <a:lnSpc>
           <a:spcPct val="100000"/>
         </a:lnSpc>
@@ -6151,7 +5973,7 @@
           <a:spcPts val="0"/>
         </a:spcAft>
         <a:buNone/>
-        <a:defRPr sz="1400" b="0" i="0" u="none" strike="noStrike" cap="none">
+        <a:defRPr b="0" i="0" sz="1400" u="none" cap="none" strike="noStrike">
           <a:solidFill>
             <a:srgbClr val="000000"/>
           </a:solidFill>
@@ -6161,7 +5983,7 @@
           <a:sym typeface="Arial"/>
         </a:defRPr>
       </a:lvl6pPr>
-      <a:lvl7pPr marR="0" lvl="6" algn="l" rtl="0">
+      <a:lvl7pPr lvl="6" marR="0" rtl="0" algn="l">
         <a:lnSpc>
           <a:spcPct val="100000"/>
         </a:lnSpc>
@@ -6172,7 +5994,7 @@
           <a:spcPts val="0"/>
         </a:spcAft>
         <a:buNone/>
-        <a:defRPr sz="1400" b="0" i="0" u="none" strike="noStrike" cap="none">
+        <a:defRPr b="0" i="0" sz="1400" u="none" cap="none" strike="noStrike">
           <a:solidFill>
             <a:srgbClr val="000000"/>
           </a:solidFill>
@@ -6182,7 +6004,7 @@
           <a:sym typeface="Arial"/>
         </a:defRPr>
       </a:lvl7pPr>
-      <a:lvl8pPr marR="0" lvl="7" algn="l" rtl="0">
+      <a:lvl8pPr lvl="7" marR="0" rtl="0" algn="l">
         <a:lnSpc>
           <a:spcPct val="100000"/>
         </a:lnSpc>
@@ -6193,7 +6015,7 @@
           <a:spcPts val="0"/>
         </a:spcAft>
         <a:buNone/>
-        <a:defRPr sz="1400" b="0" i="0" u="none" strike="noStrike" cap="none">
+        <a:defRPr b="0" i="0" sz="1400" u="none" cap="none" strike="noStrike">
           <a:solidFill>
             <a:srgbClr val="000000"/>
           </a:solidFill>
@@ -6203,7 +6025,7 @@
           <a:sym typeface="Arial"/>
         </a:defRPr>
       </a:lvl8pPr>
-      <a:lvl9pPr marR="0" lvl="8" algn="l" rtl="0">
+      <a:lvl9pPr lvl="8" marR="0" rtl="0" algn="l">
         <a:lnSpc>
           <a:spcPct val="100000"/>
         </a:lnSpc>
@@ -6214,7 +6036,7 @@
           <a:spcPts val="0"/>
         </a:spcAft>
         <a:buNone/>
-        <a:defRPr sz="1400" b="0" i="0" u="none" strike="noStrike" cap="none">
+        <a:defRPr b="0" i="0" sz="1400" u="none" cap="none" strike="noStrike">
           <a:solidFill>
             <a:srgbClr val="000000"/>
           </a:solidFill>
@@ -6230,19 +6052,18 @@
 </file>
 
 <file path=ppt/slides/slide1.xml><?xml version="1.0" encoding="utf-8"?>
-<p:sld xmlns:a="http://schemas.openxmlformats.org/drawingml/2006/main" xmlns:r="http://schemas.openxmlformats.org/officeDocument/2006/relationships" xmlns:p="http://schemas.openxmlformats.org/presentationml/2006/main">
+<p:sld xmlns:a="http://schemas.openxmlformats.org/drawingml/2006/main" xmlns:r="http://schemas.openxmlformats.org/officeDocument/2006/relationships" xmlns:mc="http://schemas.openxmlformats.org/markup-compatibility/2006" xmlns:mv="urn:schemas-microsoft-com:mac:vml" xmlns:p="http://schemas.openxmlformats.org/presentationml/2006/main" xmlns:c="http://schemas.openxmlformats.org/drawingml/2006/chart" xmlns:dgm="http://schemas.openxmlformats.org/drawingml/2006/diagram" xmlns:o="urn:schemas-microsoft-com:office:office" xmlns:v="urn:schemas-microsoft-com:vml" xmlns:pvml="urn:schemas-microsoft-com:office:powerpoint" xmlns:com="http://schemas.openxmlformats.org/drawingml/2006/compatibility" xmlns:p14="http://schemas.microsoft.com/office/powerpoint/2010/main">
   <p:cSld>
     <p:bg>
       <p:bgPr>
         <a:solidFill>
           <a:srgbClr val="EFEFEF"/>
         </a:solidFill>
-        <a:effectLst/>
       </p:bgPr>
     </p:bg>
     <p:spTree>
       <p:nvGrpSpPr>
-        <p:cNvPr id="1" name="Shape 53"/>
+        <p:cNvPr id="53" name="Shape 53"/>
         <p:cNvGrpSpPr/>
         <p:nvPr/>
       </p:nvGrpSpPr>
@@ -6257,9 +6078,7 @@
       <p:sp>
         <p:nvSpPr>
           <p:cNvPr id="54" name="Shape 54"/>
-          <p:cNvSpPr txBox="1">
-            <a:spLocks noGrp="1"/>
-          </p:cNvSpPr>
+          <p:cNvSpPr txBox="1"/>
           <p:nvPr>
             <p:ph type="ctrTitle"/>
           </p:nvPr>
@@ -6274,7 +6093,7 @@
           </a:prstGeom>
         </p:spPr>
         <p:txBody>
-          <a:bodyPr lIns="91425" tIns="91425" rIns="91425" bIns="91425" anchor="b" anchorCtr="0">
+          <a:bodyPr anchorCtr="0" anchor="b" bIns="91425" lIns="91425" rIns="91425" tIns="91425">
             <a:noAutofit/>
           </a:bodyPr>
           <a:lstStyle/>
@@ -6295,11 +6114,9 @@
       <p:sp>
         <p:nvSpPr>
           <p:cNvPr id="55" name="Shape 55"/>
-          <p:cNvSpPr txBox="1">
-            <a:spLocks noGrp="1"/>
-          </p:cNvSpPr>
-          <p:nvPr>
-            <p:ph type="subTitle" idx="1"/>
+          <p:cNvSpPr txBox="1"/>
+          <p:nvPr>
+            <p:ph idx="1" type="subTitle"/>
           </p:nvPr>
         </p:nvSpPr>
         <p:spPr>
@@ -6312,7 +6129,7 @@
           </a:prstGeom>
         </p:spPr>
         <p:txBody>
-          <a:bodyPr lIns="91425" tIns="91425" rIns="91425" bIns="91425" anchor="t" anchorCtr="0">
+          <a:bodyPr anchorCtr="0" anchor="t" bIns="91425" lIns="91425" rIns="91425" tIns="91425">
             <a:noAutofit/>
           </a:bodyPr>
           <a:lstStyle/>
@@ -6324,7 +6141,7 @@
               <a:buNone/>
             </a:pPr>
             <a:r>
-              <a:rPr lang="en" dirty="0"/>
+              <a:rPr lang="en"/>
               <a:t>Axumawit Gebregorgis</a:t>
             </a:r>
           </a:p>
@@ -6336,7 +6153,7 @@
               <a:buNone/>
             </a:pPr>
             <a:r>
-              <a:rPr lang="en" dirty="0"/>
+              <a:rPr lang="en"/>
               <a:t>Oleksandr Gorkovets</a:t>
             </a:r>
           </a:p>
@@ -6348,26 +6165,9 @@
               <a:buNone/>
             </a:pPr>
             <a:r>
-              <a:rPr lang="en" dirty="0"/>
-              <a:t>Ramona </a:t>
+              <a:rPr lang="en"/>
+              <a:t>Ramona Graham</a:t>
             </a:r>
-            <a:r>
-              <a:rPr lang="en" dirty="0" smtClean="0"/>
-              <a:t>Graham</a:t>
-            </a:r>
-          </a:p>
-          <a:p>
-            <a:pPr lvl="0" algn="l">
-              <a:spcBef>
-                <a:spcPts val="0"/>
-              </a:spcBef>
-              <a:buNone/>
-            </a:pPr>
-            <a:r>
-              <a:rPr lang="en" dirty="0" smtClean="0"/>
-              <a:t>IT 372 Debugging</a:t>
-            </a:r>
-            <a:endParaRPr lang="en" dirty="0"/>
           </a:p>
         </p:txBody>
       </p:sp>
@@ -6380,11 +6180,11 @@
 </file>
 
 <file path=ppt/slides/slide10.xml><?xml version="1.0" encoding="utf-8"?>
-<p:sld xmlns:a="http://schemas.openxmlformats.org/drawingml/2006/main" xmlns:r="http://schemas.openxmlformats.org/officeDocument/2006/relationships" xmlns:p="http://schemas.openxmlformats.org/presentationml/2006/main">
+<p:sld xmlns:a="http://schemas.openxmlformats.org/drawingml/2006/main" xmlns:r="http://schemas.openxmlformats.org/officeDocument/2006/relationships" xmlns:mc="http://schemas.openxmlformats.org/markup-compatibility/2006" xmlns:mv="urn:schemas-microsoft-com:mac:vml" xmlns:p="http://schemas.openxmlformats.org/presentationml/2006/main" xmlns:c="http://schemas.openxmlformats.org/drawingml/2006/chart" xmlns:dgm="http://schemas.openxmlformats.org/drawingml/2006/diagram" xmlns:o="urn:schemas-microsoft-com:office:office" xmlns:v="urn:schemas-microsoft-com:vml" xmlns:pvml="urn:schemas-microsoft-com:office:powerpoint" xmlns:com="http://schemas.openxmlformats.org/drawingml/2006/compatibility" xmlns:p14="http://schemas.microsoft.com/office/powerpoint/2010/main">
   <p:cSld>
     <p:spTree>
       <p:nvGrpSpPr>
-        <p:cNvPr id="1" name="Shape 107"/>
+        <p:cNvPr id="107" name="Shape 107"/>
         <p:cNvGrpSpPr/>
         <p:nvPr/>
       </p:nvGrpSpPr>
@@ -6399,9 +6199,7 @@
       <p:sp>
         <p:nvSpPr>
           <p:cNvPr id="108" name="Shape 108"/>
-          <p:cNvSpPr txBox="1">
-            <a:spLocks noGrp="1"/>
-          </p:cNvSpPr>
+          <p:cNvSpPr txBox="1"/>
           <p:nvPr>
             <p:ph type="title"/>
           </p:nvPr>
@@ -6416,7 +6214,7 @@
           </a:prstGeom>
         </p:spPr>
         <p:txBody>
-          <a:bodyPr lIns="91425" tIns="91425" rIns="91425" bIns="91425" anchor="t" anchorCtr="0">
+          <a:bodyPr anchorCtr="0" anchor="t" bIns="91425" lIns="91425" rIns="91425" tIns="91425">
             <a:noAutofit/>
           </a:bodyPr>
           <a:lstStyle/>
@@ -6471,11 +6269,11 @@
 </file>
 
 <file path=ppt/slides/slide11.xml><?xml version="1.0" encoding="utf-8"?>
-<p:sld xmlns:a="http://schemas.openxmlformats.org/drawingml/2006/main" xmlns:r="http://schemas.openxmlformats.org/officeDocument/2006/relationships" xmlns:p="http://schemas.openxmlformats.org/presentationml/2006/main">
+<p:sld xmlns:a="http://schemas.openxmlformats.org/drawingml/2006/main" xmlns:r="http://schemas.openxmlformats.org/officeDocument/2006/relationships" xmlns:mc="http://schemas.openxmlformats.org/markup-compatibility/2006" xmlns:mv="urn:schemas-microsoft-com:mac:vml" xmlns:p="http://schemas.openxmlformats.org/presentationml/2006/main" xmlns:c="http://schemas.openxmlformats.org/drawingml/2006/chart" xmlns:dgm="http://schemas.openxmlformats.org/drawingml/2006/diagram" xmlns:o="urn:schemas-microsoft-com:office:office" xmlns:v="urn:schemas-microsoft-com:vml" xmlns:pvml="urn:schemas-microsoft-com:office:powerpoint" xmlns:com="http://schemas.openxmlformats.org/drawingml/2006/compatibility" xmlns:p14="http://schemas.microsoft.com/office/powerpoint/2010/main">
   <p:cSld>
     <p:spTree>
       <p:nvGrpSpPr>
-        <p:cNvPr id="1" name="Shape 113"/>
+        <p:cNvPr id="113" name="Shape 113"/>
         <p:cNvGrpSpPr/>
         <p:nvPr/>
       </p:nvGrpSpPr>
@@ -6490,9 +6288,7 @@
       <p:sp>
         <p:nvSpPr>
           <p:cNvPr id="114" name="Shape 114"/>
-          <p:cNvSpPr txBox="1">
-            <a:spLocks noGrp="1"/>
-          </p:cNvSpPr>
+          <p:cNvSpPr txBox="1"/>
           <p:nvPr>
             <p:ph type="title"/>
           </p:nvPr>
@@ -6507,7 +6303,7 @@
           </a:prstGeom>
         </p:spPr>
         <p:txBody>
-          <a:bodyPr lIns="91425" tIns="91425" rIns="91425" bIns="91425" anchor="t" anchorCtr="0">
+          <a:bodyPr anchorCtr="0" anchor="t" bIns="91425" lIns="91425" rIns="91425" tIns="91425">
             <a:noAutofit/>
           </a:bodyPr>
           <a:lstStyle/>
@@ -6562,11 +6358,11 @@
 </file>
 
 <file path=ppt/slides/slide12.xml><?xml version="1.0" encoding="utf-8"?>
-<p:sld xmlns:a="http://schemas.openxmlformats.org/drawingml/2006/main" xmlns:r="http://schemas.openxmlformats.org/officeDocument/2006/relationships" xmlns:p="http://schemas.openxmlformats.org/presentationml/2006/main">
+<p:sld xmlns:a="http://schemas.openxmlformats.org/drawingml/2006/main" xmlns:r="http://schemas.openxmlformats.org/officeDocument/2006/relationships" xmlns:mc="http://schemas.openxmlformats.org/markup-compatibility/2006" xmlns:mv="urn:schemas-microsoft-com:mac:vml" xmlns:p="http://schemas.openxmlformats.org/presentationml/2006/main" xmlns:c="http://schemas.openxmlformats.org/drawingml/2006/chart" xmlns:dgm="http://schemas.openxmlformats.org/drawingml/2006/diagram" xmlns:o="urn:schemas-microsoft-com:office:office" xmlns:v="urn:schemas-microsoft-com:vml" xmlns:pvml="urn:schemas-microsoft-com:office:powerpoint" xmlns:com="http://schemas.openxmlformats.org/drawingml/2006/compatibility" xmlns:p14="http://schemas.microsoft.com/office/powerpoint/2010/main">
   <p:cSld>
     <p:spTree>
       <p:nvGrpSpPr>
-        <p:cNvPr id="1" name="Shape 119"/>
+        <p:cNvPr id="119" name="Shape 119"/>
         <p:cNvGrpSpPr/>
         <p:nvPr/>
       </p:nvGrpSpPr>
@@ -6581,9 +6377,7 @@
       <p:sp>
         <p:nvSpPr>
           <p:cNvPr id="120" name="Shape 120"/>
-          <p:cNvSpPr txBox="1">
-            <a:spLocks noGrp="1"/>
-          </p:cNvSpPr>
+          <p:cNvSpPr txBox="1"/>
           <p:nvPr>
             <p:ph type="title"/>
           </p:nvPr>
@@ -6598,7 +6392,7 @@
           </a:prstGeom>
         </p:spPr>
         <p:txBody>
-          <a:bodyPr lIns="91425" tIns="91425" rIns="91425" bIns="91425" anchor="t" anchorCtr="0">
+          <a:bodyPr anchorCtr="0" anchor="t" bIns="91425" lIns="91425" rIns="91425" tIns="91425">
             <a:noAutofit/>
           </a:bodyPr>
           <a:lstStyle/>
@@ -6653,11 +6447,11 @@
 </file>
 
 <file path=ppt/slides/slide13.xml><?xml version="1.0" encoding="utf-8"?>
-<p:sld xmlns:a="http://schemas.openxmlformats.org/drawingml/2006/main" xmlns:r="http://schemas.openxmlformats.org/officeDocument/2006/relationships" xmlns:p="http://schemas.openxmlformats.org/presentationml/2006/main">
+<p:sld xmlns:a="http://schemas.openxmlformats.org/drawingml/2006/main" xmlns:r="http://schemas.openxmlformats.org/officeDocument/2006/relationships" xmlns:mc="http://schemas.openxmlformats.org/markup-compatibility/2006" xmlns:mv="urn:schemas-microsoft-com:mac:vml" xmlns:p="http://schemas.openxmlformats.org/presentationml/2006/main" xmlns:c="http://schemas.openxmlformats.org/drawingml/2006/chart" xmlns:dgm="http://schemas.openxmlformats.org/drawingml/2006/diagram" xmlns:o="urn:schemas-microsoft-com:office:office" xmlns:v="urn:schemas-microsoft-com:vml" xmlns:pvml="urn:schemas-microsoft-com:office:powerpoint" xmlns:com="http://schemas.openxmlformats.org/drawingml/2006/compatibility" xmlns:p14="http://schemas.microsoft.com/office/powerpoint/2010/main">
   <p:cSld>
     <p:spTree>
       <p:nvGrpSpPr>
-        <p:cNvPr id="1" name="Shape 125"/>
+        <p:cNvPr id="125" name="Shape 125"/>
         <p:cNvGrpSpPr/>
         <p:nvPr/>
       </p:nvGrpSpPr>
@@ -6672,9 +6466,7 @@
       <p:sp>
         <p:nvSpPr>
           <p:cNvPr id="126" name="Shape 126"/>
-          <p:cNvSpPr txBox="1">
-            <a:spLocks noGrp="1"/>
-          </p:cNvSpPr>
+          <p:cNvSpPr txBox="1"/>
           <p:nvPr>
             <p:ph type="title"/>
           </p:nvPr>
@@ -6689,7 +6481,7 @@
           </a:prstGeom>
         </p:spPr>
         <p:txBody>
-          <a:bodyPr lIns="91425" tIns="91425" rIns="91425" bIns="91425" anchor="t" anchorCtr="0">
+          <a:bodyPr anchorCtr="0" anchor="t" bIns="91425" lIns="91425" rIns="91425" tIns="91425">
             <a:noAutofit/>
           </a:bodyPr>
           <a:lstStyle/>
@@ -6744,11 +6536,11 @@
 </file>
 
 <file path=ppt/slides/slide14.xml><?xml version="1.0" encoding="utf-8"?>
-<p:sld xmlns:a="http://schemas.openxmlformats.org/drawingml/2006/main" xmlns:r="http://schemas.openxmlformats.org/officeDocument/2006/relationships" xmlns:p="http://schemas.openxmlformats.org/presentationml/2006/main">
+<p:sld xmlns:a="http://schemas.openxmlformats.org/drawingml/2006/main" xmlns:r="http://schemas.openxmlformats.org/officeDocument/2006/relationships" xmlns:mc="http://schemas.openxmlformats.org/markup-compatibility/2006" xmlns:mv="urn:schemas-microsoft-com:mac:vml" xmlns:p="http://schemas.openxmlformats.org/presentationml/2006/main" xmlns:c="http://schemas.openxmlformats.org/drawingml/2006/chart" xmlns:dgm="http://schemas.openxmlformats.org/drawingml/2006/diagram" xmlns:o="urn:schemas-microsoft-com:office:office" xmlns:v="urn:schemas-microsoft-com:vml" xmlns:pvml="urn:schemas-microsoft-com:office:powerpoint" xmlns:com="http://schemas.openxmlformats.org/drawingml/2006/compatibility" xmlns:p14="http://schemas.microsoft.com/office/powerpoint/2010/main">
   <p:cSld>
     <p:spTree>
       <p:nvGrpSpPr>
-        <p:cNvPr id="1" name="Shape 131"/>
+        <p:cNvPr id="131" name="Shape 131"/>
         <p:cNvGrpSpPr/>
         <p:nvPr/>
       </p:nvGrpSpPr>
@@ -6763,9 +6555,7 @@
       <p:sp>
         <p:nvSpPr>
           <p:cNvPr id="132" name="Shape 132"/>
-          <p:cNvSpPr txBox="1">
-            <a:spLocks noGrp="1"/>
-          </p:cNvSpPr>
+          <p:cNvSpPr txBox="1"/>
           <p:nvPr>
             <p:ph type="title"/>
           </p:nvPr>
@@ -6780,7 +6570,7 @@
           </a:prstGeom>
         </p:spPr>
         <p:txBody>
-          <a:bodyPr lIns="91425" tIns="91425" rIns="91425" bIns="91425" anchor="t" anchorCtr="0">
+          <a:bodyPr anchorCtr="0" anchor="t" bIns="91425" lIns="91425" rIns="91425" tIns="91425">
             <a:noAutofit/>
           </a:bodyPr>
           <a:lstStyle/>
@@ -6835,11 +6625,11 @@
 </file>
 
 <file path=ppt/slides/slide15.xml><?xml version="1.0" encoding="utf-8"?>
-<p:sld xmlns:a="http://schemas.openxmlformats.org/drawingml/2006/main" xmlns:r="http://schemas.openxmlformats.org/officeDocument/2006/relationships" xmlns:p="http://schemas.openxmlformats.org/presentationml/2006/main">
+<p:sld xmlns:a="http://schemas.openxmlformats.org/drawingml/2006/main" xmlns:r="http://schemas.openxmlformats.org/officeDocument/2006/relationships" xmlns:mc="http://schemas.openxmlformats.org/markup-compatibility/2006" xmlns:mv="urn:schemas-microsoft-com:mac:vml" xmlns:p="http://schemas.openxmlformats.org/presentationml/2006/main" xmlns:c="http://schemas.openxmlformats.org/drawingml/2006/chart" xmlns:dgm="http://schemas.openxmlformats.org/drawingml/2006/diagram" xmlns:o="urn:schemas-microsoft-com:office:office" xmlns:v="urn:schemas-microsoft-com:vml" xmlns:pvml="urn:schemas-microsoft-com:office:powerpoint" xmlns:com="http://schemas.openxmlformats.org/drawingml/2006/compatibility" xmlns:p14="http://schemas.microsoft.com/office/powerpoint/2010/main">
   <p:cSld>
     <p:spTree>
       <p:nvGrpSpPr>
-        <p:cNvPr id="1" name="Shape 137"/>
+        <p:cNvPr id="137" name="Shape 137"/>
         <p:cNvGrpSpPr/>
         <p:nvPr/>
       </p:nvGrpSpPr>
@@ -6854,9 +6644,7 @@
       <p:sp>
         <p:nvSpPr>
           <p:cNvPr id="138" name="Shape 138"/>
-          <p:cNvSpPr txBox="1">
-            <a:spLocks noGrp="1"/>
-          </p:cNvSpPr>
+          <p:cNvSpPr txBox="1"/>
           <p:nvPr>
             <p:ph type="title"/>
           </p:nvPr>
@@ -6871,7 +6659,7 @@
           </a:prstGeom>
         </p:spPr>
         <p:txBody>
-          <a:bodyPr lIns="91425" tIns="91425" rIns="91425" bIns="91425" anchor="t" anchorCtr="0">
+          <a:bodyPr anchorCtr="0" anchor="t" bIns="91425" lIns="91425" rIns="91425" tIns="91425">
             <a:noAutofit/>
           </a:bodyPr>
           <a:lstStyle/>
@@ -6926,11 +6714,11 @@
 </file>
 
 <file path=ppt/slides/slide16.xml><?xml version="1.0" encoding="utf-8"?>
-<p:sld xmlns:a="http://schemas.openxmlformats.org/drawingml/2006/main" xmlns:r="http://schemas.openxmlformats.org/officeDocument/2006/relationships" xmlns:p="http://schemas.openxmlformats.org/presentationml/2006/main">
+<p:sld xmlns:a="http://schemas.openxmlformats.org/drawingml/2006/main" xmlns:r="http://schemas.openxmlformats.org/officeDocument/2006/relationships" xmlns:mc="http://schemas.openxmlformats.org/markup-compatibility/2006" xmlns:mv="urn:schemas-microsoft-com:mac:vml" xmlns:p="http://schemas.openxmlformats.org/presentationml/2006/main" xmlns:c="http://schemas.openxmlformats.org/drawingml/2006/chart" xmlns:dgm="http://schemas.openxmlformats.org/drawingml/2006/diagram" xmlns:o="urn:schemas-microsoft-com:office:office" xmlns:v="urn:schemas-microsoft-com:vml" xmlns:pvml="urn:schemas-microsoft-com:office:powerpoint" xmlns:com="http://schemas.openxmlformats.org/drawingml/2006/compatibility" xmlns:p14="http://schemas.microsoft.com/office/powerpoint/2010/main">
   <p:cSld>
     <p:spTree>
       <p:nvGrpSpPr>
-        <p:cNvPr id="1" name="Shape 143"/>
+        <p:cNvPr id="143" name="Shape 143"/>
         <p:cNvGrpSpPr/>
         <p:nvPr/>
       </p:nvGrpSpPr>
@@ -6979,19 +6767,18 @@
 </file>
 
 <file path=ppt/slides/slide17.xml><?xml version="1.0" encoding="utf-8"?>
-<p:sld xmlns:a="http://schemas.openxmlformats.org/drawingml/2006/main" xmlns:r="http://schemas.openxmlformats.org/officeDocument/2006/relationships" xmlns:p="http://schemas.openxmlformats.org/presentationml/2006/main">
+<p:sld xmlns:a="http://schemas.openxmlformats.org/drawingml/2006/main" xmlns:r="http://schemas.openxmlformats.org/officeDocument/2006/relationships" xmlns:mc="http://schemas.openxmlformats.org/markup-compatibility/2006" xmlns:mv="urn:schemas-microsoft-com:mac:vml" xmlns:p="http://schemas.openxmlformats.org/presentationml/2006/main" xmlns:c="http://schemas.openxmlformats.org/drawingml/2006/chart" xmlns:dgm="http://schemas.openxmlformats.org/drawingml/2006/diagram" xmlns:o="urn:schemas-microsoft-com:office:office" xmlns:v="urn:schemas-microsoft-com:vml" xmlns:pvml="urn:schemas-microsoft-com:office:powerpoint" xmlns:com="http://schemas.openxmlformats.org/drawingml/2006/compatibility" xmlns:p14="http://schemas.microsoft.com/office/powerpoint/2010/main">
   <p:cSld>
     <p:bg>
       <p:bgPr>
         <a:solidFill>
           <a:srgbClr val="F3F3F3"/>
         </a:solidFill>
-        <a:effectLst/>
       </p:bgPr>
     </p:bg>
     <p:spTree>
       <p:nvGrpSpPr>
-        <p:cNvPr id="1" name="Shape 148"/>
+        <p:cNvPr id="148" name="Shape 148"/>
         <p:cNvGrpSpPr/>
         <p:nvPr/>
       </p:nvGrpSpPr>
@@ -7006,9 +6793,7 @@
       <p:sp>
         <p:nvSpPr>
           <p:cNvPr id="149" name="Shape 149"/>
-          <p:cNvSpPr txBox="1">
-            <a:spLocks noGrp="1"/>
-          </p:cNvSpPr>
+          <p:cNvSpPr txBox="1"/>
           <p:nvPr>
             <p:ph type="title"/>
           </p:nvPr>
@@ -7023,7 +6808,7 @@
           </a:prstGeom>
         </p:spPr>
         <p:txBody>
-          <a:bodyPr lIns="91425" tIns="91425" rIns="91425" bIns="91425" anchor="t" anchorCtr="0">
+          <a:bodyPr anchorCtr="0" anchor="t" bIns="91425" lIns="91425" rIns="91425" tIns="91425">
             <a:noAutofit/>
           </a:bodyPr>
           <a:lstStyle/>
@@ -7198,14 +6983,14 @@
             <a:avLst/>
           </a:prstGeom>
           <a:noFill/>
-          <a:ln w="9525" cap="flat" cmpd="sng">
+          <a:ln cap="flat" cmpd="sng" w="9525">
             <a:solidFill>
               <a:schemeClr val="dk2"/>
             </a:solidFill>
             <a:prstDash val="solid"/>
             <a:round/>
-            <a:headEnd type="none" w="lg" len="lg"/>
-            <a:tailEnd type="triangle" w="lg" len="lg"/>
+            <a:headEnd len="lg" w="lg" type="none"/>
+            <a:tailEnd len="lg" w="lg" type="triangle"/>
           </a:ln>
         </p:spPr>
       </p:cxnSp>
@@ -7226,14 +7011,14 @@
             <a:avLst/>
           </a:prstGeom>
           <a:noFill/>
-          <a:ln w="9525" cap="flat" cmpd="sng">
+          <a:ln cap="flat" cmpd="sng" w="9525">
             <a:solidFill>
               <a:schemeClr val="dk2"/>
             </a:solidFill>
             <a:prstDash val="solid"/>
             <a:round/>
-            <a:headEnd type="none" w="lg" len="lg"/>
-            <a:tailEnd type="triangle" w="lg" len="lg"/>
+            <a:headEnd len="lg" w="lg" type="none"/>
+            <a:tailEnd len="lg" w="lg" type="triangle"/>
           </a:ln>
         </p:spPr>
       </p:cxnSp>
@@ -7252,14 +7037,14 @@
             <a:avLst/>
           </a:prstGeom>
           <a:noFill/>
-          <a:ln w="9525" cap="flat" cmpd="sng">
+          <a:ln cap="flat" cmpd="sng" w="9525">
             <a:solidFill>
               <a:schemeClr val="dk2"/>
             </a:solidFill>
             <a:prstDash val="solid"/>
             <a:round/>
-            <a:headEnd type="none" w="lg" len="lg"/>
-            <a:tailEnd type="triangle" w="lg" len="lg"/>
+            <a:headEnd len="lg" w="lg" type="none"/>
+            <a:tailEnd len="lg" w="lg" type="triangle"/>
           </a:ln>
         </p:spPr>
       </p:cxnSp>
@@ -7283,12 +7068,12 @@
           </a:ln>
         </p:spPr>
         <p:txBody>
-          <a:bodyPr lIns="91425" tIns="91425" rIns="91425" bIns="91425" anchor="ctr" anchorCtr="0">
+          <a:bodyPr anchorCtr="0" anchor="ctr" bIns="91425" lIns="91425" rIns="91425" tIns="91425">
             <a:noAutofit/>
           </a:bodyPr>
           <a:lstStyle/>
           <a:p>
-            <a:pPr lvl="0" algn="ctr" rtl="0">
+            <a:pPr lvl="0" rtl="0" algn="ctr">
               <a:spcBef>
                 <a:spcPts val="0"/>
               </a:spcBef>
@@ -7329,12 +7114,12 @@
           </a:ln>
         </p:spPr>
         <p:txBody>
-          <a:bodyPr lIns="91425" tIns="91425" rIns="91425" bIns="91425" anchor="ctr" anchorCtr="0">
+          <a:bodyPr anchorCtr="0" anchor="ctr" bIns="91425" lIns="91425" rIns="91425" tIns="91425">
             <a:noAutofit/>
           </a:bodyPr>
           <a:lstStyle/>
           <a:p>
-            <a:pPr lvl="0" algn="ctr" rtl="0">
+            <a:pPr lvl="0" rtl="0" algn="ctr">
               <a:spcBef>
                 <a:spcPts val="0"/>
               </a:spcBef>
@@ -7375,12 +7160,12 @@
           </a:ln>
         </p:spPr>
         <p:txBody>
-          <a:bodyPr lIns="91425" tIns="91425" rIns="91425" bIns="91425" anchor="ctr" anchorCtr="0">
+          <a:bodyPr anchorCtr="0" anchor="ctr" bIns="91425" lIns="91425" rIns="91425" tIns="91425">
             <a:noAutofit/>
           </a:bodyPr>
           <a:lstStyle/>
           <a:p>
-            <a:pPr lvl="0" algn="ctr" rtl="0">
+            <a:pPr lvl="0" rtl="0" algn="ctr">
               <a:spcBef>
                 <a:spcPts val="0"/>
               </a:spcBef>
@@ -7449,7 +7234,7 @@
           </a:ln>
         </p:spPr>
         <p:txBody>
-          <a:bodyPr lIns="91425" tIns="91425" rIns="91425" bIns="91425" anchor="t" anchorCtr="0">
+          <a:bodyPr anchorCtr="0" anchor="t" bIns="91425" lIns="91425" rIns="91425" tIns="91425">
             <a:noAutofit/>
           </a:bodyPr>
           <a:lstStyle/>
@@ -7460,6 +7245,9 @@
               </a:spcBef>
               <a:buNone/>
             </a:pPr>
+            <a:r>
+              <a:t/>
+            </a:r>
             <a:endParaRPr/>
           </a:p>
         </p:txBody>
@@ -7484,12 +7272,12 @@
           </a:ln>
         </p:spPr>
         <p:txBody>
-          <a:bodyPr lIns="91425" tIns="91425" rIns="91425" bIns="91425" anchor="t" anchorCtr="0">
+          <a:bodyPr anchorCtr="0" anchor="t" bIns="91425" lIns="91425" rIns="91425" tIns="91425">
             <a:noAutofit/>
           </a:bodyPr>
           <a:lstStyle/>
           <a:p>
-            <a:pPr lvl="0" algn="ctr" rtl="0">
+            <a:pPr lvl="0" rtl="0" algn="ctr">
               <a:spcBef>
                 <a:spcPts val="0"/>
               </a:spcBef>
@@ -7523,11 +7311,11 @@
 </file>
 
 <file path=ppt/slides/slide18.xml><?xml version="1.0" encoding="utf-8"?>
-<p:sld xmlns:a="http://schemas.openxmlformats.org/drawingml/2006/main" xmlns:r="http://schemas.openxmlformats.org/officeDocument/2006/relationships" xmlns:p="http://schemas.openxmlformats.org/presentationml/2006/main">
+<p:sld xmlns:a="http://schemas.openxmlformats.org/drawingml/2006/main" xmlns:r="http://schemas.openxmlformats.org/officeDocument/2006/relationships" xmlns:mc="http://schemas.openxmlformats.org/markup-compatibility/2006" xmlns:mv="urn:schemas-microsoft-com:mac:vml" xmlns:p="http://schemas.openxmlformats.org/presentationml/2006/main" xmlns:c="http://schemas.openxmlformats.org/drawingml/2006/chart" xmlns:dgm="http://schemas.openxmlformats.org/drawingml/2006/diagram" xmlns:o="urn:schemas-microsoft-com:office:office" xmlns:v="urn:schemas-microsoft-com:vml" xmlns:pvml="urn:schemas-microsoft-com:office:powerpoint" xmlns:com="http://schemas.openxmlformats.org/drawingml/2006/compatibility" xmlns:p14="http://schemas.microsoft.com/office/powerpoint/2010/main">
   <p:cSld>
     <p:spTree>
       <p:nvGrpSpPr>
-        <p:cNvPr id="1" name="Shape 167"/>
+        <p:cNvPr id="167" name="Shape 167"/>
         <p:cNvGrpSpPr/>
         <p:nvPr/>
       </p:nvGrpSpPr>
@@ -7542,9 +7330,7 @@
       <p:sp>
         <p:nvSpPr>
           <p:cNvPr id="168" name="Shape 168"/>
-          <p:cNvSpPr txBox="1">
-            <a:spLocks noGrp="1"/>
-          </p:cNvSpPr>
+          <p:cNvSpPr txBox="1"/>
           <p:nvPr>
             <p:ph type="title"/>
           </p:nvPr>
@@ -7559,7 +7345,7 @@
           </a:prstGeom>
         </p:spPr>
         <p:txBody>
-          <a:bodyPr lIns="91425" tIns="91425" rIns="91425" bIns="91425" anchor="t" anchorCtr="0">
+          <a:bodyPr anchorCtr="0" anchor="t" bIns="91425" lIns="91425" rIns="91425" tIns="91425">
             <a:noAutofit/>
           </a:bodyPr>
           <a:lstStyle/>
@@ -7625,12 +7411,12 @@
           </a:ln>
         </p:spPr>
         <p:txBody>
-          <a:bodyPr lIns="91425" tIns="91425" rIns="91425" bIns="91425" anchor="t" anchorCtr="0">
+          <a:bodyPr anchorCtr="0" anchor="t" bIns="91425" lIns="91425" rIns="91425" tIns="91425">
             <a:noAutofit/>
           </a:bodyPr>
           <a:lstStyle/>
           <a:p>
-            <a:pPr marL="457200" lvl="0" indent="-381000">
+            <a:pPr indent="-381000" lvl="0" marL="457200">
               <a:spcBef>
                 <a:spcPts val="0"/>
               </a:spcBef>
@@ -7653,11 +7439,11 @@
 </file>
 
 <file path=ppt/slides/slide19.xml><?xml version="1.0" encoding="utf-8"?>
-<p:sld xmlns:a="http://schemas.openxmlformats.org/drawingml/2006/main" xmlns:r="http://schemas.openxmlformats.org/officeDocument/2006/relationships" xmlns:p="http://schemas.openxmlformats.org/presentationml/2006/main">
+<p:sld xmlns:a="http://schemas.openxmlformats.org/drawingml/2006/main" xmlns:r="http://schemas.openxmlformats.org/officeDocument/2006/relationships" xmlns:mc="http://schemas.openxmlformats.org/markup-compatibility/2006" xmlns:mv="urn:schemas-microsoft-com:mac:vml" xmlns:p="http://schemas.openxmlformats.org/presentationml/2006/main" xmlns:c="http://schemas.openxmlformats.org/drawingml/2006/chart" xmlns:dgm="http://schemas.openxmlformats.org/drawingml/2006/diagram" xmlns:o="urn:schemas-microsoft-com:office:office" xmlns:v="urn:schemas-microsoft-com:vml" xmlns:pvml="urn:schemas-microsoft-com:office:powerpoint" xmlns:com="http://schemas.openxmlformats.org/drawingml/2006/compatibility" xmlns:p14="http://schemas.microsoft.com/office/powerpoint/2010/main">
   <p:cSld>
     <p:spTree>
       <p:nvGrpSpPr>
-        <p:cNvPr id="1" name="Shape 174"/>
+        <p:cNvPr id="174" name="Shape 174"/>
         <p:cNvGrpSpPr/>
         <p:nvPr/>
       </p:nvGrpSpPr>
@@ -7672,9 +7458,7 @@
       <p:sp>
         <p:nvSpPr>
           <p:cNvPr id="175" name="Shape 175"/>
-          <p:cNvSpPr txBox="1">
-            <a:spLocks noGrp="1"/>
-          </p:cNvSpPr>
+          <p:cNvSpPr txBox="1"/>
           <p:nvPr>
             <p:ph type="title"/>
           </p:nvPr>
@@ -7689,7 +7473,7 @@
           </a:prstGeom>
         </p:spPr>
         <p:txBody>
-          <a:bodyPr lIns="91425" tIns="91425" rIns="91425" bIns="91425" anchor="t" anchorCtr="0">
+          <a:bodyPr anchorCtr="0" anchor="t" bIns="91425" lIns="91425" rIns="91425" tIns="91425">
             <a:noAutofit/>
           </a:bodyPr>
           <a:lstStyle/>
@@ -7723,7 +7507,7 @@
         </p:blipFill>
         <p:spPr>
           <a:xfrm>
-            <a:off x="1151351" y="1193025"/>
+            <a:off x="1186301" y="1184275"/>
             <a:ext cx="6841300" cy="3458250"/>
           </a:xfrm>
           <a:prstGeom prst="rect">
@@ -7744,11 +7528,11 @@
 </file>
 
 <file path=ppt/slides/slide2.xml><?xml version="1.0" encoding="utf-8"?>
-<p:sld xmlns:a="http://schemas.openxmlformats.org/drawingml/2006/main" xmlns:r="http://schemas.openxmlformats.org/officeDocument/2006/relationships" xmlns:p="http://schemas.openxmlformats.org/presentationml/2006/main">
+<p:sld xmlns:a="http://schemas.openxmlformats.org/drawingml/2006/main" xmlns:r="http://schemas.openxmlformats.org/officeDocument/2006/relationships" xmlns:mc="http://schemas.openxmlformats.org/markup-compatibility/2006" xmlns:mv="urn:schemas-microsoft-com:mac:vml" xmlns:p="http://schemas.openxmlformats.org/presentationml/2006/main" xmlns:c="http://schemas.openxmlformats.org/drawingml/2006/chart" xmlns:dgm="http://schemas.openxmlformats.org/drawingml/2006/diagram" xmlns:o="urn:schemas-microsoft-com:office:office" xmlns:v="urn:schemas-microsoft-com:vml" xmlns:pvml="urn:schemas-microsoft-com:office:powerpoint" xmlns:com="http://schemas.openxmlformats.org/drawingml/2006/compatibility" xmlns:p14="http://schemas.microsoft.com/office/powerpoint/2010/main">
   <p:cSld>
     <p:spTree>
       <p:nvGrpSpPr>
-        <p:cNvPr id="1" name="Shape 59"/>
+        <p:cNvPr id="59" name="Shape 59"/>
         <p:cNvGrpSpPr/>
         <p:nvPr/>
       </p:nvGrpSpPr>
@@ -7763,9 +7547,7 @@
       <p:sp>
         <p:nvSpPr>
           <p:cNvPr id="60" name="Shape 60"/>
-          <p:cNvSpPr txBox="1">
-            <a:spLocks noGrp="1"/>
-          </p:cNvSpPr>
+          <p:cNvSpPr txBox="1"/>
           <p:nvPr>
             <p:ph type="title"/>
           </p:nvPr>
@@ -7780,7 +7562,7 @@
           </a:prstGeom>
         </p:spPr>
         <p:txBody>
-          <a:bodyPr lIns="91425" tIns="91425" rIns="91425" bIns="91425" anchor="t" anchorCtr="0">
+          <a:bodyPr anchorCtr="0" anchor="t" bIns="91425" lIns="91425" rIns="91425" tIns="91425">
             <a:noAutofit/>
           </a:bodyPr>
           <a:lstStyle/>
@@ -7835,11 +7617,11 @@
 </file>
 
 <file path=ppt/slides/slide20.xml><?xml version="1.0" encoding="utf-8"?>
-<p:sld xmlns:a="http://schemas.openxmlformats.org/drawingml/2006/main" xmlns:r="http://schemas.openxmlformats.org/officeDocument/2006/relationships" xmlns:p="http://schemas.openxmlformats.org/presentationml/2006/main">
+<p:sld xmlns:a="http://schemas.openxmlformats.org/drawingml/2006/main" xmlns:r="http://schemas.openxmlformats.org/officeDocument/2006/relationships" xmlns:mc="http://schemas.openxmlformats.org/markup-compatibility/2006" xmlns:mv="urn:schemas-microsoft-com:mac:vml" xmlns:p="http://schemas.openxmlformats.org/presentationml/2006/main" xmlns:c="http://schemas.openxmlformats.org/drawingml/2006/chart" xmlns:dgm="http://schemas.openxmlformats.org/drawingml/2006/diagram" xmlns:o="urn:schemas-microsoft-com:office:office" xmlns:v="urn:schemas-microsoft-com:vml" xmlns:pvml="urn:schemas-microsoft-com:office:powerpoint" xmlns:com="http://schemas.openxmlformats.org/drawingml/2006/compatibility" xmlns:p14="http://schemas.microsoft.com/office/powerpoint/2010/main">
   <p:cSld>
     <p:spTree>
       <p:nvGrpSpPr>
-        <p:cNvPr id="1" name="Shape 180"/>
+        <p:cNvPr id="180" name="Shape 180"/>
         <p:cNvGrpSpPr/>
         <p:nvPr/>
       </p:nvGrpSpPr>
@@ -7854,9 +7636,7 @@
       <p:sp>
         <p:nvSpPr>
           <p:cNvPr id="181" name="Shape 181"/>
-          <p:cNvSpPr txBox="1">
-            <a:spLocks noGrp="1"/>
-          </p:cNvSpPr>
+          <p:cNvSpPr txBox="1"/>
           <p:nvPr>
             <p:ph type="title"/>
           </p:nvPr>
@@ -7871,7 +7651,7 @@
           </a:prstGeom>
         </p:spPr>
         <p:txBody>
-          <a:bodyPr lIns="91425" tIns="91425" rIns="91425" bIns="91425" anchor="t" anchorCtr="0">
+          <a:bodyPr anchorCtr="0" anchor="t" bIns="91425" lIns="91425" rIns="91425" tIns="91425">
             <a:noAutofit/>
           </a:bodyPr>
           <a:lstStyle/>
@@ -7926,11 +7706,11 @@
 </file>
 
 <file path=ppt/slides/slide21.xml><?xml version="1.0" encoding="utf-8"?>
-<p:sld xmlns:a="http://schemas.openxmlformats.org/drawingml/2006/main" xmlns:r="http://schemas.openxmlformats.org/officeDocument/2006/relationships" xmlns:p="http://schemas.openxmlformats.org/presentationml/2006/main">
+<p:sld xmlns:a="http://schemas.openxmlformats.org/drawingml/2006/main" xmlns:r="http://schemas.openxmlformats.org/officeDocument/2006/relationships" xmlns:mc="http://schemas.openxmlformats.org/markup-compatibility/2006" xmlns:mv="urn:schemas-microsoft-com:mac:vml" xmlns:p="http://schemas.openxmlformats.org/presentationml/2006/main" xmlns:c="http://schemas.openxmlformats.org/drawingml/2006/chart" xmlns:dgm="http://schemas.openxmlformats.org/drawingml/2006/diagram" xmlns:o="urn:schemas-microsoft-com:office:office" xmlns:v="urn:schemas-microsoft-com:vml" xmlns:pvml="urn:schemas-microsoft-com:office:powerpoint" xmlns:com="http://schemas.openxmlformats.org/drawingml/2006/compatibility" xmlns:p14="http://schemas.microsoft.com/office/powerpoint/2010/main">
   <p:cSld>
     <p:spTree>
       <p:nvGrpSpPr>
-        <p:cNvPr id="1" name="Shape 186"/>
+        <p:cNvPr id="186" name="Shape 186"/>
         <p:cNvGrpSpPr/>
         <p:nvPr/>
       </p:nvGrpSpPr>
@@ -7945,9 +7725,7 @@
       <p:sp>
         <p:nvSpPr>
           <p:cNvPr id="187" name="Shape 187"/>
-          <p:cNvSpPr txBox="1">
-            <a:spLocks noGrp="1"/>
-          </p:cNvSpPr>
+          <p:cNvSpPr txBox="1"/>
           <p:nvPr>
             <p:ph type="title"/>
           </p:nvPr>
@@ -7962,7 +7740,7 @@
           </a:prstGeom>
         </p:spPr>
         <p:txBody>
-          <a:bodyPr lIns="91425" tIns="91425" rIns="91425" bIns="91425" anchor="t" anchorCtr="0">
+          <a:bodyPr anchorCtr="0" anchor="t" bIns="91425" lIns="91425" rIns="91425" tIns="91425">
             <a:noAutofit/>
           </a:bodyPr>
           <a:lstStyle/>
@@ -8017,11 +7795,11 @@
 </file>
 
 <file path=ppt/slides/slide22.xml><?xml version="1.0" encoding="utf-8"?>
-<p:sld xmlns:a="http://schemas.openxmlformats.org/drawingml/2006/main" xmlns:r="http://schemas.openxmlformats.org/officeDocument/2006/relationships" xmlns:p="http://schemas.openxmlformats.org/presentationml/2006/main">
+<p:sld xmlns:a="http://schemas.openxmlformats.org/drawingml/2006/main" xmlns:r="http://schemas.openxmlformats.org/officeDocument/2006/relationships" xmlns:mc="http://schemas.openxmlformats.org/markup-compatibility/2006" xmlns:mv="urn:schemas-microsoft-com:mac:vml" xmlns:p="http://schemas.openxmlformats.org/presentationml/2006/main" xmlns:c="http://schemas.openxmlformats.org/drawingml/2006/chart" xmlns:dgm="http://schemas.openxmlformats.org/drawingml/2006/diagram" xmlns:o="urn:schemas-microsoft-com:office:office" xmlns:v="urn:schemas-microsoft-com:vml" xmlns:pvml="urn:schemas-microsoft-com:office:powerpoint" xmlns:com="http://schemas.openxmlformats.org/drawingml/2006/compatibility" xmlns:p14="http://schemas.microsoft.com/office/powerpoint/2010/main">
   <p:cSld>
     <p:spTree>
       <p:nvGrpSpPr>
-        <p:cNvPr id="1" name="Shape 192"/>
+        <p:cNvPr id="192" name="Shape 192"/>
         <p:cNvGrpSpPr/>
         <p:nvPr/>
       </p:nvGrpSpPr>
@@ -8036,9 +7814,7 @@
       <p:sp>
         <p:nvSpPr>
           <p:cNvPr id="193" name="Shape 193"/>
-          <p:cNvSpPr txBox="1">
-            <a:spLocks noGrp="1"/>
-          </p:cNvSpPr>
+          <p:cNvSpPr txBox="1"/>
           <p:nvPr>
             <p:ph type="title"/>
           </p:nvPr>
@@ -8053,7 +7829,7 @@
           </a:prstGeom>
         </p:spPr>
         <p:txBody>
-          <a:bodyPr lIns="91425" tIns="91425" rIns="91425" bIns="91425" anchor="t" anchorCtr="0">
+          <a:bodyPr anchorCtr="0" anchor="t" bIns="91425" lIns="91425" rIns="91425" tIns="91425">
             <a:noAutofit/>
           </a:bodyPr>
           <a:lstStyle/>
@@ -8064,6 +7840,9 @@
               </a:spcBef>
               <a:buNone/>
             </a:pPr>
+            <a:r>
+              <a:t/>
+            </a:r>
             <a:endParaRPr/>
           </a:p>
         </p:txBody>
@@ -8105,11 +7884,11 @@
 </file>
 
 <file path=ppt/slides/slide23.xml><?xml version="1.0" encoding="utf-8"?>
-<p:sld xmlns:a="http://schemas.openxmlformats.org/drawingml/2006/main" xmlns:r="http://schemas.openxmlformats.org/officeDocument/2006/relationships" xmlns:p="http://schemas.openxmlformats.org/presentationml/2006/main">
+<p:sld xmlns:a="http://schemas.openxmlformats.org/drawingml/2006/main" xmlns:r="http://schemas.openxmlformats.org/officeDocument/2006/relationships" xmlns:mc="http://schemas.openxmlformats.org/markup-compatibility/2006" xmlns:mv="urn:schemas-microsoft-com:mac:vml" xmlns:p="http://schemas.openxmlformats.org/presentationml/2006/main" xmlns:c="http://schemas.openxmlformats.org/drawingml/2006/chart" xmlns:dgm="http://schemas.openxmlformats.org/drawingml/2006/diagram" xmlns:o="urn:schemas-microsoft-com:office:office" xmlns:v="urn:schemas-microsoft-com:vml" xmlns:pvml="urn:schemas-microsoft-com:office:powerpoint" xmlns:com="http://schemas.openxmlformats.org/drawingml/2006/compatibility" xmlns:p14="http://schemas.microsoft.com/office/powerpoint/2010/main">
   <p:cSld>
     <p:spTree>
       <p:nvGrpSpPr>
-        <p:cNvPr id="1" name="Shape 198"/>
+        <p:cNvPr id="198" name="Shape 198"/>
         <p:cNvGrpSpPr/>
         <p:nvPr/>
       </p:nvGrpSpPr>
@@ -8124,9 +7903,7 @@
       <p:sp>
         <p:nvSpPr>
           <p:cNvPr id="199" name="Shape 199"/>
-          <p:cNvSpPr txBox="1">
-            <a:spLocks noGrp="1"/>
-          </p:cNvSpPr>
+          <p:cNvSpPr txBox="1"/>
           <p:nvPr>
             <p:ph type="title"/>
           </p:nvPr>
@@ -8141,7 +7918,7 @@
           </a:prstGeom>
         </p:spPr>
         <p:txBody>
-          <a:bodyPr lIns="91425" tIns="91425" rIns="91425" bIns="91425" anchor="t" anchorCtr="0">
+          <a:bodyPr anchorCtr="0" anchor="t" bIns="91425" lIns="91425" rIns="91425" tIns="91425">
             <a:noAutofit/>
           </a:bodyPr>
           <a:lstStyle/>
@@ -8196,11 +7973,11 @@
 </file>
 
 <file path=ppt/slides/slide24.xml><?xml version="1.0" encoding="utf-8"?>
-<p:sld xmlns:a="http://schemas.openxmlformats.org/drawingml/2006/main" xmlns:r="http://schemas.openxmlformats.org/officeDocument/2006/relationships" xmlns:p="http://schemas.openxmlformats.org/presentationml/2006/main">
+<p:sld xmlns:a="http://schemas.openxmlformats.org/drawingml/2006/main" xmlns:r="http://schemas.openxmlformats.org/officeDocument/2006/relationships" xmlns:mc="http://schemas.openxmlformats.org/markup-compatibility/2006" xmlns:mv="urn:schemas-microsoft-com:mac:vml" xmlns:p="http://schemas.openxmlformats.org/presentationml/2006/main" xmlns:c="http://schemas.openxmlformats.org/drawingml/2006/chart" xmlns:dgm="http://schemas.openxmlformats.org/drawingml/2006/diagram" xmlns:o="urn:schemas-microsoft-com:office:office" xmlns:v="urn:schemas-microsoft-com:vml" xmlns:pvml="urn:schemas-microsoft-com:office:powerpoint" xmlns:com="http://schemas.openxmlformats.org/drawingml/2006/compatibility" xmlns:p14="http://schemas.microsoft.com/office/powerpoint/2010/main">
   <p:cSld>
     <p:spTree>
       <p:nvGrpSpPr>
-        <p:cNvPr id="1" name="Shape 204"/>
+        <p:cNvPr id="204" name="Shape 204"/>
         <p:cNvGrpSpPr/>
         <p:nvPr/>
       </p:nvGrpSpPr>
@@ -8215,9 +7992,7 @@
       <p:sp>
         <p:nvSpPr>
           <p:cNvPr id="205" name="Shape 205"/>
-          <p:cNvSpPr txBox="1">
-            <a:spLocks noGrp="1"/>
-          </p:cNvSpPr>
+          <p:cNvSpPr txBox="1"/>
           <p:nvPr>
             <p:ph type="title"/>
           </p:nvPr>
@@ -8232,7 +8007,7 @@
           </a:prstGeom>
         </p:spPr>
         <p:txBody>
-          <a:bodyPr lIns="91425" tIns="91425" rIns="91425" bIns="91425" anchor="t" anchorCtr="0">
+          <a:bodyPr anchorCtr="0" anchor="t" bIns="91425" lIns="91425" rIns="91425" tIns="91425">
             <a:noAutofit/>
           </a:bodyPr>
           <a:lstStyle/>
@@ -8286,12 +8061,12 @@
 </p:sld>
 </file>
 
-<file path=ppt/slides/slide3.xml><?xml version="1.0" encoding="utf-8"?>
-<p:sld xmlns:a="http://schemas.openxmlformats.org/drawingml/2006/main" xmlns:r="http://schemas.openxmlformats.org/officeDocument/2006/relationships" xmlns:p="http://schemas.openxmlformats.org/presentationml/2006/main">
+<file path=ppt/slides/slide25.xml><?xml version="1.0" encoding="utf-8"?>
+<p:sld xmlns:a="http://schemas.openxmlformats.org/drawingml/2006/main" xmlns:r="http://schemas.openxmlformats.org/officeDocument/2006/relationships" xmlns:mc="http://schemas.openxmlformats.org/markup-compatibility/2006" xmlns:mv="urn:schemas-microsoft-com:mac:vml" xmlns:p="http://schemas.openxmlformats.org/presentationml/2006/main" xmlns:c="http://schemas.openxmlformats.org/drawingml/2006/chart" xmlns:dgm="http://schemas.openxmlformats.org/drawingml/2006/diagram" xmlns:o="urn:schemas-microsoft-com:office:office" xmlns:v="urn:schemas-microsoft-com:vml" xmlns:pvml="urn:schemas-microsoft-com:office:powerpoint" xmlns:com="http://schemas.openxmlformats.org/drawingml/2006/compatibility" xmlns:p14="http://schemas.microsoft.com/office/powerpoint/2010/main">
   <p:cSld>
     <p:spTree>
       <p:nvGrpSpPr>
-        <p:cNvPr id="1" name="Shape 65"/>
+        <p:cNvPr id="210" name="Shape 210"/>
         <p:cNvGrpSpPr/>
         <p:nvPr/>
       </p:nvGrpSpPr>
@@ -8305,10 +8080,423 @@
       </p:grpSpPr>
       <p:sp>
         <p:nvSpPr>
+          <p:cNvPr id="211" name="Shape 211"/>
+          <p:cNvSpPr txBox="1"/>
+          <p:nvPr>
+            <p:ph type="title"/>
+          </p:nvPr>
+        </p:nvSpPr>
+        <p:spPr>
+          <a:xfrm>
+            <a:off x="265425" y="176750"/>
+            <a:ext cx="8520600" cy="572700"/>
+          </a:xfrm>
+          <a:prstGeom prst="rect">
+            <a:avLst/>
+          </a:prstGeom>
+        </p:spPr>
+        <p:txBody>
+          <a:bodyPr anchorCtr="0" anchor="t" bIns="91425" lIns="91425" rIns="91425" tIns="91425">
+            <a:noAutofit/>
+          </a:bodyPr>
+          <a:lstStyle/>
+          <a:p>
+            <a:pPr lvl="0">
+              <a:spcBef>
+                <a:spcPts val="0"/>
+              </a:spcBef>
+              <a:buNone/>
+            </a:pPr>
+            <a:r>
+              <a:rPr lang="en"/>
+              <a:t>Lessons Learned</a:t>
+            </a:r>
+          </a:p>
+        </p:txBody>
+      </p:sp>
+      <p:sp>
+        <p:nvSpPr>
+          <p:cNvPr id="212" name="Shape 212"/>
+          <p:cNvSpPr txBox="1"/>
+          <p:nvPr>
+            <p:ph idx="1" type="body"/>
+          </p:nvPr>
+        </p:nvSpPr>
+        <p:spPr>
+          <a:xfrm>
+            <a:off x="311700" y="813175"/>
+            <a:ext cx="8734800" cy="4218300"/>
+          </a:xfrm>
+          <a:prstGeom prst="rect">
+            <a:avLst/>
+          </a:prstGeom>
+        </p:spPr>
+        <p:txBody>
+          <a:bodyPr anchorCtr="0" anchor="t" bIns="91425" lIns="91425" rIns="91425" tIns="91425">
+            <a:noAutofit/>
+          </a:bodyPr>
+          <a:lstStyle/>
+          <a:p>
+            <a:pPr indent="-69850" lvl="0" marL="0">
+              <a:spcBef>
+                <a:spcPts val="0"/>
+              </a:spcBef>
+              <a:buClr>
+                <a:schemeClr val="dk1"/>
+              </a:buClr>
+              <a:buSzPct val="61111"/>
+              <a:buFont typeface="Arial"/>
+              <a:buNone/>
+            </a:pPr>
+            <a:r>
+              <a:rPr lang="en"/>
+              <a:t>* We have to be careful when we make changes. One minor change could crash the    whole project.</a:t>
+            </a:r>
+          </a:p>
+          <a:p>
+            <a:pPr lvl="0">
+              <a:spcBef>
+                <a:spcPts val="0"/>
+              </a:spcBef>
+              <a:buClr>
+                <a:schemeClr val="dk1"/>
+              </a:buClr>
+              <a:buSzPct val="61111"/>
+              <a:buFont typeface="Arial"/>
+              <a:buNone/>
+            </a:pPr>
+            <a:r>
+              <a:rPr lang="en"/>
+              <a:t>* Provide comments for each line of code, because it will minimize the time spent to comprehend the project for the next team who will took over for maintenance</a:t>
+            </a:r>
+          </a:p>
+          <a:p>
+            <a:pPr lvl="0">
+              <a:spcBef>
+                <a:spcPts val="0"/>
+              </a:spcBef>
+              <a:buClr>
+                <a:schemeClr val="dk1"/>
+              </a:buClr>
+              <a:buSzPct val="61111"/>
+              <a:buFont typeface="Arial"/>
+              <a:buNone/>
+            </a:pPr>
+            <a:r>
+              <a:rPr lang="en"/>
+              <a:t>* Review the Working Agreement and revise if necessary</a:t>
+            </a:r>
+          </a:p>
+          <a:p>
+            <a:pPr lvl="0">
+              <a:spcBef>
+                <a:spcPts val="0"/>
+              </a:spcBef>
+              <a:buClr>
+                <a:schemeClr val="dk1"/>
+              </a:buClr>
+              <a:buSzPct val="61111"/>
+              <a:buFont typeface="Arial"/>
+              <a:buNone/>
+            </a:pPr>
+            <a:r>
+              <a:rPr lang="en"/>
+              <a:t>* Had to learn to work with different work styles</a:t>
+            </a:r>
+          </a:p>
+          <a:p>
+            <a:pPr lvl="0">
+              <a:spcBef>
+                <a:spcPts val="0"/>
+              </a:spcBef>
+              <a:buClr>
+                <a:schemeClr val="dk1"/>
+              </a:buClr>
+              <a:buSzPct val="61111"/>
+              <a:buFont typeface="Arial"/>
+              <a:buNone/>
+            </a:pPr>
+            <a:r>
+              <a:rPr lang="en"/>
+              <a:t>* Had to make sure we communicated changes so that we did not overwrite each other’s changes</a:t>
+            </a:r>
+          </a:p>
+          <a:p>
+            <a:pPr lvl="0">
+              <a:spcBef>
+                <a:spcPts val="0"/>
+              </a:spcBef>
+              <a:buClr>
+                <a:schemeClr val="dk1"/>
+              </a:buClr>
+              <a:buSzPct val="61111"/>
+              <a:buFont typeface="Arial"/>
+              <a:buNone/>
+            </a:pPr>
+            <a:r>
+              <a:rPr lang="en"/>
+              <a:t>* The best practice is code reuse to eliminate repeating same lines of code in different files</a:t>
+            </a:r>
+          </a:p>
+          <a:p>
+            <a:pPr lvl="0">
+              <a:spcBef>
+                <a:spcPts val="0"/>
+              </a:spcBef>
+              <a:buNone/>
+            </a:pPr>
+            <a:r>
+              <a:t/>
+            </a:r>
+            <a:endParaRPr/>
+          </a:p>
+        </p:txBody>
+      </p:sp>
+    </p:spTree>
+  </p:cSld>
+  <p:clrMapOvr>
+    <a:masterClrMapping/>
+  </p:clrMapOvr>
+</p:sld>
+</file>
+
+<file path=ppt/slides/slide26.xml><?xml version="1.0" encoding="utf-8"?>
+<p:sld xmlns:a="http://schemas.openxmlformats.org/drawingml/2006/main" xmlns:r="http://schemas.openxmlformats.org/officeDocument/2006/relationships" xmlns:mc="http://schemas.openxmlformats.org/markup-compatibility/2006" xmlns:mv="urn:schemas-microsoft-com:mac:vml" xmlns:p="http://schemas.openxmlformats.org/presentationml/2006/main" xmlns:c="http://schemas.openxmlformats.org/drawingml/2006/chart" xmlns:dgm="http://schemas.openxmlformats.org/drawingml/2006/diagram" xmlns:o="urn:schemas-microsoft-com:office:office" xmlns:v="urn:schemas-microsoft-com:vml" xmlns:pvml="urn:schemas-microsoft-com:office:powerpoint" xmlns:com="http://schemas.openxmlformats.org/drawingml/2006/compatibility" xmlns:p14="http://schemas.microsoft.com/office/powerpoint/2010/main">
+  <p:cSld>
+    <p:spTree>
+      <p:nvGrpSpPr>
+        <p:cNvPr id="216" name="Shape 216"/>
+        <p:cNvGrpSpPr/>
+        <p:nvPr/>
+      </p:nvGrpSpPr>
+      <p:grpSpPr>
+        <a:xfrm>
+          <a:off x="0" y="0"/>
+          <a:ext cx="0" cy="0"/>
+          <a:chOff x="0" y="0"/>
+          <a:chExt cx="0" cy="0"/>
+        </a:xfrm>
+      </p:grpSpPr>
+      <p:sp>
+        <p:nvSpPr>
+          <p:cNvPr id="217" name="Shape 217"/>
+          <p:cNvSpPr txBox="1"/>
+          <p:nvPr>
+            <p:ph type="title"/>
+          </p:nvPr>
+        </p:nvSpPr>
+        <p:spPr>
+          <a:xfrm>
+            <a:off x="311700" y="139750"/>
+            <a:ext cx="8520600" cy="572700"/>
+          </a:xfrm>
+          <a:prstGeom prst="rect">
+            <a:avLst/>
+          </a:prstGeom>
+        </p:spPr>
+        <p:txBody>
+          <a:bodyPr anchorCtr="0" anchor="t" bIns="91425" lIns="91425" rIns="91425" tIns="91425">
+            <a:noAutofit/>
+          </a:bodyPr>
+          <a:lstStyle/>
+          <a:p>
+            <a:pPr lvl="0">
+              <a:spcBef>
+                <a:spcPts val="0"/>
+              </a:spcBef>
+              <a:buNone/>
+            </a:pPr>
+            <a:r>
+              <a:rPr lang="en"/>
+              <a:t>Challenges</a:t>
+            </a:r>
+          </a:p>
+        </p:txBody>
+      </p:sp>
+      <p:sp>
+        <p:nvSpPr>
+          <p:cNvPr id="218" name="Shape 218"/>
+          <p:cNvSpPr txBox="1"/>
+          <p:nvPr>
+            <p:ph idx="1" type="body"/>
+          </p:nvPr>
+        </p:nvSpPr>
+        <p:spPr>
+          <a:xfrm>
+            <a:off x="110075" y="646675"/>
+            <a:ext cx="8973300" cy="4497000"/>
+          </a:xfrm>
+          <a:prstGeom prst="rect">
+            <a:avLst/>
+          </a:prstGeom>
+        </p:spPr>
+        <p:txBody>
+          <a:bodyPr anchorCtr="0" anchor="t" bIns="91425" lIns="91425" rIns="91425" tIns="91425">
+            <a:noAutofit/>
+          </a:bodyPr>
+          <a:lstStyle/>
+          <a:p>
+            <a:pPr lvl="0">
+              <a:spcBef>
+                <a:spcPts val="0"/>
+              </a:spcBef>
+              <a:buClr>
+                <a:schemeClr val="dk1"/>
+              </a:buClr>
+              <a:buSzPct val="61111"/>
+              <a:buFont typeface="Arial"/>
+              <a:buNone/>
+            </a:pPr>
+            <a:r>
+              <a:rPr lang="en"/>
+              <a:t>* Originally started off with the wrong code, had to wait to get the code that mirrored the live site</a:t>
+            </a:r>
+          </a:p>
+          <a:p>
+            <a:pPr lvl="0">
+              <a:spcBef>
+                <a:spcPts val="0"/>
+              </a:spcBef>
+              <a:buClr>
+                <a:schemeClr val="dk1"/>
+              </a:buClr>
+              <a:buSzPct val="61111"/>
+              <a:buFont typeface="Arial"/>
+              <a:buNone/>
+            </a:pPr>
+            <a:r>
+              <a:rPr lang="en"/>
+              <a:t>* Had to re-enter the whole database</a:t>
+            </a:r>
+          </a:p>
+          <a:p>
+            <a:pPr lvl="0">
+              <a:spcBef>
+                <a:spcPts val="0"/>
+              </a:spcBef>
+              <a:buClr>
+                <a:schemeClr val="dk1"/>
+              </a:buClr>
+              <a:buSzPct val="61111"/>
+              <a:buFont typeface="Arial"/>
+              <a:buNone/>
+            </a:pPr>
+            <a:r>
+              <a:rPr lang="en"/>
+              <a:t>* Finding time for the whole team to meet</a:t>
+            </a:r>
+          </a:p>
+          <a:p>
+            <a:pPr lvl="0">
+              <a:spcBef>
+                <a:spcPts val="0"/>
+              </a:spcBef>
+              <a:buClr>
+                <a:schemeClr val="dk1"/>
+              </a:buClr>
+              <a:buSzPct val="61111"/>
+              <a:buFont typeface="Arial"/>
+              <a:buNone/>
+            </a:pPr>
+            <a:r>
+              <a:rPr lang="en"/>
+              <a:t>* Sharing understanding of all parts of the project so that effort is not duplicated</a:t>
+            </a:r>
+          </a:p>
+          <a:p>
+            <a:pPr lvl="0">
+              <a:spcBef>
+                <a:spcPts val="0"/>
+              </a:spcBef>
+              <a:buClr>
+                <a:schemeClr val="dk1"/>
+              </a:buClr>
+              <a:buSzPct val="61111"/>
+              <a:buFont typeface="Arial"/>
+              <a:buNone/>
+            </a:pPr>
+            <a:r>
+              <a:rPr lang="en"/>
+              <a:t>* Learning about the project code, and database</a:t>
+            </a:r>
+          </a:p>
+          <a:p>
+            <a:pPr lvl="0">
+              <a:spcBef>
+                <a:spcPts val="0"/>
+              </a:spcBef>
+              <a:buClr>
+                <a:schemeClr val="dk1"/>
+              </a:buClr>
+              <a:buSzPct val="61111"/>
+              <a:buFont typeface="Arial"/>
+              <a:buNone/>
+            </a:pPr>
+            <a:r>
+              <a:rPr lang="en"/>
+              <a:t>* There were so many CSS files and since there was not any description, it was not easy to find which CCS page do the styling for a particular page</a:t>
+            </a:r>
+          </a:p>
+          <a:p>
+            <a:pPr lvl="0">
+              <a:spcBef>
+                <a:spcPts val="0"/>
+              </a:spcBef>
+              <a:buClr>
+                <a:schemeClr val="dk1"/>
+              </a:buClr>
+              <a:buSzPct val="61111"/>
+              <a:buFont typeface="Arial"/>
+              <a:buNone/>
+            </a:pPr>
+            <a:r>
+              <a:rPr lang="en"/>
+              <a:t>* We had no user responses on the site so it was hard to make right decision what have to be changed</a:t>
+            </a:r>
+          </a:p>
+          <a:p>
+            <a:pPr lvl="0">
+              <a:spcBef>
+                <a:spcPts val="0"/>
+              </a:spcBef>
+              <a:buNone/>
+            </a:pPr>
+            <a:r>
+              <a:t/>
+            </a:r>
+            <a:endParaRPr/>
+          </a:p>
+        </p:txBody>
+      </p:sp>
+    </p:spTree>
+  </p:cSld>
+  <p:clrMapOvr>
+    <a:masterClrMapping/>
+  </p:clrMapOvr>
+</p:sld>
+</file>
+
+<file path=ppt/slides/slide3.xml><?xml version="1.0" encoding="utf-8"?>
+<p:sld xmlns:a="http://schemas.openxmlformats.org/drawingml/2006/main" xmlns:r="http://schemas.openxmlformats.org/officeDocument/2006/relationships" xmlns:mc="http://schemas.openxmlformats.org/markup-compatibility/2006" xmlns:mv="urn:schemas-microsoft-com:mac:vml" xmlns:p="http://schemas.openxmlformats.org/presentationml/2006/main" xmlns:c="http://schemas.openxmlformats.org/drawingml/2006/chart" xmlns:dgm="http://schemas.openxmlformats.org/drawingml/2006/diagram" xmlns:o="urn:schemas-microsoft-com:office:office" xmlns:v="urn:schemas-microsoft-com:vml" xmlns:pvml="urn:schemas-microsoft-com:office:powerpoint" xmlns:com="http://schemas.openxmlformats.org/drawingml/2006/compatibility" xmlns:p14="http://schemas.microsoft.com/office/powerpoint/2010/main">
+  <p:cSld>
+    <p:spTree>
+      <p:nvGrpSpPr>
+        <p:cNvPr id="65" name="Shape 65"/>
+        <p:cNvGrpSpPr/>
+        <p:nvPr/>
+      </p:nvGrpSpPr>
+      <p:grpSpPr>
+        <a:xfrm>
+          <a:off x="0" y="0"/>
+          <a:ext cx="0" cy="0"/>
+          <a:chOff x="0" y="0"/>
+          <a:chExt cx="0" cy="0"/>
+        </a:xfrm>
+      </p:grpSpPr>
+      <p:sp>
+        <p:nvSpPr>
           <p:cNvPr id="66" name="Shape 66"/>
-          <p:cNvSpPr txBox="1">
-            <a:spLocks noGrp="1"/>
-          </p:cNvSpPr>
+          <p:cNvSpPr txBox="1"/>
           <p:nvPr>
             <p:ph type="title"/>
           </p:nvPr>
@@ -8323,7 +8511,7 @@
           </a:prstGeom>
         </p:spPr>
         <p:txBody>
-          <a:bodyPr lIns="91425" tIns="91425" rIns="91425" bIns="91425" anchor="t" anchorCtr="0">
+          <a:bodyPr anchorCtr="0" anchor="t" bIns="91425" lIns="91425" rIns="91425" tIns="91425">
             <a:noAutofit/>
           </a:bodyPr>
           <a:lstStyle/>
@@ -8378,11 +8566,11 @@
 </file>
 
 <file path=ppt/slides/slide4.xml><?xml version="1.0" encoding="utf-8"?>
-<p:sld xmlns:a="http://schemas.openxmlformats.org/drawingml/2006/main" xmlns:r="http://schemas.openxmlformats.org/officeDocument/2006/relationships" xmlns:p="http://schemas.openxmlformats.org/presentationml/2006/main">
+<p:sld xmlns:a="http://schemas.openxmlformats.org/drawingml/2006/main" xmlns:r="http://schemas.openxmlformats.org/officeDocument/2006/relationships" xmlns:mc="http://schemas.openxmlformats.org/markup-compatibility/2006" xmlns:mv="urn:schemas-microsoft-com:mac:vml" xmlns:p="http://schemas.openxmlformats.org/presentationml/2006/main" xmlns:c="http://schemas.openxmlformats.org/drawingml/2006/chart" xmlns:dgm="http://schemas.openxmlformats.org/drawingml/2006/diagram" xmlns:o="urn:schemas-microsoft-com:office:office" xmlns:v="urn:schemas-microsoft-com:vml" xmlns:pvml="urn:schemas-microsoft-com:office:powerpoint" xmlns:com="http://schemas.openxmlformats.org/drawingml/2006/compatibility" xmlns:p14="http://schemas.microsoft.com/office/powerpoint/2010/main">
   <p:cSld>
     <p:spTree>
       <p:nvGrpSpPr>
-        <p:cNvPr id="1" name="Shape 71"/>
+        <p:cNvPr id="71" name="Shape 71"/>
         <p:cNvGrpSpPr/>
         <p:nvPr/>
       </p:nvGrpSpPr>
@@ -8397,9 +8585,7 @@
       <p:sp>
         <p:nvSpPr>
           <p:cNvPr id="72" name="Shape 72"/>
-          <p:cNvSpPr txBox="1">
-            <a:spLocks noGrp="1"/>
-          </p:cNvSpPr>
+          <p:cNvSpPr txBox="1"/>
           <p:nvPr>
             <p:ph type="title"/>
           </p:nvPr>
@@ -8414,7 +8600,7 @@
           </a:prstGeom>
         </p:spPr>
         <p:txBody>
-          <a:bodyPr lIns="91425" tIns="91425" rIns="91425" bIns="91425" anchor="t" anchorCtr="0">
+          <a:bodyPr anchorCtr="0" anchor="t" bIns="91425" lIns="91425" rIns="91425" tIns="91425">
             <a:noAutofit/>
           </a:bodyPr>
           <a:lstStyle/>
@@ -8469,11 +8655,11 @@
 </file>
 
 <file path=ppt/slides/slide5.xml><?xml version="1.0" encoding="utf-8"?>
-<p:sld xmlns:a="http://schemas.openxmlformats.org/drawingml/2006/main" xmlns:r="http://schemas.openxmlformats.org/officeDocument/2006/relationships" xmlns:p="http://schemas.openxmlformats.org/presentationml/2006/main">
+<p:sld xmlns:a="http://schemas.openxmlformats.org/drawingml/2006/main" xmlns:r="http://schemas.openxmlformats.org/officeDocument/2006/relationships" xmlns:mc="http://schemas.openxmlformats.org/markup-compatibility/2006" xmlns:mv="urn:schemas-microsoft-com:mac:vml" xmlns:p="http://schemas.openxmlformats.org/presentationml/2006/main" xmlns:c="http://schemas.openxmlformats.org/drawingml/2006/chart" xmlns:dgm="http://schemas.openxmlformats.org/drawingml/2006/diagram" xmlns:o="urn:schemas-microsoft-com:office:office" xmlns:v="urn:schemas-microsoft-com:vml" xmlns:pvml="urn:schemas-microsoft-com:office:powerpoint" xmlns:com="http://schemas.openxmlformats.org/drawingml/2006/compatibility" xmlns:p14="http://schemas.microsoft.com/office/powerpoint/2010/main">
   <p:cSld>
     <p:spTree>
       <p:nvGrpSpPr>
-        <p:cNvPr id="1" name="Shape 77"/>
+        <p:cNvPr id="77" name="Shape 77"/>
         <p:cNvGrpSpPr/>
         <p:nvPr/>
       </p:nvGrpSpPr>
@@ -8488,9 +8674,7 @@
       <p:sp>
         <p:nvSpPr>
           <p:cNvPr id="78" name="Shape 78"/>
-          <p:cNvSpPr txBox="1">
-            <a:spLocks noGrp="1"/>
-          </p:cNvSpPr>
+          <p:cNvSpPr txBox="1"/>
           <p:nvPr>
             <p:ph type="title"/>
           </p:nvPr>
@@ -8505,7 +8689,7 @@
           </a:prstGeom>
         </p:spPr>
         <p:txBody>
-          <a:bodyPr lIns="91425" tIns="91425" rIns="91425" bIns="91425" anchor="t" anchorCtr="0">
+          <a:bodyPr anchorCtr="0" anchor="t" bIns="91425" lIns="91425" rIns="91425" tIns="91425">
             <a:noAutofit/>
           </a:bodyPr>
           <a:lstStyle/>
@@ -8560,11 +8744,11 @@
 </file>
 
 <file path=ppt/slides/slide6.xml><?xml version="1.0" encoding="utf-8"?>
-<p:sld xmlns:a="http://schemas.openxmlformats.org/drawingml/2006/main" xmlns:r="http://schemas.openxmlformats.org/officeDocument/2006/relationships" xmlns:p="http://schemas.openxmlformats.org/presentationml/2006/main">
+<p:sld xmlns:a="http://schemas.openxmlformats.org/drawingml/2006/main" xmlns:r="http://schemas.openxmlformats.org/officeDocument/2006/relationships" xmlns:mc="http://schemas.openxmlformats.org/markup-compatibility/2006" xmlns:mv="urn:schemas-microsoft-com:mac:vml" xmlns:p="http://schemas.openxmlformats.org/presentationml/2006/main" xmlns:c="http://schemas.openxmlformats.org/drawingml/2006/chart" xmlns:dgm="http://schemas.openxmlformats.org/drawingml/2006/diagram" xmlns:o="urn:schemas-microsoft-com:office:office" xmlns:v="urn:schemas-microsoft-com:vml" xmlns:pvml="urn:schemas-microsoft-com:office:powerpoint" xmlns:com="http://schemas.openxmlformats.org/drawingml/2006/compatibility" xmlns:p14="http://schemas.microsoft.com/office/powerpoint/2010/main">
   <p:cSld>
     <p:spTree>
       <p:nvGrpSpPr>
-        <p:cNvPr id="1" name="Shape 83"/>
+        <p:cNvPr id="83" name="Shape 83"/>
         <p:cNvGrpSpPr/>
         <p:nvPr/>
       </p:nvGrpSpPr>
@@ -8579,9 +8763,7 @@
       <p:sp>
         <p:nvSpPr>
           <p:cNvPr id="84" name="Shape 84"/>
-          <p:cNvSpPr txBox="1">
-            <a:spLocks noGrp="1"/>
-          </p:cNvSpPr>
+          <p:cNvSpPr txBox="1"/>
           <p:nvPr>
             <p:ph type="title"/>
           </p:nvPr>
@@ -8596,7 +8778,7 @@
           </a:prstGeom>
         </p:spPr>
         <p:txBody>
-          <a:bodyPr lIns="91425" tIns="91425" rIns="91425" bIns="91425" anchor="t" anchorCtr="0">
+          <a:bodyPr anchorCtr="0" anchor="t" bIns="91425" lIns="91425" rIns="91425" tIns="91425">
             <a:noAutofit/>
           </a:bodyPr>
           <a:lstStyle/>
@@ -8651,11 +8833,11 @@
 </file>
 
 <file path=ppt/slides/slide7.xml><?xml version="1.0" encoding="utf-8"?>
-<p:sld xmlns:a="http://schemas.openxmlformats.org/drawingml/2006/main" xmlns:r="http://schemas.openxmlformats.org/officeDocument/2006/relationships" xmlns:p="http://schemas.openxmlformats.org/presentationml/2006/main">
+<p:sld xmlns:a="http://schemas.openxmlformats.org/drawingml/2006/main" xmlns:r="http://schemas.openxmlformats.org/officeDocument/2006/relationships" xmlns:mc="http://schemas.openxmlformats.org/markup-compatibility/2006" xmlns:mv="urn:schemas-microsoft-com:mac:vml" xmlns:p="http://schemas.openxmlformats.org/presentationml/2006/main" xmlns:c="http://schemas.openxmlformats.org/drawingml/2006/chart" xmlns:dgm="http://schemas.openxmlformats.org/drawingml/2006/diagram" xmlns:o="urn:schemas-microsoft-com:office:office" xmlns:v="urn:schemas-microsoft-com:vml" xmlns:pvml="urn:schemas-microsoft-com:office:powerpoint" xmlns:com="http://schemas.openxmlformats.org/drawingml/2006/compatibility" xmlns:p14="http://schemas.microsoft.com/office/powerpoint/2010/main">
   <p:cSld>
     <p:spTree>
       <p:nvGrpSpPr>
-        <p:cNvPr id="1" name="Shape 89"/>
+        <p:cNvPr id="89" name="Shape 89"/>
         <p:cNvGrpSpPr/>
         <p:nvPr/>
       </p:nvGrpSpPr>
@@ -8670,9 +8852,7 @@
       <p:sp>
         <p:nvSpPr>
           <p:cNvPr id="90" name="Shape 90"/>
-          <p:cNvSpPr txBox="1">
-            <a:spLocks noGrp="1"/>
-          </p:cNvSpPr>
+          <p:cNvSpPr txBox="1"/>
           <p:nvPr>
             <p:ph type="title"/>
           </p:nvPr>
@@ -8687,7 +8867,7 @@
           </a:prstGeom>
         </p:spPr>
         <p:txBody>
-          <a:bodyPr lIns="91425" tIns="91425" rIns="91425" bIns="91425" anchor="t" anchorCtr="0">
+          <a:bodyPr anchorCtr="0" anchor="t" bIns="91425" lIns="91425" rIns="91425" tIns="91425">
             <a:noAutofit/>
           </a:bodyPr>
           <a:lstStyle/>
@@ -8742,11 +8922,11 @@
 </file>
 
 <file path=ppt/slides/slide8.xml><?xml version="1.0" encoding="utf-8"?>
-<p:sld xmlns:a="http://schemas.openxmlformats.org/drawingml/2006/main" xmlns:r="http://schemas.openxmlformats.org/officeDocument/2006/relationships" xmlns:p="http://schemas.openxmlformats.org/presentationml/2006/main">
+<p:sld xmlns:a="http://schemas.openxmlformats.org/drawingml/2006/main" xmlns:r="http://schemas.openxmlformats.org/officeDocument/2006/relationships" xmlns:mc="http://schemas.openxmlformats.org/markup-compatibility/2006" xmlns:mv="urn:schemas-microsoft-com:mac:vml" xmlns:p="http://schemas.openxmlformats.org/presentationml/2006/main" xmlns:c="http://schemas.openxmlformats.org/drawingml/2006/chart" xmlns:dgm="http://schemas.openxmlformats.org/drawingml/2006/diagram" xmlns:o="urn:schemas-microsoft-com:office:office" xmlns:v="urn:schemas-microsoft-com:vml" xmlns:pvml="urn:schemas-microsoft-com:office:powerpoint" xmlns:com="http://schemas.openxmlformats.org/drawingml/2006/compatibility" xmlns:p14="http://schemas.microsoft.com/office/powerpoint/2010/main">
   <p:cSld>
     <p:spTree>
       <p:nvGrpSpPr>
-        <p:cNvPr id="1" name="Shape 95"/>
+        <p:cNvPr id="95" name="Shape 95"/>
         <p:cNvGrpSpPr/>
         <p:nvPr/>
       </p:nvGrpSpPr>
@@ -8761,9 +8941,7 @@
       <p:sp>
         <p:nvSpPr>
           <p:cNvPr id="96" name="Shape 96"/>
-          <p:cNvSpPr txBox="1">
-            <a:spLocks noGrp="1"/>
-          </p:cNvSpPr>
+          <p:cNvSpPr txBox="1"/>
           <p:nvPr>
             <p:ph type="title"/>
           </p:nvPr>
@@ -8778,7 +8956,7 @@
           </a:prstGeom>
         </p:spPr>
         <p:txBody>
-          <a:bodyPr lIns="91425" tIns="91425" rIns="91425" bIns="91425" anchor="t" anchorCtr="0">
+          <a:bodyPr anchorCtr="0" anchor="t" bIns="91425" lIns="91425" rIns="91425" tIns="91425">
             <a:noAutofit/>
           </a:bodyPr>
           <a:lstStyle/>
@@ -8833,11 +9011,11 @@
 </file>
 
 <file path=ppt/slides/slide9.xml><?xml version="1.0" encoding="utf-8"?>
-<p:sld xmlns:a="http://schemas.openxmlformats.org/drawingml/2006/main" xmlns:r="http://schemas.openxmlformats.org/officeDocument/2006/relationships" xmlns:p="http://schemas.openxmlformats.org/presentationml/2006/main">
+<p:sld xmlns:a="http://schemas.openxmlformats.org/drawingml/2006/main" xmlns:r="http://schemas.openxmlformats.org/officeDocument/2006/relationships" xmlns:mc="http://schemas.openxmlformats.org/markup-compatibility/2006" xmlns:mv="urn:schemas-microsoft-com:mac:vml" xmlns:p="http://schemas.openxmlformats.org/presentationml/2006/main" xmlns:c="http://schemas.openxmlformats.org/drawingml/2006/chart" xmlns:dgm="http://schemas.openxmlformats.org/drawingml/2006/diagram" xmlns:o="urn:schemas-microsoft-com:office:office" xmlns:v="urn:schemas-microsoft-com:vml" xmlns:pvml="urn:schemas-microsoft-com:office:powerpoint" xmlns:com="http://schemas.openxmlformats.org/drawingml/2006/compatibility" xmlns:p14="http://schemas.microsoft.com/office/powerpoint/2010/main">
   <p:cSld>
     <p:spTree>
       <p:nvGrpSpPr>
-        <p:cNvPr id="1" name="Shape 101"/>
+        <p:cNvPr id="101" name="Shape 101"/>
         <p:cNvGrpSpPr/>
         <p:nvPr/>
       </p:nvGrpSpPr>
@@ -8852,9 +9030,7 @@
       <p:sp>
         <p:nvSpPr>
           <p:cNvPr id="102" name="Shape 102"/>
-          <p:cNvSpPr txBox="1">
-            <a:spLocks noGrp="1"/>
-          </p:cNvSpPr>
+          <p:cNvSpPr txBox="1"/>
           <p:nvPr>
             <p:ph type="title"/>
           </p:nvPr>
@@ -8869,7 +9045,7 @@
           </a:prstGeom>
         </p:spPr>
         <p:txBody>
-          <a:bodyPr lIns="91425" tIns="91425" rIns="91425" bIns="91425" anchor="t" anchorCtr="0">
+          <a:bodyPr anchorCtr="0" anchor="t" bIns="91425" lIns="91425" rIns="91425" tIns="91425">
             <a:noAutofit/>
           </a:bodyPr>
           <a:lstStyle/>
@@ -8924,7 +9100,7 @@
 </file>
 
 <file path=ppt/theme/theme1.xml><?xml version="1.0" encoding="utf-8"?>
-<a:theme xmlns:a="http://schemas.openxmlformats.org/drawingml/2006/main" name="simple-light-2">
+<a:theme xmlns:a="http://schemas.openxmlformats.org/drawingml/2006/main" xmlns:r="http://schemas.openxmlformats.org/officeDocument/2006/relationships" name="simple-light-2">
   <a:themeElements>
     <a:clrScheme name="Simple Light">
       <a:dk1>
@@ -9199,13 +9375,11 @@
       </a:bgFillStyleLst>
     </a:fmtScheme>
   </a:themeElements>
-  <a:objectDefaults/>
-  <a:extraClrSchemeLst/>
 </a:theme>
 </file>
 
 <file path=ppt/theme/theme2.xml><?xml version="1.0" encoding="utf-8"?>
-<a:theme xmlns:a="http://schemas.openxmlformats.org/drawingml/2006/main" name="Custom Theme">
+<a:theme xmlns:a="http://schemas.openxmlformats.org/drawingml/2006/main" xmlns:r="http://schemas.openxmlformats.org/officeDocument/2006/relationships" name="Custom Theme">
   <a:themeElements>
     <a:clrScheme name="Default">
       <a:dk1>
@@ -9480,7 +9654,5 @@
       </a:bgFillStyleLst>
     </a:fmtScheme>
   </a:themeElements>
-  <a:objectDefaults/>
-  <a:extraClrSchemeLst/>
 </a:theme>
 </file>